--- a/dy.pptx
+++ b/dy.pptx
@@ -244,7 +244,7 @@
           <a:p>
             <a:fld id="{3A4BDD1D-B22B-4ED6-A560-FD2CA5D857D7}" type="datetimeFigureOut">
               <a:rPr lang="ru-RU" smtClean="0"/>
-              <a:t>25.09.2023</a:t>
+              <a:t>26.09.2023</a:t>
             </a:fld>
             <a:endParaRPr lang="ru-RU"/>
           </a:p>
@@ -414,7 +414,7 @@
           <a:p>
             <a:fld id="{3A4BDD1D-B22B-4ED6-A560-FD2CA5D857D7}" type="datetimeFigureOut">
               <a:rPr lang="ru-RU" smtClean="0"/>
-              <a:t>25.09.2023</a:t>
+              <a:t>26.09.2023</a:t>
             </a:fld>
             <a:endParaRPr lang="ru-RU"/>
           </a:p>
@@ -594,7 +594,7 @@
           <a:p>
             <a:fld id="{3A4BDD1D-B22B-4ED6-A560-FD2CA5D857D7}" type="datetimeFigureOut">
               <a:rPr lang="ru-RU" smtClean="0"/>
-              <a:t>25.09.2023</a:t>
+              <a:t>26.09.2023</a:t>
             </a:fld>
             <a:endParaRPr lang="ru-RU"/>
           </a:p>
@@ -764,7 +764,7 @@
           <a:p>
             <a:fld id="{3A4BDD1D-B22B-4ED6-A560-FD2CA5D857D7}" type="datetimeFigureOut">
               <a:rPr lang="ru-RU" smtClean="0"/>
-              <a:t>25.09.2023</a:t>
+              <a:t>26.09.2023</a:t>
             </a:fld>
             <a:endParaRPr lang="ru-RU"/>
           </a:p>
@@ -1010,7 +1010,7 @@
           <a:p>
             <a:fld id="{3A4BDD1D-B22B-4ED6-A560-FD2CA5D857D7}" type="datetimeFigureOut">
               <a:rPr lang="ru-RU" smtClean="0"/>
-              <a:t>25.09.2023</a:t>
+              <a:t>26.09.2023</a:t>
             </a:fld>
             <a:endParaRPr lang="ru-RU"/>
           </a:p>
@@ -1242,7 +1242,7 @@
           <a:p>
             <a:fld id="{3A4BDD1D-B22B-4ED6-A560-FD2CA5D857D7}" type="datetimeFigureOut">
               <a:rPr lang="ru-RU" smtClean="0"/>
-              <a:t>25.09.2023</a:t>
+              <a:t>26.09.2023</a:t>
             </a:fld>
             <a:endParaRPr lang="ru-RU"/>
           </a:p>
@@ -1609,7 +1609,7 @@
           <a:p>
             <a:fld id="{3A4BDD1D-B22B-4ED6-A560-FD2CA5D857D7}" type="datetimeFigureOut">
               <a:rPr lang="ru-RU" smtClean="0"/>
-              <a:t>25.09.2023</a:t>
+              <a:t>26.09.2023</a:t>
             </a:fld>
             <a:endParaRPr lang="ru-RU"/>
           </a:p>
@@ -1727,7 +1727,7 @@
           <a:p>
             <a:fld id="{3A4BDD1D-B22B-4ED6-A560-FD2CA5D857D7}" type="datetimeFigureOut">
               <a:rPr lang="ru-RU" smtClean="0"/>
-              <a:t>25.09.2023</a:t>
+              <a:t>26.09.2023</a:t>
             </a:fld>
             <a:endParaRPr lang="ru-RU"/>
           </a:p>
@@ -1822,7 +1822,7 @@
           <a:p>
             <a:fld id="{3A4BDD1D-B22B-4ED6-A560-FD2CA5D857D7}" type="datetimeFigureOut">
               <a:rPr lang="ru-RU" smtClean="0"/>
-              <a:t>25.09.2023</a:t>
+              <a:t>26.09.2023</a:t>
             </a:fld>
             <a:endParaRPr lang="ru-RU"/>
           </a:p>
@@ -2099,7 +2099,7 @@
           <a:p>
             <a:fld id="{3A4BDD1D-B22B-4ED6-A560-FD2CA5D857D7}" type="datetimeFigureOut">
               <a:rPr lang="ru-RU" smtClean="0"/>
-              <a:t>25.09.2023</a:t>
+              <a:t>26.09.2023</a:t>
             </a:fld>
             <a:endParaRPr lang="ru-RU"/>
           </a:p>
@@ -2352,7 +2352,7 @@
           <a:p>
             <a:fld id="{3A4BDD1D-B22B-4ED6-A560-FD2CA5D857D7}" type="datetimeFigureOut">
               <a:rPr lang="ru-RU" smtClean="0"/>
-              <a:t>25.09.2023</a:t>
+              <a:t>26.09.2023</a:t>
             </a:fld>
             <a:endParaRPr lang="ru-RU"/>
           </a:p>
@@ -2565,7 +2565,7 @@
           <a:p>
             <a:fld id="{3A4BDD1D-B22B-4ED6-A560-FD2CA5D857D7}" type="datetimeFigureOut">
               <a:rPr lang="ru-RU" smtClean="0"/>
-              <a:t>25.09.2023</a:t>
+              <a:t>26.09.2023</a:t>
             </a:fld>
             <a:endParaRPr lang="ru-RU"/>
           </a:p>
@@ -7442,7 +7442,7 @@
           <a:prstGeom prst="straightConnector1">
             <a:avLst/>
           </a:prstGeom>
-          <a:ln>
+          <a:ln w="25400">
             <a:solidFill>
               <a:schemeClr val="tx1"/>
             </a:solidFill>
@@ -7482,7 +7482,7 @@
           <a:prstGeom prst="straightConnector1">
             <a:avLst/>
           </a:prstGeom>
-          <a:ln>
+          <a:ln w="25400">
             <a:solidFill>
               <a:schemeClr val="tx1"/>
             </a:solidFill>
@@ -8126,14 +8126,14 @@
         <p:nvCxnSpPr>
           <p:cNvPr id="73" name="Прямая со стрелкой 72"/>
           <p:cNvCxnSpPr>
-            <a:stCxn id="30" idx="0"/>
+            <a:stCxn id="14" idx="0"/>
           </p:cNvCxnSpPr>
           <p:nvPr/>
         </p:nvCxnSpPr>
         <p:spPr>
           <a:xfrm flipH="1" flipV="1">
-            <a:off x="6592354" y="1194577"/>
-            <a:ext cx="20883" cy="948259"/>
+            <a:off x="5474206" y="1158398"/>
+            <a:ext cx="88394" cy="1737202"/>
           </a:xfrm>
           <a:prstGeom prst="straightConnector1">
             <a:avLst/>
@@ -8435,7 +8435,7 @@
         <p:spPr>
           <a:xfrm>
             <a:off x="582802" y="5695640"/>
-            <a:ext cx="4979798" cy="923330"/>
+            <a:ext cx="9281634" cy="646331"/>
           </a:xfrm>
           <a:prstGeom prst="rect">
             <a:avLst/>
@@ -8450,7 +8450,11 @@
           <a:p>
             <a:r>
               <a:rPr lang="en-US" dirty="0" smtClean="0"/>
-              <a:t>It is assumed that the internal punishment will come first and therefore the external evaluation will not take effect.</a:t>
+              <a:t>It is assumed that the internal punishment will come first and therefore the external evaluation will not take effect</a:t>
+            </a:r>
+            <a:r>
+              <a:rPr lang="en-US" dirty="0" smtClean="0"/>
+              <a:t>. Therefore, internal punishment does not depend on dopamine plasticity time.</a:t>
             </a:r>
             <a:endParaRPr lang="ru-RU" dirty="0"/>
           </a:p>

--- a/dy.pptx
+++ b/dy.pptx
@@ -8460,6 +8460,45 @@
           </a:p>
         </p:txBody>
       </p:sp>
+      <p:cxnSp>
+        <p:nvCxnSpPr>
+          <p:cNvPr id="41" name="Прямая со стрелкой 40"/>
+          <p:cNvCxnSpPr>
+            <a:stCxn id="16" idx="6"/>
+          </p:cNvCxnSpPr>
+          <p:nvPr/>
+        </p:nvCxnSpPr>
+        <p:spPr>
+          <a:xfrm>
+            <a:off x="9231745" y="3186546"/>
+            <a:ext cx="2419017" cy="37108"/>
+          </a:xfrm>
+          <a:prstGeom prst="straightConnector1">
+            <a:avLst/>
+          </a:prstGeom>
+          <a:ln w="25400">
+            <a:solidFill>
+              <a:schemeClr val="tx1"/>
+            </a:solidFill>
+            <a:headEnd type="triangle"/>
+            <a:tailEnd type="triangle"/>
+          </a:ln>
+        </p:spPr>
+        <p:style>
+          <a:lnRef idx="1">
+            <a:schemeClr val="accent1"/>
+          </a:lnRef>
+          <a:fillRef idx="0">
+            <a:schemeClr val="accent1"/>
+          </a:fillRef>
+          <a:effectRef idx="0">
+            <a:schemeClr val="accent1"/>
+          </a:effectRef>
+          <a:fontRef idx="minor">
+            <a:schemeClr val="tx1"/>
+          </a:fontRef>
+        </p:style>
+      </p:cxnSp>
     </p:spTree>
     <p:extLst>
       <p:ext uri="{BB962C8B-B14F-4D97-AF65-F5344CB8AC3E}">

--- a/dy.pptx
+++ b/dy.pptx
@@ -7,6 +7,8 @@
   <p:sldIdLst>
     <p:sldId id="256" r:id="rId2"/>
     <p:sldId id="257" r:id="rId3"/>
+    <p:sldId id="258" r:id="rId4"/>
+    <p:sldId id="259" r:id="rId5"/>
   </p:sldIdLst>
   <p:sldSz cx="12192000" cy="6858000"/>
   <p:notesSz cx="6858000" cy="9144000"/>
@@ -107,7 +109,7 @@
   </p:defaultTextStyle>
   <p:extLst>
     <p:ext uri="{EFAFB233-063F-42B5-8137-9DF3F51BA10A}">
-      <p15:sldGuideLst xmlns:p15="http://schemas.microsoft.com/office/powerpoint/2012/main"/>
+      <p15:sldGuideLst xmlns:p15="http://schemas.microsoft.com/office/powerpoint/2012/main" xmlns=""/>
     </p:ext>
   </p:extLst>
 </p:presentation>
@@ -244,7 +246,7 @@
           <a:p>
             <a:fld id="{3A4BDD1D-B22B-4ED6-A560-FD2CA5D857D7}" type="datetimeFigureOut">
               <a:rPr lang="ru-RU" smtClean="0"/>
-              <a:t>26.09.2023</a:t>
+              <a:t>10.11.2023</a:t>
             </a:fld>
             <a:endParaRPr lang="ru-RU"/>
           </a:p>
@@ -414,7 +416,7 @@
           <a:p>
             <a:fld id="{3A4BDD1D-B22B-4ED6-A560-FD2CA5D857D7}" type="datetimeFigureOut">
               <a:rPr lang="ru-RU" smtClean="0"/>
-              <a:t>26.09.2023</a:t>
+              <a:t>10.11.2023</a:t>
             </a:fld>
             <a:endParaRPr lang="ru-RU"/>
           </a:p>
@@ -594,7 +596,7 @@
           <a:p>
             <a:fld id="{3A4BDD1D-B22B-4ED6-A560-FD2CA5D857D7}" type="datetimeFigureOut">
               <a:rPr lang="ru-RU" smtClean="0"/>
-              <a:t>26.09.2023</a:t>
+              <a:t>10.11.2023</a:t>
             </a:fld>
             <a:endParaRPr lang="ru-RU"/>
           </a:p>
@@ -764,7 +766,7 @@
           <a:p>
             <a:fld id="{3A4BDD1D-B22B-4ED6-A560-FD2CA5D857D7}" type="datetimeFigureOut">
               <a:rPr lang="ru-RU" smtClean="0"/>
-              <a:t>26.09.2023</a:t>
+              <a:t>10.11.2023</a:t>
             </a:fld>
             <a:endParaRPr lang="ru-RU"/>
           </a:p>
@@ -1010,7 +1012,7 @@
           <a:p>
             <a:fld id="{3A4BDD1D-B22B-4ED6-A560-FD2CA5D857D7}" type="datetimeFigureOut">
               <a:rPr lang="ru-RU" smtClean="0"/>
-              <a:t>26.09.2023</a:t>
+              <a:t>10.11.2023</a:t>
             </a:fld>
             <a:endParaRPr lang="ru-RU"/>
           </a:p>
@@ -1242,7 +1244,7 @@
           <a:p>
             <a:fld id="{3A4BDD1D-B22B-4ED6-A560-FD2CA5D857D7}" type="datetimeFigureOut">
               <a:rPr lang="ru-RU" smtClean="0"/>
-              <a:t>26.09.2023</a:t>
+              <a:t>10.11.2023</a:t>
             </a:fld>
             <a:endParaRPr lang="ru-RU"/>
           </a:p>
@@ -1609,7 +1611,7 @@
           <a:p>
             <a:fld id="{3A4BDD1D-B22B-4ED6-A560-FD2CA5D857D7}" type="datetimeFigureOut">
               <a:rPr lang="ru-RU" smtClean="0"/>
-              <a:t>26.09.2023</a:t>
+              <a:t>10.11.2023</a:t>
             </a:fld>
             <a:endParaRPr lang="ru-RU"/>
           </a:p>
@@ -1727,7 +1729,7 @@
           <a:p>
             <a:fld id="{3A4BDD1D-B22B-4ED6-A560-FD2CA5D857D7}" type="datetimeFigureOut">
               <a:rPr lang="ru-RU" smtClean="0"/>
-              <a:t>26.09.2023</a:t>
+              <a:t>10.11.2023</a:t>
             </a:fld>
             <a:endParaRPr lang="ru-RU"/>
           </a:p>
@@ -1822,7 +1824,7 @@
           <a:p>
             <a:fld id="{3A4BDD1D-B22B-4ED6-A560-FD2CA5D857D7}" type="datetimeFigureOut">
               <a:rPr lang="ru-RU" smtClean="0"/>
-              <a:t>26.09.2023</a:t>
+              <a:t>10.11.2023</a:t>
             </a:fld>
             <a:endParaRPr lang="ru-RU"/>
           </a:p>
@@ -2099,7 +2101,7 @@
           <a:p>
             <a:fld id="{3A4BDD1D-B22B-4ED6-A560-FD2CA5D857D7}" type="datetimeFigureOut">
               <a:rPr lang="ru-RU" smtClean="0"/>
-              <a:t>26.09.2023</a:t>
+              <a:t>10.11.2023</a:t>
             </a:fld>
             <a:endParaRPr lang="ru-RU"/>
           </a:p>
@@ -2352,7 +2354,7 @@
           <a:p>
             <a:fld id="{3A4BDD1D-B22B-4ED6-A560-FD2CA5D857D7}" type="datetimeFigureOut">
               <a:rPr lang="ru-RU" smtClean="0"/>
-              <a:t>26.09.2023</a:t>
+              <a:t>10.11.2023</a:t>
             </a:fld>
             <a:endParaRPr lang="ru-RU"/>
           </a:p>
@@ -2565,7 +2567,7 @@
           <a:p>
             <a:fld id="{3A4BDD1D-B22B-4ED6-A560-FD2CA5D857D7}" type="datetimeFigureOut">
               <a:rPr lang="ru-RU" smtClean="0"/>
-              <a:t>26.09.2023</a:t>
+              <a:t>10.11.2023</a:t>
             </a:fld>
             <a:endParaRPr lang="ru-RU"/>
           </a:p>
@@ -4795,8 +4797,8 @@
         </p:nvSpPr>
         <p:spPr>
           <a:xfrm>
-            <a:off x="-35667" y="3303006"/>
-            <a:ext cx="965200" cy="369332"/>
+            <a:off x="0" y="3278326"/>
+            <a:ext cx="1549400" cy="369332"/>
           </a:xfrm>
           <a:prstGeom prst="rect">
             <a:avLst/>
@@ -4811,7 +4813,7 @@
           <a:p>
             <a:r>
               <a:rPr lang="en-US" dirty="0" smtClean="0"/>
-              <a:t>action</a:t>
+              <a:t>action (rec3)</a:t>
             </a:r>
             <a:endParaRPr lang="ru-RU" dirty="0"/>
           </a:p>
@@ -6999,6 +7001,411 @@
           </a:fontRef>
         </p:style>
       </p:cxnSp>
+      <p:sp>
+        <p:nvSpPr>
+          <p:cNvPr id="2" name="TextBox 1"/>
+          <p:cNvSpPr txBox="1"/>
+          <p:nvPr/>
+        </p:nvSpPr>
+        <p:spPr>
+          <a:xfrm>
+            <a:off x="296779" y="6481011"/>
+            <a:ext cx="1805884" cy="369332"/>
+          </a:xfrm>
+          <a:prstGeom prst="rect">
+            <a:avLst/>
+          </a:prstGeom>
+          <a:noFill/>
+        </p:spPr>
+        <p:txBody>
+          <a:bodyPr wrap="square" rtlCol="0">
+            <a:spAutoFit/>
+          </a:bodyPr>
+          <a:lstStyle/>
+          <a:p>
+            <a:r>
+              <a:rPr lang="en-US" dirty="0" smtClean="0"/>
+              <a:t>rec0 not used </a:t>
+            </a:r>
+            <a:endParaRPr lang="en-US" dirty="0"/>
+          </a:p>
+        </p:txBody>
+      </p:sp>
+      <p:sp>
+        <p:nvSpPr>
+          <p:cNvPr id="3" name="TextBox 2"/>
+          <p:cNvSpPr txBox="1"/>
+          <p:nvPr/>
+        </p:nvSpPr>
+        <p:spPr>
+          <a:xfrm>
+            <a:off x="753236" y="211318"/>
+            <a:ext cx="622982" cy="369332"/>
+          </a:xfrm>
+          <a:prstGeom prst="rect">
+            <a:avLst/>
+          </a:prstGeom>
+          <a:noFill/>
+        </p:spPr>
+        <p:txBody>
+          <a:bodyPr wrap="square" rtlCol="0">
+            <a:spAutoFit/>
+          </a:bodyPr>
+          <a:lstStyle/>
+          <a:p>
+            <a:r>
+              <a:rPr lang="en-US" dirty="0" smtClean="0"/>
+              <a:t>rec1</a:t>
+            </a:r>
+            <a:endParaRPr lang="en-US" dirty="0"/>
+          </a:p>
+        </p:txBody>
+      </p:sp>
+      <p:sp>
+        <p:nvSpPr>
+          <p:cNvPr id="7" name="Прямоугольник 6"/>
+          <p:cNvSpPr/>
+          <p:nvPr/>
+        </p:nvSpPr>
+        <p:spPr>
+          <a:xfrm>
+            <a:off x="2773071" y="6328611"/>
+            <a:ext cx="8075499" cy="337066"/>
+          </a:xfrm>
+          <a:prstGeom prst="rect">
+            <a:avLst/>
+          </a:prstGeom>
+        </p:spPr>
+        <p:style>
+          <a:lnRef idx="2">
+            <a:schemeClr val="accent1">
+              <a:shade val="50000"/>
+            </a:schemeClr>
+          </a:lnRef>
+          <a:fillRef idx="1">
+            <a:schemeClr val="accent1"/>
+          </a:fillRef>
+          <a:effectRef idx="0">
+            <a:schemeClr val="accent1"/>
+          </a:effectRef>
+          <a:fontRef idx="minor">
+            <a:schemeClr val="lt1"/>
+          </a:fontRef>
+        </p:style>
+        <p:txBody>
+          <a:bodyPr rtlCol="0" anchor="ctr"/>
+          <a:lstStyle/>
+          <a:p>
+            <a:pPr algn="ctr"/>
+            <a:r>
+              <a:rPr lang="en-US" dirty="0" smtClean="0"/>
+              <a:t>INPUT (rec2)</a:t>
+            </a:r>
+            <a:endParaRPr lang="en-US" dirty="0"/>
+          </a:p>
+        </p:txBody>
+      </p:sp>
+      <p:cxnSp>
+        <p:nvCxnSpPr>
+          <p:cNvPr id="16" name="Прямая соединительная линия 15"/>
+          <p:cNvCxnSpPr/>
+          <p:nvPr/>
+        </p:nvCxnSpPr>
+        <p:spPr>
+          <a:xfrm flipH="1" flipV="1">
+            <a:off x="2601427" y="6109088"/>
+            <a:ext cx="166918" cy="219523"/>
+          </a:xfrm>
+          <a:prstGeom prst="line">
+            <a:avLst/>
+          </a:prstGeom>
+        </p:spPr>
+        <p:style>
+          <a:lnRef idx="1">
+            <a:schemeClr val="accent1"/>
+          </a:lnRef>
+          <a:fillRef idx="0">
+            <a:schemeClr val="accent1"/>
+          </a:fillRef>
+          <a:effectRef idx="0">
+            <a:schemeClr val="accent1"/>
+          </a:effectRef>
+          <a:fontRef idx="minor">
+            <a:schemeClr val="tx1"/>
+          </a:fontRef>
+        </p:style>
+      </p:cxnSp>
+      <p:cxnSp>
+        <p:nvCxnSpPr>
+          <p:cNvPr id="19" name="Прямая соединительная линия 18"/>
+          <p:cNvCxnSpPr>
+            <a:endCxn id="190" idx="5"/>
+          </p:cNvCxnSpPr>
+          <p:nvPr/>
+        </p:nvCxnSpPr>
+        <p:spPr>
+          <a:xfrm flipH="1" flipV="1">
+            <a:off x="2894888" y="5961156"/>
+            <a:ext cx="1775883" cy="367455"/>
+          </a:xfrm>
+          <a:prstGeom prst="line">
+            <a:avLst/>
+          </a:prstGeom>
+        </p:spPr>
+        <p:style>
+          <a:lnRef idx="1">
+            <a:schemeClr val="accent1"/>
+          </a:lnRef>
+          <a:fillRef idx="0">
+            <a:schemeClr val="accent1"/>
+          </a:fillRef>
+          <a:effectRef idx="0">
+            <a:schemeClr val="accent1"/>
+          </a:effectRef>
+          <a:fontRef idx="minor">
+            <a:schemeClr val="tx1"/>
+          </a:fontRef>
+        </p:style>
+      </p:cxnSp>
+      <p:cxnSp>
+        <p:nvCxnSpPr>
+          <p:cNvPr id="22" name="Прямая соединительная линия 21"/>
+          <p:cNvCxnSpPr>
+            <a:endCxn id="199" idx="3"/>
+          </p:cNvCxnSpPr>
+          <p:nvPr/>
+        </p:nvCxnSpPr>
+        <p:spPr>
+          <a:xfrm flipV="1">
+            <a:off x="8675615" y="6049370"/>
+            <a:ext cx="1599784" cy="279241"/>
+          </a:xfrm>
+          <a:prstGeom prst="line">
+            <a:avLst/>
+          </a:prstGeom>
+        </p:spPr>
+        <p:style>
+          <a:lnRef idx="1">
+            <a:schemeClr val="accent1"/>
+          </a:lnRef>
+          <a:fillRef idx="0">
+            <a:schemeClr val="accent1"/>
+          </a:fillRef>
+          <a:effectRef idx="0">
+            <a:schemeClr val="accent1"/>
+          </a:effectRef>
+          <a:fontRef idx="minor">
+            <a:schemeClr val="tx1"/>
+          </a:fontRef>
+        </p:style>
+      </p:cxnSp>
+      <p:cxnSp>
+        <p:nvCxnSpPr>
+          <p:cNvPr id="25" name="Прямая соединительная линия 24"/>
+          <p:cNvCxnSpPr/>
+          <p:nvPr/>
+        </p:nvCxnSpPr>
+        <p:spPr>
+          <a:xfrm flipH="1" flipV="1">
+            <a:off x="10823451" y="6144883"/>
+            <a:ext cx="12559" cy="183728"/>
+          </a:xfrm>
+          <a:prstGeom prst="line">
+            <a:avLst/>
+          </a:prstGeom>
+        </p:spPr>
+        <p:style>
+          <a:lnRef idx="1">
+            <a:schemeClr val="accent1"/>
+          </a:lnRef>
+          <a:fillRef idx="0">
+            <a:schemeClr val="accent1"/>
+          </a:fillRef>
+          <a:effectRef idx="0">
+            <a:schemeClr val="accent1"/>
+          </a:effectRef>
+          <a:fontRef idx="minor">
+            <a:schemeClr val="tx1"/>
+          </a:fontRef>
+        </p:style>
+      </p:cxnSp>
+      <p:sp>
+        <p:nvSpPr>
+          <p:cNvPr id="27" name="TextBox 26"/>
+          <p:cNvSpPr txBox="1"/>
+          <p:nvPr/>
+        </p:nvSpPr>
+        <p:spPr>
+          <a:xfrm>
+            <a:off x="6549558" y="5493352"/>
+            <a:ext cx="655371" cy="369332"/>
+          </a:xfrm>
+          <a:prstGeom prst="rect">
+            <a:avLst/>
+          </a:prstGeom>
+          <a:noFill/>
+        </p:spPr>
+        <p:txBody>
+          <a:bodyPr wrap="square" rtlCol="0">
+            <a:spAutoFit/>
+          </a:bodyPr>
+          <a:lstStyle/>
+          <a:p>
+            <a:r>
+              <a:rPr lang="en-US" dirty="0" smtClean="0"/>
+              <a:t>rec4</a:t>
+            </a:r>
+            <a:endParaRPr lang="en-US" dirty="0"/>
+          </a:p>
+        </p:txBody>
+      </p:sp>
+      <p:sp>
+        <p:nvSpPr>
+          <p:cNvPr id="29" name="TextBox 28"/>
+          <p:cNvSpPr txBox="1"/>
+          <p:nvPr/>
+        </p:nvSpPr>
+        <p:spPr>
+          <a:xfrm>
+            <a:off x="832079" y="3760927"/>
+            <a:ext cx="1051033" cy="200055"/>
+          </a:xfrm>
+          <a:prstGeom prst="rect">
+            <a:avLst/>
+          </a:prstGeom>
+          <a:noFill/>
+        </p:spPr>
+        <p:txBody>
+          <a:bodyPr wrap="square" rtlCol="0">
+            <a:spAutoFit/>
+          </a:bodyPr>
+          <a:lstStyle/>
+          <a:p>
+            <a:r>
+              <a:rPr lang="en-US" sz="700" dirty="0"/>
+              <a:t>ACTIONGATESREW</a:t>
+            </a:r>
+          </a:p>
+        </p:txBody>
+      </p:sp>
+      <p:sp>
+        <p:nvSpPr>
+          <p:cNvPr id="31" name="TextBox 30"/>
+          <p:cNvSpPr txBox="1"/>
+          <p:nvPr/>
+        </p:nvSpPr>
+        <p:spPr>
+          <a:xfrm>
+            <a:off x="1909736" y="3336667"/>
+            <a:ext cx="912030" cy="184666"/>
+          </a:xfrm>
+          <a:prstGeom prst="rect">
+            <a:avLst/>
+          </a:prstGeom>
+          <a:noFill/>
+        </p:spPr>
+        <p:txBody>
+          <a:bodyPr wrap="square" rtlCol="0">
+            <a:spAutoFit/>
+          </a:bodyPr>
+          <a:lstStyle/>
+          <a:p>
+            <a:r>
+              <a:rPr lang="en-US" sz="600" dirty="0"/>
+              <a:t>ACTIONGATESSECREW</a:t>
+            </a:r>
+          </a:p>
+        </p:txBody>
+      </p:sp>
+      <p:sp>
+        <p:nvSpPr>
+          <p:cNvPr id="120" name="TextBox 119"/>
+          <p:cNvSpPr txBox="1"/>
+          <p:nvPr/>
+        </p:nvSpPr>
+        <p:spPr>
+          <a:xfrm>
+            <a:off x="3065018" y="3304401"/>
+            <a:ext cx="912030" cy="184666"/>
+          </a:xfrm>
+          <a:prstGeom prst="rect">
+            <a:avLst/>
+          </a:prstGeom>
+          <a:noFill/>
+        </p:spPr>
+        <p:txBody>
+          <a:bodyPr wrap="square" rtlCol="0">
+            <a:spAutoFit/>
+          </a:bodyPr>
+          <a:lstStyle/>
+          <a:p>
+            <a:r>
+              <a:rPr lang="en-US" sz="600" dirty="0" smtClean="0"/>
+              <a:t>ACTIONGATESSECPUN</a:t>
+            </a:r>
+            <a:endParaRPr lang="en-US" sz="600" dirty="0"/>
+          </a:p>
+        </p:txBody>
+      </p:sp>
+      <p:sp>
+        <p:nvSpPr>
+          <p:cNvPr id="224" name="TextBox 223"/>
+          <p:cNvSpPr txBox="1"/>
+          <p:nvPr/>
+        </p:nvSpPr>
+        <p:spPr>
+          <a:xfrm>
+            <a:off x="4763839" y="3104169"/>
+            <a:ext cx="1124116" cy="369332"/>
+          </a:xfrm>
+          <a:prstGeom prst="rect">
+            <a:avLst/>
+          </a:prstGeom>
+          <a:noFill/>
+        </p:spPr>
+        <p:txBody>
+          <a:bodyPr wrap="square" rtlCol="0">
+            <a:spAutoFit/>
+          </a:bodyPr>
+          <a:lstStyle/>
+          <a:p>
+            <a:r>
+              <a:rPr lang="en-US" dirty="0"/>
+              <a:t>ACTGEN</a:t>
+            </a:r>
+          </a:p>
+        </p:txBody>
+      </p:sp>
+      <p:sp>
+        <p:nvSpPr>
+          <p:cNvPr id="122" name="TextBox 121"/>
+          <p:cNvSpPr txBox="1"/>
+          <p:nvPr/>
+        </p:nvSpPr>
+        <p:spPr>
+          <a:xfrm>
+            <a:off x="579635" y="854653"/>
+            <a:ext cx="1124116" cy="369332"/>
+          </a:xfrm>
+          <a:prstGeom prst="rect">
+            <a:avLst/>
+          </a:prstGeom>
+          <a:noFill/>
+        </p:spPr>
+        <p:txBody>
+          <a:bodyPr wrap="square" rtlCol="0">
+            <a:spAutoFit/>
+          </a:bodyPr>
+          <a:lstStyle/>
+          <a:p>
+            <a:r>
+              <a:rPr lang="en-US" dirty="0" smtClean="0"/>
+              <a:t>ACTREP</a:t>
+            </a:r>
+            <a:endParaRPr lang="en-US" dirty="0"/>
+          </a:p>
+        </p:txBody>
+      </p:sp>
     </p:spTree>
     <p:extLst>
       <p:ext uri="{BB962C8B-B14F-4D97-AF65-F5344CB8AC3E}">
@@ -7104,10 +7511,10 @@
           <a:p>
             <a:pPr algn="ctr"/>
             <a:r>
-              <a:rPr lang="en-US" sz="7200" dirty="0" smtClean="0"/>
-              <a:t>L</a:t>
+              <a:rPr lang="en-US" sz="2000" dirty="0" smtClean="0"/>
+              <a:t>LWTA</a:t>
             </a:r>
-            <a:endParaRPr lang="ru-RU" sz="7200" dirty="0"/>
+            <a:endParaRPr lang="ru-RU" sz="2000" dirty="0"/>
           </a:p>
         </p:txBody>
       </p:sp>
@@ -7148,10 +7555,10 @@
           <a:p>
             <a:pPr algn="ctr"/>
             <a:r>
-              <a:rPr lang="en-US" sz="7200" dirty="0" smtClean="0"/>
-              <a:t>L</a:t>
+              <a:rPr lang="en-US" sz="2000" dirty="0"/>
+              <a:t>LWTA</a:t>
             </a:r>
-            <a:endParaRPr lang="ru-RU" sz="7200" dirty="0"/>
+            <a:endParaRPr lang="ru-RU" sz="2000" dirty="0"/>
           </a:p>
         </p:txBody>
       </p:sp>
@@ -7192,10 +7599,10 @@
           <a:p>
             <a:pPr algn="ctr"/>
             <a:r>
-              <a:rPr lang="en-US" sz="7200" dirty="0" smtClean="0"/>
-              <a:t>L</a:t>
+              <a:rPr lang="en-US" sz="2000" dirty="0" smtClean="0"/>
+              <a:t>LWTA</a:t>
             </a:r>
-            <a:endParaRPr lang="ru-RU" sz="7200" dirty="0"/>
+            <a:endParaRPr lang="ru-RU" sz="2000" dirty="0"/>
           </a:p>
         </p:txBody>
       </p:sp>
@@ -8450,11 +8857,7 @@
           <a:p>
             <a:r>
               <a:rPr lang="en-US" dirty="0" smtClean="0"/>
-              <a:t>It is assumed that the internal punishment will come first and therefore the external evaluation will not take effect</a:t>
-            </a:r>
-            <a:r>
-              <a:rPr lang="en-US" dirty="0" smtClean="0"/>
-              <a:t>. Therefore, internal punishment does not depend on dopamine plasticity time.</a:t>
+              <a:t>It is assumed that the internal punishment will come first and therefore the external evaluation will not take effect. Therefore, internal punishment does not depend on dopamine plasticity time.</a:t>
             </a:r>
             <a:endParaRPr lang="ru-RU" dirty="0"/>
           </a:p>
@@ -8499,10 +8902,5576 @@
           </a:fontRef>
         </p:style>
       </p:cxnSp>
+      <p:sp>
+        <p:nvSpPr>
+          <p:cNvPr id="7" name="TextBox 6"/>
+          <p:cNvSpPr txBox="1"/>
+          <p:nvPr/>
+        </p:nvSpPr>
+        <p:spPr>
+          <a:xfrm>
+            <a:off x="902550" y="2909916"/>
+            <a:ext cx="1085577" cy="369332"/>
+          </a:xfrm>
+          <a:prstGeom prst="rect">
+            <a:avLst/>
+          </a:prstGeom>
+          <a:noFill/>
+        </p:spPr>
+        <p:txBody>
+          <a:bodyPr wrap="square" rtlCol="0">
+            <a:spAutoFit/>
+          </a:bodyPr>
+          <a:lstStyle/>
+          <a:p>
+            <a:r>
+              <a:rPr lang="en-US" dirty="0" smtClean="0"/>
+              <a:t>ACTOUT</a:t>
+            </a:r>
+            <a:endParaRPr lang="en-US" dirty="0"/>
+          </a:p>
+        </p:txBody>
+      </p:sp>
+      <p:sp>
+        <p:nvSpPr>
+          <p:cNvPr id="9" name="TextBox 8"/>
+          <p:cNvSpPr txBox="1"/>
+          <p:nvPr/>
+        </p:nvSpPr>
+        <p:spPr>
+          <a:xfrm>
+            <a:off x="3583709" y="1716505"/>
+            <a:ext cx="1249218" cy="369332"/>
+          </a:xfrm>
+          <a:prstGeom prst="rect">
+            <a:avLst/>
+          </a:prstGeom>
+          <a:noFill/>
+        </p:spPr>
+        <p:txBody>
+          <a:bodyPr wrap="square" rtlCol="0">
+            <a:spAutoFit/>
+          </a:bodyPr>
+          <a:lstStyle/>
+          <a:p>
+            <a:r>
+              <a:rPr lang="en-US" dirty="0" smtClean="0"/>
+              <a:t>ANTIHEBB</a:t>
+            </a:r>
+            <a:endParaRPr lang="en-US" dirty="0"/>
+          </a:p>
+        </p:txBody>
+      </p:sp>
     </p:spTree>
     <p:extLst>
       <p:ext uri="{BB962C8B-B14F-4D97-AF65-F5344CB8AC3E}">
         <p14:creationId xmlns:p14="http://schemas.microsoft.com/office/powerpoint/2010/main" val="3991237692"/>
+      </p:ext>
+    </p:extLst>
+  </p:cSld>
+  <p:clrMapOvr>
+    <a:masterClrMapping/>
+  </p:clrMapOvr>
+</p:sld>
+</file>
+
+<file path=ppt/slides/slide3.xml><?xml version="1.0" encoding="utf-8"?>
+<p:sld xmlns:a="http://schemas.openxmlformats.org/drawingml/2006/main" xmlns:r="http://schemas.openxmlformats.org/officeDocument/2006/relationships" xmlns:p="http://schemas.openxmlformats.org/presentationml/2006/main">
+  <p:cSld>
+    <p:spTree>
+      <p:nvGrpSpPr>
+        <p:cNvPr id="1" name=""/>
+        <p:cNvGrpSpPr/>
+        <p:nvPr/>
+      </p:nvGrpSpPr>
+      <p:grpSpPr>
+        <a:xfrm>
+          <a:off x="0" y="0"/>
+          <a:ext cx="0" cy="0"/>
+          <a:chOff x="0" y="0"/>
+          <a:chExt cx="0" cy="0"/>
+        </a:xfrm>
+      </p:grpSpPr>
+      <p:sp>
+        <p:nvSpPr>
+          <p:cNvPr id="4" name="Rectangle 3"/>
+          <p:cNvSpPr/>
+          <p:nvPr/>
+        </p:nvSpPr>
+        <p:spPr>
+          <a:xfrm>
+            <a:off x="612475" y="5779698"/>
+            <a:ext cx="10981427" cy="560717"/>
+          </a:xfrm>
+          <a:prstGeom prst="rect">
+            <a:avLst/>
+          </a:prstGeom>
+        </p:spPr>
+        <p:style>
+          <a:lnRef idx="2">
+            <a:schemeClr val="accent1">
+              <a:shade val="50000"/>
+            </a:schemeClr>
+          </a:lnRef>
+          <a:fillRef idx="1">
+            <a:schemeClr val="accent1"/>
+          </a:fillRef>
+          <a:effectRef idx="0">
+            <a:schemeClr val="accent1"/>
+          </a:effectRef>
+          <a:fontRef idx="minor">
+            <a:schemeClr val="lt1"/>
+          </a:fontRef>
+        </p:style>
+        <p:txBody>
+          <a:bodyPr rtlCol="0" anchor="ctr"/>
+          <a:lstStyle/>
+          <a:p>
+            <a:pPr algn="ctr"/>
+            <a:r>
+              <a:rPr lang="en-US" dirty="0" smtClean="0"/>
+              <a:t>input</a:t>
+            </a:r>
+            <a:endParaRPr lang="ru-RU" dirty="0"/>
+          </a:p>
+        </p:txBody>
+      </p:sp>
+      <p:cxnSp>
+        <p:nvCxnSpPr>
+          <p:cNvPr id="9" name="Straight Connector 8"/>
+          <p:cNvCxnSpPr>
+            <a:endCxn id="77" idx="2"/>
+          </p:cNvCxnSpPr>
+          <p:nvPr/>
+        </p:nvCxnSpPr>
+        <p:spPr>
+          <a:xfrm flipH="1" flipV="1">
+            <a:off x="318201" y="4392824"/>
+            <a:ext cx="294274" cy="1386876"/>
+          </a:xfrm>
+          <a:prstGeom prst="line">
+            <a:avLst/>
+          </a:prstGeom>
+        </p:spPr>
+        <p:style>
+          <a:lnRef idx="1">
+            <a:schemeClr val="accent1"/>
+          </a:lnRef>
+          <a:fillRef idx="0">
+            <a:schemeClr val="accent1"/>
+          </a:fillRef>
+          <a:effectRef idx="0">
+            <a:schemeClr val="accent1"/>
+          </a:effectRef>
+          <a:fontRef idx="minor">
+            <a:schemeClr val="tx1"/>
+          </a:fontRef>
+        </p:style>
+      </p:cxnSp>
+      <p:cxnSp>
+        <p:nvCxnSpPr>
+          <p:cNvPr id="11" name="Straight Connector 10"/>
+          <p:cNvCxnSpPr>
+            <a:endCxn id="77" idx="6"/>
+          </p:cNvCxnSpPr>
+          <p:nvPr/>
+        </p:nvCxnSpPr>
+        <p:spPr>
+          <a:xfrm flipH="1" flipV="1">
+            <a:off x="1034540" y="4392824"/>
+            <a:ext cx="10559364" cy="1386876"/>
+          </a:xfrm>
+          <a:prstGeom prst="line">
+            <a:avLst/>
+          </a:prstGeom>
+        </p:spPr>
+        <p:style>
+          <a:lnRef idx="1">
+            <a:schemeClr val="accent1"/>
+          </a:lnRef>
+          <a:fillRef idx="0">
+            <a:schemeClr val="accent1"/>
+          </a:fillRef>
+          <a:effectRef idx="0">
+            <a:schemeClr val="accent1"/>
+          </a:effectRef>
+          <a:fontRef idx="minor">
+            <a:schemeClr val="tx1"/>
+          </a:fontRef>
+        </p:style>
+      </p:cxnSp>
+      <p:cxnSp>
+        <p:nvCxnSpPr>
+          <p:cNvPr id="13" name="Straight Connector 12"/>
+          <p:cNvCxnSpPr>
+            <a:endCxn id="79" idx="2"/>
+          </p:cNvCxnSpPr>
+          <p:nvPr/>
+        </p:nvCxnSpPr>
+        <p:spPr>
+          <a:xfrm flipV="1">
+            <a:off x="612474" y="4463204"/>
+            <a:ext cx="1104999" cy="1316496"/>
+          </a:xfrm>
+          <a:prstGeom prst="line">
+            <a:avLst/>
+          </a:prstGeom>
+        </p:spPr>
+        <p:style>
+          <a:lnRef idx="1">
+            <a:schemeClr val="accent1"/>
+          </a:lnRef>
+          <a:fillRef idx="0">
+            <a:schemeClr val="accent1"/>
+          </a:fillRef>
+          <a:effectRef idx="0">
+            <a:schemeClr val="accent1"/>
+          </a:effectRef>
+          <a:fontRef idx="minor">
+            <a:schemeClr val="tx1"/>
+          </a:fontRef>
+        </p:style>
+      </p:cxnSp>
+      <p:cxnSp>
+        <p:nvCxnSpPr>
+          <p:cNvPr id="15" name="Straight Connector 14"/>
+          <p:cNvCxnSpPr>
+            <a:endCxn id="79" idx="6"/>
+          </p:cNvCxnSpPr>
+          <p:nvPr/>
+        </p:nvCxnSpPr>
+        <p:spPr>
+          <a:xfrm flipH="1" flipV="1">
+            <a:off x="2433812" y="4463204"/>
+            <a:ext cx="9160093" cy="1316496"/>
+          </a:xfrm>
+          <a:prstGeom prst="line">
+            <a:avLst/>
+          </a:prstGeom>
+        </p:spPr>
+        <p:style>
+          <a:lnRef idx="1">
+            <a:schemeClr val="accent1"/>
+          </a:lnRef>
+          <a:fillRef idx="0">
+            <a:schemeClr val="accent1"/>
+          </a:fillRef>
+          <a:effectRef idx="0">
+            <a:schemeClr val="accent1"/>
+          </a:effectRef>
+          <a:fontRef idx="minor">
+            <a:schemeClr val="tx1"/>
+          </a:fontRef>
+        </p:style>
+      </p:cxnSp>
+      <p:cxnSp>
+        <p:nvCxnSpPr>
+          <p:cNvPr id="17" name="Straight Connector 16"/>
+          <p:cNvCxnSpPr>
+            <a:endCxn id="80" idx="2"/>
+          </p:cNvCxnSpPr>
+          <p:nvPr/>
+        </p:nvCxnSpPr>
+        <p:spPr>
+          <a:xfrm flipV="1">
+            <a:off x="612475" y="4357927"/>
+            <a:ext cx="2950444" cy="1421772"/>
+          </a:xfrm>
+          <a:prstGeom prst="line">
+            <a:avLst/>
+          </a:prstGeom>
+        </p:spPr>
+        <p:style>
+          <a:lnRef idx="1">
+            <a:schemeClr val="accent1"/>
+          </a:lnRef>
+          <a:fillRef idx="0">
+            <a:schemeClr val="accent1"/>
+          </a:fillRef>
+          <a:effectRef idx="0">
+            <a:schemeClr val="accent1"/>
+          </a:effectRef>
+          <a:fontRef idx="minor">
+            <a:schemeClr val="tx1"/>
+          </a:fontRef>
+        </p:style>
+      </p:cxnSp>
+      <p:cxnSp>
+        <p:nvCxnSpPr>
+          <p:cNvPr id="19" name="Straight Connector 18"/>
+          <p:cNvCxnSpPr>
+            <a:endCxn id="80" idx="6"/>
+          </p:cNvCxnSpPr>
+          <p:nvPr/>
+        </p:nvCxnSpPr>
+        <p:spPr>
+          <a:xfrm flipH="1" flipV="1">
+            <a:off x="4279258" y="4357927"/>
+            <a:ext cx="7314645" cy="1421774"/>
+          </a:xfrm>
+          <a:prstGeom prst="line">
+            <a:avLst/>
+          </a:prstGeom>
+        </p:spPr>
+        <p:style>
+          <a:lnRef idx="1">
+            <a:schemeClr val="accent1"/>
+          </a:lnRef>
+          <a:fillRef idx="0">
+            <a:schemeClr val="accent1"/>
+          </a:fillRef>
+          <a:effectRef idx="0">
+            <a:schemeClr val="accent1"/>
+          </a:effectRef>
+          <a:fontRef idx="minor">
+            <a:schemeClr val="tx1"/>
+          </a:fontRef>
+        </p:style>
+      </p:cxnSp>
+      <p:sp>
+        <p:nvSpPr>
+          <p:cNvPr id="77" name="Oval 32"/>
+          <p:cNvSpPr/>
+          <p:nvPr/>
+        </p:nvSpPr>
+        <p:spPr>
+          <a:xfrm>
+            <a:off x="318201" y="4070753"/>
+            <a:ext cx="716339" cy="644141"/>
+          </a:xfrm>
+          <a:prstGeom prst="ellipse">
+            <a:avLst/>
+          </a:prstGeom>
+        </p:spPr>
+        <p:style>
+          <a:lnRef idx="2">
+            <a:schemeClr val="accent1">
+              <a:shade val="50000"/>
+            </a:schemeClr>
+          </a:lnRef>
+          <a:fillRef idx="1">
+            <a:schemeClr val="accent1"/>
+          </a:fillRef>
+          <a:effectRef idx="0">
+            <a:schemeClr val="accent1"/>
+          </a:effectRef>
+          <a:fontRef idx="minor">
+            <a:schemeClr val="lt1"/>
+          </a:fontRef>
+        </p:style>
+        <p:txBody>
+          <a:bodyPr rtlCol="0" anchor="ctr"/>
+          <a:lstStyle/>
+          <a:p>
+            <a:pPr algn="ctr"/>
+            <a:r>
+              <a:rPr lang="en-US" sz="3600" dirty="0"/>
+              <a:t>L</a:t>
+            </a:r>
+            <a:endParaRPr lang="ru-RU" sz="3600" dirty="0"/>
+          </a:p>
+        </p:txBody>
+      </p:sp>
+      <p:sp>
+        <p:nvSpPr>
+          <p:cNvPr id="78" name="TextBox 77"/>
+          <p:cNvSpPr txBox="1"/>
+          <p:nvPr/>
+        </p:nvSpPr>
+        <p:spPr>
+          <a:xfrm>
+            <a:off x="5671127" y="4802770"/>
+            <a:ext cx="3232177" cy="830997"/>
+          </a:xfrm>
+          <a:prstGeom prst="rect">
+            <a:avLst/>
+          </a:prstGeom>
+          <a:noFill/>
+        </p:spPr>
+        <p:txBody>
+          <a:bodyPr wrap="square" rtlCol="0">
+            <a:spAutoFit/>
+          </a:bodyPr>
+          <a:lstStyle/>
+          <a:p>
+            <a:r>
+              <a:rPr lang="en-US" sz="1600" dirty="0" smtClean="0"/>
+              <a:t>Possibly fully connected, with small (or negative) random initial resources and random delays.</a:t>
+            </a:r>
+            <a:endParaRPr lang="ru-RU" sz="1600" dirty="0"/>
+          </a:p>
+        </p:txBody>
+      </p:sp>
+      <p:sp>
+        <p:nvSpPr>
+          <p:cNvPr id="79" name="Oval 32"/>
+          <p:cNvSpPr/>
+          <p:nvPr/>
+        </p:nvSpPr>
+        <p:spPr>
+          <a:xfrm>
+            <a:off x="1717473" y="4141133"/>
+            <a:ext cx="716339" cy="644141"/>
+          </a:xfrm>
+          <a:prstGeom prst="ellipse">
+            <a:avLst/>
+          </a:prstGeom>
+        </p:spPr>
+        <p:style>
+          <a:lnRef idx="2">
+            <a:schemeClr val="accent1">
+              <a:shade val="50000"/>
+            </a:schemeClr>
+          </a:lnRef>
+          <a:fillRef idx="1">
+            <a:schemeClr val="accent1"/>
+          </a:fillRef>
+          <a:effectRef idx="0">
+            <a:schemeClr val="accent1"/>
+          </a:effectRef>
+          <a:fontRef idx="minor">
+            <a:schemeClr val="lt1"/>
+          </a:fontRef>
+        </p:style>
+        <p:txBody>
+          <a:bodyPr rtlCol="0" anchor="ctr"/>
+          <a:lstStyle/>
+          <a:p>
+            <a:pPr algn="ctr"/>
+            <a:r>
+              <a:rPr lang="en-US" sz="3600" dirty="0"/>
+              <a:t>L</a:t>
+            </a:r>
+            <a:endParaRPr lang="ru-RU" sz="3600" dirty="0"/>
+          </a:p>
+        </p:txBody>
+      </p:sp>
+      <p:sp>
+        <p:nvSpPr>
+          <p:cNvPr id="80" name="Oval 32"/>
+          <p:cNvSpPr/>
+          <p:nvPr/>
+        </p:nvSpPr>
+        <p:spPr>
+          <a:xfrm>
+            <a:off x="3562919" y="4035856"/>
+            <a:ext cx="716339" cy="644141"/>
+          </a:xfrm>
+          <a:prstGeom prst="ellipse">
+            <a:avLst/>
+          </a:prstGeom>
+        </p:spPr>
+        <p:style>
+          <a:lnRef idx="2">
+            <a:schemeClr val="accent1">
+              <a:shade val="50000"/>
+            </a:schemeClr>
+          </a:lnRef>
+          <a:fillRef idx="1">
+            <a:schemeClr val="accent1"/>
+          </a:fillRef>
+          <a:effectRef idx="0">
+            <a:schemeClr val="accent1"/>
+          </a:effectRef>
+          <a:fontRef idx="minor">
+            <a:schemeClr val="lt1"/>
+          </a:fontRef>
+        </p:style>
+        <p:txBody>
+          <a:bodyPr rtlCol="0" anchor="ctr"/>
+          <a:lstStyle/>
+          <a:p>
+            <a:pPr algn="ctr"/>
+            <a:r>
+              <a:rPr lang="en-US" sz="3600" dirty="0"/>
+              <a:t>L</a:t>
+            </a:r>
+            <a:endParaRPr lang="ru-RU" sz="3600" dirty="0"/>
+          </a:p>
+        </p:txBody>
+      </p:sp>
+      <p:sp>
+        <p:nvSpPr>
+          <p:cNvPr id="81" name="Oval 32"/>
+          <p:cNvSpPr/>
+          <p:nvPr/>
+        </p:nvSpPr>
+        <p:spPr>
+          <a:xfrm>
+            <a:off x="251722" y="2734822"/>
+            <a:ext cx="716339" cy="644141"/>
+          </a:xfrm>
+          <a:prstGeom prst="ellipse">
+            <a:avLst/>
+          </a:prstGeom>
+        </p:spPr>
+        <p:style>
+          <a:lnRef idx="2">
+            <a:schemeClr val="accent1">
+              <a:shade val="50000"/>
+            </a:schemeClr>
+          </a:lnRef>
+          <a:fillRef idx="1">
+            <a:schemeClr val="accent1"/>
+          </a:fillRef>
+          <a:effectRef idx="0">
+            <a:schemeClr val="accent1"/>
+          </a:effectRef>
+          <a:fontRef idx="minor">
+            <a:schemeClr val="lt1"/>
+          </a:fontRef>
+        </p:style>
+        <p:txBody>
+          <a:bodyPr rtlCol="0" anchor="ctr"/>
+          <a:lstStyle/>
+          <a:p>
+            <a:pPr algn="ctr"/>
+            <a:r>
+              <a:rPr lang="en-US" sz="1200" dirty="0" smtClean="0"/>
+              <a:t>WTA</a:t>
+            </a:r>
+            <a:endParaRPr lang="ru-RU" sz="1200" dirty="0"/>
+          </a:p>
+        </p:txBody>
+      </p:sp>
+      <p:sp>
+        <p:nvSpPr>
+          <p:cNvPr id="82" name="Oval 32"/>
+          <p:cNvSpPr/>
+          <p:nvPr/>
+        </p:nvSpPr>
+        <p:spPr>
+          <a:xfrm>
+            <a:off x="1922423" y="2747379"/>
+            <a:ext cx="716339" cy="644141"/>
+          </a:xfrm>
+          <a:prstGeom prst="ellipse">
+            <a:avLst/>
+          </a:prstGeom>
+        </p:spPr>
+        <p:style>
+          <a:lnRef idx="2">
+            <a:schemeClr val="accent1">
+              <a:shade val="50000"/>
+            </a:schemeClr>
+          </a:lnRef>
+          <a:fillRef idx="1">
+            <a:schemeClr val="accent1"/>
+          </a:fillRef>
+          <a:effectRef idx="0">
+            <a:schemeClr val="accent1"/>
+          </a:effectRef>
+          <a:fontRef idx="minor">
+            <a:schemeClr val="lt1"/>
+          </a:fontRef>
+        </p:style>
+        <p:txBody>
+          <a:bodyPr rtlCol="0" anchor="ctr"/>
+          <a:lstStyle/>
+          <a:p>
+            <a:pPr algn="ctr"/>
+            <a:r>
+              <a:rPr lang="en-US" sz="1200" dirty="0" smtClean="0"/>
+              <a:t>WTA</a:t>
+            </a:r>
+            <a:endParaRPr lang="ru-RU" sz="1200" dirty="0"/>
+          </a:p>
+        </p:txBody>
+      </p:sp>
+      <p:sp>
+        <p:nvSpPr>
+          <p:cNvPr id="83" name="Oval 32"/>
+          <p:cNvSpPr/>
+          <p:nvPr/>
+        </p:nvSpPr>
+        <p:spPr>
+          <a:xfrm>
+            <a:off x="3477194" y="2699925"/>
+            <a:ext cx="716339" cy="644141"/>
+          </a:xfrm>
+          <a:prstGeom prst="ellipse">
+            <a:avLst/>
+          </a:prstGeom>
+        </p:spPr>
+        <p:style>
+          <a:lnRef idx="2">
+            <a:schemeClr val="accent1">
+              <a:shade val="50000"/>
+            </a:schemeClr>
+          </a:lnRef>
+          <a:fillRef idx="1">
+            <a:schemeClr val="accent1"/>
+          </a:fillRef>
+          <a:effectRef idx="0">
+            <a:schemeClr val="accent1"/>
+          </a:effectRef>
+          <a:fontRef idx="minor">
+            <a:schemeClr val="lt1"/>
+          </a:fontRef>
+        </p:style>
+        <p:txBody>
+          <a:bodyPr rtlCol="0" anchor="ctr"/>
+          <a:lstStyle/>
+          <a:p>
+            <a:pPr algn="ctr"/>
+            <a:r>
+              <a:rPr lang="en-US" sz="1200" dirty="0" smtClean="0"/>
+              <a:t>WTA</a:t>
+            </a:r>
+            <a:endParaRPr lang="ru-RU" sz="1200" dirty="0"/>
+          </a:p>
+        </p:txBody>
+      </p:sp>
+      <p:cxnSp>
+        <p:nvCxnSpPr>
+          <p:cNvPr id="26" name="Прямая со стрелкой 25"/>
+          <p:cNvCxnSpPr>
+            <a:stCxn id="82" idx="6"/>
+            <a:endCxn id="83" idx="2"/>
+          </p:cNvCxnSpPr>
+          <p:nvPr/>
+        </p:nvCxnSpPr>
+        <p:spPr>
+          <a:xfrm flipV="1">
+            <a:off x="2638762" y="3021996"/>
+            <a:ext cx="838432" cy="47454"/>
+          </a:xfrm>
+          <a:prstGeom prst="straightConnector1">
+            <a:avLst/>
+          </a:prstGeom>
+          <a:ln>
+            <a:solidFill>
+              <a:schemeClr val="tx1"/>
+            </a:solidFill>
+            <a:headEnd type="triangle"/>
+            <a:tailEnd type="triangle"/>
+          </a:ln>
+        </p:spPr>
+        <p:style>
+          <a:lnRef idx="1">
+            <a:schemeClr val="accent1"/>
+          </a:lnRef>
+          <a:fillRef idx="0">
+            <a:schemeClr val="accent1"/>
+          </a:fillRef>
+          <a:effectRef idx="0">
+            <a:schemeClr val="accent1"/>
+          </a:effectRef>
+          <a:fontRef idx="minor">
+            <a:schemeClr val="tx1"/>
+          </a:fontRef>
+        </p:style>
+      </p:cxnSp>
+      <p:cxnSp>
+        <p:nvCxnSpPr>
+          <p:cNvPr id="86" name="Прямая со стрелкой 85"/>
+          <p:cNvCxnSpPr>
+            <a:stCxn id="82" idx="2"/>
+            <a:endCxn id="81" idx="6"/>
+          </p:cNvCxnSpPr>
+          <p:nvPr/>
+        </p:nvCxnSpPr>
+        <p:spPr>
+          <a:xfrm flipH="1" flipV="1">
+            <a:off x="968061" y="3056893"/>
+            <a:ext cx="954362" cy="12557"/>
+          </a:xfrm>
+          <a:prstGeom prst="straightConnector1">
+            <a:avLst/>
+          </a:prstGeom>
+          <a:ln>
+            <a:solidFill>
+              <a:schemeClr val="tx1"/>
+            </a:solidFill>
+            <a:headEnd type="triangle"/>
+            <a:tailEnd type="triangle"/>
+          </a:ln>
+        </p:spPr>
+        <p:style>
+          <a:lnRef idx="1">
+            <a:schemeClr val="accent1"/>
+          </a:lnRef>
+          <a:fillRef idx="0">
+            <a:schemeClr val="accent1"/>
+          </a:fillRef>
+          <a:effectRef idx="0">
+            <a:schemeClr val="accent1"/>
+          </a:effectRef>
+          <a:fontRef idx="minor">
+            <a:schemeClr val="tx1"/>
+          </a:fontRef>
+        </p:style>
+      </p:cxnSp>
+      <p:cxnSp>
+        <p:nvCxnSpPr>
+          <p:cNvPr id="88" name="Straight Arrow Connector 47"/>
+          <p:cNvCxnSpPr/>
+          <p:nvPr/>
+        </p:nvCxnSpPr>
+        <p:spPr>
+          <a:xfrm flipH="1" flipV="1">
+            <a:off x="609892" y="3397435"/>
+            <a:ext cx="66479" cy="691790"/>
+          </a:xfrm>
+          <a:prstGeom prst="straightConnector1">
+            <a:avLst/>
+          </a:prstGeom>
+          <a:ln w="38100">
+            <a:tailEnd type="triangle"/>
+          </a:ln>
+        </p:spPr>
+        <p:style>
+          <a:lnRef idx="1">
+            <a:schemeClr val="accent1"/>
+          </a:lnRef>
+          <a:fillRef idx="0">
+            <a:schemeClr val="accent1"/>
+          </a:fillRef>
+          <a:effectRef idx="0">
+            <a:schemeClr val="accent1"/>
+          </a:effectRef>
+          <a:fontRef idx="minor">
+            <a:schemeClr val="tx1"/>
+          </a:fontRef>
+        </p:style>
+      </p:cxnSp>
+      <p:cxnSp>
+        <p:nvCxnSpPr>
+          <p:cNvPr id="122" name="Straight Arrow Connector 47"/>
+          <p:cNvCxnSpPr>
+            <a:stCxn id="133" idx="2"/>
+            <a:endCxn id="140" idx="1"/>
+          </p:cNvCxnSpPr>
+          <p:nvPr/>
+        </p:nvCxnSpPr>
+        <p:spPr>
+          <a:xfrm>
+            <a:off x="1273848" y="506125"/>
+            <a:ext cx="525330" cy="797089"/>
+          </a:xfrm>
+          <a:prstGeom prst="straightConnector1">
+            <a:avLst/>
+          </a:prstGeom>
+          <a:ln w="38100">
+            <a:tailEnd type="triangle"/>
+          </a:ln>
+        </p:spPr>
+        <p:style>
+          <a:lnRef idx="1">
+            <a:schemeClr val="accent1"/>
+          </a:lnRef>
+          <a:fillRef idx="0">
+            <a:schemeClr val="accent1"/>
+          </a:fillRef>
+          <a:effectRef idx="0">
+            <a:schemeClr val="accent1"/>
+          </a:effectRef>
+          <a:fontRef idx="minor">
+            <a:schemeClr val="tx1"/>
+          </a:fontRef>
+        </p:style>
+      </p:cxnSp>
+      <p:cxnSp>
+        <p:nvCxnSpPr>
+          <p:cNvPr id="126" name="Straight Arrow Connector 47"/>
+          <p:cNvCxnSpPr>
+            <a:stCxn id="133" idx="3"/>
+            <a:endCxn id="179" idx="1"/>
+          </p:cNvCxnSpPr>
+          <p:nvPr/>
+        </p:nvCxnSpPr>
+        <p:spPr>
+          <a:xfrm>
+            <a:off x="1838695" y="321459"/>
+            <a:ext cx="2745528" cy="1027026"/>
+          </a:xfrm>
+          <a:prstGeom prst="straightConnector1">
+            <a:avLst/>
+          </a:prstGeom>
+          <a:ln w="38100">
+            <a:tailEnd type="triangle"/>
+          </a:ln>
+        </p:spPr>
+        <p:style>
+          <a:lnRef idx="1">
+            <a:schemeClr val="accent1"/>
+          </a:lnRef>
+          <a:fillRef idx="0">
+            <a:schemeClr val="accent1"/>
+          </a:fillRef>
+          <a:effectRef idx="0">
+            <a:schemeClr val="accent1"/>
+          </a:effectRef>
+          <a:fontRef idx="minor">
+            <a:schemeClr val="tx1"/>
+          </a:fontRef>
+        </p:style>
+      </p:cxnSp>
+      <p:sp>
+        <p:nvSpPr>
+          <p:cNvPr id="133" name="TextBox 132"/>
+          <p:cNvSpPr txBox="1"/>
+          <p:nvPr/>
+        </p:nvSpPr>
+        <p:spPr>
+          <a:xfrm>
+            <a:off x="709000" y="136793"/>
+            <a:ext cx="1129695" cy="369332"/>
+          </a:xfrm>
+          <a:prstGeom prst="rect">
+            <a:avLst/>
+          </a:prstGeom>
+          <a:noFill/>
+        </p:spPr>
+        <p:txBody>
+          <a:bodyPr wrap="square" rtlCol="0">
+            <a:spAutoFit/>
+          </a:bodyPr>
+          <a:lstStyle/>
+          <a:p>
+            <a:r>
+              <a:rPr lang="en-US" dirty="0" smtClean="0"/>
+              <a:t>REWARD</a:t>
+            </a:r>
+            <a:endParaRPr lang="ru-RU" dirty="0"/>
+          </a:p>
+        </p:txBody>
+      </p:sp>
+      <p:sp>
+        <p:nvSpPr>
+          <p:cNvPr id="140" name="Oval 32"/>
+          <p:cNvSpPr/>
+          <p:nvPr/>
+        </p:nvSpPr>
+        <p:spPr>
+          <a:xfrm>
+            <a:off x="1694273" y="1208882"/>
+            <a:ext cx="716339" cy="644141"/>
+          </a:xfrm>
+          <a:prstGeom prst="ellipse">
+            <a:avLst/>
+          </a:prstGeom>
+        </p:spPr>
+        <p:style>
+          <a:lnRef idx="2">
+            <a:schemeClr val="accent1">
+              <a:shade val="50000"/>
+            </a:schemeClr>
+          </a:lnRef>
+          <a:fillRef idx="1">
+            <a:schemeClr val="accent1"/>
+          </a:fillRef>
+          <a:effectRef idx="0">
+            <a:schemeClr val="accent1"/>
+          </a:effectRef>
+          <a:fontRef idx="minor">
+            <a:schemeClr val="lt1"/>
+          </a:fontRef>
+        </p:style>
+        <p:txBody>
+          <a:bodyPr rtlCol="0" anchor="ctr"/>
+          <a:lstStyle/>
+          <a:p>
+            <a:pPr algn="ctr"/>
+            <a:r>
+              <a:rPr lang="en-US" sz="1100" dirty="0" smtClean="0"/>
+              <a:t>GATE</a:t>
+            </a:r>
+            <a:endParaRPr lang="ru-RU" sz="1100" dirty="0"/>
+          </a:p>
+        </p:txBody>
+      </p:sp>
+      <p:cxnSp>
+        <p:nvCxnSpPr>
+          <p:cNvPr id="144" name="Straight Arrow Connector 31"/>
+          <p:cNvCxnSpPr>
+            <a:stCxn id="140" idx="3"/>
+            <a:endCxn id="77" idx="7"/>
+          </p:cNvCxnSpPr>
+          <p:nvPr/>
+        </p:nvCxnSpPr>
+        <p:spPr>
+          <a:xfrm flipH="1">
+            <a:off x="929635" y="1758691"/>
+            <a:ext cx="869543" cy="2406394"/>
+          </a:xfrm>
+          <a:prstGeom prst="straightConnector1">
+            <a:avLst/>
+          </a:prstGeom>
+          <a:ln w="38100">
+            <a:solidFill>
+              <a:schemeClr val="accent1"/>
+            </a:solidFill>
+            <a:prstDash val="dash"/>
+            <a:tailEnd type="triangle"/>
+          </a:ln>
+        </p:spPr>
+        <p:style>
+          <a:lnRef idx="1">
+            <a:schemeClr val="accent1"/>
+          </a:lnRef>
+          <a:fillRef idx="0">
+            <a:schemeClr val="accent1"/>
+          </a:fillRef>
+          <a:effectRef idx="0">
+            <a:schemeClr val="accent1"/>
+          </a:effectRef>
+          <a:fontRef idx="minor">
+            <a:schemeClr val="tx1"/>
+          </a:fontRef>
+        </p:style>
+      </p:cxnSp>
+      <p:sp>
+        <p:nvSpPr>
+          <p:cNvPr id="176" name="Oval 32"/>
+          <p:cNvSpPr/>
+          <p:nvPr/>
+        </p:nvSpPr>
+        <p:spPr>
+          <a:xfrm>
+            <a:off x="3268645" y="1317688"/>
+            <a:ext cx="716339" cy="644141"/>
+          </a:xfrm>
+          <a:prstGeom prst="ellipse">
+            <a:avLst/>
+          </a:prstGeom>
+        </p:spPr>
+        <p:style>
+          <a:lnRef idx="2">
+            <a:schemeClr val="accent1">
+              <a:shade val="50000"/>
+            </a:schemeClr>
+          </a:lnRef>
+          <a:fillRef idx="1">
+            <a:schemeClr val="accent1"/>
+          </a:fillRef>
+          <a:effectRef idx="0">
+            <a:schemeClr val="accent1"/>
+          </a:effectRef>
+          <a:fontRef idx="minor">
+            <a:schemeClr val="lt1"/>
+          </a:fontRef>
+        </p:style>
+        <p:txBody>
+          <a:bodyPr rtlCol="0" anchor="ctr"/>
+          <a:lstStyle/>
+          <a:p>
+            <a:pPr algn="ctr"/>
+            <a:r>
+              <a:rPr lang="en-US" sz="1100" dirty="0" smtClean="0"/>
+              <a:t>GATE</a:t>
+            </a:r>
+            <a:endParaRPr lang="ru-RU" sz="1100" dirty="0"/>
+          </a:p>
+        </p:txBody>
+      </p:sp>
+      <p:cxnSp>
+        <p:nvCxnSpPr>
+          <p:cNvPr id="178" name="Straight Arrow Connector 31"/>
+          <p:cNvCxnSpPr>
+            <a:stCxn id="176" idx="3"/>
+            <a:endCxn id="79" idx="7"/>
+          </p:cNvCxnSpPr>
+          <p:nvPr/>
+        </p:nvCxnSpPr>
+        <p:spPr>
+          <a:xfrm flipH="1">
+            <a:off x="2328907" y="1867497"/>
+            <a:ext cx="1044643" cy="2367968"/>
+          </a:xfrm>
+          <a:prstGeom prst="straightConnector1">
+            <a:avLst/>
+          </a:prstGeom>
+          <a:ln w="38100">
+            <a:solidFill>
+              <a:schemeClr val="accent1"/>
+            </a:solidFill>
+            <a:prstDash val="dash"/>
+            <a:tailEnd type="triangle"/>
+          </a:ln>
+        </p:spPr>
+        <p:style>
+          <a:lnRef idx="1">
+            <a:schemeClr val="accent1"/>
+          </a:lnRef>
+          <a:fillRef idx="0">
+            <a:schemeClr val="accent1"/>
+          </a:fillRef>
+          <a:effectRef idx="0">
+            <a:schemeClr val="accent1"/>
+          </a:effectRef>
+          <a:fontRef idx="minor">
+            <a:schemeClr val="tx1"/>
+          </a:fontRef>
+        </p:style>
+      </p:cxnSp>
+      <p:sp>
+        <p:nvSpPr>
+          <p:cNvPr id="179" name="Oval 32"/>
+          <p:cNvSpPr/>
+          <p:nvPr/>
+        </p:nvSpPr>
+        <p:spPr>
+          <a:xfrm>
+            <a:off x="4479318" y="1254153"/>
+            <a:ext cx="716339" cy="644141"/>
+          </a:xfrm>
+          <a:prstGeom prst="ellipse">
+            <a:avLst/>
+          </a:prstGeom>
+        </p:spPr>
+        <p:style>
+          <a:lnRef idx="2">
+            <a:schemeClr val="accent1">
+              <a:shade val="50000"/>
+            </a:schemeClr>
+          </a:lnRef>
+          <a:fillRef idx="1">
+            <a:schemeClr val="accent1"/>
+          </a:fillRef>
+          <a:effectRef idx="0">
+            <a:schemeClr val="accent1"/>
+          </a:effectRef>
+          <a:fontRef idx="minor">
+            <a:schemeClr val="lt1"/>
+          </a:fontRef>
+        </p:style>
+        <p:txBody>
+          <a:bodyPr rtlCol="0" anchor="ctr"/>
+          <a:lstStyle/>
+          <a:p>
+            <a:pPr algn="ctr"/>
+            <a:r>
+              <a:rPr lang="en-US" sz="1100" dirty="0" smtClean="0"/>
+              <a:t>GATE</a:t>
+            </a:r>
+            <a:endParaRPr lang="ru-RU" sz="1100" dirty="0"/>
+          </a:p>
+        </p:txBody>
+      </p:sp>
+      <p:cxnSp>
+        <p:nvCxnSpPr>
+          <p:cNvPr id="181" name="Straight Arrow Connector 31"/>
+          <p:cNvCxnSpPr>
+            <a:stCxn id="179" idx="4"/>
+            <a:endCxn id="80" idx="7"/>
+          </p:cNvCxnSpPr>
+          <p:nvPr/>
+        </p:nvCxnSpPr>
+        <p:spPr>
+          <a:xfrm flipH="1">
+            <a:off x="4174353" y="1898294"/>
+            <a:ext cx="663135" cy="2231894"/>
+          </a:xfrm>
+          <a:prstGeom prst="straightConnector1">
+            <a:avLst/>
+          </a:prstGeom>
+          <a:ln w="38100">
+            <a:solidFill>
+              <a:schemeClr val="accent1"/>
+            </a:solidFill>
+            <a:prstDash val="dash"/>
+            <a:tailEnd type="triangle"/>
+          </a:ln>
+        </p:spPr>
+        <p:style>
+          <a:lnRef idx="1">
+            <a:schemeClr val="accent1"/>
+          </a:lnRef>
+          <a:fillRef idx="0">
+            <a:schemeClr val="accent1"/>
+          </a:fillRef>
+          <a:effectRef idx="0">
+            <a:schemeClr val="accent1"/>
+          </a:effectRef>
+          <a:fontRef idx="minor">
+            <a:schemeClr val="tx1"/>
+          </a:fontRef>
+        </p:style>
+      </p:cxnSp>
+      <p:cxnSp>
+        <p:nvCxnSpPr>
+          <p:cNvPr id="132" name="Straight Arrow Connector 47"/>
+          <p:cNvCxnSpPr>
+            <a:stCxn id="133" idx="3"/>
+            <a:endCxn id="176" idx="1"/>
+          </p:cNvCxnSpPr>
+          <p:nvPr/>
+        </p:nvCxnSpPr>
+        <p:spPr>
+          <a:xfrm>
+            <a:off x="1838695" y="321459"/>
+            <a:ext cx="1534855" cy="1090561"/>
+          </a:xfrm>
+          <a:prstGeom prst="straightConnector1">
+            <a:avLst/>
+          </a:prstGeom>
+          <a:ln w="38100">
+            <a:tailEnd type="triangle"/>
+          </a:ln>
+        </p:spPr>
+        <p:style>
+          <a:lnRef idx="1">
+            <a:schemeClr val="accent1"/>
+          </a:lnRef>
+          <a:fillRef idx="0">
+            <a:schemeClr val="accent1"/>
+          </a:fillRef>
+          <a:effectRef idx="0">
+            <a:schemeClr val="accent1"/>
+          </a:effectRef>
+          <a:fontRef idx="minor">
+            <a:schemeClr val="tx1"/>
+          </a:fontRef>
+        </p:style>
+      </p:cxnSp>
+      <p:cxnSp>
+        <p:nvCxnSpPr>
+          <p:cNvPr id="146" name="Straight Arrow Connector 47"/>
+          <p:cNvCxnSpPr>
+            <a:stCxn id="79" idx="0"/>
+            <a:endCxn id="82" idx="4"/>
+          </p:cNvCxnSpPr>
+          <p:nvPr/>
+        </p:nvCxnSpPr>
+        <p:spPr>
+          <a:xfrm flipV="1">
+            <a:off x="2075643" y="3391520"/>
+            <a:ext cx="204950" cy="749613"/>
+          </a:xfrm>
+          <a:prstGeom prst="straightConnector1">
+            <a:avLst/>
+          </a:prstGeom>
+          <a:ln w="38100">
+            <a:tailEnd type="triangle"/>
+          </a:ln>
+        </p:spPr>
+        <p:style>
+          <a:lnRef idx="1">
+            <a:schemeClr val="accent1"/>
+          </a:lnRef>
+          <a:fillRef idx="0">
+            <a:schemeClr val="accent1"/>
+          </a:fillRef>
+          <a:effectRef idx="0">
+            <a:schemeClr val="accent1"/>
+          </a:effectRef>
+          <a:fontRef idx="minor">
+            <a:schemeClr val="tx1"/>
+          </a:fontRef>
+        </p:style>
+      </p:cxnSp>
+      <p:cxnSp>
+        <p:nvCxnSpPr>
+          <p:cNvPr id="149" name="Straight Arrow Connector 47"/>
+          <p:cNvCxnSpPr>
+            <a:stCxn id="80" idx="0"/>
+            <a:endCxn id="83" idx="4"/>
+          </p:cNvCxnSpPr>
+          <p:nvPr/>
+        </p:nvCxnSpPr>
+        <p:spPr>
+          <a:xfrm flipH="1" flipV="1">
+            <a:off x="3835364" y="3344066"/>
+            <a:ext cx="85725" cy="691790"/>
+          </a:xfrm>
+          <a:prstGeom prst="straightConnector1">
+            <a:avLst/>
+          </a:prstGeom>
+          <a:ln w="38100">
+            <a:tailEnd type="triangle"/>
+          </a:ln>
+        </p:spPr>
+        <p:style>
+          <a:lnRef idx="1">
+            <a:schemeClr val="accent1"/>
+          </a:lnRef>
+          <a:fillRef idx="0">
+            <a:schemeClr val="accent1"/>
+          </a:fillRef>
+          <a:effectRef idx="0">
+            <a:schemeClr val="accent1"/>
+          </a:effectRef>
+          <a:fontRef idx="minor">
+            <a:schemeClr val="tx1"/>
+          </a:fontRef>
+        </p:style>
+      </p:cxnSp>
+      <p:cxnSp>
+        <p:nvCxnSpPr>
+          <p:cNvPr id="73" name="Прямая со стрелкой 72"/>
+          <p:cNvCxnSpPr>
+            <a:stCxn id="81" idx="7"/>
+            <a:endCxn id="176" idx="2"/>
+          </p:cNvCxnSpPr>
+          <p:nvPr/>
+        </p:nvCxnSpPr>
+        <p:spPr>
+          <a:xfrm flipV="1">
+            <a:off x="863156" y="1639759"/>
+            <a:ext cx="2405489" cy="1189395"/>
+          </a:xfrm>
+          <a:prstGeom prst="straightConnector1">
+            <a:avLst/>
+          </a:prstGeom>
+          <a:ln>
+            <a:solidFill>
+              <a:schemeClr val="tx1"/>
+            </a:solidFill>
+            <a:headEnd type="none"/>
+            <a:tailEnd type="triangle"/>
+          </a:ln>
+        </p:spPr>
+        <p:style>
+          <a:lnRef idx="1">
+            <a:schemeClr val="accent1"/>
+          </a:lnRef>
+          <a:fillRef idx="0">
+            <a:schemeClr val="accent1"/>
+          </a:fillRef>
+          <a:effectRef idx="0">
+            <a:schemeClr val="accent1"/>
+          </a:effectRef>
+          <a:fontRef idx="minor">
+            <a:schemeClr val="tx1"/>
+          </a:fontRef>
+        </p:style>
+      </p:cxnSp>
+      <p:cxnSp>
+        <p:nvCxnSpPr>
+          <p:cNvPr id="84" name="Прямая со стрелкой 83"/>
+          <p:cNvCxnSpPr>
+            <a:stCxn id="81" idx="7"/>
+            <a:endCxn id="179" idx="3"/>
+          </p:cNvCxnSpPr>
+          <p:nvPr/>
+        </p:nvCxnSpPr>
+        <p:spPr>
+          <a:xfrm flipV="1">
+            <a:off x="863156" y="1803962"/>
+            <a:ext cx="3721067" cy="1025192"/>
+          </a:xfrm>
+          <a:prstGeom prst="straightConnector1">
+            <a:avLst/>
+          </a:prstGeom>
+          <a:ln>
+            <a:solidFill>
+              <a:schemeClr val="tx1"/>
+            </a:solidFill>
+            <a:headEnd type="none"/>
+            <a:tailEnd type="triangle"/>
+          </a:ln>
+        </p:spPr>
+        <p:style>
+          <a:lnRef idx="1">
+            <a:schemeClr val="accent1"/>
+          </a:lnRef>
+          <a:fillRef idx="0">
+            <a:schemeClr val="accent1"/>
+          </a:fillRef>
+          <a:effectRef idx="0">
+            <a:schemeClr val="accent1"/>
+          </a:effectRef>
+          <a:fontRef idx="minor">
+            <a:schemeClr val="tx1"/>
+          </a:fontRef>
+        </p:style>
+      </p:cxnSp>
+      <p:cxnSp>
+        <p:nvCxnSpPr>
+          <p:cNvPr id="85" name="Прямая со стрелкой 84"/>
+          <p:cNvCxnSpPr>
+            <a:stCxn id="82" idx="1"/>
+            <a:endCxn id="140" idx="5"/>
+          </p:cNvCxnSpPr>
+          <p:nvPr/>
+        </p:nvCxnSpPr>
+        <p:spPr>
+          <a:xfrm flipV="1">
+            <a:off x="2027328" y="1758691"/>
+            <a:ext cx="278379" cy="1083020"/>
+          </a:xfrm>
+          <a:prstGeom prst="straightConnector1">
+            <a:avLst/>
+          </a:prstGeom>
+          <a:ln>
+            <a:solidFill>
+              <a:schemeClr val="tx1"/>
+            </a:solidFill>
+            <a:headEnd type="none"/>
+            <a:tailEnd type="triangle"/>
+          </a:ln>
+        </p:spPr>
+        <p:style>
+          <a:lnRef idx="1">
+            <a:schemeClr val="accent1"/>
+          </a:lnRef>
+          <a:fillRef idx="0">
+            <a:schemeClr val="accent1"/>
+          </a:fillRef>
+          <a:effectRef idx="0">
+            <a:schemeClr val="accent1"/>
+          </a:effectRef>
+          <a:fontRef idx="minor">
+            <a:schemeClr val="tx1"/>
+          </a:fontRef>
+        </p:style>
+      </p:cxnSp>
+      <p:cxnSp>
+        <p:nvCxnSpPr>
+          <p:cNvPr id="91" name="Прямая со стрелкой 90"/>
+          <p:cNvCxnSpPr>
+            <a:stCxn id="82" idx="7"/>
+            <a:endCxn id="179" idx="3"/>
+          </p:cNvCxnSpPr>
+          <p:nvPr/>
+        </p:nvCxnSpPr>
+        <p:spPr>
+          <a:xfrm flipV="1">
+            <a:off x="2533857" y="1803962"/>
+            <a:ext cx="2050366" cy="1037749"/>
+          </a:xfrm>
+          <a:prstGeom prst="straightConnector1">
+            <a:avLst/>
+          </a:prstGeom>
+          <a:ln>
+            <a:solidFill>
+              <a:schemeClr val="tx1"/>
+            </a:solidFill>
+            <a:headEnd type="none"/>
+            <a:tailEnd type="triangle"/>
+          </a:ln>
+        </p:spPr>
+        <p:style>
+          <a:lnRef idx="1">
+            <a:schemeClr val="accent1"/>
+          </a:lnRef>
+          <a:fillRef idx="0">
+            <a:schemeClr val="accent1"/>
+          </a:fillRef>
+          <a:effectRef idx="0">
+            <a:schemeClr val="accent1"/>
+          </a:effectRef>
+          <a:fontRef idx="minor">
+            <a:schemeClr val="tx1"/>
+          </a:fontRef>
+        </p:style>
+      </p:cxnSp>
+      <p:cxnSp>
+        <p:nvCxnSpPr>
+          <p:cNvPr id="93" name="Прямая со стрелкой 92"/>
+          <p:cNvCxnSpPr>
+            <a:stCxn id="83" idx="1"/>
+            <a:endCxn id="140" idx="5"/>
+          </p:cNvCxnSpPr>
+          <p:nvPr/>
+        </p:nvCxnSpPr>
+        <p:spPr>
+          <a:xfrm flipH="1" flipV="1">
+            <a:off x="2305707" y="1758691"/>
+            <a:ext cx="1276392" cy="1035566"/>
+          </a:xfrm>
+          <a:prstGeom prst="straightConnector1">
+            <a:avLst/>
+          </a:prstGeom>
+          <a:ln>
+            <a:solidFill>
+              <a:schemeClr val="tx1"/>
+            </a:solidFill>
+            <a:headEnd type="none"/>
+            <a:tailEnd type="triangle"/>
+          </a:ln>
+        </p:spPr>
+        <p:style>
+          <a:lnRef idx="1">
+            <a:schemeClr val="accent1"/>
+          </a:lnRef>
+          <a:fillRef idx="0">
+            <a:schemeClr val="accent1"/>
+          </a:fillRef>
+          <a:effectRef idx="0">
+            <a:schemeClr val="accent1"/>
+          </a:effectRef>
+          <a:fontRef idx="minor">
+            <a:schemeClr val="tx1"/>
+          </a:fontRef>
+        </p:style>
+      </p:cxnSp>
+      <p:cxnSp>
+        <p:nvCxnSpPr>
+          <p:cNvPr id="94" name="Прямая со стрелкой 93"/>
+          <p:cNvCxnSpPr>
+            <a:stCxn id="83" idx="1"/>
+            <a:endCxn id="176" idx="5"/>
+          </p:cNvCxnSpPr>
+          <p:nvPr/>
+        </p:nvCxnSpPr>
+        <p:spPr>
+          <a:xfrm flipV="1">
+            <a:off x="3582099" y="1867497"/>
+            <a:ext cx="297980" cy="926760"/>
+          </a:xfrm>
+          <a:prstGeom prst="straightConnector1">
+            <a:avLst/>
+          </a:prstGeom>
+          <a:ln>
+            <a:solidFill>
+              <a:schemeClr val="tx1"/>
+            </a:solidFill>
+            <a:headEnd type="none"/>
+            <a:tailEnd type="triangle"/>
+          </a:ln>
+        </p:spPr>
+        <p:style>
+          <a:lnRef idx="1">
+            <a:schemeClr val="accent1"/>
+          </a:lnRef>
+          <a:fillRef idx="0">
+            <a:schemeClr val="accent1"/>
+          </a:fillRef>
+          <a:effectRef idx="0">
+            <a:schemeClr val="accent1"/>
+          </a:effectRef>
+          <a:fontRef idx="minor">
+            <a:schemeClr val="tx1"/>
+          </a:fontRef>
+        </p:style>
+      </p:cxnSp>
+      <p:sp>
+        <p:nvSpPr>
+          <p:cNvPr id="89" name="Oval 32"/>
+          <p:cNvSpPr/>
+          <p:nvPr/>
+        </p:nvSpPr>
+        <p:spPr>
+          <a:xfrm>
+            <a:off x="5353788" y="1813861"/>
+            <a:ext cx="716339" cy="644141"/>
+          </a:xfrm>
+          <a:prstGeom prst="ellipse">
+            <a:avLst/>
+          </a:prstGeom>
+        </p:spPr>
+        <p:style>
+          <a:lnRef idx="2">
+            <a:schemeClr val="accent1">
+              <a:shade val="50000"/>
+            </a:schemeClr>
+          </a:lnRef>
+          <a:fillRef idx="1">
+            <a:schemeClr val="accent1"/>
+          </a:fillRef>
+          <a:effectRef idx="0">
+            <a:schemeClr val="accent1"/>
+          </a:effectRef>
+          <a:fontRef idx="minor">
+            <a:schemeClr val="lt1"/>
+          </a:fontRef>
+        </p:style>
+        <p:txBody>
+          <a:bodyPr rtlCol="0" anchor="ctr"/>
+          <a:lstStyle/>
+          <a:p>
+            <a:pPr algn="ctr"/>
+            <a:r>
+              <a:rPr lang="en-US" sz="2000" dirty="0" smtClean="0"/>
+              <a:t>OR</a:t>
+            </a:r>
+            <a:endParaRPr lang="ru-RU" sz="2000" dirty="0"/>
+          </a:p>
+        </p:txBody>
+      </p:sp>
+      <p:cxnSp>
+        <p:nvCxnSpPr>
+          <p:cNvPr id="90" name="Straight Arrow Connector 47"/>
+          <p:cNvCxnSpPr>
+            <a:endCxn id="89" idx="2"/>
+          </p:cNvCxnSpPr>
+          <p:nvPr/>
+        </p:nvCxnSpPr>
+        <p:spPr>
+          <a:xfrm flipV="1">
+            <a:off x="609892" y="2135932"/>
+            <a:ext cx="4743896" cy="617362"/>
+          </a:xfrm>
+          <a:prstGeom prst="straightConnector1">
+            <a:avLst/>
+          </a:prstGeom>
+          <a:ln w="38100">
+            <a:tailEnd type="triangle"/>
+          </a:ln>
+        </p:spPr>
+        <p:style>
+          <a:lnRef idx="1">
+            <a:schemeClr val="accent1"/>
+          </a:lnRef>
+          <a:fillRef idx="0">
+            <a:schemeClr val="accent1"/>
+          </a:fillRef>
+          <a:effectRef idx="0">
+            <a:schemeClr val="accent1"/>
+          </a:effectRef>
+          <a:fontRef idx="minor">
+            <a:schemeClr val="tx1"/>
+          </a:fontRef>
+        </p:style>
+      </p:cxnSp>
+      <p:cxnSp>
+        <p:nvCxnSpPr>
+          <p:cNvPr id="97" name="Straight Arrow Connector 47"/>
+          <p:cNvCxnSpPr>
+            <a:stCxn id="82" idx="0"/>
+            <a:endCxn id="89" idx="2"/>
+          </p:cNvCxnSpPr>
+          <p:nvPr/>
+        </p:nvCxnSpPr>
+        <p:spPr>
+          <a:xfrm flipV="1">
+            <a:off x="2280593" y="2135932"/>
+            <a:ext cx="3073195" cy="611447"/>
+          </a:xfrm>
+          <a:prstGeom prst="straightConnector1">
+            <a:avLst/>
+          </a:prstGeom>
+          <a:ln w="38100">
+            <a:tailEnd type="triangle"/>
+          </a:ln>
+        </p:spPr>
+        <p:style>
+          <a:lnRef idx="1">
+            <a:schemeClr val="accent1"/>
+          </a:lnRef>
+          <a:fillRef idx="0">
+            <a:schemeClr val="accent1"/>
+          </a:fillRef>
+          <a:effectRef idx="0">
+            <a:schemeClr val="accent1"/>
+          </a:effectRef>
+          <a:fontRef idx="minor">
+            <a:schemeClr val="tx1"/>
+          </a:fontRef>
+        </p:style>
+      </p:cxnSp>
+      <p:cxnSp>
+        <p:nvCxnSpPr>
+          <p:cNvPr id="100" name="Straight Arrow Connector 47"/>
+          <p:cNvCxnSpPr>
+            <a:endCxn id="89" idx="2"/>
+          </p:cNvCxnSpPr>
+          <p:nvPr/>
+        </p:nvCxnSpPr>
+        <p:spPr>
+          <a:xfrm flipV="1">
+            <a:off x="3834733" y="2135932"/>
+            <a:ext cx="1519055" cy="563994"/>
+          </a:xfrm>
+          <a:prstGeom prst="straightConnector1">
+            <a:avLst/>
+          </a:prstGeom>
+          <a:ln w="38100">
+            <a:tailEnd type="triangle"/>
+          </a:ln>
+        </p:spPr>
+        <p:style>
+          <a:lnRef idx="1">
+            <a:schemeClr val="accent1"/>
+          </a:lnRef>
+          <a:fillRef idx="0">
+            <a:schemeClr val="accent1"/>
+          </a:fillRef>
+          <a:effectRef idx="0">
+            <a:schemeClr val="accent1"/>
+          </a:effectRef>
+          <a:fontRef idx="minor">
+            <a:schemeClr val="tx1"/>
+          </a:fontRef>
+        </p:style>
+      </p:cxnSp>
+      <p:sp>
+        <p:nvSpPr>
+          <p:cNvPr id="112" name="Oval 32"/>
+          <p:cNvSpPr/>
+          <p:nvPr/>
+        </p:nvSpPr>
+        <p:spPr>
+          <a:xfrm>
+            <a:off x="5477530" y="229876"/>
+            <a:ext cx="716339" cy="644141"/>
+          </a:xfrm>
+          <a:prstGeom prst="ellipse">
+            <a:avLst/>
+          </a:prstGeom>
+        </p:spPr>
+        <p:style>
+          <a:lnRef idx="2">
+            <a:schemeClr val="accent1">
+              <a:shade val="50000"/>
+            </a:schemeClr>
+          </a:lnRef>
+          <a:fillRef idx="1">
+            <a:schemeClr val="accent1"/>
+          </a:fillRef>
+          <a:effectRef idx="0">
+            <a:schemeClr val="accent1"/>
+          </a:effectRef>
+          <a:fontRef idx="minor">
+            <a:schemeClr val="lt1"/>
+          </a:fontRef>
+        </p:style>
+        <p:txBody>
+          <a:bodyPr rtlCol="0" anchor="ctr"/>
+          <a:lstStyle/>
+          <a:p>
+            <a:pPr algn="ctr"/>
+            <a:r>
+              <a:rPr lang="en-US" sz="700" dirty="0" smtClean="0"/>
+              <a:t>SECREW</a:t>
+            </a:r>
+            <a:endParaRPr lang="ru-RU" sz="700" dirty="0"/>
+          </a:p>
+        </p:txBody>
+      </p:sp>
+      <p:cxnSp>
+        <p:nvCxnSpPr>
+          <p:cNvPr id="113" name="Straight Arrow Connector 47"/>
+          <p:cNvCxnSpPr>
+            <a:stCxn id="89" idx="1"/>
+            <a:endCxn id="112" idx="2"/>
+          </p:cNvCxnSpPr>
+          <p:nvPr/>
+        </p:nvCxnSpPr>
+        <p:spPr>
+          <a:xfrm flipV="1">
+            <a:off x="5458693" y="551947"/>
+            <a:ext cx="18837" cy="1356246"/>
+          </a:xfrm>
+          <a:prstGeom prst="straightConnector1">
+            <a:avLst/>
+          </a:prstGeom>
+          <a:ln w="38100">
+            <a:tailEnd type="triangle"/>
+          </a:ln>
+        </p:spPr>
+        <p:style>
+          <a:lnRef idx="1">
+            <a:schemeClr val="accent1"/>
+          </a:lnRef>
+          <a:fillRef idx="0">
+            <a:schemeClr val="accent1"/>
+          </a:fillRef>
+          <a:effectRef idx="0">
+            <a:schemeClr val="accent1"/>
+          </a:effectRef>
+          <a:fontRef idx="minor">
+            <a:schemeClr val="tx1"/>
+          </a:fontRef>
+        </p:style>
+      </p:cxnSp>
+      <p:cxnSp>
+        <p:nvCxnSpPr>
+          <p:cNvPr id="116" name="Прямая со стрелкой 115"/>
+          <p:cNvCxnSpPr>
+            <a:stCxn id="89" idx="0"/>
+            <a:endCxn id="112" idx="4"/>
+          </p:cNvCxnSpPr>
+          <p:nvPr/>
+        </p:nvCxnSpPr>
+        <p:spPr>
+          <a:xfrm flipV="1">
+            <a:off x="5711958" y="874017"/>
+            <a:ext cx="123742" cy="939844"/>
+          </a:xfrm>
+          <a:prstGeom prst="straightConnector1">
+            <a:avLst/>
+          </a:prstGeom>
+          <a:ln>
+            <a:solidFill>
+              <a:schemeClr val="tx1">
+                <a:alpha val="50000"/>
+              </a:schemeClr>
+            </a:solidFill>
+            <a:headEnd type="none"/>
+            <a:tailEnd type="triangle"/>
+          </a:ln>
+        </p:spPr>
+        <p:style>
+          <a:lnRef idx="1">
+            <a:schemeClr val="accent1"/>
+          </a:lnRef>
+          <a:fillRef idx="0">
+            <a:schemeClr val="accent1"/>
+          </a:fillRef>
+          <a:effectRef idx="0">
+            <a:schemeClr val="accent1"/>
+          </a:effectRef>
+          <a:fontRef idx="minor">
+            <a:schemeClr val="tx1"/>
+          </a:fontRef>
+        </p:style>
+      </p:cxnSp>
+      <p:sp>
+        <p:nvSpPr>
+          <p:cNvPr id="142" name="Oval 32"/>
+          <p:cNvSpPr/>
+          <p:nvPr/>
+        </p:nvSpPr>
+        <p:spPr>
+          <a:xfrm>
+            <a:off x="6034430" y="4015401"/>
+            <a:ext cx="716339" cy="644141"/>
+          </a:xfrm>
+          <a:prstGeom prst="ellipse">
+            <a:avLst/>
+          </a:prstGeom>
+        </p:spPr>
+        <p:style>
+          <a:lnRef idx="2">
+            <a:schemeClr val="accent1">
+              <a:shade val="50000"/>
+            </a:schemeClr>
+          </a:lnRef>
+          <a:fillRef idx="1">
+            <a:schemeClr val="accent1"/>
+          </a:fillRef>
+          <a:effectRef idx="0">
+            <a:schemeClr val="accent1"/>
+          </a:effectRef>
+          <a:fontRef idx="minor">
+            <a:schemeClr val="lt1"/>
+          </a:fontRef>
+        </p:style>
+        <p:txBody>
+          <a:bodyPr rtlCol="0" anchor="ctr"/>
+          <a:lstStyle/>
+          <a:p>
+            <a:pPr algn="ctr"/>
+            <a:r>
+              <a:rPr lang="en-US" sz="3600" dirty="0"/>
+              <a:t>L</a:t>
+            </a:r>
+            <a:endParaRPr lang="ru-RU" sz="3600" dirty="0"/>
+          </a:p>
+        </p:txBody>
+      </p:sp>
+      <p:sp>
+        <p:nvSpPr>
+          <p:cNvPr id="143" name="Oval 32"/>
+          <p:cNvSpPr/>
+          <p:nvPr/>
+        </p:nvSpPr>
+        <p:spPr>
+          <a:xfrm>
+            <a:off x="7433702" y="4085781"/>
+            <a:ext cx="716339" cy="644141"/>
+          </a:xfrm>
+          <a:prstGeom prst="ellipse">
+            <a:avLst/>
+          </a:prstGeom>
+        </p:spPr>
+        <p:style>
+          <a:lnRef idx="2">
+            <a:schemeClr val="accent1">
+              <a:shade val="50000"/>
+            </a:schemeClr>
+          </a:lnRef>
+          <a:fillRef idx="1">
+            <a:schemeClr val="accent1"/>
+          </a:fillRef>
+          <a:effectRef idx="0">
+            <a:schemeClr val="accent1"/>
+          </a:effectRef>
+          <a:fontRef idx="minor">
+            <a:schemeClr val="lt1"/>
+          </a:fontRef>
+        </p:style>
+        <p:txBody>
+          <a:bodyPr rtlCol="0" anchor="ctr"/>
+          <a:lstStyle/>
+          <a:p>
+            <a:pPr algn="ctr"/>
+            <a:r>
+              <a:rPr lang="en-US" sz="3600" dirty="0"/>
+              <a:t>L</a:t>
+            </a:r>
+            <a:endParaRPr lang="ru-RU" sz="3600" dirty="0"/>
+          </a:p>
+        </p:txBody>
+      </p:sp>
+      <p:sp>
+        <p:nvSpPr>
+          <p:cNvPr id="145" name="Oval 32"/>
+          <p:cNvSpPr/>
+          <p:nvPr/>
+        </p:nvSpPr>
+        <p:spPr>
+          <a:xfrm>
+            <a:off x="9279148" y="3980504"/>
+            <a:ext cx="716339" cy="644141"/>
+          </a:xfrm>
+          <a:prstGeom prst="ellipse">
+            <a:avLst/>
+          </a:prstGeom>
+        </p:spPr>
+        <p:style>
+          <a:lnRef idx="2">
+            <a:schemeClr val="accent1">
+              <a:shade val="50000"/>
+            </a:schemeClr>
+          </a:lnRef>
+          <a:fillRef idx="1">
+            <a:schemeClr val="accent1"/>
+          </a:fillRef>
+          <a:effectRef idx="0">
+            <a:schemeClr val="accent1"/>
+          </a:effectRef>
+          <a:fontRef idx="minor">
+            <a:schemeClr val="lt1"/>
+          </a:fontRef>
+        </p:style>
+        <p:txBody>
+          <a:bodyPr rtlCol="0" anchor="ctr"/>
+          <a:lstStyle/>
+          <a:p>
+            <a:pPr algn="ctr"/>
+            <a:r>
+              <a:rPr lang="en-US" sz="3600" dirty="0"/>
+              <a:t>L</a:t>
+            </a:r>
+            <a:endParaRPr lang="ru-RU" sz="3600" dirty="0"/>
+          </a:p>
+        </p:txBody>
+      </p:sp>
+      <p:sp>
+        <p:nvSpPr>
+          <p:cNvPr id="147" name="Oval 32"/>
+          <p:cNvSpPr/>
+          <p:nvPr/>
+        </p:nvSpPr>
+        <p:spPr>
+          <a:xfrm>
+            <a:off x="5967951" y="2679470"/>
+            <a:ext cx="716339" cy="644141"/>
+          </a:xfrm>
+          <a:prstGeom prst="ellipse">
+            <a:avLst/>
+          </a:prstGeom>
+        </p:spPr>
+        <p:style>
+          <a:lnRef idx="2">
+            <a:schemeClr val="accent1">
+              <a:shade val="50000"/>
+            </a:schemeClr>
+          </a:lnRef>
+          <a:fillRef idx="1">
+            <a:schemeClr val="accent1"/>
+          </a:fillRef>
+          <a:effectRef idx="0">
+            <a:schemeClr val="accent1"/>
+          </a:effectRef>
+          <a:fontRef idx="minor">
+            <a:schemeClr val="lt1"/>
+          </a:fontRef>
+        </p:style>
+        <p:txBody>
+          <a:bodyPr rtlCol="0" anchor="ctr"/>
+          <a:lstStyle/>
+          <a:p>
+            <a:pPr algn="ctr"/>
+            <a:r>
+              <a:rPr lang="en-US" sz="1200" dirty="0" smtClean="0"/>
+              <a:t>WTA</a:t>
+            </a:r>
+            <a:endParaRPr lang="ru-RU" sz="1200" dirty="0"/>
+          </a:p>
+        </p:txBody>
+      </p:sp>
+      <p:sp>
+        <p:nvSpPr>
+          <p:cNvPr id="148" name="Oval 32"/>
+          <p:cNvSpPr/>
+          <p:nvPr/>
+        </p:nvSpPr>
+        <p:spPr>
+          <a:xfrm>
+            <a:off x="7638652" y="2692027"/>
+            <a:ext cx="716339" cy="644141"/>
+          </a:xfrm>
+          <a:prstGeom prst="ellipse">
+            <a:avLst/>
+          </a:prstGeom>
+        </p:spPr>
+        <p:style>
+          <a:lnRef idx="2">
+            <a:schemeClr val="accent1">
+              <a:shade val="50000"/>
+            </a:schemeClr>
+          </a:lnRef>
+          <a:fillRef idx="1">
+            <a:schemeClr val="accent1"/>
+          </a:fillRef>
+          <a:effectRef idx="0">
+            <a:schemeClr val="accent1"/>
+          </a:effectRef>
+          <a:fontRef idx="minor">
+            <a:schemeClr val="lt1"/>
+          </a:fontRef>
+        </p:style>
+        <p:txBody>
+          <a:bodyPr rtlCol="0" anchor="ctr"/>
+          <a:lstStyle/>
+          <a:p>
+            <a:pPr algn="ctr"/>
+            <a:r>
+              <a:rPr lang="en-US" sz="1200" dirty="0" smtClean="0"/>
+              <a:t>WTA</a:t>
+            </a:r>
+            <a:endParaRPr lang="ru-RU" sz="1200" dirty="0"/>
+          </a:p>
+        </p:txBody>
+      </p:sp>
+      <p:sp>
+        <p:nvSpPr>
+          <p:cNvPr id="150" name="Oval 32"/>
+          <p:cNvSpPr/>
+          <p:nvPr/>
+        </p:nvSpPr>
+        <p:spPr>
+          <a:xfrm>
+            <a:off x="9193423" y="2644573"/>
+            <a:ext cx="716339" cy="644141"/>
+          </a:xfrm>
+          <a:prstGeom prst="ellipse">
+            <a:avLst/>
+          </a:prstGeom>
+        </p:spPr>
+        <p:style>
+          <a:lnRef idx="2">
+            <a:schemeClr val="accent1">
+              <a:shade val="50000"/>
+            </a:schemeClr>
+          </a:lnRef>
+          <a:fillRef idx="1">
+            <a:schemeClr val="accent1"/>
+          </a:fillRef>
+          <a:effectRef idx="0">
+            <a:schemeClr val="accent1"/>
+          </a:effectRef>
+          <a:fontRef idx="minor">
+            <a:schemeClr val="lt1"/>
+          </a:fontRef>
+        </p:style>
+        <p:txBody>
+          <a:bodyPr rtlCol="0" anchor="ctr"/>
+          <a:lstStyle/>
+          <a:p>
+            <a:pPr algn="ctr"/>
+            <a:r>
+              <a:rPr lang="en-US" sz="1200" dirty="0" smtClean="0"/>
+              <a:t>WTA</a:t>
+            </a:r>
+            <a:endParaRPr lang="ru-RU" sz="1200" dirty="0"/>
+          </a:p>
+        </p:txBody>
+      </p:sp>
+      <p:cxnSp>
+        <p:nvCxnSpPr>
+          <p:cNvPr id="151" name="Прямая со стрелкой 150"/>
+          <p:cNvCxnSpPr>
+            <a:stCxn id="148" idx="6"/>
+            <a:endCxn id="150" idx="2"/>
+          </p:cNvCxnSpPr>
+          <p:nvPr/>
+        </p:nvCxnSpPr>
+        <p:spPr>
+          <a:xfrm flipV="1">
+            <a:off x="8354991" y="2966644"/>
+            <a:ext cx="838432" cy="47454"/>
+          </a:xfrm>
+          <a:prstGeom prst="straightConnector1">
+            <a:avLst/>
+          </a:prstGeom>
+          <a:ln>
+            <a:solidFill>
+              <a:schemeClr val="tx1"/>
+            </a:solidFill>
+            <a:headEnd type="triangle"/>
+            <a:tailEnd type="triangle"/>
+          </a:ln>
+        </p:spPr>
+        <p:style>
+          <a:lnRef idx="1">
+            <a:schemeClr val="accent1"/>
+          </a:lnRef>
+          <a:fillRef idx="0">
+            <a:schemeClr val="accent1"/>
+          </a:fillRef>
+          <a:effectRef idx="0">
+            <a:schemeClr val="accent1"/>
+          </a:effectRef>
+          <a:fontRef idx="minor">
+            <a:schemeClr val="tx1"/>
+          </a:fontRef>
+        </p:style>
+      </p:cxnSp>
+      <p:cxnSp>
+        <p:nvCxnSpPr>
+          <p:cNvPr id="152" name="Прямая со стрелкой 151"/>
+          <p:cNvCxnSpPr>
+            <a:stCxn id="148" idx="2"/>
+            <a:endCxn id="147" idx="6"/>
+          </p:cNvCxnSpPr>
+          <p:nvPr/>
+        </p:nvCxnSpPr>
+        <p:spPr>
+          <a:xfrm flipH="1" flipV="1">
+            <a:off x="6684290" y="3001541"/>
+            <a:ext cx="954362" cy="12557"/>
+          </a:xfrm>
+          <a:prstGeom prst="straightConnector1">
+            <a:avLst/>
+          </a:prstGeom>
+          <a:ln>
+            <a:solidFill>
+              <a:schemeClr val="tx1"/>
+            </a:solidFill>
+            <a:headEnd type="triangle"/>
+            <a:tailEnd type="triangle"/>
+          </a:ln>
+        </p:spPr>
+        <p:style>
+          <a:lnRef idx="1">
+            <a:schemeClr val="accent1"/>
+          </a:lnRef>
+          <a:fillRef idx="0">
+            <a:schemeClr val="accent1"/>
+          </a:fillRef>
+          <a:effectRef idx="0">
+            <a:schemeClr val="accent1"/>
+          </a:effectRef>
+          <a:fontRef idx="minor">
+            <a:schemeClr val="tx1"/>
+          </a:fontRef>
+        </p:style>
+      </p:cxnSp>
+      <p:cxnSp>
+        <p:nvCxnSpPr>
+          <p:cNvPr id="153" name="Straight Arrow Connector 47"/>
+          <p:cNvCxnSpPr/>
+          <p:nvPr/>
+        </p:nvCxnSpPr>
+        <p:spPr>
+          <a:xfrm flipH="1" flipV="1">
+            <a:off x="6326121" y="3342083"/>
+            <a:ext cx="66479" cy="691790"/>
+          </a:xfrm>
+          <a:prstGeom prst="straightConnector1">
+            <a:avLst/>
+          </a:prstGeom>
+          <a:ln w="38100">
+            <a:tailEnd type="triangle"/>
+          </a:ln>
+        </p:spPr>
+        <p:style>
+          <a:lnRef idx="1">
+            <a:schemeClr val="accent1"/>
+          </a:lnRef>
+          <a:fillRef idx="0">
+            <a:schemeClr val="accent1"/>
+          </a:fillRef>
+          <a:effectRef idx="0">
+            <a:schemeClr val="accent1"/>
+          </a:effectRef>
+          <a:fontRef idx="minor">
+            <a:schemeClr val="tx1"/>
+          </a:fontRef>
+        </p:style>
+      </p:cxnSp>
+      <p:cxnSp>
+        <p:nvCxnSpPr>
+          <p:cNvPr id="154" name="Straight Arrow Connector 47"/>
+          <p:cNvCxnSpPr>
+            <a:stCxn id="112" idx="5"/>
+            <a:endCxn id="157" idx="1"/>
+          </p:cNvCxnSpPr>
+          <p:nvPr/>
+        </p:nvCxnSpPr>
+        <p:spPr>
+          <a:xfrm>
+            <a:off x="6088964" y="779685"/>
+            <a:ext cx="1426443" cy="468177"/>
+          </a:xfrm>
+          <a:prstGeom prst="straightConnector1">
+            <a:avLst/>
+          </a:prstGeom>
+          <a:ln w="38100">
+            <a:tailEnd type="triangle"/>
+          </a:ln>
+        </p:spPr>
+        <p:style>
+          <a:lnRef idx="1">
+            <a:schemeClr val="accent1"/>
+          </a:lnRef>
+          <a:fillRef idx="0">
+            <a:schemeClr val="accent1"/>
+          </a:fillRef>
+          <a:effectRef idx="0">
+            <a:schemeClr val="accent1"/>
+          </a:effectRef>
+          <a:fontRef idx="minor">
+            <a:schemeClr val="tx1"/>
+          </a:fontRef>
+        </p:style>
+      </p:cxnSp>
+      <p:cxnSp>
+        <p:nvCxnSpPr>
+          <p:cNvPr id="155" name="Straight Arrow Connector 47"/>
+          <p:cNvCxnSpPr>
+            <a:stCxn id="112" idx="7"/>
+            <a:endCxn id="161" idx="1"/>
+          </p:cNvCxnSpPr>
+          <p:nvPr/>
+        </p:nvCxnSpPr>
+        <p:spPr>
+          <a:xfrm>
+            <a:off x="6088964" y="324208"/>
+            <a:ext cx="4211488" cy="968925"/>
+          </a:xfrm>
+          <a:prstGeom prst="straightConnector1">
+            <a:avLst/>
+          </a:prstGeom>
+          <a:ln w="38100">
+            <a:tailEnd type="triangle"/>
+          </a:ln>
+        </p:spPr>
+        <p:style>
+          <a:lnRef idx="1">
+            <a:schemeClr val="accent1"/>
+          </a:lnRef>
+          <a:fillRef idx="0">
+            <a:schemeClr val="accent1"/>
+          </a:fillRef>
+          <a:effectRef idx="0">
+            <a:schemeClr val="accent1"/>
+          </a:effectRef>
+          <a:fontRef idx="minor">
+            <a:schemeClr val="tx1"/>
+          </a:fontRef>
+        </p:style>
+      </p:cxnSp>
+      <p:sp>
+        <p:nvSpPr>
+          <p:cNvPr id="157" name="Oval 32"/>
+          <p:cNvSpPr/>
+          <p:nvPr/>
+        </p:nvSpPr>
+        <p:spPr>
+          <a:xfrm>
+            <a:off x="7410502" y="1153530"/>
+            <a:ext cx="716339" cy="644141"/>
+          </a:xfrm>
+          <a:prstGeom prst="ellipse">
+            <a:avLst/>
+          </a:prstGeom>
+        </p:spPr>
+        <p:style>
+          <a:lnRef idx="2">
+            <a:schemeClr val="accent1">
+              <a:shade val="50000"/>
+            </a:schemeClr>
+          </a:lnRef>
+          <a:fillRef idx="1">
+            <a:schemeClr val="accent1"/>
+          </a:fillRef>
+          <a:effectRef idx="0">
+            <a:schemeClr val="accent1"/>
+          </a:effectRef>
+          <a:fontRef idx="minor">
+            <a:schemeClr val="lt1"/>
+          </a:fontRef>
+        </p:style>
+        <p:txBody>
+          <a:bodyPr rtlCol="0" anchor="ctr"/>
+          <a:lstStyle/>
+          <a:p>
+            <a:pPr algn="ctr"/>
+            <a:r>
+              <a:rPr lang="en-US" sz="1100" dirty="0" smtClean="0"/>
+              <a:t>GATE</a:t>
+            </a:r>
+            <a:endParaRPr lang="ru-RU" sz="1100" dirty="0"/>
+          </a:p>
+        </p:txBody>
+      </p:sp>
+      <p:cxnSp>
+        <p:nvCxnSpPr>
+          <p:cNvPr id="158" name="Straight Arrow Connector 31"/>
+          <p:cNvCxnSpPr>
+            <a:stCxn id="157" idx="3"/>
+            <a:endCxn id="142" idx="7"/>
+          </p:cNvCxnSpPr>
+          <p:nvPr/>
+        </p:nvCxnSpPr>
+        <p:spPr>
+          <a:xfrm flipH="1">
+            <a:off x="6645864" y="1703339"/>
+            <a:ext cx="869543" cy="2406394"/>
+          </a:xfrm>
+          <a:prstGeom prst="straightConnector1">
+            <a:avLst/>
+          </a:prstGeom>
+          <a:ln w="38100">
+            <a:solidFill>
+              <a:schemeClr val="accent1"/>
+            </a:solidFill>
+            <a:prstDash val="dash"/>
+            <a:tailEnd type="triangle"/>
+          </a:ln>
+        </p:spPr>
+        <p:style>
+          <a:lnRef idx="1">
+            <a:schemeClr val="accent1"/>
+          </a:lnRef>
+          <a:fillRef idx="0">
+            <a:schemeClr val="accent1"/>
+          </a:fillRef>
+          <a:effectRef idx="0">
+            <a:schemeClr val="accent1"/>
+          </a:effectRef>
+          <a:fontRef idx="minor">
+            <a:schemeClr val="tx1"/>
+          </a:fontRef>
+        </p:style>
+      </p:cxnSp>
+      <p:sp>
+        <p:nvSpPr>
+          <p:cNvPr id="159" name="Oval 32"/>
+          <p:cNvSpPr/>
+          <p:nvPr/>
+        </p:nvSpPr>
+        <p:spPr>
+          <a:xfrm>
+            <a:off x="8984874" y="1262336"/>
+            <a:ext cx="716339" cy="644141"/>
+          </a:xfrm>
+          <a:prstGeom prst="ellipse">
+            <a:avLst/>
+          </a:prstGeom>
+        </p:spPr>
+        <p:style>
+          <a:lnRef idx="2">
+            <a:schemeClr val="accent1">
+              <a:shade val="50000"/>
+            </a:schemeClr>
+          </a:lnRef>
+          <a:fillRef idx="1">
+            <a:schemeClr val="accent1"/>
+          </a:fillRef>
+          <a:effectRef idx="0">
+            <a:schemeClr val="accent1"/>
+          </a:effectRef>
+          <a:fontRef idx="minor">
+            <a:schemeClr val="lt1"/>
+          </a:fontRef>
+        </p:style>
+        <p:txBody>
+          <a:bodyPr rtlCol="0" anchor="ctr"/>
+          <a:lstStyle/>
+          <a:p>
+            <a:pPr algn="ctr"/>
+            <a:r>
+              <a:rPr lang="en-US" sz="1100" dirty="0" smtClean="0"/>
+              <a:t>GATE</a:t>
+            </a:r>
+            <a:endParaRPr lang="ru-RU" sz="1100" dirty="0"/>
+          </a:p>
+        </p:txBody>
+      </p:sp>
+      <p:cxnSp>
+        <p:nvCxnSpPr>
+          <p:cNvPr id="160" name="Straight Arrow Connector 31"/>
+          <p:cNvCxnSpPr>
+            <a:stCxn id="159" idx="3"/>
+            <a:endCxn id="143" idx="7"/>
+          </p:cNvCxnSpPr>
+          <p:nvPr/>
+        </p:nvCxnSpPr>
+        <p:spPr>
+          <a:xfrm flipH="1">
+            <a:off x="8045136" y="1812145"/>
+            <a:ext cx="1044643" cy="2367968"/>
+          </a:xfrm>
+          <a:prstGeom prst="straightConnector1">
+            <a:avLst/>
+          </a:prstGeom>
+          <a:ln w="38100">
+            <a:solidFill>
+              <a:schemeClr val="accent1"/>
+            </a:solidFill>
+            <a:prstDash val="dash"/>
+            <a:tailEnd type="triangle"/>
+          </a:ln>
+        </p:spPr>
+        <p:style>
+          <a:lnRef idx="1">
+            <a:schemeClr val="accent1"/>
+          </a:lnRef>
+          <a:fillRef idx="0">
+            <a:schemeClr val="accent1"/>
+          </a:fillRef>
+          <a:effectRef idx="0">
+            <a:schemeClr val="accent1"/>
+          </a:effectRef>
+          <a:fontRef idx="minor">
+            <a:schemeClr val="tx1"/>
+          </a:fontRef>
+        </p:style>
+      </p:cxnSp>
+      <p:sp>
+        <p:nvSpPr>
+          <p:cNvPr id="161" name="Oval 32"/>
+          <p:cNvSpPr/>
+          <p:nvPr/>
+        </p:nvSpPr>
+        <p:spPr>
+          <a:xfrm>
+            <a:off x="10195547" y="1198801"/>
+            <a:ext cx="716339" cy="644141"/>
+          </a:xfrm>
+          <a:prstGeom prst="ellipse">
+            <a:avLst/>
+          </a:prstGeom>
+        </p:spPr>
+        <p:style>
+          <a:lnRef idx="2">
+            <a:schemeClr val="accent1">
+              <a:shade val="50000"/>
+            </a:schemeClr>
+          </a:lnRef>
+          <a:fillRef idx="1">
+            <a:schemeClr val="accent1"/>
+          </a:fillRef>
+          <a:effectRef idx="0">
+            <a:schemeClr val="accent1"/>
+          </a:effectRef>
+          <a:fontRef idx="minor">
+            <a:schemeClr val="lt1"/>
+          </a:fontRef>
+        </p:style>
+        <p:txBody>
+          <a:bodyPr rtlCol="0" anchor="ctr"/>
+          <a:lstStyle/>
+          <a:p>
+            <a:pPr algn="ctr"/>
+            <a:r>
+              <a:rPr lang="en-US" sz="1100" dirty="0" smtClean="0"/>
+              <a:t>GATE</a:t>
+            </a:r>
+            <a:endParaRPr lang="ru-RU" sz="1100" dirty="0"/>
+          </a:p>
+        </p:txBody>
+      </p:sp>
+      <p:cxnSp>
+        <p:nvCxnSpPr>
+          <p:cNvPr id="162" name="Straight Arrow Connector 31"/>
+          <p:cNvCxnSpPr>
+            <a:stCxn id="161" idx="4"/>
+            <a:endCxn id="145" idx="7"/>
+          </p:cNvCxnSpPr>
+          <p:nvPr/>
+        </p:nvCxnSpPr>
+        <p:spPr>
+          <a:xfrm flipH="1">
+            <a:off x="9890582" y="1842942"/>
+            <a:ext cx="663135" cy="2231894"/>
+          </a:xfrm>
+          <a:prstGeom prst="straightConnector1">
+            <a:avLst/>
+          </a:prstGeom>
+          <a:ln w="38100">
+            <a:solidFill>
+              <a:schemeClr val="accent1"/>
+            </a:solidFill>
+            <a:prstDash val="dash"/>
+            <a:tailEnd type="triangle"/>
+          </a:ln>
+        </p:spPr>
+        <p:style>
+          <a:lnRef idx="1">
+            <a:schemeClr val="accent1"/>
+          </a:lnRef>
+          <a:fillRef idx="0">
+            <a:schemeClr val="accent1"/>
+          </a:fillRef>
+          <a:effectRef idx="0">
+            <a:schemeClr val="accent1"/>
+          </a:effectRef>
+          <a:fontRef idx="minor">
+            <a:schemeClr val="tx1"/>
+          </a:fontRef>
+        </p:style>
+      </p:cxnSp>
+      <p:cxnSp>
+        <p:nvCxnSpPr>
+          <p:cNvPr id="163" name="Straight Arrow Connector 47"/>
+          <p:cNvCxnSpPr>
+            <a:stCxn id="112" idx="6"/>
+            <a:endCxn id="159" idx="1"/>
+          </p:cNvCxnSpPr>
+          <p:nvPr/>
+        </p:nvCxnSpPr>
+        <p:spPr>
+          <a:xfrm>
+            <a:off x="6193869" y="551947"/>
+            <a:ext cx="2895910" cy="804721"/>
+          </a:xfrm>
+          <a:prstGeom prst="straightConnector1">
+            <a:avLst/>
+          </a:prstGeom>
+          <a:ln w="38100">
+            <a:tailEnd type="triangle"/>
+          </a:ln>
+        </p:spPr>
+        <p:style>
+          <a:lnRef idx="1">
+            <a:schemeClr val="accent1"/>
+          </a:lnRef>
+          <a:fillRef idx="0">
+            <a:schemeClr val="accent1"/>
+          </a:fillRef>
+          <a:effectRef idx="0">
+            <a:schemeClr val="accent1"/>
+          </a:effectRef>
+          <a:fontRef idx="minor">
+            <a:schemeClr val="tx1"/>
+          </a:fontRef>
+        </p:style>
+      </p:cxnSp>
+      <p:cxnSp>
+        <p:nvCxnSpPr>
+          <p:cNvPr id="164" name="Straight Arrow Connector 47"/>
+          <p:cNvCxnSpPr>
+            <a:stCxn id="143" idx="0"/>
+            <a:endCxn id="148" idx="4"/>
+          </p:cNvCxnSpPr>
+          <p:nvPr/>
+        </p:nvCxnSpPr>
+        <p:spPr>
+          <a:xfrm flipV="1">
+            <a:off x="7791872" y="3336168"/>
+            <a:ext cx="204950" cy="749613"/>
+          </a:xfrm>
+          <a:prstGeom prst="straightConnector1">
+            <a:avLst/>
+          </a:prstGeom>
+          <a:ln w="38100">
+            <a:tailEnd type="triangle"/>
+          </a:ln>
+        </p:spPr>
+        <p:style>
+          <a:lnRef idx="1">
+            <a:schemeClr val="accent1"/>
+          </a:lnRef>
+          <a:fillRef idx="0">
+            <a:schemeClr val="accent1"/>
+          </a:fillRef>
+          <a:effectRef idx="0">
+            <a:schemeClr val="accent1"/>
+          </a:effectRef>
+          <a:fontRef idx="minor">
+            <a:schemeClr val="tx1"/>
+          </a:fontRef>
+        </p:style>
+      </p:cxnSp>
+      <p:cxnSp>
+        <p:nvCxnSpPr>
+          <p:cNvPr id="165" name="Straight Arrow Connector 47"/>
+          <p:cNvCxnSpPr>
+            <a:stCxn id="145" idx="0"/>
+            <a:endCxn id="150" idx="4"/>
+          </p:cNvCxnSpPr>
+          <p:nvPr/>
+        </p:nvCxnSpPr>
+        <p:spPr>
+          <a:xfrm flipH="1" flipV="1">
+            <a:off x="9551593" y="3288714"/>
+            <a:ext cx="85725" cy="691790"/>
+          </a:xfrm>
+          <a:prstGeom prst="straightConnector1">
+            <a:avLst/>
+          </a:prstGeom>
+          <a:ln w="38100">
+            <a:tailEnd type="triangle"/>
+          </a:ln>
+        </p:spPr>
+        <p:style>
+          <a:lnRef idx="1">
+            <a:schemeClr val="accent1"/>
+          </a:lnRef>
+          <a:fillRef idx="0">
+            <a:schemeClr val="accent1"/>
+          </a:fillRef>
+          <a:effectRef idx="0">
+            <a:schemeClr val="accent1"/>
+          </a:effectRef>
+          <a:fontRef idx="minor">
+            <a:schemeClr val="tx1"/>
+          </a:fontRef>
+        </p:style>
+      </p:cxnSp>
+      <p:cxnSp>
+        <p:nvCxnSpPr>
+          <p:cNvPr id="166" name="Прямая со стрелкой 165"/>
+          <p:cNvCxnSpPr>
+            <a:stCxn id="147" idx="7"/>
+            <a:endCxn id="159" idx="2"/>
+          </p:cNvCxnSpPr>
+          <p:nvPr/>
+        </p:nvCxnSpPr>
+        <p:spPr>
+          <a:xfrm flipV="1">
+            <a:off x="6579385" y="1584407"/>
+            <a:ext cx="2405489" cy="1189395"/>
+          </a:xfrm>
+          <a:prstGeom prst="straightConnector1">
+            <a:avLst/>
+          </a:prstGeom>
+          <a:ln>
+            <a:solidFill>
+              <a:schemeClr val="tx1"/>
+            </a:solidFill>
+            <a:headEnd type="none"/>
+            <a:tailEnd type="triangle"/>
+          </a:ln>
+        </p:spPr>
+        <p:style>
+          <a:lnRef idx="1">
+            <a:schemeClr val="accent1"/>
+          </a:lnRef>
+          <a:fillRef idx="0">
+            <a:schemeClr val="accent1"/>
+          </a:fillRef>
+          <a:effectRef idx="0">
+            <a:schemeClr val="accent1"/>
+          </a:effectRef>
+          <a:fontRef idx="minor">
+            <a:schemeClr val="tx1"/>
+          </a:fontRef>
+        </p:style>
+      </p:cxnSp>
+      <p:cxnSp>
+        <p:nvCxnSpPr>
+          <p:cNvPr id="167" name="Прямая со стрелкой 166"/>
+          <p:cNvCxnSpPr>
+            <a:stCxn id="147" idx="7"/>
+            <a:endCxn id="161" idx="3"/>
+          </p:cNvCxnSpPr>
+          <p:nvPr/>
+        </p:nvCxnSpPr>
+        <p:spPr>
+          <a:xfrm flipV="1">
+            <a:off x="6579385" y="1748610"/>
+            <a:ext cx="3721067" cy="1025192"/>
+          </a:xfrm>
+          <a:prstGeom prst="straightConnector1">
+            <a:avLst/>
+          </a:prstGeom>
+          <a:ln>
+            <a:solidFill>
+              <a:schemeClr val="tx1"/>
+            </a:solidFill>
+            <a:headEnd type="none"/>
+            <a:tailEnd type="triangle"/>
+          </a:ln>
+        </p:spPr>
+        <p:style>
+          <a:lnRef idx="1">
+            <a:schemeClr val="accent1"/>
+          </a:lnRef>
+          <a:fillRef idx="0">
+            <a:schemeClr val="accent1"/>
+          </a:fillRef>
+          <a:effectRef idx="0">
+            <a:schemeClr val="accent1"/>
+          </a:effectRef>
+          <a:fontRef idx="minor">
+            <a:schemeClr val="tx1"/>
+          </a:fontRef>
+        </p:style>
+      </p:cxnSp>
+      <p:cxnSp>
+        <p:nvCxnSpPr>
+          <p:cNvPr id="168" name="Прямая со стрелкой 167"/>
+          <p:cNvCxnSpPr>
+            <a:stCxn id="148" idx="1"/>
+            <a:endCxn id="157" idx="5"/>
+          </p:cNvCxnSpPr>
+          <p:nvPr/>
+        </p:nvCxnSpPr>
+        <p:spPr>
+          <a:xfrm flipV="1">
+            <a:off x="7743557" y="1703339"/>
+            <a:ext cx="278379" cy="1083020"/>
+          </a:xfrm>
+          <a:prstGeom prst="straightConnector1">
+            <a:avLst/>
+          </a:prstGeom>
+          <a:ln>
+            <a:solidFill>
+              <a:schemeClr val="tx1"/>
+            </a:solidFill>
+            <a:headEnd type="none"/>
+            <a:tailEnd type="triangle"/>
+          </a:ln>
+        </p:spPr>
+        <p:style>
+          <a:lnRef idx="1">
+            <a:schemeClr val="accent1"/>
+          </a:lnRef>
+          <a:fillRef idx="0">
+            <a:schemeClr val="accent1"/>
+          </a:fillRef>
+          <a:effectRef idx="0">
+            <a:schemeClr val="accent1"/>
+          </a:effectRef>
+          <a:fontRef idx="minor">
+            <a:schemeClr val="tx1"/>
+          </a:fontRef>
+        </p:style>
+      </p:cxnSp>
+      <p:cxnSp>
+        <p:nvCxnSpPr>
+          <p:cNvPr id="169" name="Прямая со стрелкой 168"/>
+          <p:cNvCxnSpPr>
+            <a:stCxn id="148" idx="7"/>
+            <a:endCxn id="161" idx="3"/>
+          </p:cNvCxnSpPr>
+          <p:nvPr/>
+        </p:nvCxnSpPr>
+        <p:spPr>
+          <a:xfrm flipV="1">
+            <a:off x="8250086" y="1748610"/>
+            <a:ext cx="2050366" cy="1037749"/>
+          </a:xfrm>
+          <a:prstGeom prst="straightConnector1">
+            <a:avLst/>
+          </a:prstGeom>
+          <a:ln>
+            <a:solidFill>
+              <a:schemeClr val="tx1"/>
+            </a:solidFill>
+            <a:headEnd type="none"/>
+            <a:tailEnd type="triangle"/>
+          </a:ln>
+        </p:spPr>
+        <p:style>
+          <a:lnRef idx="1">
+            <a:schemeClr val="accent1"/>
+          </a:lnRef>
+          <a:fillRef idx="0">
+            <a:schemeClr val="accent1"/>
+          </a:fillRef>
+          <a:effectRef idx="0">
+            <a:schemeClr val="accent1"/>
+          </a:effectRef>
+          <a:fontRef idx="minor">
+            <a:schemeClr val="tx1"/>
+          </a:fontRef>
+        </p:style>
+      </p:cxnSp>
+      <p:cxnSp>
+        <p:nvCxnSpPr>
+          <p:cNvPr id="170" name="Прямая со стрелкой 169"/>
+          <p:cNvCxnSpPr>
+            <a:stCxn id="150" idx="1"/>
+            <a:endCxn id="157" idx="5"/>
+          </p:cNvCxnSpPr>
+          <p:nvPr/>
+        </p:nvCxnSpPr>
+        <p:spPr>
+          <a:xfrm flipH="1" flipV="1">
+            <a:off x="8021936" y="1703339"/>
+            <a:ext cx="1276392" cy="1035566"/>
+          </a:xfrm>
+          <a:prstGeom prst="straightConnector1">
+            <a:avLst/>
+          </a:prstGeom>
+          <a:ln>
+            <a:solidFill>
+              <a:schemeClr val="tx1"/>
+            </a:solidFill>
+            <a:headEnd type="none"/>
+            <a:tailEnd type="triangle"/>
+          </a:ln>
+        </p:spPr>
+        <p:style>
+          <a:lnRef idx="1">
+            <a:schemeClr val="accent1"/>
+          </a:lnRef>
+          <a:fillRef idx="0">
+            <a:schemeClr val="accent1"/>
+          </a:fillRef>
+          <a:effectRef idx="0">
+            <a:schemeClr val="accent1"/>
+          </a:effectRef>
+          <a:fontRef idx="minor">
+            <a:schemeClr val="tx1"/>
+          </a:fontRef>
+        </p:style>
+      </p:cxnSp>
+      <p:cxnSp>
+        <p:nvCxnSpPr>
+          <p:cNvPr id="171" name="Прямая со стрелкой 170"/>
+          <p:cNvCxnSpPr>
+            <a:stCxn id="150" idx="1"/>
+            <a:endCxn id="159" idx="5"/>
+          </p:cNvCxnSpPr>
+          <p:nvPr/>
+        </p:nvCxnSpPr>
+        <p:spPr>
+          <a:xfrm flipV="1">
+            <a:off x="9298328" y="1812145"/>
+            <a:ext cx="297980" cy="926760"/>
+          </a:xfrm>
+          <a:prstGeom prst="straightConnector1">
+            <a:avLst/>
+          </a:prstGeom>
+          <a:ln>
+            <a:solidFill>
+              <a:schemeClr val="tx1"/>
+            </a:solidFill>
+            <a:headEnd type="none"/>
+            <a:tailEnd type="triangle"/>
+          </a:ln>
+        </p:spPr>
+        <p:style>
+          <a:lnRef idx="1">
+            <a:schemeClr val="accent1"/>
+          </a:lnRef>
+          <a:fillRef idx="0">
+            <a:schemeClr val="accent1"/>
+          </a:fillRef>
+          <a:effectRef idx="0">
+            <a:schemeClr val="accent1"/>
+          </a:effectRef>
+          <a:fontRef idx="minor">
+            <a:schemeClr val="tx1"/>
+          </a:fontRef>
+        </p:style>
+      </p:cxnSp>
+      <p:sp>
+        <p:nvSpPr>
+          <p:cNvPr id="172" name="Oval 32"/>
+          <p:cNvSpPr/>
+          <p:nvPr/>
+        </p:nvSpPr>
+        <p:spPr>
+          <a:xfrm>
+            <a:off x="11070017" y="1758509"/>
+            <a:ext cx="716339" cy="644141"/>
+          </a:xfrm>
+          <a:prstGeom prst="ellipse">
+            <a:avLst/>
+          </a:prstGeom>
+        </p:spPr>
+        <p:style>
+          <a:lnRef idx="2">
+            <a:schemeClr val="accent1">
+              <a:shade val="50000"/>
+            </a:schemeClr>
+          </a:lnRef>
+          <a:fillRef idx="1">
+            <a:schemeClr val="accent1"/>
+          </a:fillRef>
+          <a:effectRef idx="0">
+            <a:schemeClr val="accent1"/>
+          </a:effectRef>
+          <a:fontRef idx="minor">
+            <a:schemeClr val="lt1"/>
+          </a:fontRef>
+        </p:style>
+        <p:txBody>
+          <a:bodyPr rtlCol="0" anchor="ctr"/>
+          <a:lstStyle/>
+          <a:p>
+            <a:pPr algn="ctr"/>
+            <a:r>
+              <a:rPr lang="en-US" sz="2000" dirty="0" smtClean="0"/>
+              <a:t>OR</a:t>
+            </a:r>
+            <a:endParaRPr lang="ru-RU" sz="2000" dirty="0"/>
+          </a:p>
+        </p:txBody>
+      </p:sp>
+      <p:cxnSp>
+        <p:nvCxnSpPr>
+          <p:cNvPr id="173" name="Straight Arrow Connector 47"/>
+          <p:cNvCxnSpPr>
+            <a:endCxn id="172" idx="2"/>
+          </p:cNvCxnSpPr>
+          <p:nvPr/>
+        </p:nvCxnSpPr>
+        <p:spPr>
+          <a:xfrm flipV="1">
+            <a:off x="6326121" y="2080580"/>
+            <a:ext cx="4743896" cy="617362"/>
+          </a:xfrm>
+          <a:prstGeom prst="straightConnector1">
+            <a:avLst/>
+          </a:prstGeom>
+          <a:ln w="38100">
+            <a:tailEnd type="triangle"/>
+          </a:ln>
+        </p:spPr>
+        <p:style>
+          <a:lnRef idx="1">
+            <a:schemeClr val="accent1"/>
+          </a:lnRef>
+          <a:fillRef idx="0">
+            <a:schemeClr val="accent1"/>
+          </a:fillRef>
+          <a:effectRef idx="0">
+            <a:schemeClr val="accent1"/>
+          </a:effectRef>
+          <a:fontRef idx="minor">
+            <a:schemeClr val="tx1"/>
+          </a:fontRef>
+        </p:style>
+      </p:cxnSp>
+      <p:cxnSp>
+        <p:nvCxnSpPr>
+          <p:cNvPr id="174" name="Straight Arrow Connector 47"/>
+          <p:cNvCxnSpPr>
+            <a:stCxn id="148" idx="0"/>
+            <a:endCxn id="172" idx="2"/>
+          </p:cNvCxnSpPr>
+          <p:nvPr/>
+        </p:nvCxnSpPr>
+        <p:spPr>
+          <a:xfrm flipV="1">
+            <a:off x="7996822" y="2080580"/>
+            <a:ext cx="3073195" cy="611447"/>
+          </a:xfrm>
+          <a:prstGeom prst="straightConnector1">
+            <a:avLst/>
+          </a:prstGeom>
+          <a:ln w="38100">
+            <a:tailEnd type="triangle"/>
+          </a:ln>
+        </p:spPr>
+        <p:style>
+          <a:lnRef idx="1">
+            <a:schemeClr val="accent1"/>
+          </a:lnRef>
+          <a:fillRef idx="0">
+            <a:schemeClr val="accent1"/>
+          </a:fillRef>
+          <a:effectRef idx="0">
+            <a:schemeClr val="accent1"/>
+          </a:effectRef>
+          <a:fontRef idx="minor">
+            <a:schemeClr val="tx1"/>
+          </a:fontRef>
+        </p:style>
+      </p:cxnSp>
+      <p:cxnSp>
+        <p:nvCxnSpPr>
+          <p:cNvPr id="175" name="Straight Arrow Connector 47"/>
+          <p:cNvCxnSpPr>
+            <a:endCxn id="172" idx="2"/>
+          </p:cNvCxnSpPr>
+          <p:nvPr/>
+        </p:nvCxnSpPr>
+        <p:spPr>
+          <a:xfrm flipV="1">
+            <a:off x="9550962" y="2080580"/>
+            <a:ext cx="1519055" cy="563994"/>
+          </a:xfrm>
+          <a:prstGeom prst="straightConnector1">
+            <a:avLst/>
+          </a:prstGeom>
+          <a:ln w="38100">
+            <a:tailEnd type="triangle"/>
+          </a:ln>
+        </p:spPr>
+        <p:style>
+          <a:lnRef idx="1">
+            <a:schemeClr val="accent1"/>
+          </a:lnRef>
+          <a:fillRef idx="0">
+            <a:schemeClr val="accent1"/>
+          </a:fillRef>
+          <a:effectRef idx="0">
+            <a:schemeClr val="accent1"/>
+          </a:effectRef>
+          <a:fontRef idx="minor">
+            <a:schemeClr val="tx1"/>
+          </a:fontRef>
+        </p:style>
+      </p:cxnSp>
+      <p:sp>
+        <p:nvSpPr>
+          <p:cNvPr id="177" name="Oval 32"/>
+          <p:cNvSpPr/>
+          <p:nvPr/>
+        </p:nvSpPr>
+        <p:spPr>
+          <a:xfrm>
+            <a:off x="10877563" y="156052"/>
+            <a:ext cx="716339" cy="644141"/>
+          </a:xfrm>
+          <a:prstGeom prst="ellipse">
+            <a:avLst/>
+          </a:prstGeom>
+        </p:spPr>
+        <p:style>
+          <a:lnRef idx="2">
+            <a:schemeClr val="accent1">
+              <a:shade val="50000"/>
+            </a:schemeClr>
+          </a:lnRef>
+          <a:fillRef idx="1">
+            <a:schemeClr val="accent1"/>
+          </a:fillRef>
+          <a:effectRef idx="0">
+            <a:schemeClr val="accent1"/>
+          </a:effectRef>
+          <a:fontRef idx="minor">
+            <a:schemeClr val="lt1"/>
+          </a:fontRef>
+        </p:style>
+        <p:txBody>
+          <a:bodyPr rtlCol="0" anchor="ctr"/>
+          <a:lstStyle/>
+          <a:p>
+            <a:pPr algn="ctr"/>
+            <a:r>
+              <a:rPr lang="en-US" sz="700" dirty="0" smtClean="0"/>
+              <a:t>SECREW</a:t>
+            </a:r>
+            <a:endParaRPr lang="ru-RU" sz="700" dirty="0"/>
+          </a:p>
+        </p:txBody>
+      </p:sp>
+      <p:cxnSp>
+        <p:nvCxnSpPr>
+          <p:cNvPr id="180" name="Straight Arrow Connector 47"/>
+          <p:cNvCxnSpPr>
+            <a:stCxn id="172" idx="1"/>
+            <a:endCxn id="177" idx="2"/>
+          </p:cNvCxnSpPr>
+          <p:nvPr/>
+        </p:nvCxnSpPr>
+        <p:spPr>
+          <a:xfrm flipH="1" flipV="1">
+            <a:off x="10877563" y="478123"/>
+            <a:ext cx="297359" cy="1374718"/>
+          </a:xfrm>
+          <a:prstGeom prst="straightConnector1">
+            <a:avLst/>
+          </a:prstGeom>
+          <a:ln w="38100">
+            <a:tailEnd type="triangle"/>
+          </a:ln>
+        </p:spPr>
+        <p:style>
+          <a:lnRef idx="1">
+            <a:schemeClr val="accent1"/>
+          </a:lnRef>
+          <a:fillRef idx="0">
+            <a:schemeClr val="accent1"/>
+          </a:fillRef>
+          <a:effectRef idx="0">
+            <a:schemeClr val="accent1"/>
+          </a:effectRef>
+          <a:fontRef idx="minor">
+            <a:schemeClr val="tx1"/>
+          </a:fontRef>
+        </p:style>
+      </p:cxnSp>
+      <p:cxnSp>
+        <p:nvCxnSpPr>
+          <p:cNvPr id="182" name="Прямая со стрелкой 181"/>
+          <p:cNvCxnSpPr>
+            <a:stCxn id="172" idx="0"/>
+            <a:endCxn id="177" idx="4"/>
+          </p:cNvCxnSpPr>
+          <p:nvPr/>
+        </p:nvCxnSpPr>
+        <p:spPr>
+          <a:xfrm flipH="1" flipV="1">
+            <a:off x="11235733" y="800193"/>
+            <a:ext cx="192454" cy="958316"/>
+          </a:xfrm>
+          <a:prstGeom prst="straightConnector1">
+            <a:avLst/>
+          </a:prstGeom>
+          <a:ln>
+            <a:solidFill>
+              <a:schemeClr val="tx1">
+                <a:alpha val="50000"/>
+              </a:schemeClr>
+            </a:solidFill>
+            <a:headEnd type="none"/>
+            <a:tailEnd type="triangle"/>
+          </a:ln>
+        </p:spPr>
+        <p:style>
+          <a:lnRef idx="1">
+            <a:schemeClr val="accent1"/>
+          </a:lnRef>
+          <a:fillRef idx="0">
+            <a:schemeClr val="accent1"/>
+          </a:fillRef>
+          <a:effectRef idx="0">
+            <a:schemeClr val="accent1"/>
+          </a:effectRef>
+          <a:fontRef idx="minor">
+            <a:schemeClr val="tx1"/>
+          </a:fontRef>
+        </p:style>
+      </p:cxnSp>
+      <p:sp>
+        <p:nvSpPr>
+          <p:cNvPr id="189" name="TextBox 188"/>
+          <p:cNvSpPr txBox="1"/>
+          <p:nvPr/>
+        </p:nvSpPr>
+        <p:spPr>
+          <a:xfrm>
+            <a:off x="11446076" y="2326420"/>
+            <a:ext cx="432389" cy="1015663"/>
+          </a:xfrm>
+          <a:prstGeom prst="rect">
+            <a:avLst/>
+          </a:prstGeom>
+          <a:noFill/>
+        </p:spPr>
+        <p:txBody>
+          <a:bodyPr wrap="square" rtlCol="0">
+            <a:spAutoFit/>
+          </a:bodyPr>
+          <a:lstStyle/>
+          <a:p>
+            <a:r>
+              <a:rPr lang="en-US" sz="6000" b="1" dirty="0" smtClean="0"/>
+              <a:t>…</a:t>
+            </a:r>
+            <a:endParaRPr lang="ru-RU" sz="6000" b="1" dirty="0"/>
+          </a:p>
+        </p:txBody>
+      </p:sp>
+      <p:cxnSp>
+        <p:nvCxnSpPr>
+          <p:cNvPr id="190" name="Straight Connector 8"/>
+          <p:cNvCxnSpPr>
+            <a:endCxn id="142" idx="2"/>
+          </p:cNvCxnSpPr>
+          <p:nvPr/>
+        </p:nvCxnSpPr>
+        <p:spPr>
+          <a:xfrm flipV="1">
+            <a:off x="609891" y="4337472"/>
+            <a:ext cx="5424539" cy="1391284"/>
+          </a:xfrm>
+          <a:prstGeom prst="line">
+            <a:avLst/>
+          </a:prstGeom>
+        </p:spPr>
+        <p:style>
+          <a:lnRef idx="1">
+            <a:schemeClr val="accent1"/>
+          </a:lnRef>
+          <a:fillRef idx="0">
+            <a:schemeClr val="accent1"/>
+          </a:fillRef>
+          <a:effectRef idx="0">
+            <a:schemeClr val="accent1"/>
+          </a:effectRef>
+          <a:fontRef idx="minor">
+            <a:schemeClr val="tx1"/>
+          </a:fontRef>
+        </p:style>
+      </p:cxnSp>
+      <p:cxnSp>
+        <p:nvCxnSpPr>
+          <p:cNvPr id="193" name="Straight Connector 8"/>
+          <p:cNvCxnSpPr>
+            <a:endCxn id="143" idx="2"/>
+          </p:cNvCxnSpPr>
+          <p:nvPr/>
+        </p:nvCxnSpPr>
+        <p:spPr>
+          <a:xfrm flipV="1">
+            <a:off x="609892" y="4407852"/>
+            <a:ext cx="6823810" cy="1341359"/>
+          </a:xfrm>
+          <a:prstGeom prst="line">
+            <a:avLst/>
+          </a:prstGeom>
+        </p:spPr>
+        <p:style>
+          <a:lnRef idx="1">
+            <a:schemeClr val="accent1"/>
+          </a:lnRef>
+          <a:fillRef idx="0">
+            <a:schemeClr val="accent1"/>
+          </a:fillRef>
+          <a:effectRef idx="0">
+            <a:schemeClr val="accent1"/>
+          </a:effectRef>
+          <a:fontRef idx="minor">
+            <a:schemeClr val="tx1"/>
+          </a:fontRef>
+        </p:style>
+      </p:cxnSp>
+      <p:cxnSp>
+        <p:nvCxnSpPr>
+          <p:cNvPr id="197" name="Straight Connector 8"/>
+          <p:cNvCxnSpPr>
+            <a:endCxn id="145" idx="2"/>
+          </p:cNvCxnSpPr>
+          <p:nvPr/>
+        </p:nvCxnSpPr>
+        <p:spPr>
+          <a:xfrm flipV="1">
+            <a:off x="609889" y="4302575"/>
+            <a:ext cx="8669259" cy="1456669"/>
+          </a:xfrm>
+          <a:prstGeom prst="line">
+            <a:avLst/>
+          </a:prstGeom>
+        </p:spPr>
+        <p:style>
+          <a:lnRef idx="1">
+            <a:schemeClr val="accent1"/>
+          </a:lnRef>
+          <a:fillRef idx="0">
+            <a:schemeClr val="accent1"/>
+          </a:fillRef>
+          <a:effectRef idx="0">
+            <a:schemeClr val="accent1"/>
+          </a:effectRef>
+          <a:fontRef idx="minor">
+            <a:schemeClr val="tx1"/>
+          </a:fontRef>
+        </p:style>
+      </p:cxnSp>
+      <p:cxnSp>
+        <p:nvCxnSpPr>
+          <p:cNvPr id="200" name="Straight Connector 8"/>
+          <p:cNvCxnSpPr>
+            <a:endCxn id="142" idx="6"/>
+          </p:cNvCxnSpPr>
+          <p:nvPr/>
+        </p:nvCxnSpPr>
+        <p:spPr>
+          <a:xfrm flipH="1" flipV="1">
+            <a:off x="6750769" y="4337472"/>
+            <a:ext cx="4801160" cy="1432194"/>
+          </a:xfrm>
+          <a:prstGeom prst="line">
+            <a:avLst/>
+          </a:prstGeom>
+        </p:spPr>
+        <p:style>
+          <a:lnRef idx="1">
+            <a:schemeClr val="accent1"/>
+          </a:lnRef>
+          <a:fillRef idx="0">
+            <a:schemeClr val="accent1"/>
+          </a:fillRef>
+          <a:effectRef idx="0">
+            <a:schemeClr val="accent1"/>
+          </a:effectRef>
+          <a:fontRef idx="minor">
+            <a:schemeClr val="tx1"/>
+          </a:fontRef>
+        </p:style>
+      </p:cxnSp>
+      <p:cxnSp>
+        <p:nvCxnSpPr>
+          <p:cNvPr id="203" name="Straight Connector 8"/>
+          <p:cNvCxnSpPr>
+            <a:endCxn id="143" idx="6"/>
+          </p:cNvCxnSpPr>
+          <p:nvPr/>
+        </p:nvCxnSpPr>
+        <p:spPr>
+          <a:xfrm flipH="1" flipV="1">
+            <a:off x="8150041" y="4407852"/>
+            <a:ext cx="3443862" cy="1351392"/>
+          </a:xfrm>
+          <a:prstGeom prst="line">
+            <a:avLst/>
+          </a:prstGeom>
+        </p:spPr>
+        <p:style>
+          <a:lnRef idx="1">
+            <a:schemeClr val="accent1"/>
+          </a:lnRef>
+          <a:fillRef idx="0">
+            <a:schemeClr val="accent1"/>
+          </a:fillRef>
+          <a:effectRef idx="0">
+            <a:schemeClr val="accent1"/>
+          </a:effectRef>
+          <a:fontRef idx="minor">
+            <a:schemeClr val="tx1"/>
+          </a:fontRef>
+        </p:style>
+      </p:cxnSp>
+      <p:cxnSp>
+        <p:nvCxnSpPr>
+          <p:cNvPr id="206" name="Straight Connector 8"/>
+          <p:cNvCxnSpPr>
+            <a:endCxn id="145" idx="6"/>
+          </p:cNvCxnSpPr>
+          <p:nvPr/>
+        </p:nvCxnSpPr>
+        <p:spPr>
+          <a:xfrm flipH="1" flipV="1">
+            <a:off x="9995487" y="4302575"/>
+            <a:ext cx="1598416" cy="1466701"/>
+          </a:xfrm>
+          <a:prstGeom prst="line">
+            <a:avLst/>
+          </a:prstGeom>
+        </p:spPr>
+        <p:style>
+          <a:lnRef idx="1">
+            <a:schemeClr val="accent1"/>
+          </a:lnRef>
+          <a:fillRef idx="0">
+            <a:schemeClr val="accent1"/>
+          </a:fillRef>
+          <a:effectRef idx="0">
+            <a:schemeClr val="accent1"/>
+          </a:effectRef>
+          <a:fontRef idx="minor">
+            <a:schemeClr val="tx1"/>
+          </a:fontRef>
+        </p:style>
+      </p:cxnSp>
+      <p:cxnSp>
+        <p:nvCxnSpPr>
+          <p:cNvPr id="209" name="Прямая со стрелкой 208"/>
+          <p:cNvCxnSpPr>
+            <a:stCxn id="89" idx="7"/>
+            <a:endCxn id="177" idx="3"/>
+          </p:cNvCxnSpPr>
+          <p:nvPr/>
+        </p:nvCxnSpPr>
+        <p:spPr>
+          <a:xfrm flipV="1">
+            <a:off x="5965222" y="705861"/>
+            <a:ext cx="5017246" cy="1202332"/>
+          </a:xfrm>
+          <a:prstGeom prst="straightConnector1">
+            <a:avLst/>
+          </a:prstGeom>
+          <a:ln>
+            <a:solidFill>
+              <a:schemeClr val="tx1"/>
+            </a:solidFill>
+            <a:headEnd type="none"/>
+            <a:tailEnd type="triangle"/>
+          </a:ln>
+        </p:spPr>
+        <p:style>
+          <a:lnRef idx="1">
+            <a:schemeClr val="accent1"/>
+          </a:lnRef>
+          <a:fillRef idx="0">
+            <a:schemeClr val="accent1"/>
+          </a:fillRef>
+          <a:effectRef idx="0">
+            <a:schemeClr val="accent1"/>
+          </a:effectRef>
+          <a:fontRef idx="minor">
+            <a:schemeClr val="tx1"/>
+          </a:fontRef>
+        </p:style>
+      </p:cxnSp>
+      <p:cxnSp>
+        <p:nvCxnSpPr>
+          <p:cNvPr id="216" name="Прямая со стрелкой 215"/>
+          <p:cNvCxnSpPr>
+            <a:stCxn id="89" idx="7"/>
+          </p:cNvCxnSpPr>
+          <p:nvPr/>
+        </p:nvCxnSpPr>
+        <p:spPr>
+          <a:xfrm flipV="1">
+            <a:off x="5965222" y="1095485"/>
+            <a:ext cx="6075982" cy="812708"/>
+          </a:xfrm>
+          <a:prstGeom prst="straightConnector1">
+            <a:avLst/>
+          </a:prstGeom>
+          <a:ln>
+            <a:solidFill>
+              <a:schemeClr val="tx1"/>
+            </a:solidFill>
+            <a:headEnd type="none"/>
+            <a:tailEnd type="triangle"/>
+          </a:ln>
+        </p:spPr>
+        <p:style>
+          <a:lnRef idx="1">
+            <a:schemeClr val="accent1"/>
+          </a:lnRef>
+          <a:fillRef idx="0">
+            <a:schemeClr val="accent1"/>
+          </a:fillRef>
+          <a:effectRef idx="0">
+            <a:schemeClr val="accent1"/>
+          </a:effectRef>
+          <a:fontRef idx="minor">
+            <a:schemeClr val="tx1"/>
+          </a:fontRef>
+        </p:style>
+      </p:cxnSp>
+      <p:cxnSp>
+        <p:nvCxnSpPr>
+          <p:cNvPr id="219" name="Прямая со стрелкой 218"/>
+          <p:cNvCxnSpPr>
+            <a:stCxn id="172" idx="7"/>
+          </p:cNvCxnSpPr>
+          <p:nvPr/>
+        </p:nvCxnSpPr>
+        <p:spPr>
+          <a:xfrm flipV="1">
+            <a:off x="11681451" y="1610173"/>
+            <a:ext cx="359753" cy="242668"/>
+          </a:xfrm>
+          <a:prstGeom prst="straightConnector1">
+            <a:avLst/>
+          </a:prstGeom>
+          <a:ln>
+            <a:solidFill>
+              <a:schemeClr val="tx1"/>
+            </a:solidFill>
+            <a:headEnd type="none"/>
+            <a:tailEnd type="triangle"/>
+          </a:ln>
+        </p:spPr>
+        <p:style>
+          <a:lnRef idx="1">
+            <a:schemeClr val="accent1"/>
+          </a:lnRef>
+          <a:fillRef idx="0">
+            <a:schemeClr val="accent1"/>
+          </a:fillRef>
+          <a:effectRef idx="0">
+            <a:schemeClr val="accent1"/>
+          </a:effectRef>
+          <a:fontRef idx="minor">
+            <a:schemeClr val="tx1"/>
+          </a:fontRef>
+        </p:style>
+      </p:cxnSp>
+      <p:cxnSp>
+        <p:nvCxnSpPr>
+          <p:cNvPr id="223" name="Straight Arrow Connector 47"/>
+          <p:cNvCxnSpPr>
+            <a:stCxn id="177" idx="5"/>
+          </p:cNvCxnSpPr>
+          <p:nvPr/>
+        </p:nvCxnSpPr>
+        <p:spPr>
+          <a:xfrm>
+            <a:off x="11488997" y="705861"/>
+            <a:ext cx="254848" cy="264289"/>
+          </a:xfrm>
+          <a:prstGeom prst="straightConnector1">
+            <a:avLst/>
+          </a:prstGeom>
+          <a:ln w="38100">
+            <a:tailEnd type="triangle"/>
+          </a:ln>
+        </p:spPr>
+        <p:style>
+          <a:lnRef idx="1">
+            <a:schemeClr val="accent1"/>
+          </a:lnRef>
+          <a:fillRef idx="0">
+            <a:schemeClr val="accent1"/>
+          </a:fillRef>
+          <a:effectRef idx="0">
+            <a:schemeClr val="accent1"/>
+          </a:effectRef>
+          <a:fontRef idx="minor">
+            <a:schemeClr val="tx1"/>
+          </a:fontRef>
+        </p:style>
+      </p:cxnSp>
+      <p:cxnSp>
+        <p:nvCxnSpPr>
+          <p:cNvPr id="224" name="Straight Arrow Connector 47"/>
+          <p:cNvCxnSpPr/>
+          <p:nvPr/>
+        </p:nvCxnSpPr>
+        <p:spPr>
+          <a:xfrm>
+            <a:off x="11593902" y="496595"/>
+            <a:ext cx="219683" cy="233240"/>
+          </a:xfrm>
+          <a:prstGeom prst="straightConnector1">
+            <a:avLst/>
+          </a:prstGeom>
+          <a:ln w="38100">
+            <a:tailEnd type="triangle"/>
+          </a:ln>
+        </p:spPr>
+        <p:style>
+          <a:lnRef idx="1">
+            <a:schemeClr val="accent1"/>
+          </a:lnRef>
+          <a:fillRef idx="0">
+            <a:schemeClr val="accent1"/>
+          </a:fillRef>
+          <a:effectRef idx="0">
+            <a:schemeClr val="accent1"/>
+          </a:effectRef>
+          <a:fontRef idx="minor">
+            <a:schemeClr val="tx1"/>
+          </a:fontRef>
+        </p:style>
+      </p:cxnSp>
+      <p:cxnSp>
+        <p:nvCxnSpPr>
+          <p:cNvPr id="225" name="Straight Arrow Connector 47"/>
+          <p:cNvCxnSpPr>
+            <a:stCxn id="177" idx="5"/>
+          </p:cNvCxnSpPr>
+          <p:nvPr/>
+        </p:nvCxnSpPr>
+        <p:spPr>
+          <a:xfrm>
+            <a:off x="11488997" y="705861"/>
+            <a:ext cx="324588" cy="116438"/>
+          </a:xfrm>
+          <a:prstGeom prst="straightConnector1">
+            <a:avLst/>
+          </a:prstGeom>
+          <a:ln w="38100">
+            <a:tailEnd type="triangle"/>
+          </a:ln>
+        </p:spPr>
+        <p:style>
+          <a:lnRef idx="1">
+            <a:schemeClr val="accent1"/>
+          </a:lnRef>
+          <a:fillRef idx="0">
+            <a:schemeClr val="accent1"/>
+          </a:fillRef>
+          <a:effectRef idx="0">
+            <a:schemeClr val="accent1"/>
+          </a:effectRef>
+          <a:fontRef idx="minor">
+            <a:schemeClr val="tx1"/>
+          </a:fontRef>
+        </p:style>
+      </p:cxnSp>
+      <p:cxnSp>
+        <p:nvCxnSpPr>
+          <p:cNvPr id="92" name="Прямая со стрелкой 91"/>
+          <p:cNvCxnSpPr>
+            <a:stCxn id="133" idx="3"/>
+            <a:endCxn id="112" idx="2"/>
+          </p:cNvCxnSpPr>
+          <p:nvPr/>
+        </p:nvCxnSpPr>
+        <p:spPr>
+          <a:xfrm>
+            <a:off x="1838695" y="321459"/>
+            <a:ext cx="3638835" cy="230488"/>
+          </a:xfrm>
+          <a:prstGeom prst="straightConnector1">
+            <a:avLst/>
+          </a:prstGeom>
+          <a:ln>
+            <a:solidFill>
+              <a:schemeClr val="tx1"/>
+            </a:solidFill>
+            <a:headEnd type="none"/>
+            <a:tailEnd type="triangle"/>
+          </a:ln>
+        </p:spPr>
+        <p:style>
+          <a:lnRef idx="1">
+            <a:schemeClr val="accent1"/>
+          </a:lnRef>
+          <a:fillRef idx="0">
+            <a:schemeClr val="accent1"/>
+          </a:fillRef>
+          <a:effectRef idx="0">
+            <a:schemeClr val="accent1"/>
+          </a:effectRef>
+          <a:fontRef idx="minor">
+            <a:schemeClr val="tx1"/>
+          </a:fontRef>
+        </p:style>
+      </p:cxnSp>
+      <p:cxnSp>
+        <p:nvCxnSpPr>
+          <p:cNvPr id="95" name="Прямая со стрелкой 94"/>
+          <p:cNvCxnSpPr>
+            <a:stCxn id="112" idx="6"/>
+            <a:endCxn id="177" idx="2"/>
+          </p:cNvCxnSpPr>
+          <p:nvPr/>
+        </p:nvCxnSpPr>
+        <p:spPr>
+          <a:xfrm flipV="1">
+            <a:off x="6193869" y="478123"/>
+            <a:ext cx="4683694" cy="73824"/>
+          </a:xfrm>
+          <a:prstGeom prst="straightConnector1">
+            <a:avLst/>
+          </a:prstGeom>
+          <a:ln>
+            <a:solidFill>
+              <a:schemeClr val="tx1"/>
+            </a:solidFill>
+            <a:headEnd type="none"/>
+            <a:tailEnd type="triangle"/>
+          </a:ln>
+        </p:spPr>
+        <p:style>
+          <a:lnRef idx="1">
+            <a:schemeClr val="accent1"/>
+          </a:lnRef>
+          <a:fillRef idx="0">
+            <a:schemeClr val="accent1"/>
+          </a:fillRef>
+          <a:effectRef idx="0">
+            <a:schemeClr val="accent1"/>
+          </a:effectRef>
+          <a:fontRef idx="minor">
+            <a:schemeClr val="tx1"/>
+          </a:fontRef>
+        </p:style>
+      </p:cxnSp>
+      <p:cxnSp>
+        <p:nvCxnSpPr>
+          <p:cNvPr id="98" name="Прямая со стрелкой 97"/>
+          <p:cNvCxnSpPr>
+            <a:stCxn id="177" idx="6"/>
+          </p:cNvCxnSpPr>
+          <p:nvPr/>
+        </p:nvCxnSpPr>
+        <p:spPr>
+          <a:xfrm flipV="1">
+            <a:off x="11593902" y="441243"/>
+            <a:ext cx="447302" cy="36880"/>
+          </a:xfrm>
+          <a:prstGeom prst="straightConnector1">
+            <a:avLst/>
+          </a:prstGeom>
+          <a:ln>
+            <a:solidFill>
+              <a:schemeClr val="tx1"/>
+            </a:solidFill>
+            <a:headEnd type="none"/>
+            <a:tailEnd type="triangle"/>
+          </a:ln>
+        </p:spPr>
+        <p:style>
+          <a:lnRef idx="1">
+            <a:schemeClr val="accent1"/>
+          </a:lnRef>
+          <a:fillRef idx="0">
+            <a:schemeClr val="accent1"/>
+          </a:fillRef>
+          <a:effectRef idx="0">
+            <a:schemeClr val="accent1"/>
+          </a:effectRef>
+          <a:fontRef idx="minor">
+            <a:schemeClr val="tx1"/>
+          </a:fontRef>
+        </p:style>
+      </p:cxnSp>
+      <p:sp>
+        <p:nvSpPr>
+          <p:cNvPr id="2" name="TextBox 1"/>
+          <p:cNvSpPr txBox="1"/>
+          <p:nvPr/>
+        </p:nvSpPr>
+        <p:spPr>
+          <a:xfrm>
+            <a:off x="513066" y="6461108"/>
+            <a:ext cx="5484931" cy="369332"/>
+          </a:xfrm>
+          <a:prstGeom prst="rect">
+            <a:avLst/>
+          </a:prstGeom>
+          <a:noFill/>
+        </p:spPr>
+        <p:txBody>
+          <a:bodyPr wrap="square" rtlCol="0">
+            <a:spAutoFit/>
+          </a:bodyPr>
+          <a:lstStyle/>
+          <a:p>
+            <a:r>
+              <a:rPr lang="en-US" dirty="0" smtClean="0"/>
+              <a:t>Multilevel event prediction</a:t>
+            </a:r>
+            <a:endParaRPr lang="ru-RU" dirty="0"/>
+          </a:p>
+        </p:txBody>
+      </p:sp>
+      <p:sp>
+        <p:nvSpPr>
+          <p:cNvPr id="3" name="TextBox 2"/>
+          <p:cNvSpPr txBox="1"/>
+          <p:nvPr/>
+        </p:nvSpPr>
+        <p:spPr>
+          <a:xfrm>
+            <a:off x="10300452" y="3192029"/>
+            <a:ext cx="1755265" cy="1546577"/>
+          </a:xfrm>
+          <a:prstGeom prst="rect">
+            <a:avLst/>
+          </a:prstGeom>
+          <a:noFill/>
+        </p:spPr>
+        <p:txBody>
+          <a:bodyPr wrap="square" rtlCol="0">
+            <a:spAutoFit/>
+          </a:bodyPr>
+          <a:lstStyle/>
+          <a:p>
+            <a:r>
+              <a:rPr lang="en-US" sz="1050" dirty="0" smtClean="0"/>
+              <a:t>Output – SECREW or V.</a:t>
+            </a:r>
+          </a:p>
+          <a:p>
+            <a:r>
+              <a:rPr lang="en-US" sz="1050" dirty="0" smtClean="0"/>
+              <a:t>SECREW indicates reaching new level and is used in multi-level event prediction.</a:t>
+            </a:r>
+          </a:p>
+          <a:p>
+            <a:r>
+              <a:rPr lang="en-US" sz="1050" dirty="0" smtClean="0"/>
+              <a:t>V indicates being in the highest state (only highest active V should be taken into account). It is used as input for </a:t>
+            </a:r>
+            <a:r>
+              <a:rPr lang="en-US" sz="1050" dirty="0" err="1" smtClean="0"/>
+              <a:t>dynpos</a:t>
+            </a:r>
+            <a:r>
+              <a:rPr lang="en-US" sz="1050" dirty="0" smtClean="0"/>
+              <a:t>.</a:t>
+            </a:r>
+            <a:endParaRPr lang="ru-RU" sz="1050" dirty="0"/>
+          </a:p>
+        </p:txBody>
+      </p:sp>
+      <p:sp>
+        <p:nvSpPr>
+          <p:cNvPr id="5" name="TextBox 4"/>
+          <p:cNvSpPr txBox="1"/>
+          <p:nvPr/>
+        </p:nvSpPr>
+        <p:spPr>
+          <a:xfrm>
+            <a:off x="251722" y="1343939"/>
+            <a:ext cx="1193520" cy="369332"/>
+          </a:xfrm>
+          <a:prstGeom prst="rect">
+            <a:avLst/>
+          </a:prstGeom>
+          <a:noFill/>
+        </p:spPr>
+        <p:txBody>
+          <a:bodyPr wrap="square" rtlCol="0">
+            <a:spAutoFit/>
+          </a:bodyPr>
+          <a:lstStyle/>
+          <a:p>
+            <a:r>
+              <a:rPr lang="en-US" dirty="0" smtClean="0"/>
+              <a:t>REWGATE</a:t>
+            </a:r>
+            <a:endParaRPr lang="en-US" dirty="0"/>
+          </a:p>
+        </p:txBody>
+      </p:sp>
+      <p:sp>
+        <p:nvSpPr>
+          <p:cNvPr id="6" name="TextBox 5"/>
+          <p:cNvSpPr txBox="1"/>
+          <p:nvPr/>
+        </p:nvSpPr>
+        <p:spPr>
+          <a:xfrm>
+            <a:off x="7515407" y="156052"/>
+            <a:ext cx="1782921" cy="369332"/>
+          </a:xfrm>
+          <a:prstGeom prst="rect">
+            <a:avLst/>
+          </a:prstGeom>
+          <a:noFill/>
+        </p:spPr>
+        <p:txBody>
+          <a:bodyPr wrap="square" rtlCol="0">
+            <a:spAutoFit/>
+          </a:bodyPr>
+          <a:lstStyle/>
+          <a:p>
+            <a:r>
+              <a:rPr lang="en-US" dirty="0" smtClean="0"/>
+              <a:t>SECREWINT</a:t>
+            </a:r>
+            <a:endParaRPr lang="en-US" dirty="0"/>
+          </a:p>
+        </p:txBody>
+      </p:sp>
+    </p:spTree>
+    <p:extLst>
+      <p:ext uri="{BB962C8B-B14F-4D97-AF65-F5344CB8AC3E}">
+        <p14:creationId xmlns:p14="http://schemas.microsoft.com/office/powerpoint/2010/main" val="2108522248"/>
+      </p:ext>
+    </p:extLst>
+  </p:cSld>
+  <p:clrMapOvr>
+    <a:masterClrMapping/>
+  </p:clrMapOvr>
+  <p:timing>
+    <p:tnLst>
+      <p:par>
+        <p:cTn id="1" dur="indefinite" restart="never" nodeType="tmRoot"/>
+      </p:par>
+    </p:tnLst>
+  </p:timing>
+</p:sld>
+</file>
+
+<file path=ppt/slides/slide4.xml><?xml version="1.0" encoding="utf-8"?>
+<p:sld xmlns:a="http://schemas.openxmlformats.org/drawingml/2006/main" xmlns:r="http://schemas.openxmlformats.org/officeDocument/2006/relationships" xmlns:p="http://schemas.openxmlformats.org/presentationml/2006/main">
+  <p:cSld>
+    <p:spTree>
+      <p:nvGrpSpPr>
+        <p:cNvPr id="1" name=""/>
+        <p:cNvGrpSpPr/>
+        <p:nvPr/>
+      </p:nvGrpSpPr>
+      <p:grpSpPr>
+        <a:xfrm>
+          <a:off x="0" y="0"/>
+          <a:ext cx="0" cy="0"/>
+          <a:chOff x="0" y="0"/>
+          <a:chExt cx="0" cy="0"/>
+        </a:xfrm>
+      </p:grpSpPr>
+      <p:sp>
+        <p:nvSpPr>
+          <p:cNvPr id="2" name="Oval 32"/>
+          <p:cNvSpPr/>
+          <p:nvPr/>
+        </p:nvSpPr>
+        <p:spPr>
+          <a:xfrm>
+            <a:off x="1478492" y="5317612"/>
+            <a:ext cx="716339" cy="644141"/>
+          </a:xfrm>
+          <a:prstGeom prst="ellipse">
+            <a:avLst/>
+          </a:prstGeom>
+          <a:noFill/>
+        </p:spPr>
+        <p:style>
+          <a:lnRef idx="2">
+            <a:schemeClr val="accent1">
+              <a:shade val="50000"/>
+            </a:schemeClr>
+          </a:lnRef>
+          <a:fillRef idx="1">
+            <a:schemeClr val="accent1"/>
+          </a:fillRef>
+          <a:effectRef idx="0">
+            <a:schemeClr val="accent1"/>
+          </a:effectRef>
+          <a:fontRef idx="minor">
+            <a:schemeClr val="lt1"/>
+          </a:fontRef>
+        </p:style>
+        <p:txBody>
+          <a:bodyPr rtlCol="0" anchor="ctr"/>
+          <a:lstStyle/>
+          <a:p>
+            <a:pPr algn="ctr"/>
+            <a:endParaRPr lang="ru-RU" sz="3200" dirty="0"/>
+          </a:p>
+        </p:txBody>
+      </p:sp>
+      <p:sp>
+        <p:nvSpPr>
+          <p:cNvPr id="3" name="Oval 32"/>
+          <p:cNvSpPr/>
+          <p:nvPr/>
+        </p:nvSpPr>
+        <p:spPr>
+          <a:xfrm>
+            <a:off x="5335315" y="5545351"/>
+            <a:ext cx="716339" cy="644141"/>
+          </a:xfrm>
+          <a:prstGeom prst="ellipse">
+            <a:avLst/>
+          </a:prstGeom>
+          <a:noFill/>
+        </p:spPr>
+        <p:style>
+          <a:lnRef idx="2">
+            <a:schemeClr val="accent1">
+              <a:shade val="50000"/>
+            </a:schemeClr>
+          </a:lnRef>
+          <a:fillRef idx="1">
+            <a:schemeClr val="accent1"/>
+          </a:fillRef>
+          <a:effectRef idx="0">
+            <a:schemeClr val="accent1"/>
+          </a:effectRef>
+          <a:fontRef idx="minor">
+            <a:schemeClr val="lt1"/>
+          </a:fontRef>
+        </p:style>
+        <p:txBody>
+          <a:bodyPr rtlCol="0" anchor="ctr"/>
+          <a:lstStyle/>
+          <a:p>
+            <a:pPr algn="ctr"/>
+            <a:endParaRPr lang="ru-RU" sz="3200" dirty="0"/>
+          </a:p>
+        </p:txBody>
+      </p:sp>
+      <p:sp>
+        <p:nvSpPr>
+          <p:cNvPr id="5" name="Oval 32"/>
+          <p:cNvSpPr/>
+          <p:nvPr/>
+        </p:nvSpPr>
+        <p:spPr>
+          <a:xfrm>
+            <a:off x="5366908" y="3956697"/>
+            <a:ext cx="716339" cy="644141"/>
+          </a:xfrm>
+          <a:prstGeom prst="ellipse">
+            <a:avLst/>
+          </a:prstGeom>
+          <a:ln w="31750">
+            <a:solidFill>
+              <a:srgbClr val="FF0000"/>
+            </a:solidFill>
+          </a:ln>
+        </p:spPr>
+        <p:style>
+          <a:lnRef idx="2">
+            <a:schemeClr val="accent1">
+              <a:shade val="50000"/>
+            </a:schemeClr>
+          </a:lnRef>
+          <a:fillRef idx="1">
+            <a:schemeClr val="accent1"/>
+          </a:fillRef>
+          <a:effectRef idx="0">
+            <a:schemeClr val="accent1"/>
+          </a:effectRef>
+          <a:fontRef idx="minor">
+            <a:schemeClr val="lt1"/>
+          </a:fontRef>
+        </p:style>
+        <p:txBody>
+          <a:bodyPr rtlCol="0" anchor="ctr"/>
+          <a:lstStyle/>
+          <a:p>
+            <a:pPr algn="ctr"/>
+            <a:endParaRPr lang="ru-RU" sz="3200" dirty="0"/>
+          </a:p>
+        </p:txBody>
+      </p:sp>
+      <p:sp>
+        <p:nvSpPr>
+          <p:cNvPr id="6" name="Oval 32"/>
+          <p:cNvSpPr/>
+          <p:nvPr/>
+        </p:nvSpPr>
+        <p:spPr>
+          <a:xfrm>
+            <a:off x="4044752" y="3956696"/>
+            <a:ext cx="716339" cy="644141"/>
+          </a:xfrm>
+          <a:prstGeom prst="ellipse">
+            <a:avLst/>
+          </a:prstGeom>
+        </p:spPr>
+        <p:style>
+          <a:lnRef idx="2">
+            <a:schemeClr val="accent1">
+              <a:shade val="50000"/>
+            </a:schemeClr>
+          </a:lnRef>
+          <a:fillRef idx="1">
+            <a:schemeClr val="accent1"/>
+          </a:fillRef>
+          <a:effectRef idx="0">
+            <a:schemeClr val="accent1"/>
+          </a:effectRef>
+          <a:fontRef idx="minor">
+            <a:schemeClr val="lt1"/>
+          </a:fontRef>
+        </p:style>
+        <p:txBody>
+          <a:bodyPr rtlCol="0" anchor="ctr"/>
+          <a:lstStyle/>
+          <a:p>
+            <a:pPr algn="ctr"/>
+            <a:endParaRPr lang="ru-RU" sz="3200" dirty="0"/>
+          </a:p>
+        </p:txBody>
+      </p:sp>
+      <p:cxnSp>
+        <p:nvCxnSpPr>
+          <p:cNvPr id="8" name="Прямая со стрелкой 7"/>
+          <p:cNvCxnSpPr>
+            <a:stCxn id="3" idx="0"/>
+            <a:endCxn id="5" idx="4"/>
+          </p:cNvCxnSpPr>
+          <p:nvPr/>
+        </p:nvCxnSpPr>
+        <p:spPr>
+          <a:xfrm flipV="1">
+            <a:off x="5693485" y="4600838"/>
+            <a:ext cx="31593" cy="944513"/>
+          </a:xfrm>
+          <a:prstGeom prst="straightConnector1">
+            <a:avLst/>
+          </a:prstGeom>
+          <a:ln w="38100">
+            <a:tailEnd type="triangle"/>
+          </a:ln>
+        </p:spPr>
+        <p:style>
+          <a:lnRef idx="1">
+            <a:schemeClr val="accent1"/>
+          </a:lnRef>
+          <a:fillRef idx="0">
+            <a:schemeClr val="accent1"/>
+          </a:fillRef>
+          <a:effectRef idx="0">
+            <a:schemeClr val="accent1"/>
+          </a:effectRef>
+          <a:fontRef idx="minor">
+            <a:schemeClr val="tx1"/>
+          </a:fontRef>
+        </p:style>
+      </p:cxnSp>
+      <p:cxnSp>
+        <p:nvCxnSpPr>
+          <p:cNvPr id="10" name="Прямая со стрелкой 9"/>
+          <p:cNvCxnSpPr>
+            <a:stCxn id="3" idx="1"/>
+            <a:endCxn id="6" idx="5"/>
+          </p:cNvCxnSpPr>
+          <p:nvPr/>
+        </p:nvCxnSpPr>
+        <p:spPr>
+          <a:xfrm flipH="1" flipV="1">
+            <a:off x="4656186" y="4506505"/>
+            <a:ext cx="784034" cy="1133178"/>
+          </a:xfrm>
+          <a:prstGeom prst="straightConnector1">
+            <a:avLst/>
+          </a:prstGeom>
+          <a:ln w="38100">
+            <a:tailEnd type="triangle"/>
+          </a:ln>
+        </p:spPr>
+        <p:style>
+          <a:lnRef idx="1">
+            <a:schemeClr val="accent1"/>
+          </a:lnRef>
+          <a:fillRef idx="0">
+            <a:schemeClr val="accent1"/>
+          </a:fillRef>
+          <a:effectRef idx="0">
+            <a:schemeClr val="accent1"/>
+          </a:effectRef>
+          <a:fontRef idx="minor">
+            <a:schemeClr val="tx1"/>
+          </a:fontRef>
+        </p:style>
+      </p:cxnSp>
+      <p:cxnSp>
+        <p:nvCxnSpPr>
+          <p:cNvPr id="13" name="Прямая со стрелкой 12"/>
+          <p:cNvCxnSpPr>
+            <a:stCxn id="5" idx="2"/>
+            <a:endCxn id="6" idx="6"/>
+          </p:cNvCxnSpPr>
+          <p:nvPr/>
+        </p:nvCxnSpPr>
+        <p:spPr>
+          <a:xfrm flipH="1" flipV="1">
+            <a:off x="4761091" y="4278767"/>
+            <a:ext cx="605817" cy="1"/>
+          </a:xfrm>
+          <a:prstGeom prst="straightConnector1">
+            <a:avLst/>
+          </a:prstGeom>
+          <a:ln w="38100">
+            <a:solidFill>
+              <a:schemeClr val="tx1"/>
+            </a:solidFill>
+            <a:tailEnd type="triangle"/>
+          </a:ln>
+        </p:spPr>
+        <p:style>
+          <a:lnRef idx="1">
+            <a:schemeClr val="accent1"/>
+          </a:lnRef>
+          <a:fillRef idx="0">
+            <a:schemeClr val="accent1"/>
+          </a:fillRef>
+          <a:effectRef idx="0">
+            <a:schemeClr val="accent1"/>
+          </a:effectRef>
+          <a:fontRef idx="minor">
+            <a:schemeClr val="tx1"/>
+          </a:fontRef>
+        </p:style>
+      </p:cxnSp>
+      <p:cxnSp>
+        <p:nvCxnSpPr>
+          <p:cNvPr id="19" name="Прямая со стрелкой 18"/>
+          <p:cNvCxnSpPr>
+            <a:stCxn id="6" idx="1"/>
+          </p:cNvCxnSpPr>
+          <p:nvPr/>
+        </p:nvCxnSpPr>
+        <p:spPr>
+          <a:xfrm flipH="1" flipV="1">
+            <a:off x="2973077" y="1126919"/>
+            <a:ext cx="1176580" cy="2924109"/>
+          </a:xfrm>
+          <a:prstGeom prst="straightConnector1">
+            <a:avLst/>
+          </a:prstGeom>
+          <a:ln w="38100">
+            <a:tailEnd type="triangle"/>
+          </a:ln>
+        </p:spPr>
+        <p:style>
+          <a:lnRef idx="1">
+            <a:schemeClr val="accent1"/>
+          </a:lnRef>
+          <a:fillRef idx="0">
+            <a:schemeClr val="accent1"/>
+          </a:fillRef>
+          <a:effectRef idx="0">
+            <a:schemeClr val="accent1"/>
+          </a:effectRef>
+          <a:fontRef idx="minor">
+            <a:schemeClr val="tx1"/>
+          </a:fontRef>
+        </p:style>
+      </p:cxnSp>
+      <p:sp>
+        <p:nvSpPr>
+          <p:cNvPr id="22" name="Oval 32"/>
+          <p:cNvSpPr/>
+          <p:nvPr/>
+        </p:nvSpPr>
+        <p:spPr>
+          <a:xfrm>
+            <a:off x="6785896" y="3956696"/>
+            <a:ext cx="716339" cy="644141"/>
+          </a:xfrm>
+          <a:prstGeom prst="ellipse">
+            <a:avLst/>
+          </a:prstGeom>
+        </p:spPr>
+        <p:style>
+          <a:lnRef idx="2">
+            <a:schemeClr val="accent1">
+              <a:shade val="50000"/>
+            </a:schemeClr>
+          </a:lnRef>
+          <a:fillRef idx="1">
+            <a:schemeClr val="accent1"/>
+          </a:fillRef>
+          <a:effectRef idx="0">
+            <a:schemeClr val="accent1"/>
+          </a:effectRef>
+          <a:fontRef idx="minor">
+            <a:schemeClr val="lt1"/>
+          </a:fontRef>
+        </p:style>
+        <p:txBody>
+          <a:bodyPr rtlCol="0" anchor="ctr"/>
+          <a:lstStyle/>
+          <a:p>
+            <a:pPr algn="ctr"/>
+            <a:endParaRPr lang="ru-RU" sz="3200" dirty="0"/>
+          </a:p>
+        </p:txBody>
+      </p:sp>
+      <p:cxnSp>
+        <p:nvCxnSpPr>
+          <p:cNvPr id="23" name="Прямая со стрелкой 22"/>
+          <p:cNvCxnSpPr>
+            <a:stCxn id="3" idx="7"/>
+            <a:endCxn id="22" idx="3"/>
+          </p:cNvCxnSpPr>
+          <p:nvPr/>
+        </p:nvCxnSpPr>
+        <p:spPr>
+          <a:xfrm flipV="1">
+            <a:off x="5946749" y="4506505"/>
+            <a:ext cx="944052" cy="1133178"/>
+          </a:xfrm>
+          <a:prstGeom prst="straightConnector1">
+            <a:avLst/>
+          </a:prstGeom>
+          <a:ln w="38100">
+            <a:solidFill>
+              <a:schemeClr val="tx1"/>
+            </a:solidFill>
+            <a:tailEnd type="triangle"/>
+          </a:ln>
+        </p:spPr>
+        <p:style>
+          <a:lnRef idx="1">
+            <a:schemeClr val="accent1"/>
+          </a:lnRef>
+          <a:fillRef idx="0">
+            <a:schemeClr val="accent1"/>
+          </a:fillRef>
+          <a:effectRef idx="0">
+            <a:schemeClr val="accent1"/>
+          </a:effectRef>
+          <a:fontRef idx="minor">
+            <a:schemeClr val="tx1"/>
+          </a:fontRef>
+        </p:style>
+      </p:cxnSp>
+      <p:cxnSp>
+        <p:nvCxnSpPr>
+          <p:cNvPr id="26" name="Прямая со стрелкой 25"/>
+          <p:cNvCxnSpPr>
+            <a:stCxn id="5" idx="6"/>
+            <a:endCxn id="22" idx="2"/>
+          </p:cNvCxnSpPr>
+          <p:nvPr/>
+        </p:nvCxnSpPr>
+        <p:spPr>
+          <a:xfrm flipV="1">
+            <a:off x="6083247" y="4278767"/>
+            <a:ext cx="702649" cy="1"/>
+          </a:xfrm>
+          <a:prstGeom prst="straightConnector1">
+            <a:avLst/>
+          </a:prstGeom>
+          <a:ln w="38100">
+            <a:tailEnd type="triangle"/>
+          </a:ln>
+        </p:spPr>
+        <p:style>
+          <a:lnRef idx="1">
+            <a:schemeClr val="accent1"/>
+          </a:lnRef>
+          <a:fillRef idx="0">
+            <a:schemeClr val="accent1"/>
+          </a:fillRef>
+          <a:effectRef idx="0">
+            <a:schemeClr val="accent1"/>
+          </a:effectRef>
+          <a:fontRef idx="minor">
+            <a:schemeClr val="tx1"/>
+          </a:fontRef>
+        </p:style>
+      </p:cxnSp>
+      <p:cxnSp>
+        <p:nvCxnSpPr>
+          <p:cNvPr id="30" name="Прямая со стрелкой 29"/>
+          <p:cNvCxnSpPr>
+            <a:stCxn id="22" idx="7"/>
+          </p:cNvCxnSpPr>
+          <p:nvPr/>
+        </p:nvCxnSpPr>
+        <p:spPr>
+          <a:xfrm flipV="1">
+            <a:off x="7397330" y="1032587"/>
+            <a:ext cx="2036304" cy="3018441"/>
+          </a:xfrm>
+          <a:prstGeom prst="straightConnector1">
+            <a:avLst/>
+          </a:prstGeom>
+          <a:ln w="38100">
+            <a:tailEnd type="triangle"/>
+          </a:ln>
+        </p:spPr>
+        <p:style>
+          <a:lnRef idx="1">
+            <a:schemeClr val="accent1"/>
+          </a:lnRef>
+          <a:fillRef idx="0">
+            <a:schemeClr val="accent1"/>
+          </a:fillRef>
+          <a:effectRef idx="0">
+            <a:schemeClr val="accent1"/>
+          </a:effectRef>
+          <a:fontRef idx="minor">
+            <a:schemeClr val="tx1"/>
+          </a:fontRef>
+        </p:style>
+      </p:cxnSp>
+      <p:cxnSp>
+        <p:nvCxnSpPr>
+          <p:cNvPr id="38" name="Прямая со стрелкой 37"/>
+          <p:cNvCxnSpPr>
+            <a:stCxn id="22" idx="1"/>
+            <a:endCxn id="5" idx="7"/>
+          </p:cNvCxnSpPr>
+          <p:nvPr/>
+        </p:nvCxnSpPr>
+        <p:spPr>
+          <a:xfrm flipH="1">
+            <a:off x="5978342" y="4051028"/>
+            <a:ext cx="912459" cy="1"/>
+          </a:xfrm>
+          <a:prstGeom prst="straightConnector1">
+            <a:avLst/>
+          </a:prstGeom>
+          <a:ln w="38100">
+            <a:solidFill>
+              <a:srgbClr val="FF0000"/>
+            </a:solidFill>
+            <a:tailEnd type="triangle"/>
+          </a:ln>
+        </p:spPr>
+        <p:style>
+          <a:lnRef idx="1">
+            <a:schemeClr val="accent1"/>
+          </a:lnRef>
+          <a:fillRef idx="0">
+            <a:schemeClr val="accent1"/>
+          </a:fillRef>
+          <a:effectRef idx="0">
+            <a:schemeClr val="accent1"/>
+          </a:effectRef>
+          <a:fontRef idx="minor">
+            <a:schemeClr val="tx1"/>
+          </a:fontRef>
+        </p:style>
+      </p:cxnSp>
+      <p:sp>
+        <p:nvSpPr>
+          <p:cNvPr id="49" name="Oval 32"/>
+          <p:cNvSpPr/>
+          <p:nvPr/>
+        </p:nvSpPr>
+        <p:spPr>
+          <a:xfrm>
+            <a:off x="1478493" y="3939326"/>
+            <a:ext cx="716339" cy="644141"/>
+          </a:xfrm>
+          <a:prstGeom prst="ellipse">
+            <a:avLst/>
+          </a:prstGeom>
+          <a:ln w="31750">
+            <a:solidFill>
+              <a:srgbClr val="FF0000"/>
+            </a:solidFill>
+          </a:ln>
+        </p:spPr>
+        <p:style>
+          <a:lnRef idx="2">
+            <a:schemeClr val="accent1">
+              <a:shade val="50000"/>
+            </a:schemeClr>
+          </a:lnRef>
+          <a:fillRef idx="1">
+            <a:schemeClr val="accent1"/>
+          </a:fillRef>
+          <a:effectRef idx="0">
+            <a:schemeClr val="accent1"/>
+          </a:effectRef>
+          <a:fontRef idx="minor">
+            <a:schemeClr val="lt1"/>
+          </a:fontRef>
+        </p:style>
+        <p:txBody>
+          <a:bodyPr rtlCol="0" anchor="ctr"/>
+          <a:lstStyle/>
+          <a:p>
+            <a:pPr algn="ctr"/>
+            <a:r>
+              <a:rPr lang="en-US" sz="1100" dirty="0" smtClean="0"/>
+              <a:t>MEM</a:t>
+            </a:r>
+            <a:endParaRPr lang="ru-RU" sz="1100" dirty="0"/>
+          </a:p>
+        </p:txBody>
+      </p:sp>
+      <p:sp>
+        <p:nvSpPr>
+          <p:cNvPr id="50" name="Oval 32"/>
+          <p:cNvSpPr/>
+          <p:nvPr/>
+        </p:nvSpPr>
+        <p:spPr>
+          <a:xfrm>
+            <a:off x="157353" y="3939325"/>
+            <a:ext cx="716339" cy="644141"/>
+          </a:xfrm>
+          <a:prstGeom prst="ellipse">
+            <a:avLst/>
+          </a:prstGeom>
+        </p:spPr>
+        <p:style>
+          <a:lnRef idx="2">
+            <a:schemeClr val="accent1">
+              <a:shade val="50000"/>
+            </a:schemeClr>
+          </a:lnRef>
+          <a:fillRef idx="1">
+            <a:schemeClr val="accent1"/>
+          </a:fillRef>
+          <a:effectRef idx="0">
+            <a:schemeClr val="accent1"/>
+          </a:effectRef>
+          <a:fontRef idx="minor">
+            <a:schemeClr val="lt1"/>
+          </a:fontRef>
+        </p:style>
+        <p:txBody>
+          <a:bodyPr rtlCol="0" anchor="ctr"/>
+          <a:lstStyle/>
+          <a:p>
+            <a:pPr algn="ctr"/>
+            <a:r>
+              <a:rPr lang="en-US" sz="1200" dirty="0" smtClean="0"/>
+              <a:t>RIND</a:t>
+            </a:r>
+            <a:endParaRPr lang="ru-RU" sz="1200" dirty="0"/>
+          </a:p>
+        </p:txBody>
+      </p:sp>
+      <p:cxnSp>
+        <p:nvCxnSpPr>
+          <p:cNvPr id="51" name="Прямая со стрелкой 50"/>
+          <p:cNvCxnSpPr>
+            <a:stCxn id="49" idx="2"/>
+            <a:endCxn id="50" idx="6"/>
+          </p:cNvCxnSpPr>
+          <p:nvPr/>
+        </p:nvCxnSpPr>
+        <p:spPr>
+          <a:xfrm flipH="1" flipV="1">
+            <a:off x="873692" y="4261396"/>
+            <a:ext cx="604801" cy="1"/>
+          </a:xfrm>
+          <a:prstGeom prst="straightConnector1">
+            <a:avLst/>
+          </a:prstGeom>
+          <a:ln w="38100">
+            <a:solidFill>
+              <a:schemeClr val="tx1"/>
+            </a:solidFill>
+            <a:tailEnd type="triangle"/>
+          </a:ln>
+        </p:spPr>
+        <p:style>
+          <a:lnRef idx="1">
+            <a:schemeClr val="accent1"/>
+          </a:lnRef>
+          <a:fillRef idx="0">
+            <a:schemeClr val="accent1"/>
+          </a:fillRef>
+          <a:effectRef idx="0">
+            <a:schemeClr val="accent1"/>
+          </a:effectRef>
+          <a:fontRef idx="minor">
+            <a:schemeClr val="tx1"/>
+          </a:fontRef>
+        </p:style>
+      </p:cxnSp>
+      <p:sp>
+        <p:nvSpPr>
+          <p:cNvPr id="52" name="Oval 32"/>
+          <p:cNvSpPr/>
+          <p:nvPr/>
+        </p:nvSpPr>
+        <p:spPr>
+          <a:xfrm>
+            <a:off x="2897834" y="3939325"/>
+            <a:ext cx="716339" cy="644141"/>
+          </a:xfrm>
+          <a:prstGeom prst="ellipse">
+            <a:avLst/>
+          </a:prstGeom>
+        </p:spPr>
+        <p:style>
+          <a:lnRef idx="2">
+            <a:schemeClr val="accent1">
+              <a:shade val="50000"/>
+            </a:schemeClr>
+          </a:lnRef>
+          <a:fillRef idx="1">
+            <a:schemeClr val="accent1"/>
+          </a:fillRef>
+          <a:effectRef idx="0">
+            <a:schemeClr val="accent1"/>
+          </a:effectRef>
+          <a:fontRef idx="minor">
+            <a:schemeClr val="lt1"/>
+          </a:fontRef>
+        </p:style>
+        <p:txBody>
+          <a:bodyPr rtlCol="0" anchor="ctr"/>
+          <a:lstStyle/>
+          <a:p>
+            <a:pPr algn="ctr"/>
+            <a:r>
+              <a:rPr lang="en-US" sz="1200" dirty="0" smtClean="0"/>
+              <a:t>PIND</a:t>
+            </a:r>
+            <a:endParaRPr lang="ru-RU" sz="1200" dirty="0"/>
+          </a:p>
+        </p:txBody>
+      </p:sp>
+      <p:cxnSp>
+        <p:nvCxnSpPr>
+          <p:cNvPr id="53" name="Прямая со стрелкой 52"/>
+          <p:cNvCxnSpPr>
+            <a:stCxn id="49" idx="6"/>
+            <a:endCxn id="52" idx="2"/>
+          </p:cNvCxnSpPr>
+          <p:nvPr/>
+        </p:nvCxnSpPr>
+        <p:spPr>
+          <a:xfrm flipV="1">
+            <a:off x="2194832" y="4261396"/>
+            <a:ext cx="703002" cy="1"/>
+          </a:xfrm>
+          <a:prstGeom prst="straightConnector1">
+            <a:avLst/>
+          </a:prstGeom>
+          <a:ln w="38100">
+            <a:tailEnd type="triangle"/>
+          </a:ln>
+        </p:spPr>
+        <p:style>
+          <a:lnRef idx="1">
+            <a:schemeClr val="accent1"/>
+          </a:lnRef>
+          <a:fillRef idx="0">
+            <a:schemeClr val="accent1"/>
+          </a:fillRef>
+          <a:effectRef idx="0">
+            <a:schemeClr val="accent1"/>
+          </a:effectRef>
+          <a:fontRef idx="minor">
+            <a:schemeClr val="tx1"/>
+          </a:fontRef>
+        </p:style>
+      </p:cxnSp>
+      <p:cxnSp>
+        <p:nvCxnSpPr>
+          <p:cNvPr id="54" name="Прямая со стрелкой 53"/>
+          <p:cNvCxnSpPr>
+            <a:stCxn id="52" idx="1"/>
+            <a:endCxn id="49" idx="7"/>
+          </p:cNvCxnSpPr>
+          <p:nvPr/>
+        </p:nvCxnSpPr>
+        <p:spPr>
+          <a:xfrm flipH="1">
+            <a:off x="2089927" y="4033657"/>
+            <a:ext cx="912812" cy="1"/>
+          </a:xfrm>
+          <a:prstGeom prst="straightConnector1">
+            <a:avLst/>
+          </a:prstGeom>
+          <a:ln w="38100">
+            <a:solidFill>
+              <a:srgbClr val="FF0000"/>
+            </a:solidFill>
+            <a:tailEnd type="triangle"/>
+          </a:ln>
+        </p:spPr>
+        <p:style>
+          <a:lnRef idx="1">
+            <a:schemeClr val="accent1"/>
+          </a:lnRef>
+          <a:fillRef idx="0">
+            <a:schemeClr val="accent1"/>
+          </a:fillRef>
+          <a:effectRef idx="0">
+            <a:schemeClr val="accent1"/>
+          </a:effectRef>
+          <a:fontRef idx="minor">
+            <a:schemeClr val="tx1"/>
+          </a:fontRef>
+        </p:style>
+      </p:cxnSp>
+      <p:cxnSp>
+        <p:nvCxnSpPr>
+          <p:cNvPr id="55" name="Прямая со стрелкой 54"/>
+          <p:cNvCxnSpPr>
+            <a:stCxn id="2" idx="0"/>
+            <a:endCxn id="49" idx="4"/>
+          </p:cNvCxnSpPr>
+          <p:nvPr/>
+        </p:nvCxnSpPr>
+        <p:spPr>
+          <a:xfrm flipV="1">
+            <a:off x="1836662" y="4583467"/>
+            <a:ext cx="1" cy="734145"/>
+          </a:xfrm>
+          <a:prstGeom prst="straightConnector1">
+            <a:avLst/>
+          </a:prstGeom>
+          <a:ln w="38100">
+            <a:tailEnd type="triangle"/>
+          </a:ln>
+        </p:spPr>
+        <p:style>
+          <a:lnRef idx="1">
+            <a:schemeClr val="accent1"/>
+          </a:lnRef>
+          <a:fillRef idx="0">
+            <a:schemeClr val="accent1"/>
+          </a:fillRef>
+          <a:effectRef idx="0">
+            <a:schemeClr val="accent1"/>
+          </a:effectRef>
+          <a:fontRef idx="minor">
+            <a:schemeClr val="tx1"/>
+          </a:fontRef>
+        </p:style>
+      </p:cxnSp>
+      <p:cxnSp>
+        <p:nvCxnSpPr>
+          <p:cNvPr id="60" name="Прямая со стрелкой 59"/>
+          <p:cNvCxnSpPr>
+            <a:stCxn id="2" idx="1"/>
+            <a:endCxn id="50" idx="5"/>
+          </p:cNvCxnSpPr>
+          <p:nvPr/>
+        </p:nvCxnSpPr>
+        <p:spPr>
+          <a:xfrm flipH="1" flipV="1">
+            <a:off x="768787" y="4489134"/>
+            <a:ext cx="814610" cy="922810"/>
+          </a:xfrm>
+          <a:prstGeom prst="straightConnector1">
+            <a:avLst/>
+          </a:prstGeom>
+          <a:ln w="38100">
+            <a:tailEnd type="triangle"/>
+          </a:ln>
+        </p:spPr>
+        <p:style>
+          <a:lnRef idx="1">
+            <a:schemeClr val="accent1"/>
+          </a:lnRef>
+          <a:fillRef idx="0">
+            <a:schemeClr val="accent1"/>
+          </a:fillRef>
+          <a:effectRef idx="0">
+            <a:schemeClr val="accent1"/>
+          </a:effectRef>
+          <a:fontRef idx="minor">
+            <a:schemeClr val="tx1"/>
+          </a:fontRef>
+        </p:style>
+      </p:cxnSp>
+      <p:cxnSp>
+        <p:nvCxnSpPr>
+          <p:cNvPr id="63" name="Прямая со стрелкой 62"/>
+          <p:cNvCxnSpPr>
+            <a:stCxn id="2" idx="7"/>
+            <a:endCxn id="52" idx="3"/>
+          </p:cNvCxnSpPr>
+          <p:nvPr/>
+        </p:nvCxnSpPr>
+        <p:spPr>
+          <a:xfrm flipV="1">
+            <a:off x="2089926" y="4489134"/>
+            <a:ext cx="912813" cy="922810"/>
+          </a:xfrm>
+          <a:prstGeom prst="straightConnector1">
+            <a:avLst/>
+          </a:prstGeom>
+          <a:ln w="38100">
+            <a:solidFill>
+              <a:schemeClr val="tx1"/>
+            </a:solidFill>
+            <a:tailEnd type="triangle"/>
+          </a:ln>
+        </p:spPr>
+        <p:style>
+          <a:lnRef idx="1">
+            <a:schemeClr val="accent1"/>
+          </a:lnRef>
+          <a:fillRef idx="0">
+            <a:schemeClr val="accent1"/>
+          </a:fillRef>
+          <a:effectRef idx="0">
+            <a:schemeClr val="accent1"/>
+          </a:effectRef>
+          <a:fontRef idx="minor">
+            <a:schemeClr val="tx1"/>
+          </a:fontRef>
+        </p:style>
+      </p:cxnSp>
+      <p:cxnSp>
+        <p:nvCxnSpPr>
+          <p:cNvPr id="66" name="Прямая со стрелкой 65"/>
+          <p:cNvCxnSpPr>
+            <a:stCxn id="50" idx="0"/>
+          </p:cNvCxnSpPr>
+          <p:nvPr/>
+        </p:nvCxnSpPr>
+        <p:spPr>
+          <a:xfrm flipV="1">
+            <a:off x="515523" y="1126919"/>
+            <a:ext cx="1951025" cy="2812406"/>
+          </a:xfrm>
+          <a:prstGeom prst="straightConnector1">
+            <a:avLst/>
+          </a:prstGeom>
+          <a:ln w="38100">
+            <a:tailEnd type="triangle"/>
+          </a:ln>
+        </p:spPr>
+        <p:style>
+          <a:lnRef idx="1">
+            <a:schemeClr val="accent1"/>
+          </a:lnRef>
+          <a:fillRef idx="0">
+            <a:schemeClr val="accent1"/>
+          </a:fillRef>
+          <a:effectRef idx="0">
+            <a:schemeClr val="accent1"/>
+          </a:effectRef>
+          <a:fontRef idx="minor">
+            <a:schemeClr val="tx1"/>
+          </a:fontRef>
+        </p:style>
+      </p:cxnSp>
+      <p:cxnSp>
+        <p:nvCxnSpPr>
+          <p:cNvPr id="69" name="Прямая со стрелкой 68"/>
+          <p:cNvCxnSpPr>
+            <a:stCxn id="52" idx="7"/>
+          </p:cNvCxnSpPr>
+          <p:nvPr/>
+        </p:nvCxnSpPr>
+        <p:spPr>
+          <a:xfrm flipV="1">
+            <a:off x="3509268" y="804849"/>
+            <a:ext cx="5819461" cy="3228808"/>
+          </a:xfrm>
+          <a:prstGeom prst="straightConnector1">
+            <a:avLst/>
+          </a:prstGeom>
+          <a:ln w="38100">
+            <a:tailEnd type="triangle"/>
+          </a:ln>
+        </p:spPr>
+        <p:style>
+          <a:lnRef idx="1">
+            <a:schemeClr val="accent1"/>
+          </a:lnRef>
+          <a:fillRef idx="0">
+            <a:schemeClr val="accent1"/>
+          </a:fillRef>
+          <a:effectRef idx="0">
+            <a:schemeClr val="accent1"/>
+          </a:effectRef>
+          <a:fontRef idx="minor">
+            <a:schemeClr val="tx1"/>
+          </a:fontRef>
+        </p:style>
+      </p:cxnSp>
+      <p:cxnSp>
+        <p:nvCxnSpPr>
+          <p:cNvPr id="72" name="Прямая со стрелкой 71"/>
+          <p:cNvCxnSpPr>
+            <a:stCxn id="2" idx="6"/>
+            <a:endCxn id="5" idx="3"/>
+          </p:cNvCxnSpPr>
+          <p:nvPr/>
+        </p:nvCxnSpPr>
+        <p:spPr>
+          <a:xfrm flipV="1">
+            <a:off x="2194831" y="4506506"/>
+            <a:ext cx="3276982" cy="1133177"/>
+          </a:xfrm>
+          <a:prstGeom prst="straightConnector1">
+            <a:avLst/>
+          </a:prstGeom>
+          <a:ln w="38100">
+            <a:tailEnd type="triangle"/>
+          </a:ln>
+        </p:spPr>
+        <p:style>
+          <a:lnRef idx="1">
+            <a:schemeClr val="accent1"/>
+          </a:lnRef>
+          <a:fillRef idx="0">
+            <a:schemeClr val="accent1"/>
+          </a:fillRef>
+          <a:effectRef idx="0">
+            <a:schemeClr val="accent1"/>
+          </a:effectRef>
+          <a:fontRef idx="minor">
+            <a:schemeClr val="tx1"/>
+          </a:fontRef>
+        </p:style>
+      </p:cxnSp>
+      <p:cxnSp>
+        <p:nvCxnSpPr>
+          <p:cNvPr id="75" name="Прямая со стрелкой 74"/>
+          <p:cNvCxnSpPr>
+            <a:stCxn id="2" idx="6"/>
+            <a:endCxn id="22" idx="3"/>
+          </p:cNvCxnSpPr>
+          <p:nvPr/>
+        </p:nvCxnSpPr>
+        <p:spPr>
+          <a:xfrm flipV="1">
+            <a:off x="2194831" y="4506505"/>
+            <a:ext cx="4695970" cy="1133178"/>
+          </a:xfrm>
+          <a:prstGeom prst="straightConnector1">
+            <a:avLst/>
+          </a:prstGeom>
+          <a:ln w="38100">
+            <a:solidFill>
+              <a:schemeClr val="tx1"/>
+            </a:solidFill>
+            <a:tailEnd type="triangle"/>
+          </a:ln>
+        </p:spPr>
+        <p:style>
+          <a:lnRef idx="1">
+            <a:schemeClr val="accent1"/>
+          </a:lnRef>
+          <a:fillRef idx="0">
+            <a:schemeClr val="accent1"/>
+          </a:fillRef>
+          <a:effectRef idx="0">
+            <a:schemeClr val="accent1"/>
+          </a:effectRef>
+          <a:fontRef idx="minor">
+            <a:schemeClr val="tx1"/>
+          </a:fontRef>
+        </p:style>
+      </p:cxnSp>
+      <p:sp>
+        <p:nvSpPr>
+          <p:cNvPr id="78" name="Oval 32"/>
+          <p:cNvSpPr/>
+          <p:nvPr/>
+        </p:nvSpPr>
+        <p:spPr>
+          <a:xfrm>
+            <a:off x="9544783" y="5558738"/>
+            <a:ext cx="716339" cy="644141"/>
+          </a:xfrm>
+          <a:prstGeom prst="ellipse">
+            <a:avLst/>
+          </a:prstGeom>
+          <a:noFill/>
+        </p:spPr>
+        <p:style>
+          <a:lnRef idx="2">
+            <a:schemeClr val="accent1">
+              <a:shade val="50000"/>
+            </a:schemeClr>
+          </a:lnRef>
+          <a:fillRef idx="1">
+            <a:schemeClr val="accent1"/>
+          </a:fillRef>
+          <a:effectRef idx="0">
+            <a:schemeClr val="accent1"/>
+          </a:effectRef>
+          <a:fontRef idx="minor">
+            <a:schemeClr val="lt1"/>
+          </a:fontRef>
+        </p:style>
+        <p:txBody>
+          <a:bodyPr rtlCol="0" anchor="ctr"/>
+          <a:lstStyle/>
+          <a:p>
+            <a:pPr algn="ctr"/>
+            <a:endParaRPr lang="ru-RU" sz="3200" dirty="0"/>
+          </a:p>
+        </p:txBody>
+      </p:sp>
+      <p:sp>
+        <p:nvSpPr>
+          <p:cNvPr id="79" name="Oval 32"/>
+          <p:cNvSpPr/>
+          <p:nvPr/>
+        </p:nvSpPr>
+        <p:spPr>
+          <a:xfrm>
+            <a:off x="9576376" y="3970084"/>
+            <a:ext cx="716339" cy="644141"/>
+          </a:xfrm>
+          <a:prstGeom prst="ellipse">
+            <a:avLst/>
+          </a:prstGeom>
+          <a:ln w="31750">
+            <a:solidFill>
+              <a:srgbClr val="FF0000"/>
+            </a:solidFill>
+          </a:ln>
+        </p:spPr>
+        <p:style>
+          <a:lnRef idx="2">
+            <a:schemeClr val="accent1">
+              <a:shade val="50000"/>
+            </a:schemeClr>
+          </a:lnRef>
+          <a:fillRef idx="1">
+            <a:schemeClr val="accent1"/>
+          </a:fillRef>
+          <a:effectRef idx="0">
+            <a:schemeClr val="accent1"/>
+          </a:effectRef>
+          <a:fontRef idx="minor">
+            <a:schemeClr val="lt1"/>
+          </a:fontRef>
+        </p:style>
+        <p:txBody>
+          <a:bodyPr rtlCol="0" anchor="ctr"/>
+          <a:lstStyle/>
+          <a:p>
+            <a:pPr algn="ctr"/>
+            <a:endParaRPr lang="ru-RU" sz="3200" dirty="0"/>
+          </a:p>
+        </p:txBody>
+      </p:sp>
+      <p:sp>
+        <p:nvSpPr>
+          <p:cNvPr id="80" name="Oval 32"/>
+          <p:cNvSpPr/>
+          <p:nvPr/>
+        </p:nvSpPr>
+        <p:spPr>
+          <a:xfrm>
+            <a:off x="8254220" y="3970083"/>
+            <a:ext cx="716339" cy="644141"/>
+          </a:xfrm>
+          <a:prstGeom prst="ellipse">
+            <a:avLst/>
+          </a:prstGeom>
+        </p:spPr>
+        <p:style>
+          <a:lnRef idx="2">
+            <a:schemeClr val="accent1">
+              <a:shade val="50000"/>
+            </a:schemeClr>
+          </a:lnRef>
+          <a:fillRef idx="1">
+            <a:schemeClr val="accent1"/>
+          </a:fillRef>
+          <a:effectRef idx="0">
+            <a:schemeClr val="accent1"/>
+          </a:effectRef>
+          <a:fontRef idx="minor">
+            <a:schemeClr val="lt1"/>
+          </a:fontRef>
+        </p:style>
+        <p:txBody>
+          <a:bodyPr rtlCol="0" anchor="ctr"/>
+          <a:lstStyle/>
+          <a:p>
+            <a:pPr algn="ctr"/>
+            <a:endParaRPr lang="ru-RU" sz="3200" dirty="0"/>
+          </a:p>
+        </p:txBody>
+      </p:sp>
+      <p:cxnSp>
+        <p:nvCxnSpPr>
+          <p:cNvPr id="81" name="Прямая со стрелкой 80"/>
+          <p:cNvCxnSpPr>
+            <a:stCxn id="78" idx="0"/>
+            <a:endCxn id="79" idx="4"/>
+          </p:cNvCxnSpPr>
+          <p:nvPr/>
+        </p:nvCxnSpPr>
+        <p:spPr>
+          <a:xfrm flipV="1">
+            <a:off x="9902953" y="4614225"/>
+            <a:ext cx="31593" cy="944513"/>
+          </a:xfrm>
+          <a:prstGeom prst="straightConnector1">
+            <a:avLst/>
+          </a:prstGeom>
+          <a:ln w="38100">
+            <a:tailEnd type="triangle"/>
+          </a:ln>
+        </p:spPr>
+        <p:style>
+          <a:lnRef idx="1">
+            <a:schemeClr val="accent1"/>
+          </a:lnRef>
+          <a:fillRef idx="0">
+            <a:schemeClr val="accent1"/>
+          </a:fillRef>
+          <a:effectRef idx="0">
+            <a:schemeClr val="accent1"/>
+          </a:effectRef>
+          <a:fontRef idx="minor">
+            <a:schemeClr val="tx1"/>
+          </a:fontRef>
+        </p:style>
+      </p:cxnSp>
+      <p:cxnSp>
+        <p:nvCxnSpPr>
+          <p:cNvPr id="82" name="Прямая со стрелкой 81"/>
+          <p:cNvCxnSpPr>
+            <a:stCxn id="78" idx="1"/>
+            <a:endCxn id="80" idx="5"/>
+          </p:cNvCxnSpPr>
+          <p:nvPr/>
+        </p:nvCxnSpPr>
+        <p:spPr>
+          <a:xfrm flipH="1" flipV="1">
+            <a:off x="8865654" y="4519892"/>
+            <a:ext cx="784034" cy="1133178"/>
+          </a:xfrm>
+          <a:prstGeom prst="straightConnector1">
+            <a:avLst/>
+          </a:prstGeom>
+          <a:ln w="38100">
+            <a:tailEnd type="triangle"/>
+          </a:ln>
+        </p:spPr>
+        <p:style>
+          <a:lnRef idx="1">
+            <a:schemeClr val="accent1"/>
+          </a:lnRef>
+          <a:fillRef idx="0">
+            <a:schemeClr val="accent1"/>
+          </a:fillRef>
+          <a:effectRef idx="0">
+            <a:schemeClr val="accent1"/>
+          </a:effectRef>
+          <a:fontRef idx="minor">
+            <a:schemeClr val="tx1"/>
+          </a:fontRef>
+        </p:style>
+      </p:cxnSp>
+      <p:cxnSp>
+        <p:nvCxnSpPr>
+          <p:cNvPr id="83" name="Прямая со стрелкой 82"/>
+          <p:cNvCxnSpPr>
+            <a:stCxn id="79" idx="2"/>
+            <a:endCxn id="80" idx="6"/>
+          </p:cNvCxnSpPr>
+          <p:nvPr/>
+        </p:nvCxnSpPr>
+        <p:spPr>
+          <a:xfrm flipH="1" flipV="1">
+            <a:off x="8970559" y="4292154"/>
+            <a:ext cx="605817" cy="1"/>
+          </a:xfrm>
+          <a:prstGeom prst="straightConnector1">
+            <a:avLst/>
+          </a:prstGeom>
+          <a:ln w="38100">
+            <a:solidFill>
+              <a:schemeClr val="tx1"/>
+            </a:solidFill>
+            <a:tailEnd type="triangle"/>
+          </a:ln>
+        </p:spPr>
+        <p:style>
+          <a:lnRef idx="1">
+            <a:schemeClr val="accent1"/>
+          </a:lnRef>
+          <a:fillRef idx="0">
+            <a:schemeClr val="accent1"/>
+          </a:fillRef>
+          <a:effectRef idx="0">
+            <a:schemeClr val="accent1"/>
+          </a:effectRef>
+          <a:fontRef idx="minor">
+            <a:schemeClr val="tx1"/>
+          </a:fontRef>
+        </p:style>
+      </p:cxnSp>
+      <p:sp>
+        <p:nvSpPr>
+          <p:cNvPr id="84" name="Oval 32"/>
+          <p:cNvSpPr/>
+          <p:nvPr/>
+        </p:nvSpPr>
+        <p:spPr>
+          <a:xfrm>
+            <a:off x="10995364" y="3970083"/>
+            <a:ext cx="716339" cy="644141"/>
+          </a:xfrm>
+          <a:prstGeom prst="ellipse">
+            <a:avLst/>
+          </a:prstGeom>
+        </p:spPr>
+        <p:style>
+          <a:lnRef idx="2">
+            <a:schemeClr val="accent1">
+              <a:shade val="50000"/>
+            </a:schemeClr>
+          </a:lnRef>
+          <a:fillRef idx="1">
+            <a:schemeClr val="accent1"/>
+          </a:fillRef>
+          <a:effectRef idx="0">
+            <a:schemeClr val="accent1"/>
+          </a:effectRef>
+          <a:fontRef idx="minor">
+            <a:schemeClr val="lt1"/>
+          </a:fontRef>
+        </p:style>
+        <p:txBody>
+          <a:bodyPr rtlCol="0" anchor="ctr"/>
+          <a:lstStyle/>
+          <a:p>
+            <a:pPr algn="ctr"/>
+            <a:endParaRPr lang="ru-RU" sz="3200" dirty="0"/>
+          </a:p>
+        </p:txBody>
+      </p:sp>
+      <p:cxnSp>
+        <p:nvCxnSpPr>
+          <p:cNvPr id="85" name="Прямая со стрелкой 84"/>
+          <p:cNvCxnSpPr>
+            <a:stCxn id="78" idx="7"/>
+            <a:endCxn id="84" idx="3"/>
+          </p:cNvCxnSpPr>
+          <p:nvPr/>
+        </p:nvCxnSpPr>
+        <p:spPr>
+          <a:xfrm flipV="1">
+            <a:off x="10156217" y="4519892"/>
+            <a:ext cx="944052" cy="1133178"/>
+          </a:xfrm>
+          <a:prstGeom prst="straightConnector1">
+            <a:avLst/>
+          </a:prstGeom>
+          <a:ln w="38100">
+            <a:solidFill>
+              <a:schemeClr val="tx1"/>
+            </a:solidFill>
+            <a:tailEnd type="triangle"/>
+          </a:ln>
+        </p:spPr>
+        <p:style>
+          <a:lnRef idx="1">
+            <a:schemeClr val="accent1"/>
+          </a:lnRef>
+          <a:fillRef idx="0">
+            <a:schemeClr val="accent1"/>
+          </a:fillRef>
+          <a:effectRef idx="0">
+            <a:schemeClr val="accent1"/>
+          </a:effectRef>
+          <a:fontRef idx="minor">
+            <a:schemeClr val="tx1"/>
+          </a:fontRef>
+        </p:style>
+      </p:cxnSp>
+      <p:cxnSp>
+        <p:nvCxnSpPr>
+          <p:cNvPr id="86" name="Прямая со стрелкой 85"/>
+          <p:cNvCxnSpPr>
+            <a:stCxn id="79" idx="6"/>
+            <a:endCxn id="84" idx="2"/>
+          </p:cNvCxnSpPr>
+          <p:nvPr/>
+        </p:nvCxnSpPr>
+        <p:spPr>
+          <a:xfrm flipV="1">
+            <a:off x="10292715" y="4292154"/>
+            <a:ext cx="702649" cy="1"/>
+          </a:xfrm>
+          <a:prstGeom prst="straightConnector1">
+            <a:avLst/>
+          </a:prstGeom>
+          <a:ln w="38100">
+            <a:tailEnd type="triangle"/>
+          </a:ln>
+        </p:spPr>
+        <p:style>
+          <a:lnRef idx="1">
+            <a:schemeClr val="accent1"/>
+          </a:lnRef>
+          <a:fillRef idx="0">
+            <a:schemeClr val="accent1"/>
+          </a:fillRef>
+          <a:effectRef idx="0">
+            <a:schemeClr val="accent1"/>
+          </a:effectRef>
+          <a:fontRef idx="minor">
+            <a:schemeClr val="tx1"/>
+          </a:fontRef>
+        </p:style>
+      </p:cxnSp>
+      <p:cxnSp>
+        <p:nvCxnSpPr>
+          <p:cNvPr id="87" name="Прямая со стрелкой 86"/>
+          <p:cNvCxnSpPr>
+            <a:stCxn id="84" idx="1"/>
+            <a:endCxn id="79" idx="7"/>
+          </p:cNvCxnSpPr>
+          <p:nvPr/>
+        </p:nvCxnSpPr>
+        <p:spPr>
+          <a:xfrm flipH="1">
+            <a:off x="10187810" y="4064415"/>
+            <a:ext cx="912459" cy="1"/>
+          </a:xfrm>
+          <a:prstGeom prst="straightConnector1">
+            <a:avLst/>
+          </a:prstGeom>
+          <a:ln w="38100">
+            <a:solidFill>
+              <a:srgbClr val="FF0000"/>
+            </a:solidFill>
+            <a:tailEnd type="triangle"/>
+          </a:ln>
+        </p:spPr>
+        <p:style>
+          <a:lnRef idx="1">
+            <a:schemeClr val="accent1"/>
+          </a:lnRef>
+          <a:fillRef idx="0">
+            <a:schemeClr val="accent1"/>
+          </a:fillRef>
+          <a:effectRef idx="0">
+            <a:schemeClr val="accent1"/>
+          </a:effectRef>
+          <a:fontRef idx="minor">
+            <a:schemeClr val="tx1"/>
+          </a:fontRef>
+        </p:style>
+      </p:cxnSp>
+      <p:cxnSp>
+        <p:nvCxnSpPr>
+          <p:cNvPr id="88" name="Прямая со стрелкой 87"/>
+          <p:cNvCxnSpPr>
+            <a:stCxn id="80" idx="1"/>
+          </p:cNvCxnSpPr>
+          <p:nvPr/>
+        </p:nvCxnSpPr>
+        <p:spPr>
+          <a:xfrm flipH="1" flipV="1">
+            <a:off x="3077982" y="899181"/>
+            <a:ext cx="5281143" cy="3165234"/>
+          </a:xfrm>
+          <a:prstGeom prst="straightConnector1">
+            <a:avLst/>
+          </a:prstGeom>
+          <a:ln w="38100">
+            <a:tailEnd type="triangle"/>
+          </a:ln>
+        </p:spPr>
+        <p:style>
+          <a:lnRef idx="1">
+            <a:schemeClr val="accent1"/>
+          </a:lnRef>
+          <a:fillRef idx="0">
+            <a:schemeClr val="accent1"/>
+          </a:fillRef>
+          <a:effectRef idx="0">
+            <a:schemeClr val="accent1"/>
+          </a:effectRef>
+          <a:fontRef idx="minor">
+            <a:schemeClr val="tx1"/>
+          </a:fontRef>
+        </p:style>
+      </p:cxnSp>
+      <p:cxnSp>
+        <p:nvCxnSpPr>
+          <p:cNvPr id="91" name="Прямая со стрелкой 90"/>
+          <p:cNvCxnSpPr>
+            <a:stCxn id="84" idx="0"/>
+          </p:cNvCxnSpPr>
+          <p:nvPr/>
+        </p:nvCxnSpPr>
+        <p:spPr>
+          <a:xfrm flipH="1" flipV="1">
+            <a:off x="9940163" y="1032587"/>
+            <a:ext cx="1413371" cy="2937496"/>
+          </a:xfrm>
+          <a:prstGeom prst="straightConnector1">
+            <a:avLst/>
+          </a:prstGeom>
+          <a:ln w="38100">
+            <a:tailEnd type="triangle"/>
+          </a:ln>
+        </p:spPr>
+        <p:style>
+          <a:lnRef idx="1">
+            <a:schemeClr val="accent1"/>
+          </a:lnRef>
+          <a:fillRef idx="0">
+            <a:schemeClr val="accent1"/>
+          </a:fillRef>
+          <a:effectRef idx="0">
+            <a:schemeClr val="accent1"/>
+          </a:effectRef>
+          <a:fontRef idx="minor">
+            <a:schemeClr val="tx1"/>
+          </a:fontRef>
+        </p:style>
+      </p:cxnSp>
+      <p:cxnSp>
+        <p:nvCxnSpPr>
+          <p:cNvPr id="94" name="Прямая со стрелкой 93"/>
+          <p:cNvCxnSpPr>
+            <a:stCxn id="2" idx="6"/>
+            <a:endCxn id="79" idx="3"/>
+          </p:cNvCxnSpPr>
+          <p:nvPr/>
+        </p:nvCxnSpPr>
+        <p:spPr>
+          <a:xfrm flipV="1">
+            <a:off x="2194831" y="4519893"/>
+            <a:ext cx="7486450" cy="1119790"/>
+          </a:xfrm>
+          <a:prstGeom prst="straightConnector1">
+            <a:avLst/>
+          </a:prstGeom>
+          <a:ln w="38100">
+            <a:tailEnd type="triangle"/>
+          </a:ln>
+        </p:spPr>
+        <p:style>
+          <a:lnRef idx="1">
+            <a:schemeClr val="accent1"/>
+          </a:lnRef>
+          <a:fillRef idx="0">
+            <a:schemeClr val="accent1"/>
+          </a:fillRef>
+          <a:effectRef idx="0">
+            <a:schemeClr val="accent1"/>
+          </a:effectRef>
+          <a:fontRef idx="minor">
+            <a:schemeClr val="tx1"/>
+          </a:fontRef>
+        </p:style>
+      </p:cxnSp>
+      <p:cxnSp>
+        <p:nvCxnSpPr>
+          <p:cNvPr id="99" name="Прямая со стрелкой 98"/>
+          <p:cNvCxnSpPr>
+            <a:stCxn id="3" idx="6"/>
+            <a:endCxn id="79" idx="3"/>
+          </p:cNvCxnSpPr>
+          <p:nvPr/>
+        </p:nvCxnSpPr>
+        <p:spPr>
+          <a:xfrm flipV="1">
+            <a:off x="6051654" y="4519893"/>
+            <a:ext cx="3629627" cy="1347529"/>
+          </a:xfrm>
+          <a:prstGeom prst="straightConnector1">
+            <a:avLst/>
+          </a:prstGeom>
+          <a:ln w="38100">
+            <a:tailEnd type="triangle"/>
+          </a:ln>
+        </p:spPr>
+        <p:style>
+          <a:lnRef idx="1">
+            <a:schemeClr val="accent1"/>
+          </a:lnRef>
+          <a:fillRef idx="0">
+            <a:schemeClr val="accent1"/>
+          </a:fillRef>
+          <a:effectRef idx="0">
+            <a:schemeClr val="accent1"/>
+          </a:effectRef>
+          <a:fontRef idx="minor">
+            <a:schemeClr val="tx1"/>
+          </a:fontRef>
+        </p:style>
+      </p:cxnSp>
+      <p:cxnSp>
+        <p:nvCxnSpPr>
+          <p:cNvPr id="102" name="Прямая со стрелкой 101"/>
+          <p:cNvCxnSpPr>
+            <a:endCxn id="84" idx="3"/>
+          </p:cNvCxnSpPr>
+          <p:nvPr/>
+        </p:nvCxnSpPr>
+        <p:spPr>
+          <a:xfrm flipV="1">
+            <a:off x="2012726" y="4519892"/>
+            <a:ext cx="9087543" cy="1133178"/>
+          </a:xfrm>
+          <a:prstGeom prst="straightConnector1">
+            <a:avLst/>
+          </a:prstGeom>
+          <a:ln w="38100">
+            <a:solidFill>
+              <a:schemeClr val="tx1"/>
+            </a:solidFill>
+            <a:tailEnd type="triangle"/>
+          </a:ln>
+        </p:spPr>
+        <p:style>
+          <a:lnRef idx="1">
+            <a:schemeClr val="accent1"/>
+          </a:lnRef>
+          <a:fillRef idx="0">
+            <a:schemeClr val="accent1"/>
+          </a:fillRef>
+          <a:effectRef idx="0">
+            <a:schemeClr val="accent1"/>
+          </a:effectRef>
+          <a:fontRef idx="minor">
+            <a:schemeClr val="tx1"/>
+          </a:fontRef>
+        </p:style>
+      </p:cxnSp>
+      <p:cxnSp>
+        <p:nvCxnSpPr>
+          <p:cNvPr id="105" name="Прямая со стрелкой 104"/>
+          <p:cNvCxnSpPr>
+            <a:stCxn id="3" idx="6"/>
+            <a:endCxn id="84" idx="3"/>
+          </p:cNvCxnSpPr>
+          <p:nvPr/>
+        </p:nvCxnSpPr>
+        <p:spPr>
+          <a:xfrm flipV="1">
+            <a:off x="6051654" y="4519892"/>
+            <a:ext cx="5048615" cy="1347530"/>
+          </a:xfrm>
+          <a:prstGeom prst="straightConnector1">
+            <a:avLst/>
+          </a:prstGeom>
+          <a:ln w="38100">
+            <a:solidFill>
+              <a:schemeClr val="tx1"/>
+            </a:solidFill>
+            <a:tailEnd type="triangle"/>
+          </a:ln>
+        </p:spPr>
+        <p:style>
+          <a:lnRef idx="1">
+            <a:schemeClr val="accent1"/>
+          </a:lnRef>
+          <a:fillRef idx="0">
+            <a:schemeClr val="accent1"/>
+          </a:fillRef>
+          <a:effectRef idx="0">
+            <a:schemeClr val="accent1"/>
+          </a:effectRef>
+          <a:fontRef idx="minor">
+            <a:schemeClr val="tx1"/>
+          </a:fontRef>
+        </p:style>
+      </p:cxnSp>
+      <p:sp>
+        <p:nvSpPr>
+          <p:cNvPr id="4" name="TextBox 3"/>
+          <p:cNvSpPr txBox="1"/>
+          <p:nvPr/>
+        </p:nvSpPr>
+        <p:spPr>
+          <a:xfrm>
+            <a:off x="1583397" y="406400"/>
+            <a:ext cx="1314437" cy="369332"/>
+          </a:xfrm>
+          <a:prstGeom prst="rect">
+            <a:avLst/>
+          </a:prstGeom>
+          <a:noFill/>
+        </p:spPr>
+        <p:txBody>
+          <a:bodyPr wrap="square" rtlCol="0">
+            <a:spAutoFit/>
+          </a:bodyPr>
+          <a:lstStyle/>
+          <a:p>
+            <a:r>
+              <a:rPr lang="en-US" dirty="0" smtClean="0"/>
+              <a:t>REWARDS</a:t>
+            </a:r>
+            <a:endParaRPr lang="ru-RU" dirty="0"/>
+          </a:p>
+        </p:txBody>
+      </p:sp>
+      <p:sp>
+        <p:nvSpPr>
+          <p:cNvPr id="47" name="TextBox 46"/>
+          <p:cNvSpPr txBox="1"/>
+          <p:nvPr/>
+        </p:nvSpPr>
+        <p:spPr>
+          <a:xfrm>
+            <a:off x="9277326" y="345279"/>
+            <a:ext cx="1822943" cy="369332"/>
+          </a:xfrm>
+          <a:prstGeom prst="rect">
+            <a:avLst/>
+          </a:prstGeom>
+          <a:noFill/>
+        </p:spPr>
+        <p:txBody>
+          <a:bodyPr wrap="square" rtlCol="0">
+            <a:spAutoFit/>
+          </a:bodyPr>
+          <a:lstStyle/>
+          <a:p>
+            <a:r>
+              <a:rPr lang="en-US" dirty="0" smtClean="0"/>
+              <a:t>PUNISHMENTS</a:t>
+            </a:r>
+            <a:endParaRPr lang="ru-RU" dirty="0"/>
+          </a:p>
+        </p:txBody>
+      </p:sp>
+      <p:sp>
+        <p:nvSpPr>
+          <p:cNvPr id="7" name="TextBox 6"/>
+          <p:cNvSpPr txBox="1"/>
+          <p:nvPr/>
+        </p:nvSpPr>
+        <p:spPr>
+          <a:xfrm>
+            <a:off x="1722805" y="6318585"/>
+            <a:ext cx="8905438" cy="369332"/>
+          </a:xfrm>
+          <a:prstGeom prst="rect">
+            <a:avLst/>
+          </a:prstGeom>
+          <a:noFill/>
+        </p:spPr>
+        <p:txBody>
+          <a:bodyPr wrap="square" rtlCol="0">
+            <a:spAutoFit/>
+          </a:bodyPr>
+          <a:lstStyle/>
+          <a:p>
+            <a:r>
+              <a:rPr lang="en-US" dirty="0" smtClean="0"/>
+              <a:t>Inputs indicating being in a state (only the highest level node activity is taken into account. </a:t>
+            </a:r>
+            <a:endParaRPr lang="ru-RU" dirty="0"/>
+          </a:p>
+        </p:txBody>
+      </p:sp>
+      <p:sp>
+        <p:nvSpPr>
+          <p:cNvPr id="9" name="TextBox 8"/>
+          <p:cNvSpPr txBox="1"/>
+          <p:nvPr/>
+        </p:nvSpPr>
+        <p:spPr>
+          <a:xfrm>
+            <a:off x="5063999" y="591066"/>
+            <a:ext cx="2682125" cy="923330"/>
+          </a:xfrm>
+          <a:prstGeom prst="rect">
+            <a:avLst/>
+          </a:prstGeom>
+          <a:noFill/>
+        </p:spPr>
+        <p:txBody>
+          <a:bodyPr wrap="square" rtlCol="0">
+            <a:spAutoFit/>
+          </a:bodyPr>
+          <a:lstStyle/>
+          <a:p>
+            <a:r>
+              <a:rPr lang="en-US" dirty="0" smtClean="0"/>
+              <a:t>MEM also can serve as output as normalized indicator of current state.</a:t>
+            </a:r>
+            <a:endParaRPr lang="ru-RU" dirty="0"/>
+          </a:p>
+        </p:txBody>
+      </p:sp>
+      <p:sp>
+        <p:nvSpPr>
+          <p:cNvPr id="11" name="TextBox 10"/>
+          <p:cNvSpPr txBox="1"/>
+          <p:nvPr/>
+        </p:nvSpPr>
+        <p:spPr>
+          <a:xfrm>
+            <a:off x="69122" y="4717149"/>
+            <a:ext cx="1018739" cy="369332"/>
+          </a:xfrm>
+          <a:prstGeom prst="rect">
+            <a:avLst/>
+          </a:prstGeom>
+          <a:noFill/>
+        </p:spPr>
+        <p:txBody>
+          <a:bodyPr wrap="square" rtlCol="0">
+            <a:spAutoFit/>
+          </a:bodyPr>
+          <a:lstStyle/>
+          <a:p>
+            <a:r>
+              <a:rPr lang="en-US" dirty="0" smtClean="0"/>
+              <a:t>SECREW</a:t>
+            </a:r>
+            <a:endParaRPr lang="en-US" dirty="0"/>
+          </a:p>
+        </p:txBody>
+      </p:sp>
+      <p:sp>
+        <p:nvSpPr>
+          <p:cNvPr id="56" name="TextBox 55"/>
+          <p:cNvSpPr txBox="1"/>
+          <p:nvPr/>
+        </p:nvSpPr>
+        <p:spPr>
+          <a:xfrm>
+            <a:off x="2595434" y="3546258"/>
+            <a:ext cx="1018739" cy="369332"/>
+          </a:xfrm>
+          <a:prstGeom prst="rect">
+            <a:avLst/>
+          </a:prstGeom>
+          <a:noFill/>
+        </p:spPr>
+        <p:txBody>
+          <a:bodyPr wrap="square" rtlCol="0">
+            <a:spAutoFit/>
+          </a:bodyPr>
+          <a:lstStyle/>
+          <a:p>
+            <a:r>
+              <a:rPr lang="en-US" dirty="0" smtClean="0"/>
+              <a:t>SECPUN</a:t>
+            </a:r>
+            <a:endParaRPr lang="en-US" dirty="0"/>
+          </a:p>
+        </p:txBody>
+      </p:sp>
+    </p:spTree>
+    <p:extLst>
+      <p:ext uri="{BB962C8B-B14F-4D97-AF65-F5344CB8AC3E}">
+        <p14:creationId xmlns:p14="http://schemas.microsoft.com/office/powerpoint/2010/main" val="2123877110"/>
       </p:ext>
     </p:extLst>
   </p:cSld>
@@ -8767,7 +14736,7 @@
   <a:extraClrSchemeLst/>
   <a:extLst>
     <a:ext uri="{05A4C25C-085E-4340-85A3-A5531E510DB2}">
-      <thm15:themeFamily xmlns:thm15="http://schemas.microsoft.com/office/thememl/2012/main" name="Office Theme" id="{62F939B6-93AF-4DB8-9C6B-D6C7DFDC589F}" vid="{4A3C46E8-61CC-4603-A589-7422A47A8E4A}"/>
+      <thm15:themeFamily xmlns:thm15="http://schemas.microsoft.com/office/thememl/2012/main" xmlns="" name="Office Theme" id="{62F939B6-93AF-4DB8-9C6B-D6C7DFDC589F}" vid="{4A3C46E8-61CC-4603-A589-7422A47A8E4A}"/>
     </a:ext>
   </a:extLst>
 </a:theme>

--- a/dy.pptx
+++ b/dy.pptx
@@ -8,7 +8,8 @@
     <p:sldId id="256" r:id="rId2"/>
     <p:sldId id="257" r:id="rId3"/>
     <p:sldId id="258" r:id="rId4"/>
-    <p:sldId id="259" r:id="rId5"/>
+    <p:sldId id="260" r:id="rId5"/>
+    <p:sldId id="259" r:id="rId6"/>
   </p:sldIdLst>
   <p:sldSz cx="12192000" cy="6858000"/>
   <p:notesSz cx="6858000" cy="9144000"/>
@@ -109,7 +110,7 @@
   </p:defaultTextStyle>
   <p:extLst>
     <p:ext uri="{EFAFB233-063F-42B5-8137-9DF3F51BA10A}">
-      <p15:sldGuideLst xmlns:p15="http://schemas.microsoft.com/office/powerpoint/2012/main" xmlns=""/>
+      <p15:sldGuideLst xmlns="" xmlns:p15="http://schemas.microsoft.com/office/powerpoint/2012/main"/>
     </p:ext>
   </p:extLst>
 </p:presentation>
@@ -246,7 +247,7 @@
           <a:p>
             <a:fld id="{3A4BDD1D-B22B-4ED6-A560-FD2CA5D857D7}" type="datetimeFigureOut">
               <a:rPr lang="ru-RU" smtClean="0"/>
-              <a:t>10.11.2023</a:t>
+              <a:t>19.02.2024</a:t>
             </a:fld>
             <a:endParaRPr lang="ru-RU"/>
           </a:p>
@@ -416,7 +417,7 @@
           <a:p>
             <a:fld id="{3A4BDD1D-B22B-4ED6-A560-FD2CA5D857D7}" type="datetimeFigureOut">
               <a:rPr lang="ru-RU" smtClean="0"/>
-              <a:t>10.11.2023</a:t>
+              <a:t>19.02.2024</a:t>
             </a:fld>
             <a:endParaRPr lang="ru-RU"/>
           </a:p>
@@ -596,7 +597,7 @@
           <a:p>
             <a:fld id="{3A4BDD1D-B22B-4ED6-A560-FD2CA5D857D7}" type="datetimeFigureOut">
               <a:rPr lang="ru-RU" smtClean="0"/>
-              <a:t>10.11.2023</a:t>
+              <a:t>19.02.2024</a:t>
             </a:fld>
             <a:endParaRPr lang="ru-RU"/>
           </a:p>
@@ -766,7 +767,7 @@
           <a:p>
             <a:fld id="{3A4BDD1D-B22B-4ED6-A560-FD2CA5D857D7}" type="datetimeFigureOut">
               <a:rPr lang="ru-RU" smtClean="0"/>
-              <a:t>10.11.2023</a:t>
+              <a:t>19.02.2024</a:t>
             </a:fld>
             <a:endParaRPr lang="ru-RU"/>
           </a:p>
@@ -1012,7 +1013,7 @@
           <a:p>
             <a:fld id="{3A4BDD1D-B22B-4ED6-A560-FD2CA5D857D7}" type="datetimeFigureOut">
               <a:rPr lang="ru-RU" smtClean="0"/>
-              <a:t>10.11.2023</a:t>
+              <a:t>19.02.2024</a:t>
             </a:fld>
             <a:endParaRPr lang="ru-RU"/>
           </a:p>
@@ -1244,7 +1245,7 @@
           <a:p>
             <a:fld id="{3A4BDD1D-B22B-4ED6-A560-FD2CA5D857D7}" type="datetimeFigureOut">
               <a:rPr lang="ru-RU" smtClean="0"/>
-              <a:t>10.11.2023</a:t>
+              <a:t>19.02.2024</a:t>
             </a:fld>
             <a:endParaRPr lang="ru-RU"/>
           </a:p>
@@ -1611,7 +1612,7 @@
           <a:p>
             <a:fld id="{3A4BDD1D-B22B-4ED6-A560-FD2CA5D857D7}" type="datetimeFigureOut">
               <a:rPr lang="ru-RU" smtClean="0"/>
-              <a:t>10.11.2023</a:t>
+              <a:t>19.02.2024</a:t>
             </a:fld>
             <a:endParaRPr lang="ru-RU"/>
           </a:p>
@@ -1729,7 +1730,7 @@
           <a:p>
             <a:fld id="{3A4BDD1D-B22B-4ED6-A560-FD2CA5D857D7}" type="datetimeFigureOut">
               <a:rPr lang="ru-RU" smtClean="0"/>
-              <a:t>10.11.2023</a:t>
+              <a:t>19.02.2024</a:t>
             </a:fld>
             <a:endParaRPr lang="ru-RU"/>
           </a:p>
@@ -1824,7 +1825,7 @@
           <a:p>
             <a:fld id="{3A4BDD1D-B22B-4ED6-A560-FD2CA5D857D7}" type="datetimeFigureOut">
               <a:rPr lang="ru-RU" smtClean="0"/>
-              <a:t>10.11.2023</a:t>
+              <a:t>19.02.2024</a:t>
             </a:fld>
             <a:endParaRPr lang="ru-RU"/>
           </a:p>
@@ -2101,7 +2102,7 @@
           <a:p>
             <a:fld id="{3A4BDD1D-B22B-4ED6-A560-FD2CA5D857D7}" type="datetimeFigureOut">
               <a:rPr lang="ru-RU" smtClean="0"/>
-              <a:t>10.11.2023</a:t>
+              <a:t>19.02.2024</a:t>
             </a:fld>
             <a:endParaRPr lang="ru-RU"/>
           </a:p>
@@ -2354,7 +2355,7 @@
           <a:p>
             <a:fld id="{3A4BDD1D-B22B-4ED6-A560-FD2CA5D857D7}" type="datetimeFigureOut">
               <a:rPr lang="ru-RU" smtClean="0"/>
-              <a:t>10.11.2023</a:t>
+              <a:t>19.02.2024</a:t>
             </a:fld>
             <a:endParaRPr lang="ru-RU"/>
           </a:p>
@@ -2567,7 +2568,7 @@
           <a:p>
             <a:fld id="{3A4BDD1D-B22B-4ED6-A560-FD2CA5D857D7}" type="datetimeFigureOut">
               <a:rPr lang="ru-RU" smtClean="0"/>
-              <a:t>10.11.2023</a:t>
+              <a:t>19.02.2024</a:t>
             </a:fld>
             <a:endParaRPr lang="ru-RU"/>
           </a:p>
@@ -7416,6 +7417,13 @@
   <p:clrMapOvr>
     <a:masterClrMapping/>
   </p:clrMapOvr>
+  <p:timing>
+    <p:tnLst>
+      <p:par>
+        <p:cTn id="1" dur="indefinite" restart="never" nodeType="tmRoot"/>
+      </p:par>
+    </p:tnLst>
+  </p:timing>
 </p:sld>
 </file>
 
@@ -8972,6 +8980,13 @@
   <p:clrMapOvr>
     <a:masterClrMapping/>
   </p:clrMapOvr>
+  <p:timing>
+    <p:tnLst>
+      <p:par>
+        <p:cTn id="1" dur="indefinite" restart="never" nodeType="tmRoot"/>
+      </p:par>
+    </p:tnLst>
+  </p:timing>
 </p:sld>
 </file>
 
@@ -12671,6 +12686,4463 @@
       </p:grpSpPr>
       <p:sp>
         <p:nvSpPr>
+          <p:cNvPr id="4" name="Rectangle 3"/>
+          <p:cNvSpPr/>
+          <p:nvPr/>
+        </p:nvSpPr>
+        <p:spPr>
+          <a:xfrm>
+            <a:off x="612475" y="5779698"/>
+            <a:ext cx="10981427" cy="560717"/>
+          </a:xfrm>
+          <a:prstGeom prst="rect">
+            <a:avLst/>
+          </a:prstGeom>
+        </p:spPr>
+        <p:style>
+          <a:lnRef idx="2">
+            <a:schemeClr val="accent1">
+              <a:shade val="50000"/>
+            </a:schemeClr>
+          </a:lnRef>
+          <a:fillRef idx="1">
+            <a:schemeClr val="accent1"/>
+          </a:fillRef>
+          <a:effectRef idx="0">
+            <a:schemeClr val="accent1"/>
+          </a:effectRef>
+          <a:fontRef idx="minor">
+            <a:schemeClr val="lt1"/>
+          </a:fontRef>
+        </p:style>
+        <p:txBody>
+          <a:bodyPr rtlCol="0" anchor="ctr"/>
+          <a:lstStyle/>
+          <a:p>
+            <a:pPr algn="ctr"/>
+            <a:r>
+              <a:rPr lang="en-US" dirty="0" smtClean="0"/>
+              <a:t>input</a:t>
+            </a:r>
+            <a:endParaRPr lang="ru-RU" dirty="0"/>
+          </a:p>
+        </p:txBody>
+      </p:sp>
+      <p:cxnSp>
+        <p:nvCxnSpPr>
+          <p:cNvPr id="9" name="Straight Connector 8"/>
+          <p:cNvCxnSpPr>
+            <a:endCxn id="77" idx="2"/>
+          </p:cNvCxnSpPr>
+          <p:nvPr/>
+        </p:nvCxnSpPr>
+        <p:spPr>
+          <a:xfrm flipH="1" flipV="1">
+            <a:off x="318201" y="4392824"/>
+            <a:ext cx="294274" cy="1386876"/>
+          </a:xfrm>
+          <a:prstGeom prst="line">
+            <a:avLst/>
+          </a:prstGeom>
+        </p:spPr>
+        <p:style>
+          <a:lnRef idx="1">
+            <a:schemeClr val="accent1"/>
+          </a:lnRef>
+          <a:fillRef idx="0">
+            <a:schemeClr val="accent1"/>
+          </a:fillRef>
+          <a:effectRef idx="0">
+            <a:schemeClr val="accent1"/>
+          </a:effectRef>
+          <a:fontRef idx="minor">
+            <a:schemeClr val="tx1"/>
+          </a:fontRef>
+        </p:style>
+      </p:cxnSp>
+      <p:cxnSp>
+        <p:nvCxnSpPr>
+          <p:cNvPr id="11" name="Straight Connector 10"/>
+          <p:cNvCxnSpPr>
+            <a:endCxn id="77" idx="6"/>
+          </p:cNvCxnSpPr>
+          <p:nvPr/>
+        </p:nvCxnSpPr>
+        <p:spPr>
+          <a:xfrm flipH="1" flipV="1">
+            <a:off x="1034540" y="4392824"/>
+            <a:ext cx="10559364" cy="1386876"/>
+          </a:xfrm>
+          <a:prstGeom prst="line">
+            <a:avLst/>
+          </a:prstGeom>
+        </p:spPr>
+        <p:style>
+          <a:lnRef idx="1">
+            <a:schemeClr val="accent1"/>
+          </a:lnRef>
+          <a:fillRef idx="0">
+            <a:schemeClr val="accent1"/>
+          </a:fillRef>
+          <a:effectRef idx="0">
+            <a:schemeClr val="accent1"/>
+          </a:effectRef>
+          <a:fontRef idx="minor">
+            <a:schemeClr val="tx1"/>
+          </a:fontRef>
+        </p:style>
+      </p:cxnSp>
+      <p:cxnSp>
+        <p:nvCxnSpPr>
+          <p:cNvPr id="13" name="Straight Connector 12"/>
+          <p:cNvCxnSpPr>
+            <a:endCxn id="79" idx="2"/>
+          </p:cNvCxnSpPr>
+          <p:nvPr/>
+        </p:nvCxnSpPr>
+        <p:spPr>
+          <a:xfrm flipV="1">
+            <a:off x="612474" y="4463204"/>
+            <a:ext cx="1104999" cy="1316496"/>
+          </a:xfrm>
+          <a:prstGeom prst="line">
+            <a:avLst/>
+          </a:prstGeom>
+        </p:spPr>
+        <p:style>
+          <a:lnRef idx="1">
+            <a:schemeClr val="accent1"/>
+          </a:lnRef>
+          <a:fillRef idx="0">
+            <a:schemeClr val="accent1"/>
+          </a:fillRef>
+          <a:effectRef idx="0">
+            <a:schemeClr val="accent1"/>
+          </a:effectRef>
+          <a:fontRef idx="minor">
+            <a:schemeClr val="tx1"/>
+          </a:fontRef>
+        </p:style>
+      </p:cxnSp>
+      <p:cxnSp>
+        <p:nvCxnSpPr>
+          <p:cNvPr id="15" name="Straight Connector 14"/>
+          <p:cNvCxnSpPr>
+            <a:endCxn id="79" idx="6"/>
+          </p:cNvCxnSpPr>
+          <p:nvPr/>
+        </p:nvCxnSpPr>
+        <p:spPr>
+          <a:xfrm flipH="1" flipV="1">
+            <a:off x="2433812" y="4463204"/>
+            <a:ext cx="9160093" cy="1316496"/>
+          </a:xfrm>
+          <a:prstGeom prst="line">
+            <a:avLst/>
+          </a:prstGeom>
+        </p:spPr>
+        <p:style>
+          <a:lnRef idx="1">
+            <a:schemeClr val="accent1"/>
+          </a:lnRef>
+          <a:fillRef idx="0">
+            <a:schemeClr val="accent1"/>
+          </a:fillRef>
+          <a:effectRef idx="0">
+            <a:schemeClr val="accent1"/>
+          </a:effectRef>
+          <a:fontRef idx="minor">
+            <a:schemeClr val="tx1"/>
+          </a:fontRef>
+        </p:style>
+      </p:cxnSp>
+      <p:cxnSp>
+        <p:nvCxnSpPr>
+          <p:cNvPr id="17" name="Straight Connector 16"/>
+          <p:cNvCxnSpPr>
+            <a:endCxn id="80" idx="2"/>
+          </p:cNvCxnSpPr>
+          <p:nvPr/>
+        </p:nvCxnSpPr>
+        <p:spPr>
+          <a:xfrm flipV="1">
+            <a:off x="612475" y="4357927"/>
+            <a:ext cx="2950444" cy="1421772"/>
+          </a:xfrm>
+          <a:prstGeom prst="line">
+            <a:avLst/>
+          </a:prstGeom>
+        </p:spPr>
+        <p:style>
+          <a:lnRef idx="1">
+            <a:schemeClr val="accent1"/>
+          </a:lnRef>
+          <a:fillRef idx="0">
+            <a:schemeClr val="accent1"/>
+          </a:fillRef>
+          <a:effectRef idx="0">
+            <a:schemeClr val="accent1"/>
+          </a:effectRef>
+          <a:fontRef idx="minor">
+            <a:schemeClr val="tx1"/>
+          </a:fontRef>
+        </p:style>
+      </p:cxnSp>
+      <p:cxnSp>
+        <p:nvCxnSpPr>
+          <p:cNvPr id="19" name="Straight Connector 18"/>
+          <p:cNvCxnSpPr>
+            <a:endCxn id="80" idx="6"/>
+          </p:cNvCxnSpPr>
+          <p:nvPr/>
+        </p:nvCxnSpPr>
+        <p:spPr>
+          <a:xfrm flipH="1" flipV="1">
+            <a:off x="4279258" y="4357927"/>
+            <a:ext cx="7314645" cy="1421774"/>
+          </a:xfrm>
+          <a:prstGeom prst="line">
+            <a:avLst/>
+          </a:prstGeom>
+        </p:spPr>
+        <p:style>
+          <a:lnRef idx="1">
+            <a:schemeClr val="accent1"/>
+          </a:lnRef>
+          <a:fillRef idx="0">
+            <a:schemeClr val="accent1"/>
+          </a:fillRef>
+          <a:effectRef idx="0">
+            <a:schemeClr val="accent1"/>
+          </a:effectRef>
+          <a:fontRef idx="minor">
+            <a:schemeClr val="tx1"/>
+          </a:fontRef>
+        </p:style>
+      </p:cxnSp>
+      <p:sp>
+        <p:nvSpPr>
+          <p:cNvPr id="77" name="Oval 32"/>
+          <p:cNvSpPr/>
+          <p:nvPr/>
+        </p:nvSpPr>
+        <p:spPr>
+          <a:xfrm>
+            <a:off x="318201" y="4070753"/>
+            <a:ext cx="716339" cy="644141"/>
+          </a:xfrm>
+          <a:prstGeom prst="ellipse">
+            <a:avLst/>
+          </a:prstGeom>
+        </p:spPr>
+        <p:style>
+          <a:lnRef idx="2">
+            <a:schemeClr val="accent1">
+              <a:shade val="50000"/>
+            </a:schemeClr>
+          </a:lnRef>
+          <a:fillRef idx="1">
+            <a:schemeClr val="accent1"/>
+          </a:fillRef>
+          <a:effectRef idx="0">
+            <a:schemeClr val="accent1"/>
+          </a:effectRef>
+          <a:fontRef idx="minor">
+            <a:schemeClr val="lt1"/>
+          </a:fontRef>
+        </p:style>
+        <p:txBody>
+          <a:bodyPr rtlCol="0" anchor="ctr"/>
+          <a:lstStyle/>
+          <a:p>
+            <a:pPr algn="ctr"/>
+            <a:r>
+              <a:rPr lang="en-US" sz="3600" dirty="0"/>
+              <a:t>L</a:t>
+            </a:r>
+            <a:endParaRPr lang="ru-RU" sz="3600" dirty="0"/>
+          </a:p>
+        </p:txBody>
+      </p:sp>
+      <p:sp>
+        <p:nvSpPr>
+          <p:cNvPr id="78" name="TextBox 77"/>
+          <p:cNvSpPr txBox="1"/>
+          <p:nvPr/>
+        </p:nvSpPr>
+        <p:spPr>
+          <a:xfrm>
+            <a:off x="5671127" y="4802770"/>
+            <a:ext cx="3232177" cy="830997"/>
+          </a:xfrm>
+          <a:prstGeom prst="rect">
+            <a:avLst/>
+          </a:prstGeom>
+          <a:noFill/>
+        </p:spPr>
+        <p:txBody>
+          <a:bodyPr wrap="square" rtlCol="0">
+            <a:spAutoFit/>
+          </a:bodyPr>
+          <a:lstStyle/>
+          <a:p>
+            <a:r>
+              <a:rPr lang="en-US" sz="1600" dirty="0" smtClean="0"/>
+              <a:t>Possibly fully connected, with small (or negative) random initial resources and random delays.</a:t>
+            </a:r>
+            <a:endParaRPr lang="ru-RU" sz="1600" dirty="0"/>
+          </a:p>
+        </p:txBody>
+      </p:sp>
+      <p:sp>
+        <p:nvSpPr>
+          <p:cNvPr id="79" name="Oval 32"/>
+          <p:cNvSpPr/>
+          <p:nvPr/>
+        </p:nvSpPr>
+        <p:spPr>
+          <a:xfrm>
+            <a:off x="1717473" y="4141133"/>
+            <a:ext cx="716339" cy="644141"/>
+          </a:xfrm>
+          <a:prstGeom prst="ellipse">
+            <a:avLst/>
+          </a:prstGeom>
+        </p:spPr>
+        <p:style>
+          <a:lnRef idx="2">
+            <a:schemeClr val="accent1">
+              <a:shade val="50000"/>
+            </a:schemeClr>
+          </a:lnRef>
+          <a:fillRef idx="1">
+            <a:schemeClr val="accent1"/>
+          </a:fillRef>
+          <a:effectRef idx="0">
+            <a:schemeClr val="accent1"/>
+          </a:effectRef>
+          <a:fontRef idx="minor">
+            <a:schemeClr val="lt1"/>
+          </a:fontRef>
+        </p:style>
+        <p:txBody>
+          <a:bodyPr rtlCol="0" anchor="ctr"/>
+          <a:lstStyle/>
+          <a:p>
+            <a:pPr algn="ctr"/>
+            <a:r>
+              <a:rPr lang="en-US" sz="3600" dirty="0"/>
+              <a:t>L</a:t>
+            </a:r>
+            <a:endParaRPr lang="ru-RU" sz="3600" dirty="0"/>
+          </a:p>
+        </p:txBody>
+      </p:sp>
+      <p:sp>
+        <p:nvSpPr>
+          <p:cNvPr id="80" name="Oval 32"/>
+          <p:cNvSpPr/>
+          <p:nvPr/>
+        </p:nvSpPr>
+        <p:spPr>
+          <a:xfrm>
+            <a:off x="3562919" y="4035856"/>
+            <a:ext cx="716339" cy="644141"/>
+          </a:xfrm>
+          <a:prstGeom prst="ellipse">
+            <a:avLst/>
+          </a:prstGeom>
+        </p:spPr>
+        <p:style>
+          <a:lnRef idx="2">
+            <a:schemeClr val="accent1">
+              <a:shade val="50000"/>
+            </a:schemeClr>
+          </a:lnRef>
+          <a:fillRef idx="1">
+            <a:schemeClr val="accent1"/>
+          </a:fillRef>
+          <a:effectRef idx="0">
+            <a:schemeClr val="accent1"/>
+          </a:effectRef>
+          <a:fontRef idx="minor">
+            <a:schemeClr val="lt1"/>
+          </a:fontRef>
+        </p:style>
+        <p:txBody>
+          <a:bodyPr rtlCol="0" anchor="ctr"/>
+          <a:lstStyle/>
+          <a:p>
+            <a:pPr algn="ctr"/>
+            <a:r>
+              <a:rPr lang="en-US" sz="3600" dirty="0"/>
+              <a:t>L</a:t>
+            </a:r>
+            <a:endParaRPr lang="ru-RU" sz="3600" dirty="0"/>
+          </a:p>
+        </p:txBody>
+      </p:sp>
+      <p:sp>
+        <p:nvSpPr>
+          <p:cNvPr id="81" name="Oval 32"/>
+          <p:cNvSpPr/>
+          <p:nvPr/>
+        </p:nvSpPr>
+        <p:spPr>
+          <a:xfrm>
+            <a:off x="251722" y="2734822"/>
+            <a:ext cx="716339" cy="644141"/>
+          </a:xfrm>
+          <a:prstGeom prst="ellipse">
+            <a:avLst/>
+          </a:prstGeom>
+        </p:spPr>
+        <p:style>
+          <a:lnRef idx="2">
+            <a:schemeClr val="accent1">
+              <a:shade val="50000"/>
+            </a:schemeClr>
+          </a:lnRef>
+          <a:fillRef idx="1">
+            <a:schemeClr val="accent1"/>
+          </a:fillRef>
+          <a:effectRef idx="0">
+            <a:schemeClr val="accent1"/>
+          </a:effectRef>
+          <a:fontRef idx="minor">
+            <a:schemeClr val="lt1"/>
+          </a:fontRef>
+        </p:style>
+        <p:txBody>
+          <a:bodyPr rtlCol="0" anchor="ctr"/>
+          <a:lstStyle/>
+          <a:p>
+            <a:pPr algn="ctr"/>
+            <a:r>
+              <a:rPr lang="en-US" sz="1200" dirty="0" smtClean="0"/>
+              <a:t>WTA</a:t>
+            </a:r>
+            <a:endParaRPr lang="ru-RU" sz="1200" dirty="0"/>
+          </a:p>
+        </p:txBody>
+      </p:sp>
+      <p:sp>
+        <p:nvSpPr>
+          <p:cNvPr id="82" name="Oval 32"/>
+          <p:cNvSpPr/>
+          <p:nvPr/>
+        </p:nvSpPr>
+        <p:spPr>
+          <a:xfrm>
+            <a:off x="1922423" y="2747379"/>
+            <a:ext cx="716339" cy="644141"/>
+          </a:xfrm>
+          <a:prstGeom prst="ellipse">
+            <a:avLst/>
+          </a:prstGeom>
+        </p:spPr>
+        <p:style>
+          <a:lnRef idx="2">
+            <a:schemeClr val="accent1">
+              <a:shade val="50000"/>
+            </a:schemeClr>
+          </a:lnRef>
+          <a:fillRef idx="1">
+            <a:schemeClr val="accent1"/>
+          </a:fillRef>
+          <a:effectRef idx="0">
+            <a:schemeClr val="accent1"/>
+          </a:effectRef>
+          <a:fontRef idx="minor">
+            <a:schemeClr val="lt1"/>
+          </a:fontRef>
+        </p:style>
+        <p:txBody>
+          <a:bodyPr rtlCol="0" anchor="ctr"/>
+          <a:lstStyle/>
+          <a:p>
+            <a:pPr algn="ctr"/>
+            <a:r>
+              <a:rPr lang="en-US" sz="1200" dirty="0" smtClean="0"/>
+              <a:t>WTA</a:t>
+            </a:r>
+            <a:endParaRPr lang="ru-RU" sz="1200" dirty="0"/>
+          </a:p>
+        </p:txBody>
+      </p:sp>
+      <p:sp>
+        <p:nvSpPr>
+          <p:cNvPr id="83" name="Oval 32"/>
+          <p:cNvSpPr/>
+          <p:nvPr/>
+        </p:nvSpPr>
+        <p:spPr>
+          <a:xfrm>
+            <a:off x="3532344" y="2692026"/>
+            <a:ext cx="716339" cy="644141"/>
+          </a:xfrm>
+          <a:prstGeom prst="ellipse">
+            <a:avLst/>
+          </a:prstGeom>
+        </p:spPr>
+        <p:style>
+          <a:lnRef idx="2">
+            <a:schemeClr val="accent1">
+              <a:shade val="50000"/>
+            </a:schemeClr>
+          </a:lnRef>
+          <a:fillRef idx="1">
+            <a:schemeClr val="accent1"/>
+          </a:fillRef>
+          <a:effectRef idx="0">
+            <a:schemeClr val="accent1"/>
+          </a:effectRef>
+          <a:fontRef idx="minor">
+            <a:schemeClr val="lt1"/>
+          </a:fontRef>
+        </p:style>
+        <p:txBody>
+          <a:bodyPr rtlCol="0" anchor="ctr"/>
+          <a:lstStyle/>
+          <a:p>
+            <a:pPr algn="ctr"/>
+            <a:r>
+              <a:rPr lang="en-US" sz="1200" dirty="0" smtClean="0"/>
+              <a:t>WTA</a:t>
+            </a:r>
+            <a:endParaRPr lang="ru-RU" sz="1200" dirty="0"/>
+          </a:p>
+        </p:txBody>
+      </p:sp>
+      <p:cxnSp>
+        <p:nvCxnSpPr>
+          <p:cNvPr id="26" name="Прямая со стрелкой 25"/>
+          <p:cNvCxnSpPr>
+            <a:stCxn id="82" idx="6"/>
+            <a:endCxn id="83" idx="2"/>
+          </p:cNvCxnSpPr>
+          <p:nvPr/>
+        </p:nvCxnSpPr>
+        <p:spPr>
+          <a:xfrm flipV="1">
+            <a:off x="2638762" y="3014097"/>
+            <a:ext cx="893582" cy="55353"/>
+          </a:xfrm>
+          <a:prstGeom prst="straightConnector1">
+            <a:avLst/>
+          </a:prstGeom>
+          <a:ln>
+            <a:solidFill>
+              <a:schemeClr val="tx1"/>
+            </a:solidFill>
+            <a:headEnd type="triangle"/>
+            <a:tailEnd type="triangle"/>
+          </a:ln>
+        </p:spPr>
+        <p:style>
+          <a:lnRef idx="1">
+            <a:schemeClr val="accent1"/>
+          </a:lnRef>
+          <a:fillRef idx="0">
+            <a:schemeClr val="accent1"/>
+          </a:fillRef>
+          <a:effectRef idx="0">
+            <a:schemeClr val="accent1"/>
+          </a:effectRef>
+          <a:fontRef idx="minor">
+            <a:schemeClr val="tx1"/>
+          </a:fontRef>
+        </p:style>
+      </p:cxnSp>
+      <p:cxnSp>
+        <p:nvCxnSpPr>
+          <p:cNvPr id="86" name="Прямая со стрелкой 85"/>
+          <p:cNvCxnSpPr>
+            <a:stCxn id="82" idx="2"/>
+            <a:endCxn id="81" idx="6"/>
+          </p:cNvCxnSpPr>
+          <p:nvPr/>
+        </p:nvCxnSpPr>
+        <p:spPr>
+          <a:xfrm flipH="1" flipV="1">
+            <a:off x="968061" y="3056893"/>
+            <a:ext cx="954362" cy="12557"/>
+          </a:xfrm>
+          <a:prstGeom prst="straightConnector1">
+            <a:avLst/>
+          </a:prstGeom>
+          <a:ln>
+            <a:solidFill>
+              <a:schemeClr val="tx1"/>
+            </a:solidFill>
+            <a:headEnd type="triangle"/>
+            <a:tailEnd type="triangle"/>
+          </a:ln>
+        </p:spPr>
+        <p:style>
+          <a:lnRef idx="1">
+            <a:schemeClr val="accent1"/>
+          </a:lnRef>
+          <a:fillRef idx="0">
+            <a:schemeClr val="accent1"/>
+          </a:fillRef>
+          <a:effectRef idx="0">
+            <a:schemeClr val="accent1"/>
+          </a:effectRef>
+          <a:fontRef idx="minor">
+            <a:schemeClr val="tx1"/>
+          </a:fontRef>
+        </p:style>
+      </p:cxnSp>
+      <p:cxnSp>
+        <p:nvCxnSpPr>
+          <p:cNvPr id="88" name="Straight Arrow Connector 47"/>
+          <p:cNvCxnSpPr/>
+          <p:nvPr/>
+        </p:nvCxnSpPr>
+        <p:spPr>
+          <a:xfrm flipH="1" flipV="1">
+            <a:off x="609892" y="3397435"/>
+            <a:ext cx="66479" cy="691790"/>
+          </a:xfrm>
+          <a:prstGeom prst="straightConnector1">
+            <a:avLst/>
+          </a:prstGeom>
+          <a:ln w="38100">
+            <a:tailEnd type="triangle"/>
+          </a:ln>
+        </p:spPr>
+        <p:style>
+          <a:lnRef idx="1">
+            <a:schemeClr val="accent1"/>
+          </a:lnRef>
+          <a:fillRef idx="0">
+            <a:schemeClr val="accent1"/>
+          </a:fillRef>
+          <a:effectRef idx="0">
+            <a:schemeClr val="accent1"/>
+          </a:effectRef>
+          <a:fontRef idx="minor">
+            <a:schemeClr val="tx1"/>
+          </a:fontRef>
+        </p:style>
+      </p:cxnSp>
+      <p:cxnSp>
+        <p:nvCxnSpPr>
+          <p:cNvPr id="122" name="Straight Arrow Connector 47"/>
+          <p:cNvCxnSpPr>
+            <a:stCxn id="133" idx="3"/>
+            <a:endCxn id="140" idx="2"/>
+          </p:cNvCxnSpPr>
+          <p:nvPr/>
+        </p:nvCxnSpPr>
+        <p:spPr>
+          <a:xfrm>
+            <a:off x="1838695" y="321459"/>
+            <a:ext cx="624349" cy="349420"/>
+          </a:xfrm>
+          <a:prstGeom prst="straightConnector1">
+            <a:avLst/>
+          </a:prstGeom>
+          <a:ln w="38100">
+            <a:tailEnd type="triangle"/>
+          </a:ln>
+        </p:spPr>
+        <p:style>
+          <a:lnRef idx="1">
+            <a:schemeClr val="accent1"/>
+          </a:lnRef>
+          <a:fillRef idx="0">
+            <a:schemeClr val="accent1"/>
+          </a:fillRef>
+          <a:effectRef idx="0">
+            <a:schemeClr val="accent1"/>
+          </a:effectRef>
+          <a:fontRef idx="minor">
+            <a:schemeClr val="tx1"/>
+          </a:fontRef>
+        </p:style>
+      </p:cxnSp>
+      <p:cxnSp>
+        <p:nvCxnSpPr>
+          <p:cNvPr id="126" name="Straight Arrow Connector 47"/>
+          <p:cNvCxnSpPr>
+            <a:stCxn id="140" idx="4"/>
+            <a:endCxn id="104" idx="0"/>
+          </p:cNvCxnSpPr>
+          <p:nvPr/>
+        </p:nvCxnSpPr>
+        <p:spPr>
+          <a:xfrm>
+            <a:off x="2821214" y="992949"/>
+            <a:ext cx="289216" cy="2378311"/>
+          </a:xfrm>
+          <a:prstGeom prst="straightConnector1">
+            <a:avLst/>
+          </a:prstGeom>
+          <a:ln w="38100">
+            <a:tailEnd type="triangle"/>
+          </a:ln>
+        </p:spPr>
+        <p:style>
+          <a:lnRef idx="1">
+            <a:schemeClr val="accent1"/>
+          </a:lnRef>
+          <a:fillRef idx="0">
+            <a:schemeClr val="accent1"/>
+          </a:fillRef>
+          <a:effectRef idx="0">
+            <a:schemeClr val="accent1"/>
+          </a:effectRef>
+          <a:fontRef idx="minor">
+            <a:schemeClr val="tx1"/>
+          </a:fontRef>
+        </p:style>
+      </p:cxnSp>
+      <p:sp>
+        <p:nvSpPr>
+          <p:cNvPr id="133" name="TextBox 132"/>
+          <p:cNvSpPr txBox="1"/>
+          <p:nvPr/>
+        </p:nvSpPr>
+        <p:spPr>
+          <a:xfrm>
+            <a:off x="709000" y="136793"/>
+            <a:ext cx="1129695" cy="369332"/>
+          </a:xfrm>
+          <a:prstGeom prst="rect">
+            <a:avLst/>
+          </a:prstGeom>
+          <a:noFill/>
+        </p:spPr>
+        <p:txBody>
+          <a:bodyPr wrap="square" rtlCol="0">
+            <a:spAutoFit/>
+          </a:bodyPr>
+          <a:lstStyle/>
+          <a:p>
+            <a:r>
+              <a:rPr lang="en-US" dirty="0" smtClean="0"/>
+              <a:t>REWARD</a:t>
+            </a:r>
+            <a:endParaRPr lang="ru-RU" dirty="0"/>
+          </a:p>
+        </p:txBody>
+      </p:sp>
+      <p:sp>
+        <p:nvSpPr>
+          <p:cNvPr id="140" name="Oval 32"/>
+          <p:cNvSpPr/>
+          <p:nvPr/>
+        </p:nvSpPr>
+        <p:spPr>
+          <a:xfrm>
+            <a:off x="2463044" y="348808"/>
+            <a:ext cx="716339" cy="644141"/>
+          </a:xfrm>
+          <a:prstGeom prst="ellipse">
+            <a:avLst/>
+          </a:prstGeom>
+          <a:ln>
+            <a:solidFill>
+              <a:srgbClr val="FF0000"/>
+            </a:solidFill>
+          </a:ln>
+        </p:spPr>
+        <p:style>
+          <a:lnRef idx="2">
+            <a:schemeClr val="accent1">
+              <a:shade val="50000"/>
+            </a:schemeClr>
+          </a:lnRef>
+          <a:fillRef idx="1">
+            <a:schemeClr val="accent1"/>
+          </a:fillRef>
+          <a:effectRef idx="0">
+            <a:schemeClr val="accent1"/>
+          </a:effectRef>
+          <a:fontRef idx="minor">
+            <a:schemeClr val="lt1"/>
+          </a:fontRef>
+        </p:style>
+        <p:txBody>
+          <a:bodyPr rtlCol="0" anchor="ctr"/>
+          <a:lstStyle/>
+          <a:p>
+            <a:pPr algn="ctr"/>
+            <a:r>
+              <a:rPr lang="en-US" sz="1100" dirty="0" smtClean="0"/>
+              <a:t>REWBIAS</a:t>
+            </a:r>
+            <a:endParaRPr lang="ru-RU" sz="1100" dirty="0"/>
+          </a:p>
+        </p:txBody>
+      </p:sp>
+      <p:cxnSp>
+        <p:nvCxnSpPr>
+          <p:cNvPr id="144" name="Straight Arrow Connector 31"/>
+          <p:cNvCxnSpPr>
+            <a:stCxn id="99" idx="3"/>
+            <a:endCxn id="77" idx="7"/>
+          </p:cNvCxnSpPr>
+          <p:nvPr/>
+        </p:nvCxnSpPr>
+        <p:spPr>
+          <a:xfrm flipH="1">
+            <a:off x="929635" y="3862347"/>
+            <a:ext cx="297626" cy="302738"/>
+          </a:xfrm>
+          <a:prstGeom prst="straightConnector1">
+            <a:avLst/>
+          </a:prstGeom>
+          <a:ln w="38100">
+            <a:solidFill>
+              <a:schemeClr val="accent1"/>
+            </a:solidFill>
+            <a:prstDash val="dash"/>
+            <a:tailEnd type="triangle"/>
+          </a:ln>
+        </p:spPr>
+        <p:style>
+          <a:lnRef idx="1">
+            <a:schemeClr val="accent1"/>
+          </a:lnRef>
+          <a:fillRef idx="0">
+            <a:schemeClr val="accent1"/>
+          </a:fillRef>
+          <a:effectRef idx="0">
+            <a:schemeClr val="accent1"/>
+          </a:effectRef>
+          <a:fontRef idx="minor">
+            <a:schemeClr val="tx1"/>
+          </a:fontRef>
+        </p:style>
+      </p:cxnSp>
+      <p:cxnSp>
+        <p:nvCxnSpPr>
+          <p:cNvPr id="178" name="Straight Arrow Connector 31"/>
+          <p:cNvCxnSpPr>
+            <a:stCxn id="104" idx="3"/>
+            <a:endCxn id="79" idx="7"/>
+          </p:cNvCxnSpPr>
+          <p:nvPr/>
+        </p:nvCxnSpPr>
+        <p:spPr>
+          <a:xfrm flipH="1">
+            <a:off x="2328907" y="3921069"/>
+            <a:ext cx="528258" cy="314396"/>
+          </a:xfrm>
+          <a:prstGeom prst="straightConnector1">
+            <a:avLst/>
+          </a:prstGeom>
+          <a:ln w="38100">
+            <a:solidFill>
+              <a:schemeClr val="accent1"/>
+            </a:solidFill>
+            <a:prstDash val="dash"/>
+            <a:tailEnd type="triangle"/>
+          </a:ln>
+        </p:spPr>
+        <p:style>
+          <a:lnRef idx="1">
+            <a:schemeClr val="accent1"/>
+          </a:lnRef>
+          <a:fillRef idx="0">
+            <a:schemeClr val="accent1"/>
+          </a:fillRef>
+          <a:effectRef idx="0">
+            <a:schemeClr val="accent1"/>
+          </a:effectRef>
+          <a:fontRef idx="minor">
+            <a:schemeClr val="tx1"/>
+          </a:fontRef>
+        </p:style>
+      </p:cxnSp>
+      <p:cxnSp>
+        <p:nvCxnSpPr>
+          <p:cNvPr id="181" name="Straight Arrow Connector 31"/>
+          <p:cNvCxnSpPr>
+            <a:stCxn id="102" idx="3"/>
+            <a:endCxn id="80" idx="7"/>
+          </p:cNvCxnSpPr>
+          <p:nvPr/>
+        </p:nvCxnSpPr>
+        <p:spPr>
+          <a:xfrm flipH="1">
+            <a:off x="4174353" y="3426612"/>
+            <a:ext cx="460724" cy="703576"/>
+          </a:xfrm>
+          <a:prstGeom prst="straightConnector1">
+            <a:avLst/>
+          </a:prstGeom>
+          <a:ln w="38100">
+            <a:solidFill>
+              <a:schemeClr val="accent1"/>
+            </a:solidFill>
+            <a:prstDash val="dash"/>
+            <a:tailEnd type="triangle"/>
+          </a:ln>
+        </p:spPr>
+        <p:style>
+          <a:lnRef idx="1">
+            <a:schemeClr val="accent1"/>
+          </a:lnRef>
+          <a:fillRef idx="0">
+            <a:schemeClr val="accent1"/>
+          </a:fillRef>
+          <a:effectRef idx="0">
+            <a:schemeClr val="accent1"/>
+          </a:effectRef>
+          <a:fontRef idx="minor">
+            <a:schemeClr val="tx1"/>
+          </a:fontRef>
+        </p:style>
+      </p:cxnSp>
+      <p:cxnSp>
+        <p:nvCxnSpPr>
+          <p:cNvPr id="132" name="Straight Arrow Connector 47"/>
+          <p:cNvCxnSpPr>
+            <a:stCxn id="140" idx="3"/>
+            <a:endCxn id="99" idx="0"/>
+          </p:cNvCxnSpPr>
+          <p:nvPr/>
+        </p:nvCxnSpPr>
+        <p:spPr>
+          <a:xfrm flipH="1">
+            <a:off x="1480526" y="898617"/>
+            <a:ext cx="1087423" cy="2413921"/>
+          </a:xfrm>
+          <a:prstGeom prst="straightConnector1">
+            <a:avLst/>
+          </a:prstGeom>
+          <a:ln w="38100">
+            <a:tailEnd type="triangle"/>
+          </a:ln>
+        </p:spPr>
+        <p:style>
+          <a:lnRef idx="1">
+            <a:schemeClr val="accent1"/>
+          </a:lnRef>
+          <a:fillRef idx="0">
+            <a:schemeClr val="accent1"/>
+          </a:fillRef>
+          <a:effectRef idx="0">
+            <a:schemeClr val="accent1"/>
+          </a:effectRef>
+          <a:fontRef idx="minor">
+            <a:schemeClr val="tx1"/>
+          </a:fontRef>
+        </p:style>
+      </p:cxnSp>
+      <p:cxnSp>
+        <p:nvCxnSpPr>
+          <p:cNvPr id="146" name="Straight Arrow Connector 47"/>
+          <p:cNvCxnSpPr>
+            <a:stCxn id="79" idx="0"/>
+            <a:endCxn id="82" idx="4"/>
+          </p:cNvCxnSpPr>
+          <p:nvPr/>
+        </p:nvCxnSpPr>
+        <p:spPr>
+          <a:xfrm flipV="1">
+            <a:off x="2075643" y="3391520"/>
+            <a:ext cx="204950" cy="749613"/>
+          </a:xfrm>
+          <a:prstGeom prst="straightConnector1">
+            <a:avLst/>
+          </a:prstGeom>
+          <a:ln w="38100">
+            <a:tailEnd type="triangle"/>
+          </a:ln>
+        </p:spPr>
+        <p:style>
+          <a:lnRef idx="1">
+            <a:schemeClr val="accent1"/>
+          </a:lnRef>
+          <a:fillRef idx="0">
+            <a:schemeClr val="accent1"/>
+          </a:fillRef>
+          <a:effectRef idx="0">
+            <a:schemeClr val="accent1"/>
+          </a:effectRef>
+          <a:fontRef idx="minor">
+            <a:schemeClr val="tx1"/>
+          </a:fontRef>
+        </p:style>
+      </p:cxnSp>
+      <p:cxnSp>
+        <p:nvCxnSpPr>
+          <p:cNvPr id="149" name="Straight Arrow Connector 47"/>
+          <p:cNvCxnSpPr>
+            <a:stCxn id="80" idx="0"/>
+            <a:endCxn id="83" idx="4"/>
+          </p:cNvCxnSpPr>
+          <p:nvPr/>
+        </p:nvCxnSpPr>
+        <p:spPr>
+          <a:xfrm flipH="1" flipV="1">
+            <a:off x="3890514" y="3336167"/>
+            <a:ext cx="30575" cy="699689"/>
+          </a:xfrm>
+          <a:prstGeom prst="straightConnector1">
+            <a:avLst/>
+          </a:prstGeom>
+          <a:ln w="38100">
+            <a:tailEnd type="triangle"/>
+          </a:ln>
+        </p:spPr>
+        <p:style>
+          <a:lnRef idx="1">
+            <a:schemeClr val="accent1"/>
+          </a:lnRef>
+          <a:fillRef idx="0">
+            <a:schemeClr val="accent1"/>
+          </a:fillRef>
+          <a:effectRef idx="0">
+            <a:schemeClr val="accent1"/>
+          </a:effectRef>
+          <a:fontRef idx="minor">
+            <a:schemeClr val="tx1"/>
+          </a:fontRef>
+        </p:style>
+      </p:cxnSp>
+      <p:cxnSp>
+        <p:nvCxnSpPr>
+          <p:cNvPr id="73" name="Прямая со стрелкой 72"/>
+          <p:cNvCxnSpPr>
+            <a:stCxn id="81" idx="7"/>
+            <a:endCxn id="140" idx="2"/>
+          </p:cNvCxnSpPr>
+          <p:nvPr/>
+        </p:nvCxnSpPr>
+        <p:spPr>
+          <a:xfrm flipV="1">
+            <a:off x="863156" y="670879"/>
+            <a:ext cx="1599888" cy="2158275"/>
+          </a:xfrm>
+          <a:prstGeom prst="straightConnector1">
+            <a:avLst/>
+          </a:prstGeom>
+          <a:ln>
+            <a:solidFill>
+              <a:schemeClr val="tx1"/>
+            </a:solidFill>
+            <a:headEnd type="none"/>
+            <a:tailEnd type="triangle"/>
+          </a:ln>
+        </p:spPr>
+        <p:style>
+          <a:lnRef idx="1">
+            <a:schemeClr val="accent1"/>
+          </a:lnRef>
+          <a:fillRef idx="0">
+            <a:schemeClr val="accent1"/>
+          </a:fillRef>
+          <a:effectRef idx="0">
+            <a:schemeClr val="accent1"/>
+          </a:effectRef>
+          <a:fontRef idx="minor">
+            <a:schemeClr val="tx1"/>
+          </a:fontRef>
+        </p:style>
+      </p:cxnSp>
+      <p:cxnSp>
+        <p:nvCxnSpPr>
+          <p:cNvPr id="85" name="Прямая со стрелкой 84"/>
+          <p:cNvCxnSpPr>
+            <a:stCxn id="82" idx="1"/>
+            <a:endCxn id="140" idx="4"/>
+          </p:cNvCxnSpPr>
+          <p:nvPr/>
+        </p:nvCxnSpPr>
+        <p:spPr>
+          <a:xfrm flipV="1">
+            <a:off x="2027328" y="992949"/>
+            <a:ext cx="793886" cy="1848762"/>
+          </a:xfrm>
+          <a:prstGeom prst="straightConnector1">
+            <a:avLst/>
+          </a:prstGeom>
+          <a:ln>
+            <a:solidFill>
+              <a:schemeClr val="tx1"/>
+            </a:solidFill>
+            <a:headEnd type="none"/>
+            <a:tailEnd type="triangle"/>
+          </a:ln>
+        </p:spPr>
+        <p:style>
+          <a:lnRef idx="1">
+            <a:schemeClr val="accent1"/>
+          </a:lnRef>
+          <a:fillRef idx="0">
+            <a:schemeClr val="accent1"/>
+          </a:fillRef>
+          <a:effectRef idx="0">
+            <a:schemeClr val="accent1"/>
+          </a:effectRef>
+          <a:fontRef idx="minor">
+            <a:schemeClr val="tx1"/>
+          </a:fontRef>
+        </p:style>
+      </p:cxnSp>
+      <p:cxnSp>
+        <p:nvCxnSpPr>
+          <p:cNvPr id="93" name="Прямая со стрелкой 92"/>
+          <p:cNvCxnSpPr>
+            <a:stCxn id="83" idx="0"/>
+            <a:endCxn id="140" idx="5"/>
+          </p:cNvCxnSpPr>
+          <p:nvPr/>
+        </p:nvCxnSpPr>
+        <p:spPr>
+          <a:xfrm flipH="1" flipV="1">
+            <a:off x="3074478" y="898617"/>
+            <a:ext cx="816036" cy="1793409"/>
+          </a:xfrm>
+          <a:prstGeom prst="straightConnector1">
+            <a:avLst/>
+          </a:prstGeom>
+          <a:ln>
+            <a:solidFill>
+              <a:schemeClr val="tx1"/>
+            </a:solidFill>
+            <a:headEnd type="none"/>
+            <a:tailEnd type="triangle"/>
+          </a:ln>
+        </p:spPr>
+        <p:style>
+          <a:lnRef idx="1">
+            <a:schemeClr val="accent1"/>
+          </a:lnRef>
+          <a:fillRef idx="0">
+            <a:schemeClr val="accent1"/>
+          </a:fillRef>
+          <a:effectRef idx="0">
+            <a:schemeClr val="accent1"/>
+          </a:effectRef>
+          <a:fontRef idx="minor">
+            <a:schemeClr val="tx1"/>
+          </a:fontRef>
+        </p:style>
+      </p:cxnSp>
+      <p:sp>
+        <p:nvSpPr>
+          <p:cNvPr id="89" name="Oval 32"/>
+          <p:cNvSpPr/>
+          <p:nvPr/>
+        </p:nvSpPr>
+        <p:spPr>
+          <a:xfrm>
+            <a:off x="5353788" y="1813861"/>
+            <a:ext cx="716339" cy="644141"/>
+          </a:xfrm>
+          <a:prstGeom prst="ellipse">
+            <a:avLst/>
+          </a:prstGeom>
+        </p:spPr>
+        <p:style>
+          <a:lnRef idx="2">
+            <a:schemeClr val="accent1">
+              <a:shade val="50000"/>
+            </a:schemeClr>
+          </a:lnRef>
+          <a:fillRef idx="1">
+            <a:schemeClr val="accent1"/>
+          </a:fillRef>
+          <a:effectRef idx="0">
+            <a:schemeClr val="accent1"/>
+          </a:effectRef>
+          <a:fontRef idx="minor">
+            <a:schemeClr val="lt1"/>
+          </a:fontRef>
+        </p:style>
+        <p:txBody>
+          <a:bodyPr rtlCol="0" anchor="ctr"/>
+          <a:lstStyle/>
+          <a:p>
+            <a:pPr algn="ctr"/>
+            <a:r>
+              <a:rPr lang="en-US" sz="2000" dirty="0" smtClean="0"/>
+              <a:t>OR</a:t>
+            </a:r>
+            <a:endParaRPr lang="ru-RU" sz="2000" dirty="0"/>
+          </a:p>
+        </p:txBody>
+      </p:sp>
+      <p:cxnSp>
+        <p:nvCxnSpPr>
+          <p:cNvPr id="90" name="Straight Arrow Connector 47"/>
+          <p:cNvCxnSpPr>
+            <a:endCxn id="89" idx="2"/>
+          </p:cNvCxnSpPr>
+          <p:nvPr/>
+        </p:nvCxnSpPr>
+        <p:spPr>
+          <a:xfrm flipV="1">
+            <a:off x="609892" y="2135932"/>
+            <a:ext cx="4743896" cy="617362"/>
+          </a:xfrm>
+          <a:prstGeom prst="straightConnector1">
+            <a:avLst/>
+          </a:prstGeom>
+          <a:ln w="38100">
+            <a:tailEnd type="triangle"/>
+          </a:ln>
+        </p:spPr>
+        <p:style>
+          <a:lnRef idx="1">
+            <a:schemeClr val="accent1"/>
+          </a:lnRef>
+          <a:fillRef idx="0">
+            <a:schemeClr val="accent1"/>
+          </a:fillRef>
+          <a:effectRef idx="0">
+            <a:schemeClr val="accent1"/>
+          </a:effectRef>
+          <a:fontRef idx="minor">
+            <a:schemeClr val="tx1"/>
+          </a:fontRef>
+        </p:style>
+      </p:cxnSp>
+      <p:cxnSp>
+        <p:nvCxnSpPr>
+          <p:cNvPr id="97" name="Straight Arrow Connector 47"/>
+          <p:cNvCxnSpPr>
+            <a:stCxn id="82" idx="0"/>
+            <a:endCxn id="89" idx="2"/>
+          </p:cNvCxnSpPr>
+          <p:nvPr/>
+        </p:nvCxnSpPr>
+        <p:spPr>
+          <a:xfrm flipV="1">
+            <a:off x="2280593" y="2135932"/>
+            <a:ext cx="3073195" cy="611447"/>
+          </a:xfrm>
+          <a:prstGeom prst="straightConnector1">
+            <a:avLst/>
+          </a:prstGeom>
+          <a:ln w="38100">
+            <a:tailEnd type="triangle"/>
+          </a:ln>
+        </p:spPr>
+        <p:style>
+          <a:lnRef idx="1">
+            <a:schemeClr val="accent1"/>
+          </a:lnRef>
+          <a:fillRef idx="0">
+            <a:schemeClr val="accent1"/>
+          </a:fillRef>
+          <a:effectRef idx="0">
+            <a:schemeClr val="accent1"/>
+          </a:effectRef>
+          <a:fontRef idx="minor">
+            <a:schemeClr val="tx1"/>
+          </a:fontRef>
+        </p:style>
+      </p:cxnSp>
+      <p:cxnSp>
+        <p:nvCxnSpPr>
+          <p:cNvPr id="100" name="Straight Arrow Connector 47"/>
+          <p:cNvCxnSpPr>
+            <a:stCxn id="83" idx="7"/>
+            <a:endCxn id="89" idx="2"/>
+          </p:cNvCxnSpPr>
+          <p:nvPr/>
+        </p:nvCxnSpPr>
+        <p:spPr>
+          <a:xfrm flipV="1">
+            <a:off x="4143778" y="2135932"/>
+            <a:ext cx="1210010" cy="650426"/>
+          </a:xfrm>
+          <a:prstGeom prst="straightConnector1">
+            <a:avLst/>
+          </a:prstGeom>
+          <a:ln w="38100">
+            <a:tailEnd type="triangle"/>
+          </a:ln>
+        </p:spPr>
+        <p:style>
+          <a:lnRef idx="1">
+            <a:schemeClr val="accent1"/>
+          </a:lnRef>
+          <a:fillRef idx="0">
+            <a:schemeClr val="accent1"/>
+          </a:fillRef>
+          <a:effectRef idx="0">
+            <a:schemeClr val="accent1"/>
+          </a:effectRef>
+          <a:fontRef idx="minor">
+            <a:schemeClr val="tx1"/>
+          </a:fontRef>
+        </p:style>
+      </p:cxnSp>
+      <p:sp>
+        <p:nvSpPr>
+          <p:cNvPr id="112" name="Oval 32"/>
+          <p:cNvSpPr/>
+          <p:nvPr/>
+        </p:nvSpPr>
+        <p:spPr>
+          <a:xfrm>
+            <a:off x="5477530" y="229876"/>
+            <a:ext cx="716339" cy="644141"/>
+          </a:xfrm>
+          <a:prstGeom prst="ellipse">
+            <a:avLst/>
+          </a:prstGeom>
+        </p:spPr>
+        <p:style>
+          <a:lnRef idx="2">
+            <a:schemeClr val="accent1">
+              <a:shade val="50000"/>
+            </a:schemeClr>
+          </a:lnRef>
+          <a:fillRef idx="1">
+            <a:schemeClr val="accent1"/>
+          </a:fillRef>
+          <a:effectRef idx="0">
+            <a:schemeClr val="accent1"/>
+          </a:effectRef>
+          <a:fontRef idx="minor">
+            <a:schemeClr val="lt1"/>
+          </a:fontRef>
+        </p:style>
+        <p:txBody>
+          <a:bodyPr rtlCol="0" anchor="ctr"/>
+          <a:lstStyle/>
+          <a:p>
+            <a:pPr algn="ctr"/>
+            <a:r>
+              <a:rPr lang="en-US" sz="700" dirty="0" smtClean="0"/>
+              <a:t>SECREW</a:t>
+            </a:r>
+            <a:endParaRPr lang="ru-RU" sz="700" dirty="0"/>
+          </a:p>
+        </p:txBody>
+      </p:sp>
+      <p:cxnSp>
+        <p:nvCxnSpPr>
+          <p:cNvPr id="113" name="Straight Arrow Connector 47"/>
+          <p:cNvCxnSpPr>
+            <a:stCxn id="89" idx="1"/>
+            <a:endCxn id="112" idx="2"/>
+          </p:cNvCxnSpPr>
+          <p:nvPr/>
+        </p:nvCxnSpPr>
+        <p:spPr>
+          <a:xfrm flipV="1">
+            <a:off x="5458693" y="551947"/>
+            <a:ext cx="18837" cy="1356246"/>
+          </a:xfrm>
+          <a:prstGeom prst="straightConnector1">
+            <a:avLst/>
+          </a:prstGeom>
+          <a:ln w="38100">
+            <a:tailEnd type="triangle"/>
+          </a:ln>
+        </p:spPr>
+        <p:style>
+          <a:lnRef idx="1">
+            <a:schemeClr val="accent1"/>
+          </a:lnRef>
+          <a:fillRef idx="0">
+            <a:schemeClr val="accent1"/>
+          </a:fillRef>
+          <a:effectRef idx="0">
+            <a:schemeClr val="accent1"/>
+          </a:effectRef>
+          <a:fontRef idx="minor">
+            <a:schemeClr val="tx1"/>
+          </a:fontRef>
+        </p:style>
+      </p:cxnSp>
+      <p:cxnSp>
+        <p:nvCxnSpPr>
+          <p:cNvPr id="116" name="Прямая со стрелкой 115"/>
+          <p:cNvCxnSpPr>
+            <a:stCxn id="89" idx="0"/>
+            <a:endCxn id="112" idx="4"/>
+          </p:cNvCxnSpPr>
+          <p:nvPr/>
+        </p:nvCxnSpPr>
+        <p:spPr>
+          <a:xfrm flipV="1">
+            <a:off x="5711958" y="874017"/>
+            <a:ext cx="123742" cy="939844"/>
+          </a:xfrm>
+          <a:prstGeom prst="straightConnector1">
+            <a:avLst/>
+          </a:prstGeom>
+          <a:ln>
+            <a:solidFill>
+              <a:schemeClr val="tx1">
+                <a:alpha val="50000"/>
+              </a:schemeClr>
+            </a:solidFill>
+            <a:headEnd type="none"/>
+            <a:tailEnd type="triangle"/>
+          </a:ln>
+        </p:spPr>
+        <p:style>
+          <a:lnRef idx="1">
+            <a:schemeClr val="accent1"/>
+          </a:lnRef>
+          <a:fillRef idx="0">
+            <a:schemeClr val="accent1"/>
+          </a:fillRef>
+          <a:effectRef idx="0">
+            <a:schemeClr val="accent1"/>
+          </a:effectRef>
+          <a:fontRef idx="minor">
+            <a:schemeClr val="tx1"/>
+          </a:fontRef>
+        </p:style>
+      </p:cxnSp>
+      <p:sp>
+        <p:nvSpPr>
+          <p:cNvPr id="172" name="Oval 32"/>
+          <p:cNvSpPr/>
+          <p:nvPr/>
+        </p:nvSpPr>
+        <p:spPr>
+          <a:xfrm>
+            <a:off x="10682559" y="1527019"/>
+            <a:ext cx="716339" cy="644141"/>
+          </a:xfrm>
+          <a:prstGeom prst="ellipse">
+            <a:avLst/>
+          </a:prstGeom>
+        </p:spPr>
+        <p:style>
+          <a:lnRef idx="2">
+            <a:schemeClr val="accent1">
+              <a:shade val="50000"/>
+            </a:schemeClr>
+          </a:lnRef>
+          <a:fillRef idx="1">
+            <a:schemeClr val="accent1"/>
+          </a:fillRef>
+          <a:effectRef idx="0">
+            <a:schemeClr val="accent1"/>
+          </a:effectRef>
+          <a:fontRef idx="minor">
+            <a:schemeClr val="lt1"/>
+          </a:fontRef>
+        </p:style>
+        <p:txBody>
+          <a:bodyPr rtlCol="0" anchor="ctr"/>
+          <a:lstStyle/>
+          <a:p>
+            <a:pPr algn="ctr"/>
+            <a:r>
+              <a:rPr lang="en-US" sz="2000" dirty="0" smtClean="0"/>
+              <a:t>OR</a:t>
+            </a:r>
+            <a:endParaRPr lang="ru-RU" sz="2000" dirty="0"/>
+          </a:p>
+        </p:txBody>
+      </p:sp>
+      <p:sp>
+        <p:nvSpPr>
+          <p:cNvPr id="177" name="Oval 32"/>
+          <p:cNvSpPr/>
+          <p:nvPr/>
+        </p:nvSpPr>
+        <p:spPr>
+          <a:xfrm>
+            <a:off x="10877563" y="156052"/>
+            <a:ext cx="716339" cy="644141"/>
+          </a:xfrm>
+          <a:prstGeom prst="ellipse">
+            <a:avLst/>
+          </a:prstGeom>
+        </p:spPr>
+        <p:style>
+          <a:lnRef idx="2">
+            <a:schemeClr val="accent1">
+              <a:shade val="50000"/>
+            </a:schemeClr>
+          </a:lnRef>
+          <a:fillRef idx="1">
+            <a:schemeClr val="accent1"/>
+          </a:fillRef>
+          <a:effectRef idx="0">
+            <a:schemeClr val="accent1"/>
+          </a:effectRef>
+          <a:fontRef idx="minor">
+            <a:schemeClr val="lt1"/>
+          </a:fontRef>
+        </p:style>
+        <p:txBody>
+          <a:bodyPr rtlCol="0" anchor="ctr"/>
+          <a:lstStyle/>
+          <a:p>
+            <a:pPr algn="ctr"/>
+            <a:r>
+              <a:rPr lang="en-US" sz="700" dirty="0" smtClean="0"/>
+              <a:t>SECREW</a:t>
+            </a:r>
+            <a:endParaRPr lang="ru-RU" sz="700" dirty="0"/>
+          </a:p>
+        </p:txBody>
+      </p:sp>
+      <p:cxnSp>
+        <p:nvCxnSpPr>
+          <p:cNvPr id="180" name="Straight Arrow Connector 47"/>
+          <p:cNvCxnSpPr>
+            <a:stCxn id="172" idx="1"/>
+            <a:endCxn id="177" idx="2"/>
+          </p:cNvCxnSpPr>
+          <p:nvPr/>
+        </p:nvCxnSpPr>
+        <p:spPr>
+          <a:xfrm flipV="1">
+            <a:off x="10787464" y="478123"/>
+            <a:ext cx="90099" cy="1143228"/>
+          </a:xfrm>
+          <a:prstGeom prst="straightConnector1">
+            <a:avLst/>
+          </a:prstGeom>
+          <a:ln w="38100">
+            <a:tailEnd type="triangle"/>
+          </a:ln>
+        </p:spPr>
+        <p:style>
+          <a:lnRef idx="1">
+            <a:schemeClr val="accent1"/>
+          </a:lnRef>
+          <a:fillRef idx="0">
+            <a:schemeClr val="accent1"/>
+          </a:fillRef>
+          <a:effectRef idx="0">
+            <a:schemeClr val="accent1"/>
+          </a:effectRef>
+          <a:fontRef idx="minor">
+            <a:schemeClr val="tx1"/>
+          </a:fontRef>
+        </p:style>
+      </p:cxnSp>
+      <p:cxnSp>
+        <p:nvCxnSpPr>
+          <p:cNvPr id="182" name="Прямая со стрелкой 181"/>
+          <p:cNvCxnSpPr>
+            <a:stCxn id="172" idx="0"/>
+            <a:endCxn id="177" idx="4"/>
+          </p:cNvCxnSpPr>
+          <p:nvPr/>
+        </p:nvCxnSpPr>
+        <p:spPr>
+          <a:xfrm flipV="1">
+            <a:off x="11040729" y="800193"/>
+            <a:ext cx="195004" cy="726826"/>
+          </a:xfrm>
+          <a:prstGeom prst="straightConnector1">
+            <a:avLst/>
+          </a:prstGeom>
+          <a:ln>
+            <a:solidFill>
+              <a:schemeClr val="tx1">
+                <a:alpha val="50000"/>
+              </a:schemeClr>
+            </a:solidFill>
+            <a:headEnd type="none"/>
+            <a:tailEnd type="triangle"/>
+          </a:ln>
+        </p:spPr>
+        <p:style>
+          <a:lnRef idx="1">
+            <a:schemeClr val="accent1"/>
+          </a:lnRef>
+          <a:fillRef idx="0">
+            <a:schemeClr val="accent1"/>
+          </a:fillRef>
+          <a:effectRef idx="0">
+            <a:schemeClr val="accent1"/>
+          </a:effectRef>
+          <a:fontRef idx="minor">
+            <a:schemeClr val="tx1"/>
+          </a:fontRef>
+        </p:style>
+      </p:cxnSp>
+      <p:sp>
+        <p:nvSpPr>
+          <p:cNvPr id="189" name="TextBox 188"/>
+          <p:cNvSpPr txBox="1"/>
+          <p:nvPr/>
+        </p:nvSpPr>
+        <p:spPr>
+          <a:xfrm>
+            <a:off x="11446076" y="2326420"/>
+            <a:ext cx="432389" cy="1015663"/>
+          </a:xfrm>
+          <a:prstGeom prst="rect">
+            <a:avLst/>
+          </a:prstGeom>
+          <a:noFill/>
+        </p:spPr>
+        <p:txBody>
+          <a:bodyPr wrap="square" rtlCol="0">
+            <a:spAutoFit/>
+          </a:bodyPr>
+          <a:lstStyle/>
+          <a:p>
+            <a:r>
+              <a:rPr lang="en-US" sz="6000" b="1" dirty="0" smtClean="0"/>
+              <a:t>…</a:t>
+            </a:r>
+            <a:endParaRPr lang="ru-RU" sz="6000" b="1" dirty="0"/>
+          </a:p>
+        </p:txBody>
+      </p:sp>
+      <p:cxnSp>
+        <p:nvCxnSpPr>
+          <p:cNvPr id="190" name="Straight Connector 8"/>
+          <p:cNvCxnSpPr>
+            <a:endCxn id="210" idx="2"/>
+          </p:cNvCxnSpPr>
+          <p:nvPr/>
+        </p:nvCxnSpPr>
+        <p:spPr>
+          <a:xfrm flipV="1">
+            <a:off x="609891" y="4434517"/>
+            <a:ext cx="5168545" cy="1294239"/>
+          </a:xfrm>
+          <a:prstGeom prst="line">
+            <a:avLst/>
+          </a:prstGeom>
+        </p:spPr>
+        <p:style>
+          <a:lnRef idx="1">
+            <a:schemeClr val="accent1"/>
+          </a:lnRef>
+          <a:fillRef idx="0">
+            <a:schemeClr val="accent1"/>
+          </a:fillRef>
+          <a:effectRef idx="0">
+            <a:schemeClr val="accent1"/>
+          </a:effectRef>
+          <a:fontRef idx="minor">
+            <a:schemeClr val="tx1"/>
+          </a:fontRef>
+        </p:style>
+      </p:cxnSp>
+      <p:cxnSp>
+        <p:nvCxnSpPr>
+          <p:cNvPr id="193" name="Straight Connector 8"/>
+          <p:cNvCxnSpPr>
+            <a:endCxn id="211" idx="2"/>
+          </p:cNvCxnSpPr>
+          <p:nvPr/>
+        </p:nvCxnSpPr>
+        <p:spPr>
+          <a:xfrm flipV="1">
+            <a:off x="609892" y="4504897"/>
+            <a:ext cx="6567816" cy="1244315"/>
+          </a:xfrm>
+          <a:prstGeom prst="line">
+            <a:avLst/>
+          </a:prstGeom>
+        </p:spPr>
+        <p:style>
+          <a:lnRef idx="1">
+            <a:schemeClr val="accent1"/>
+          </a:lnRef>
+          <a:fillRef idx="0">
+            <a:schemeClr val="accent1"/>
+          </a:fillRef>
+          <a:effectRef idx="0">
+            <a:schemeClr val="accent1"/>
+          </a:effectRef>
+          <a:fontRef idx="minor">
+            <a:schemeClr val="tx1"/>
+          </a:fontRef>
+        </p:style>
+      </p:cxnSp>
+      <p:cxnSp>
+        <p:nvCxnSpPr>
+          <p:cNvPr id="197" name="Straight Connector 8"/>
+          <p:cNvCxnSpPr>
+            <a:endCxn id="212" idx="2"/>
+          </p:cNvCxnSpPr>
+          <p:nvPr/>
+        </p:nvCxnSpPr>
+        <p:spPr>
+          <a:xfrm flipV="1">
+            <a:off x="609889" y="4399620"/>
+            <a:ext cx="8413265" cy="1359625"/>
+          </a:xfrm>
+          <a:prstGeom prst="line">
+            <a:avLst/>
+          </a:prstGeom>
+        </p:spPr>
+        <p:style>
+          <a:lnRef idx="1">
+            <a:schemeClr val="accent1"/>
+          </a:lnRef>
+          <a:fillRef idx="0">
+            <a:schemeClr val="accent1"/>
+          </a:fillRef>
+          <a:effectRef idx="0">
+            <a:schemeClr val="accent1"/>
+          </a:effectRef>
+          <a:fontRef idx="minor">
+            <a:schemeClr val="tx1"/>
+          </a:fontRef>
+        </p:style>
+      </p:cxnSp>
+      <p:cxnSp>
+        <p:nvCxnSpPr>
+          <p:cNvPr id="200" name="Straight Connector 8"/>
+          <p:cNvCxnSpPr>
+            <a:endCxn id="210" idx="6"/>
+          </p:cNvCxnSpPr>
+          <p:nvPr/>
+        </p:nvCxnSpPr>
+        <p:spPr>
+          <a:xfrm flipH="1" flipV="1">
+            <a:off x="6494775" y="4434517"/>
+            <a:ext cx="5057154" cy="1335149"/>
+          </a:xfrm>
+          <a:prstGeom prst="line">
+            <a:avLst/>
+          </a:prstGeom>
+        </p:spPr>
+        <p:style>
+          <a:lnRef idx="1">
+            <a:schemeClr val="accent1"/>
+          </a:lnRef>
+          <a:fillRef idx="0">
+            <a:schemeClr val="accent1"/>
+          </a:fillRef>
+          <a:effectRef idx="0">
+            <a:schemeClr val="accent1"/>
+          </a:effectRef>
+          <a:fontRef idx="minor">
+            <a:schemeClr val="tx1"/>
+          </a:fontRef>
+        </p:style>
+      </p:cxnSp>
+      <p:cxnSp>
+        <p:nvCxnSpPr>
+          <p:cNvPr id="203" name="Straight Connector 8"/>
+          <p:cNvCxnSpPr>
+            <a:endCxn id="211" idx="6"/>
+          </p:cNvCxnSpPr>
+          <p:nvPr/>
+        </p:nvCxnSpPr>
+        <p:spPr>
+          <a:xfrm flipH="1" flipV="1">
+            <a:off x="7894047" y="4504897"/>
+            <a:ext cx="3699856" cy="1254347"/>
+          </a:xfrm>
+          <a:prstGeom prst="line">
+            <a:avLst/>
+          </a:prstGeom>
+        </p:spPr>
+        <p:style>
+          <a:lnRef idx="1">
+            <a:schemeClr val="accent1"/>
+          </a:lnRef>
+          <a:fillRef idx="0">
+            <a:schemeClr val="accent1"/>
+          </a:fillRef>
+          <a:effectRef idx="0">
+            <a:schemeClr val="accent1"/>
+          </a:effectRef>
+          <a:fontRef idx="minor">
+            <a:schemeClr val="tx1"/>
+          </a:fontRef>
+        </p:style>
+      </p:cxnSp>
+      <p:cxnSp>
+        <p:nvCxnSpPr>
+          <p:cNvPr id="206" name="Straight Connector 8"/>
+          <p:cNvCxnSpPr>
+            <a:endCxn id="212" idx="6"/>
+          </p:cNvCxnSpPr>
+          <p:nvPr/>
+        </p:nvCxnSpPr>
+        <p:spPr>
+          <a:xfrm flipH="1" flipV="1">
+            <a:off x="9739493" y="4399620"/>
+            <a:ext cx="1854410" cy="1369657"/>
+          </a:xfrm>
+          <a:prstGeom prst="line">
+            <a:avLst/>
+          </a:prstGeom>
+        </p:spPr>
+        <p:style>
+          <a:lnRef idx="1">
+            <a:schemeClr val="accent1"/>
+          </a:lnRef>
+          <a:fillRef idx="0">
+            <a:schemeClr val="accent1"/>
+          </a:fillRef>
+          <a:effectRef idx="0">
+            <a:schemeClr val="accent1"/>
+          </a:effectRef>
+          <a:fontRef idx="minor">
+            <a:schemeClr val="tx1"/>
+          </a:fontRef>
+        </p:style>
+      </p:cxnSp>
+      <p:cxnSp>
+        <p:nvCxnSpPr>
+          <p:cNvPr id="209" name="Прямая со стрелкой 208"/>
+          <p:cNvCxnSpPr>
+            <a:stCxn id="89" idx="7"/>
+            <a:endCxn id="177" idx="3"/>
+          </p:cNvCxnSpPr>
+          <p:nvPr/>
+        </p:nvCxnSpPr>
+        <p:spPr>
+          <a:xfrm flipV="1">
+            <a:off x="5965222" y="705861"/>
+            <a:ext cx="5017246" cy="1202332"/>
+          </a:xfrm>
+          <a:prstGeom prst="straightConnector1">
+            <a:avLst/>
+          </a:prstGeom>
+          <a:ln>
+            <a:solidFill>
+              <a:schemeClr val="tx1"/>
+            </a:solidFill>
+            <a:headEnd type="none"/>
+            <a:tailEnd type="triangle"/>
+          </a:ln>
+        </p:spPr>
+        <p:style>
+          <a:lnRef idx="1">
+            <a:schemeClr val="accent1"/>
+          </a:lnRef>
+          <a:fillRef idx="0">
+            <a:schemeClr val="accent1"/>
+          </a:fillRef>
+          <a:effectRef idx="0">
+            <a:schemeClr val="accent1"/>
+          </a:effectRef>
+          <a:fontRef idx="minor">
+            <a:schemeClr val="tx1"/>
+          </a:fontRef>
+        </p:style>
+      </p:cxnSp>
+      <p:cxnSp>
+        <p:nvCxnSpPr>
+          <p:cNvPr id="216" name="Прямая со стрелкой 215"/>
+          <p:cNvCxnSpPr>
+            <a:stCxn id="89" idx="7"/>
+          </p:cNvCxnSpPr>
+          <p:nvPr/>
+        </p:nvCxnSpPr>
+        <p:spPr>
+          <a:xfrm flipV="1">
+            <a:off x="5965222" y="1095485"/>
+            <a:ext cx="6075982" cy="812708"/>
+          </a:xfrm>
+          <a:prstGeom prst="straightConnector1">
+            <a:avLst/>
+          </a:prstGeom>
+          <a:ln>
+            <a:solidFill>
+              <a:schemeClr val="tx1"/>
+            </a:solidFill>
+            <a:headEnd type="none"/>
+            <a:tailEnd type="triangle"/>
+          </a:ln>
+        </p:spPr>
+        <p:style>
+          <a:lnRef idx="1">
+            <a:schemeClr val="accent1"/>
+          </a:lnRef>
+          <a:fillRef idx="0">
+            <a:schemeClr val="accent1"/>
+          </a:fillRef>
+          <a:effectRef idx="0">
+            <a:schemeClr val="accent1"/>
+          </a:effectRef>
+          <a:fontRef idx="minor">
+            <a:schemeClr val="tx1"/>
+          </a:fontRef>
+        </p:style>
+      </p:cxnSp>
+      <p:cxnSp>
+        <p:nvCxnSpPr>
+          <p:cNvPr id="219" name="Прямая со стрелкой 218"/>
+          <p:cNvCxnSpPr>
+            <a:stCxn id="172" idx="7"/>
+          </p:cNvCxnSpPr>
+          <p:nvPr/>
+        </p:nvCxnSpPr>
+        <p:spPr>
+          <a:xfrm flipV="1">
+            <a:off x="11293993" y="1307027"/>
+            <a:ext cx="747211" cy="314324"/>
+          </a:xfrm>
+          <a:prstGeom prst="straightConnector1">
+            <a:avLst/>
+          </a:prstGeom>
+          <a:ln>
+            <a:solidFill>
+              <a:schemeClr val="tx1"/>
+            </a:solidFill>
+            <a:headEnd type="none"/>
+            <a:tailEnd type="triangle"/>
+          </a:ln>
+        </p:spPr>
+        <p:style>
+          <a:lnRef idx="1">
+            <a:schemeClr val="accent1"/>
+          </a:lnRef>
+          <a:fillRef idx="0">
+            <a:schemeClr val="accent1"/>
+          </a:fillRef>
+          <a:effectRef idx="0">
+            <a:schemeClr val="accent1"/>
+          </a:effectRef>
+          <a:fontRef idx="minor">
+            <a:schemeClr val="tx1"/>
+          </a:fontRef>
+        </p:style>
+      </p:cxnSp>
+      <p:cxnSp>
+        <p:nvCxnSpPr>
+          <p:cNvPr id="223" name="Straight Arrow Connector 47"/>
+          <p:cNvCxnSpPr>
+            <a:stCxn id="177" idx="5"/>
+          </p:cNvCxnSpPr>
+          <p:nvPr/>
+        </p:nvCxnSpPr>
+        <p:spPr>
+          <a:xfrm>
+            <a:off x="11488997" y="705861"/>
+            <a:ext cx="254848" cy="264289"/>
+          </a:xfrm>
+          <a:prstGeom prst="straightConnector1">
+            <a:avLst/>
+          </a:prstGeom>
+          <a:ln w="38100">
+            <a:tailEnd type="triangle"/>
+          </a:ln>
+        </p:spPr>
+        <p:style>
+          <a:lnRef idx="1">
+            <a:schemeClr val="accent1"/>
+          </a:lnRef>
+          <a:fillRef idx="0">
+            <a:schemeClr val="accent1"/>
+          </a:fillRef>
+          <a:effectRef idx="0">
+            <a:schemeClr val="accent1"/>
+          </a:effectRef>
+          <a:fontRef idx="minor">
+            <a:schemeClr val="tx1"/>
+          </a:fontRef>
+        </p:style>
+      </p:cxnSp>
+      <p:cxnSp>
+        <p:nvCxnSpPr>
+          <p:cNvPr id="224" name="Straight Arrow Connector 47"/>
+          <p:cNvCxnSpPr/>
+          <p:nvPr/>
+        </p:nvCxnSpPr>
+        <p:spPr>
+          <a:xfrm>
+            <a:off x="11593902" y="496595"/>
+            <a:ext cx="219683" cy="233240"/>
+          </a:xfrm>
+          <a:prstGeom prst="straightConnector1">
+            <a:avLst/>
+          </a:prstGeom>
+          <a:ln w="38100">
+            <a:tailEnd type="triangle"/>
+          </a:ln>
+        </p:spPr>
+        <p:style>
+          <a:lnRef idx="1">
+            <a:schemeClr val="accent1"/>
+          </a:lnRef>
+          <a:fillRef idx="0">
+            <a:schemeClr val="accent1"/>
+          </a:fillRef>
+          <a:effectRef idx="0">
+            <a:schemeClr val="accent1"/>
+          </a:effectRef>
+          <a:fontRef idx="minor">
+            <a:schemeClr val="tx1"/>
+          </a:fontRef>
+        </p:style>
+      </p:cxnSp>
+      <p:cxnSp>
+        <p:nvCxnSpPr>
+          <p:cNvPr id="225" name="Straight Arrow Connector 47"/>
+          <p:cNvCxnSpPr>
+            <a:stCxn id="177" idx="5"/>
+          </p:cNvCxnSpPr>
+          <p:nvPr/>
+        </p:nvCxnSpPr>
+        <p:spPr>
+          <a:xfrm>
+            <a:off x="11488997" y="705861"/>
+            <a:ext cx="324588" cy="116438"/>
+          </a:xfrm>
+          <a:prstGeom prst="straightConnector1">
+            <a:avLst/>
+          </a:prstGeom>
+          <a:ln w="38100">
+            <a:tailEnd type="triangle"/>
+          </a:ln>
+        </p:spPr>
+        <p:style>
+          <a:lnRef idx="1">
+            <a:schemeClr val="accent1"/>
+          </a:lnRef>
+          <a:fillRef idx="0">
+            <a:schemeClr val="accent1"/>
+          </a:fillRef>
+          <a:effectRef idx="0">
+            <a:schemeClr val="accent1"/>
+          </a:effectRef>
+          <a:fontRef idx="minor">
+            <a:schemeClr val="tx1"/>
+          </a:fontRef>
+        </p:style>
+      </p:cxnSp>
+      <p:cxnSp>
+        <p:nvCxnSpPr>
+          <p:cNvPr id="92" name="Прямая со стрелкой 91"/>
+          <p:cNvCxnSpPr>
+            <a:stCxn id="140" idx="6"/>
+            <a:endCxn id="112" idx="2"/>
+          </p:cNvCxnSpPr>
+          <p:nvPr/>
+        </p:nvCxnSpPr>
+        <p:spPr>
+          <a:xfrm flipV="1">
+            <a:off x="3179383" y="551947"/>
+            <a:ext cx="2298147" cy="118932"/>
+          </a:xfrm>
+          <a:prstGeom prst="straightConnector1">
+            <a:avLst/>
+          </a:prstGeom>
+          <a:ln>
+            <a:solidFill>
+              <a:schemeClr val="tx1"/>
+            </a:solidFill>
+            <a:headEnd type="none"/>
+            <a:tailEnd type="triangle"/>
+          </a:ln>
+        </p:spPr>
+        <p:style>
+          <a:lnRef idx="1">
+            <a:schemeClr val="accent1"/>
+          </a:lnRef>
+          <a:fillRef idx="0">
+            <a:schemeClr val="accent1"/>
+          </a:fillRef>
+          <a:effectRef idx="0">
+            <a:schemeClr val="accent1"/>
+          </a:effectRef>
+          <a:fontRef idx="minor">
+            <a:schemeClr val="tx1"/>
+          </a:fontRef>
+        </p:style>
+      </p:cxnSp>
+      <p:cxnSp>
+        <p:nvCxnSpPr>
+          <p:cNvPr id="98" name="Прямая со стрелкой 97"/>
+          <p:cNvCxnSpPr>
+            <a:stCxn id="177" idx="6"/>
+          </p:cNvCxnSpPr>
+          <p:nvPr/>
+        </p:nvCxnSpPr>
+        <p:spPr>
+          <a:xfrm flipV="1">
+            <a:off x="11593902" y="441243"/>
+            <a:ext cx="447302" cy="36880"/>
+          </a:xfrm>
+          <a:prstGeom prst="straightConnector1">
+            <a:avLst/>
+          </a:prstGeom>
+          <a:ln>
+            <a:solidFill>
+              <a:schemeClr val="tx1"/>
+            </a:solidFill>
+            <a:headEnd type="none"/>
+            <a:tailEnd type="triangle"/>
+          </a:ln>
+        </p:spPr>
+        <p:style>
+          <a:lnRef idx="1">
+            <a:schemeClr val="accent1"/>
+          </a:lnRef>
+          <a:fillRef idx="0">
+            <a:schemeClr val="accent1"/>
+          </a:fillRef>
+          <a:effectRef idx="0">
+            <a:schemeClr val="accent1"/>
+          </a:effectRef>
+          <a:fontRef idx="minor">
+            <a:schemeClr val="tx1"/>
+          </a:fontRef>
+        </p:style>
+      </p:cxnSp>
+      <p:sp>
+        <p:nvSpPr>
+          <p:cNvPr id="2" name="TextBox 1"/>
+          <p:cNvSpPr txBox="1"/>
+          <p:nvPr/>
+        </p:nvSpPr>
+        <p:spPr>
+          <a:xfrm>
+            <a:off x="513066" y="6461108"/>
+            <a:ext cx="5484931" cy="369332"/>
+          </a:xfrm>
+          <a:prstGeom prst="rect">
+            <a:avLst/>
+          </a:prstGeom>
+          <a:noFill/>
+        </p:spPr>
+        <p:txBody>
+          <a:bodyPr wrap="square" rtlCol="0">
+            <a:spAutoFit/>
+          </a:bodyPr>
+          <a:lstStyle/>
+          <a:p>
+            <a:r>
+              <a:rPr lang="en-US" dirty="0" smtClean="0"/>
+              <a:t>Multilevel event prediction</a:t>
+            </a:r>
+            <a:endParaRPr lang="ru-RU" dirty="0"/>
+          </a:p>
+        </p:txBody>
+      </p:sp>
+      <p:sp>
+        <p:nvSpPr>
+          <p:cNvPr id="3" name="TextBox 2"/>
+          <p:cNvSpPr txBox="1"/>
+          <p:nvPr/>
+        </p:nvSpPr>
+        <p:spPr>
+          <a:xfrm>
+            <a:off x="10454641" y="3511271"/>
+            <a:ext cx="1755265" cy="1546577"/>
+          </a:xfrm>
+          <a:prstGeom prst="rect">
+            <a:avLst/>
+          </a:prstGeom>
+          <a:noFill/>
+        </p:spPr>
+        <p:txBody>
+          <a:bodyPr wrap="square" rtlCol="0">
+            <a:spAutoFit/>
+          </a:bodyPr>
+          <a:lstStyle/>
+          <a:p>
+            <a:r>
+              <a:rPr lang="en-US" sz="1050" dirty="0" smtClean="0"/>
+              <a:t>Output – SECREW or V.</a:t>
+            </a:r>
+          </a:p>
+          <a:p>
+            <a:r>
+              <a:rPr lang="en-US" sz="1050" dirty="0" smtClean="0"/>
+              <a:t>SECREW indicates reaching new level and is used in multi-level event prediction.</a:t>
+            </a:r>
+          </a:p>
+          <a:p>
+            <a:r>
+              <a:rPr lang="en-US" sz="1050" dirty="0" smtClean="0"/>
+              <a:t>V indicates being in the highest state (only highest active V should be taken into account). It is used as input for </a:t>
+            </a:r>
+            <a:r>
+              <a:rPr lang="en-US" sz="1050" dirty="0" err="1" smtClean="0"/>
+              <a:t>dynpos</a:t>
+            </a:r>
+            <a:r>
+              <a:rPr lang="en-US" sz="1050" dirty="0" smtClean="0"/>
+              <a:t>.</a:t>
+            </a:r>
+            <a:endParaRPr lang="ru-RU" sz="1050" dirty="0"/>
+          </a:p>
+        </p:txBody>
+      </p:sp>
+      <p:sp>
+        <p:nvSpPr>
+          <p:cNvPr id="5" name="TextBox 4"/>
+          <p:cNvSpPr txBox="1"/>
+          <p:nvPr/>
+        </p:nvSpPr>
+        <p:spPr>
+          <a:xfrm>
+            <a:off x="251722" y="1343939"/>
+            <a:ext cx="1193520" cy="369332"/>
+          </a:xfrm>
+          <a:prstGeom prst="rect">
+            <a:avLst/>
+          </a:prstGeom>
+          <a:noFill/>
+        </p:spPr>
+        <p:txBody>
+          <a:bodyPr wrap="square" rtlCol="0">
+            <a:spAutoFit/>
+          </a:bodyPr>
+          <a:lstStyle/>
+          <a:p>
+            <a:r>
+              <a:rPr lang="en-US" dirty="0" smtClean="0"/>
+              <a:t>REWGATE</a:t>
+            </a:r>
+            <a:endParaRPr lang="en-US" dirty="0"/>
+          </a:p>
+        </p:txBody>
+      </p:sp>
+      <p:sp>
+        <p:nvSpPr>
+          <p:cNvPr id="6" name="TextBox 5"/>
+          <p:cNvSpPr txBox="1"/>
+          <p:nvPr/>
+        </p:nvSpPr>
+        <p:spPr>
+          <a:xfrm>
+            <a:off x="7515407" y="156052"/>
+            <a:ext cx="1782921" cy="369332"/>
+          </a:xfrm>
+          <a:prstGeom prst="rect">
+            <a:avLst/>
+          </a:prstGeom>
+          <a:noFill/>
+        </p:spPr>
+        <p:txBody>
+          <a:bodyPr wrap="square" rtlCol="0">
+            <a:spAutoFit/>
+          </a:bodyPr>
+          <a:lstStyle/>
+          <a:p>
+            <a:r>
+              <a:rPr lang="en-US" dirty="0" smtClean="0"/>
+              <a:t>SECREWINT</a:t>
+            </a:r>
+            <a:endParaRPr lang="en-US" dirty="0"/>
+          </a:p>
+        </p:txBody>
+      </p:sp>
+      <p:sp>
+        <p:nvSpPr>
+          <p:cNvPr id="99" name="Oval 32"/>
+          <p:cNvSpPr/>
+          <p:nvPr/>
+        </p:nvSpPr>
+        <p:spPr>
+          <a:xfrm>
+            <a:off x="1122356" y="3312538"/>
+            <a:ext cx="716339" cy="644141"/>
+          </a:xfrm>
+          <a:prstGeom prst="ellipse">
+            <a:avLst/>
+          </a:prstGeom>
+        </p:spPr>
+        <p:style>
+          <a:lnRef idx="2">
+            <a:schemeClr val="accent1">
+              <a:shade val="50000"/>
+            </a:schemeClr>
+          </a:lnRef>
+          <a:fillRef idx="1">
+            <a:schemeClr val="accent1"/>
+          </a:fillRef>
+          <a:effectRef idx="0">
+            <a:schemeClr val="accent1"/>
+          </a:effectRef>
+          <a:fontRef idx="minor">
+            <a:schemeClr val="lt1"/>
+          </a:fontRef>
+        </p:style>
+        <p:txBody>
+          <a:bodyPr rtlCol="0" anchor="ctr"/>
+          <a:lstStyle/>
+          <a:p>
+            <a:pPr algn="ctr"/>
+            <a:r>
+              <a:rPr lang="en-US" sz="600" dirty="0" smtClean="0"/>
+              <a:t>REWGATE</a:t>
+            </a:r>
+            <a:endParaRPr lang="ru-RU" sz="600" dirty="0"/>
+          </a:p>
+        </p:txBody>
+      </p:sp>
+      <p:sp>
+        <p:nvSpPr>
+          <p:cNvPr id="102" name="Oval 32"/>
+          <p:cNvSpPr/>
+          <p:nvPr/>
+        </p:nvSpPr>
+        <p:spPr>
+          <a:xfrm>
+            <a:off x="4531307" y="2876803"/>
+            <a:ext cx="708587" cy="644141"/>
+          </a:xfrm>
+          <a:prstGeom prst="ellipse">
+            <a:avLst/>
+          </a:prstGeom>
+        </p:spPr>
+        <p:style>
+          <a:lnRef idx="2">
+            <a:schemeClr val="accent1">
+              <a:shade val="50000"/>
+            </a:schemeClr>
+          </a:lnRef>
+          <a:fillRef idx="1">
+            <a:schemeClr val="accent1"/>
+          </a:fillRef>
+          <a:effectRef idx="0">
+            <a:schemeClr val="accent1"/>
+          </a:effectRef>
+          <a:fontRef idx="minor">
+            <a:schemeClr val="lt1"/>
+          </a:fontRef>
+        </p:style>
+        <p:txBody>
+          <a:bodyPr rtlCol="0" anchor="ctr"/>
+          <a:lstStyle/>
+          <a:p>
+            <a:pPr algn="ctr"/>
+            <a:r>
+              <a:rPr lang="en-US" sz="600" dirty="0" smtClean="0"/>
+              <a:t>REWGATE</a:t>
+            </a:r>
+            <a:endParaRPr lang="ru-RU" sz="600" dirty="0"/>
+          </a:p>
+        </p:txBody>
+      </p:sp>
+      <p:sp>
+        <p:nvSpPr>
+          <p:cNvPr id="104" name="Oval 32"/>
+          <p:cNvSpPr/>
+          <p:nvPr/>
+        </p:nvSpPr>
+        <p:spPr>
+          <a:xfrm>
+            <a:off x="2752260" y="3371260"/>
+            <a:ext cx="716339" cy="644141"/>
+          </a:xfrm>
+          <a:prstGeom prst="ellipse">
+            <a:avLst/>
+          </a:prstGeom>
+        </p:spPr>
+        <p:style>
+          <a:lnRef idx="2">
+            <a:schemeClr val="accent1">
+              <a:shade val="50000"/>
+            </a:schemeClr>
+          </a:lnRef>
+          <a:fillRef idx="1">
+            <a:schemeClr val="accent1"/>
+          </a:fillRef>
+          <a:effectRef idx="0">
+            <a:schemeClr val="accent1"/>
+          </a:effectRef>
+          <a:fontRef idx="minor">
+            <a:schemeClr val="lt1"/>
+          </a:fontRef>
+        </p:style>
+        <p:txBody>
+          <a:bodyPr rtlCol="0" anchor="ctr"/>
+          <a:lstStyle/>
+          <a:p>
+            <a:pPr algn="ctr"/>
+            <a:r>
+              <a:rPr lang="en-US" sz="600" dirty="0" smtClean="0"/>
+              <a:t>REWGATE</a:t>
+            </a:r>
+            <a:endParaRPr lang="ru-RU" sz="600" dirty="0"/>
+          </a:p>
+        </p:txBody>
+      </p:sp>
+      <p:sp>
+        <p:nvSpPr>
+          <p:cNvPr id="16" name="TextBox 15"/>
+          <p:cNvSpPr txBox="1"/>
+          <p:nvPr/>
+        </p:nvSpPr>
+        <p:spPr>
+          <a:xfrm>
+            <a:off x="2027328" y="4893276"/>
+            <a:ext cx="2166205" cy="253916"/>
+          </a:xfrm>
+          <a:prstGeom prst="rect">
+            <a:avLst/>
+          </a:prstGeom>
+          <a:noFill/>
+        </p:spPr>
+        <p:txBody>
+          <a:bodyPr wrap="square" rtlCol="0">
+            <a:spAutoFit/>
+          </a:bodyPr>
+          <a:lstStyle/>
+          <a:p>
+            <a:r>
+              <a:rPr lang="en-US" sz="1050" dirty="0" err="1" smtClean="0"/>
+              <a:t>Chartime</a:t>
+            </a:r>
+            <a:r>
+              <a:rPr lang="en-US" sz="1050" dirty="0" smtClean="0"/>
+              <a:t> ~ 0.5 prognosis period (L)</a:t>
+            </a:r>
+            <a:endParaRPr lang="en-US" sz="1050" dirty="0"/>
+          </a:p>
+        </p:txBody>
+      </p:sp>
+      <p:cxnSp>
+        <p:nvCxnSpPr>
+          <p:cNvPr id="109" name="Прямая со стрелкой 108"/>
+          <p:cNvCxnSpPr>
+            <a:stCxn id="81" idx="5"/>
+            <a:endCxn id="99" idx="1"/>
+          </p:cNvCxnSpPr>
+          <p:nvPr/>
+        </p:nvCxnSpPr>
+        <p:spPr>
+          <a:xfrm>
+            <a:off x="863156" y="3284631"/>
+            <a:ext cx="364105" cy="122239"/>
+          </a:xfrm>
+          <a:prstGeom prst="straightConnector1">
+            <a:avLst/>
+          </a:prstGeom>
+          <a:ln>
+            <a:solidFill>
+              <a:srgbClr val="00B050"/>
+            </a:solidFill>
+            <a:tailEnd type="triangle"/>
+          </a:ln>
+        </p:spPr>
+        <p:style>
+          <a:lnRef idx="1">
+            <a:schemeClr val="accent1"/>
+          </a:lnRef>
+          <a:fillRef idx="0">
+            <a:schemeClr val="accent1"/>
+          </a:fillRef>
+          <a:effectRef idx="0">
+            <a:schemeClr val="accent1"/>
+          </a:effectRef>
+          <a:fontRef idx="minor">
+            <a:schemeClr val="tx1"/>
+          </a:fontRef>
+        </p:style>
+      </p:cxnSp>
+      <p:cxnSp>
+        <p:nvCxnSpPr>
+          <p:cNvPr id="110" name="Прямая со стрелкой 109"/>
+          <p:cNvCxnSpPr>
+            <a:stCxn id="83" idx="6"/>
+            <a:endCxn id="102" idx="2"/>
+          </p:cNvCxnSpPr>
+          <p:nvPr/>
+        </p:nvCxnSpPr>
+        <p:spPr>
+          <a:xfrm>
+            <a:off x="4248683" y="3014097"/>
+            <a:ext cx="282624" cy="184777"/>
+          </a:xfrm>
+          <a:prstGeom prst="straightConnector1">
+            <a:avLst/>
+          </a:prstGeom>
+          <a:ln>
+            <a:solidFill>
+              <a:srgbClr val="00B050"/>
+            </a:solidFill>
+            <a:tailEnd type="triangle"/>
+          </a:ln>
+        </p:spPr>
+        <p:style>
+          <a:lnRef idx="1">
+            <a:schemeClr val="accent1"/>
+          </a:lnRef>
+          <a:fillRef idx="0">
+            <a:schemeClr val="accent1"/>
+          </a:fillRef>
+          <a:effectRef idx="0">
+            <a:schemeClr val="accent1"/>
+          </a:effectRef>
+          <a:fontRef idx="minor">
+            <a:schemeClr val="tx1"/>
+          </a:fontRef>
+        </p:style>
+      </p:cxnSp>
+      <p:cxnSp>
+        <p:nvCxnSpPr>
+          <p:cNvPr id="111" name="Прямая со стрелкой 110"/>
+          <p:cNvCxnSpPr>
+            <a:stCxn id="82" idx="5"/>
+            <a:endCxn id="104" idx="1"/>
+          </p:cNvCxnSpPr>
+          <p:nvPr/>
+        </p:nvCxnSpPr>
+        <p:spPr>
+          <a:xfrm>
+            <a:off x="2533857" y="3297188"/>
+            <a:ext cx="323308" cy="168404"/>
+          </a:xfrm>
+          <a:prstGeom prst="straightConnector1">
+            <a:avLst/>
+          </a:prstGeom>
+          <a:ln>
+            <a:solidFill>
+              <a:srgbClr val="00B050"/>
+            </a:solidFill>
+            <a:tailEnd type="triangle"/>
+          </a:ln>
+        </p:spPr>
+        <p:style>
+          <a:lnRef idx="1">
+            <a:schemeClr val="accent1"/>
+          </a:lnRef>
+          <a:fillRef idx="0">
+            <a:schemeClr val="accent1"/>
+          </a:fillRef>
+          <a:effectRef idx="0">
+            <a:schemeClr val="accent1"/>
+          </a:effectRef>
+          <a:fontRef idx="minor">
+            <a:schemeClr val="tx1"/>
+          </a:fontRef>
+        </p:style>
+      </p:cxnSp>
+      <p:sp>
+        <p:nvSpPr>
+          <p:cNvPr id="120" name="TextBox 119"/>
+          <p:cNvSpPr txBox="1"/>
+          <p:nvPr/>
+        </p:nvSpPr>
+        <p:spPr>
+          <a:xfrm>
+            <a:off x="4248683" y="3088167"/>
+            <a:ext cx="272444" cy="253916"/>
+          </a:xfrm>
+          <a:prstGeom prst="rect">
+            <a:avLst/>
+          </a:prstGeom>
+          <a:noFill/>
+        </p:spPr>
+        <p:txBody>
+          <a:bodyPr wrap="square" rtlCol="0">
+            <a:spAutoFit/>
+          </a:bodyPr>
+          <a:lstStyle/>
+          <a:p>
+            <a:r>
+              <a:rPr lang="en-US" sz="1050" dirty="0" smtClean="0"/>
+              <a:t>L</a:t>
+            </a:r>
+            <a:endParaRPr lang="en-US" sz="1050" dirty="0"/>
+          </a:p>
+        </p:txBody>
+      </p:sp>
+      <p:sp>
+        <p:nvSpPr>
+          <p:cNvPr id="121" name="TextBox 120"/>
+          <p:cNvSpPr txBox="1"/>
+          <p:nvPr/>
+        </p:nvSpPr>
+        <p:spPr>
+          <a:xfrm>
+            <a:off x="3110430" y="2815533"/>
+            <a:ext cx="272444" cy="253916"/>
+          </a:xfrm>
+          <a:prstGeom prst="rect">
+            <a:avLst/>
+          </a:prstGeom>
+          <a:noFill/>
+        </p:spPr>
+        <p:txBody>
+          <a:bodyPr wrap="square" rtlCol="0">
+            <a:spAutoFit/>
+          </a:bodyPr>
+          <a:lstStyle/>
+          <a:p>
+            <a:r>
+              <a:rPr lang="en-US" sz="1050" dirty="0" smtClean="0"/>
+              <a:t>L</a:t>
+            </a:r>
+            <a:endParaRPr lang="en-US" sz="1050" dirty="0"/>
+          </a:p>
+        </p:txBody>
+      </p:sp>
+      <p:cxnSp>
+        <p:nvCxnSpPr>
+          <p:cNvPr id="123" name="Прямая со стрелкой 122"/>
+          <p:cNvCxnSpPr>
+            <a:stCxn id="140" idx="3"/>
+            <a:endCxn id="77" idx="0"/>
+          </p:cNvCxnSpPr>
+          <p:nvPr/>
+        </p:nvCxnSpPr>
+        <p:spPr>
+          <a:xfrm flipH="1">
+            <a:off x="676371" y="898617"/>
+            <a:ext cx="1891578" cy="3172136"/>
+          </a:xfrm>
+          <a:prstGeom prst="straightConnector1">
+            <a:avLst/>
+          </a:prstGeom>
+          <a:ln w="15875">
+            <a:tailEnd type="arrow"/>
+          </a:ln>
+        </p:spPr>
+        <p:style>
+          <a:lnRef idx="1">
+            <a:schemeClr val="accent1"/>
+          </a:lnRef>
+          <a:fillRef idx="0">
+            <a:schemeClr val="accent1"/>
+          </a:fillRef>
+          <a:effectRef idx="0">
+            <a:schemeClr val="accent1"/>
+          </a:effectRef>
+          <a:fontRef idx="minor">
+            <a:schemeClr val="tx1"/>
+          </a:fontRef>
+        </p:style>
+      </p:cxnSp>
+      <p:cxnSp>
+        <p:nvCxnSpPr>
+          <p:cNvPr id="124" name="Прямая со стрелкой 123"/>
+          <p:cNvCxnSpPr>
+            <a:stCxn id="140" idx="3"/>
+            <a:endCxn id="79" idx="1"/>
+          </p:cNvCxnSpPr>
+          <p:nvPr/>
+        </p:nvCxnSpPr>
+        <p:spPr>
+          <a:xfrm flipH="1">
+            <a:off x="1822378" y="898617"/>
+            <a:ext cx="745571" cy="3336848"/>
+          </a:xfrm>
+          <a:prstGeom prst="straightConnector1">
+            <a:avLst/>
+          </a:prstGeom>
+          <a:ln w="15875">
+            <a:tailEnd type="arrow"/>
+          </a:ln>
+        </p:spPr>
+        <p:style>
+          <a:lnRef idx="1">
+            <a:schemeClr val="accent1"/>
+          </a:lnRef>
+          <a:fillRef idx="0">
+            <a:schemeClr val="accent1"/>
+          </a:fillRef>
+          <a:effectRef idx="0">
+            <a:schemeClr val="accent1"/>
+          </a:effectRef>
+          <a:fontRef idx="minor">
+            <a:schemeClr val="tx1"/>
+          </a:fontRef>
+        </p:style>
+      </p:cxnSp>
+      <p:cxnSp>
+        <p:nvCxnSpPr>
+          <p:cNvPr id="125" name="Прямая со стрелкой 124"/>
+          <p:cNvCxnSpPr>
+            <a:stCxn id="140" idx="5"/>
+            <a:endCxn id="80" idx="1"/>
+          </p:cNvCxnSpPr>
+          <p:nvPr/>
+        </p:nvCxnSpPr>
+        <p:spPr>
+          <a:xfrm>
+            <a:off x="3074478" y="898617"/>
+            <a:ext cx="593346" cy="3231571"/>
+          </a:xfrm>
+          <a:prstGeom prst="straightConnector1">
+            <a:avLst/>
+          </a:prstGeom>
+          <a:ln w="15875">
+            <a:tailEnd type="arrow"/>
+          </a:ln>
+        </p:spPr>
+        <p:style>
+          <a:lnRef idx="1">
+            <a:schemeClr val="accent1"/>
+          </a:lnRef>
+          <a:fillRef idx="0">
+            <a:schemeClr val="accent1"/>
+          </a:fillRef>
+          <a:effectRef idx="0">
+            <a:schemeClr val="accent1"/>
+          </a:effectRef>
+          <a:fontRef idx="minor">
+            <a:schemeClr val="tx1"/>
+          </a:fontRef>
+        </p:style>
+      </p:cxnSp>
+      <p:cxnSp>
+        <p:nvCxnSpPr>
+          <p:cNvPr id="156" name="Straight Arrow Connector 47"/>
+          <p:cNvCxnSpPr>
+            <a:stCxn id="140" idx="6"/>
+            <a:endCxn id="102" idx="0"/>
+          </p:cNvCxnSpPr>
+          <p:nvPr/>
+        </p:nvCxnSpPr>
+        <p:spPr>
+          <a:xfrm>
+            <a:off x="3179383" y="670879"/>
+            <a:ext cx="1706218" cy="2205924"/>
+          </a:xfrm>
+          <a:prstGeom prst="straightConnector1">
+            <a:avLst/>
+          </a:prstGeom>
+          <a:ln w="38100">
+            <a:tailEnd type="triangle"/>
+          </a:ln>
+        </p:spPr>
+        <p:style>
+          <a:lnRef idx="1">
+            <a:schemeClr val="accent1"/>
+          </a:lnRef>
+          <a:fillRef idx="0">
+            <a:schemeClr val="accent1"/>
+          </a:fillRef>
+          <a:effectRef idx="0">
+            <a:schemeClr val="accent1"/>
+          </a:effectRef>
+          <a:fontRef idx="minor">
+            <a:schemeClr val="tx1"/>
+          </a:fontRef>
+        </p:style>
+      </p:cxnSp>
+      <p:sp>
+        <p:nvSpPr>
+          <p:cNvPr id="183" name="TextBox 182"/>
+          <p:cNvSpPr txBox="1"/>
+          <p:nvPr/>
+        </p:nvSpPr>
+        <p:spPr>
+          <a:xfrm>
+            <a:off x="861090" y="2179104"/>
+            <a:ext cx="272444" cy="253916"/>
+          </a:xfrm>
+          <a:prstGeom prst="rect">
+            <a:avLst/>
+          </a:prstGeom>
+          <a:noFill/>
+        </p:spPr>
+        <p:txBody>
+          <a:bodyPr wrap="square" rtlCol="0">
+            <a:spAutoFit/>
+          </a:bodyPr>
+          <a:lstStyle/>
+          <a:p>
+            <a:r>
+              <a:rPr lang="en-US" sz="1050" dirty="0" smtClean="0"/>
+              <a:t>L</a:t>
+            </a:r>
+            <a:endParaRPr lang="en-US" sz="1050" dirty="0"/>
+          </a:p>
+        </p:txBody>
+      </p:sp>
+      <p:cxnSp>
+        <p:nvCxnSpPr>
+          <p:cNvPr id="184" name="Straight Arrow Connector 47"/>
+          <p:cNvCxnSpPr>
+            <a:stCxn id="133" idx="2"/>
+            <a:endCxn id="104" idx="0"/>
+          </p:cNvCxnSpPr>
+          <p:nvPr/>
+        </p:nvCxnSpPr>
+        <p:spPr>
+          <a:xfrm>
+            <a:off x="1273848" y="506125"/>
+            <a:ext cx="1836582" cy="2865135"/>
+          </a:xfrm>
+          <a:prstGeom prst="straightConnector1">
+            <a:avLst/>
+          </a:prstGeom>
+          <a:ln w="38100">
+            <a:tailEnd type="triangle"/>
+          </a:ln>
+        </p:spPr>
+        <p:style>
+          <a:lnRef idx="1">
+            <a:schemeClr val="accent1"/>
+          </a:lnRef>
+          <a:fillRef idx="0">
+            <a:schemeClr val="accent1"/>
+          </a:fillRef>
+          <a:effectRef idx="0">
+            <a:schemeClr val="accent1"/>
+          </a:effectRef>
+          <a:fontRef idx="minor">
+            <a:schemeClr val="tx1"/>
+          </a:fontRef>
+        </p:style>
+      </p:cxnSp>
+      <p:cxnSp>
+        <p:nvCxnSpPr>
+          <p:cNvPr id="185" name="Straight Arrow Connector 47"/>
+          <p:cNvCxnSpPr>
+            <a:stCxn id="133" idx="2"/>
+            <a:endCxn id="99" idx="0"/>
+          </p:cNvCxnSpPr>
+          <p:nvPr/>
+        </p:nvCxnSpPr>
+        <p:spPr>
+          <a:xfrm>
+            <a:off x="1273848" y="506125"/>
+            <a:ext cx="206678" cy="2806413"/>
+          </a:xfrm>
+          <a:prstGeom prst="straightConnector1">
+            <a:avLst/>
+          </a:prstGeom>
+          <a:ln w="38100">
+            <a:tailEnd type="triangle"/>
+          </a:ln>
+        </p:spPr>
+        <p:style>
+          <a:lnRef idx="1">
+            <a:schemeClr val="accent1"/>
+          </a:lnRef>
+          <a:fillRef idx="0">
+            <a:schemeClr val="accent1"/>
+          </a:fillRef>
+          <a:effectRef idx="0">
+            <a:schemeClr val="accent1"/>
+          </a:effectRef>
+          <a:fontRef idx="minor">
+            <a:schemeClr val="tx1"/>
+          </a:fontRef>
+        </p:style>
+      </p:cxnSp>
+      <p:cxnSp>
+        <p:nvCxnSpPr>
+          <p:cNvPr id="186" name="Straight Arrow Connector 47"/>
+          <p:cNvCxnSpPr>
+            <a:stCxn id="133" idx="2"/>
+            <a:endCxn id="102" idx="1"/>
+          </p:cNvCxnSpPr>
+          <p:nvPr/>
+        </p:nvCxnSpPr>
+        <p:spPr>
+          <a:xfrm>
+            <a:off x="1273848" y="506125"/>
+            <a:ext cx="3361229" cy="2465010"/>
+          </a:xfrm>
+          <a:prstGeom prst="straightConnector1">
+            <a:avLst/>
+          </a:prstGeom>
+          <a:ln w="38100">
+            <a:tailEnd type="triangle"/>
+          </a:ln>
+        </p:spPr>
+        <p:style>
+          <a:lnRef idx="1">
+            <a:schemeClr val="accent1"/>
+          </a:lnRef>
+          <a:fillRef idx="0">
+            <a:schemeClr val="accent1"/>
+          </a:fillRef>
+          <a:effectRef idx="0">
+            <a:schemeClr val="accent1"/>
+          </a:effectRef>
+          <a:fontRef idx="minor">
+            <a:schemeClr val="tx1"/>
+          </a:fontRef>
+        </p:style>
+      </p:cxnSp>
+      <p:sp>
+        <p:nvSpPr>
+          <p:cNvPr id="210" name="Oval 32"/>
+          <p:cNvSpPr/>
+          <p:nvPr/>
+        </p:nvSpPr>
+        <p:spPr>
+          <a:xfrm>
+            <a:off x="5778436" y="4112446"/>
+            <a:ext cx="716339" cy="644141"/>
+          </a:xfrm>
+          <a:prstGeom prst="ellipse">
+            <a:avLst/>
+          </a:prstGeom>
+        </p:spPr>
+        <p:style>
+          <a:lnRef idx="2">
+            <a:schemeClr val="accent1">
+              <a:shade val="50000"/>
+            </a:schemeClr>
+          </a:lnRef>
+          <a:fillRef idx="1">
+            <a:schemeClr val="accent1"/>
+          </a:fillRef>
+          <a:effectRef idx="0">
+            <a:schemeClr val="accent1"/>
+          </a:effectRef>
+          <a:fontRef idx="minor">
+            <a:schemeClr val="lt1"/>
+          </a:fontRef>
+        </p:style>
+        <p:txBody>
+          <a:bodyPr rtlCol="0" anchor="ctr"/>
+          <a:lstStyle/>
+          <a:p>
+            <a:pPr algn="ctr"/>
+            <a:r>
+              <a:rPr lang="en-US" sz="3600" dirty="0"/>
+              <a:t>L</a:t>
+            </a:r>
+            <a:endParaRPr lang="ru-RU" sz="3600" dirty="0"/>
+          </a:p>
+        </p:txBody>
+      </p:sp>
+      <p:sp>
+        <p:nvSpPr>
+          <p:cNvPr id="211" name="Oval 32"/>
+          <p:cNvSpPr/>
+          <p:nvPr/>
+        </p:nvSpPr>
+        <p:spPr>
+          <a:xfrm>
+            <a:off x="7177708" y="4182826"/>
+            <a:ext cx="716339" cy="644141"/>
+          </a:xfrm>
+          <a:prstGeom prst="ellipse">
+            <a:avLst/>
+          </a:prstGeom>
+        </p:spPr>
+        <p:style>
+          <a:lnRef idx="2">
+            <a:schemeClr val="accent1">
+              <a:shade val="50000"/>
+            </a:schemeClr>
+          </a:lnRef>
+          <a:fillRef idx="1">
+            <a:schemeClr val="accent1"/>
+          </a:fillRef>
+          <a:effectRef idx="0">
+            <a:schemeClr val="accent1"/>
+          </a:effectRef>
+          <a:fontRef idx="minor">
+            <a:schemeClr val="lt1"/>
+          </a:fontRef>
+        </p:style>
+        <p:txBody>
+          <a:bodyPr rtlCol="0" anchor="ctr"/>
+          <a:lstStyle/>
+          <a:p>
+            <a:pPr algn="ctr"/>
+            <a:r>
+              <a:rPr lang="en-US" sz="3600" dirty="0"/>
+              <a:t>L</a:t>
+            </a:r>
+            <a:endParaRPr lang="ru-RU" sz="3600" dirty="0"/>
+          </a:p>
+        </p:txBody>
+      </p:sp>
+      <p:sp>
+        <p:nvSpPr>
+          <p:cNvPr id="212" name="Oval 32"/>
+          <p:cNvSpPr/>
+          <p:nvPr/>
+        </p:nvSpPr>
+        <p:spPr>
+          <a:xfrm>
+            <a:off x="9023154" y="4077549"/>
+            <a:ext cx="716339" cy="644141"/>
+          </a:xfrm>
+          <a:prstGeom prst="ellipse">
+            <a:avLst/>
+          </a:prstGeom>
+        </p:spPr>
+        <p:style>
+          <a:lnRef idx="2">
+            <a:schemeClr val="accent1">
+              <a:shade val="50000"/>
+            </a:schemeClr>
+          </a:lnRef>
+          <a:fillRef idx="1">
+            <a:schemeClr val="accent1"/>
+          </a:fillRef>
+          <a:effectRef idx="0">
+            <a:schemeClr val="accent1"/>
+          </a:effectRef>
+          <a:fontRef idx="minor">
+            <a:schemeClr val="lt1"/>
+          </a:fontRef>
+        </p:style>
+        <p:txBody>
+          <a:bodyPr rtlCol="0" anchor="ctr"/>
+          <a:lstStyle/>
+          <a:p>
+            <a:pPr algn="ctr"/>
+            <a:r>
+              <a:rPr lang="en-US" sz="3600" dirty="0"/>
+              <a:t>L</a:t>
+            </a:r>
+            <a:endParaRPr lang="ru-RU" sz="3600" dirty="0"/>
+          </a:p>
+        </p:txBody>
+      </p:sp>
+      <p:sp>
+        <p:nvSpPr>
+          <p:cNvPr id="213" name="Oval 32"/>
+          <p:cNvSpPr/>
+          <p:nvPr/>
+        </p:nvSpPr>
+        <p:spPr>
+          <a:xfrm>
+            <a:off x="5711957" y="2776515"/>
+            <a:ext cx="716339" cy="644141"/>
+          </a:xfrm>
+          <a:prstGeom prst="ellipse">
+            <a:avLst/>
+          </a:prstGeom>
+        </p:spPr>
+        <p:style>
+          <a:lnRef idx="2">
+            <a:schemeClr val="accent1">
+              <a:shade val="50000"/>
+            </a:schemeClr>
+          </a:lnRef>
+          <a:fillRef idx="1">
+            <a:schemeClr val="accent1"/>
+          </a:fillRef>
+          <a:effectRef idx="0">
+            <a:schemeClr val="accent1"/>
+          </a:effectRef>
+          <a:fontRef idx="minor">
+            <a:schemeClr val="lt1"/>
+          </a:fontRef>
+        </p:style>
+        <p:txBody>
+          <a:bodyPr rtlCol="0" anchor="ctr"/>
+          <a:lstStyle/>
+          <a:p>
+            <a:pPr algn="ctr"/>
+            <a:r>
+              <a:rPr lang="en-US" sz="1200" dirty="0" smtClean="0"/>
+              <a:t>WTA</a:t>
+            </a:r>
+            <a:endParaRPr lang="ru-RU" sz="1200" dirty="0"/>
+          </a:p>
+        </p:txBody>
+      </p:sp>
+      <p:sp>
+        <p:nvSpPr>
+          <p:cNvPr id="214" name="Oval 32"/>
+          <p:cNvSpPr/>
+          <p:nvPr/>
+        </p:nvSpPr>
+        <p:spPr>
+          <a:xfrm>
+            <a:off x="7382658" y="2789072"/>
+            <a:ext cx="716339" cy="644141"/>
+          </a:xfrm>
+          <a:prstGeom prst="ellipse">
+            <a:avLst/>
+          </a:prstGeom>
+        </p:spPr>
+        <p:style>
+          <a:lnRef idx="2">
+            <a:schemeClr val="accent1">
+              <a:shade val="50000"/>
+            </a:schemeClr>
+          </a:lnRef>
+          <a:fillRef idx="1">
+            <a:schemeClr val="accent1"/>
+          </a:fillRef>
+          <a:effectRef idx="0">
+            <a:schemeClr val="accent1"/>
+          </a:effectRef>
+          <a:fontRef idx="minor">
+            <a:schemeClr val="lt1"/>
+          </a:fontRef>
+        </p:style>
+        <p:txBody>
+          <a:bodyPr rtlCol="0" anchor="ctr"/>
+          <a:lstStyle/>
+          <a:p>
+            <a:pPr algn="ctr"/>
+            <a:r>
+              <a:rPr lang="en-US" sz="1200" dirty="0" smtClean="0"/>
+              <a:t>WTA</a:t>
+            </a:r>
+            <a:endParaRPr lang="ru-RU" sz="1200" dirty="0"/>
+          </a:p>
+        </p:txBody>
+      </p:sp>
+      <p:sp>
+        <p:nvSpPr>
+          <p:cNvPr id="215" name="Oval 32"/>
+          <p:cNvSpPr/>
+          <p:nvPr/>
+        </p:nvSpPr>
+        <p:spPr>
+          <a:xfrm>
+            <a:off x="8992579" y="2733719"/>
+            <a:ext cx="716339" cy="644141"/>
+          </a:xfrm>
+          <a:prstGeom prst="ellipse">
+            <a:avLst/>
+          </a:prstGeom>
+        </p:spPr>
+        <p:style>
+          <a:lnRef idx="2">
+            <a:schemeClr val="accent1">
+              <a:shade val="50000"/>
+            </a:schemeClr>
+          </a:lnRef>
+          <a:fillRef idx="1">
+            <a:schemeClr val="accent1"/>
+          </a:fillRef>
+          <a:effectRef idx="0">
+            <a:schemeClr val="accent1"/>
+          </a:effectRef>
+          <a:fontRef idx="minor">
+            <a:schemeClr val="lt1"/>
+          </a:fontRef>
+        </p:style>
+        <p:txBody>
+          <a:bodyPr rtlCol="0" anchor="ctr"/>
+          <a:lstStyle/>
+          <a:p>
+            <a:pPr algn="ctr"/>
+            <a:r>
+              <a:rPr lang="en-US" sz="1200" dirty="0" smtClean="0"/>
+              <a:t>WTA</a:t>
+            </a:r>
+            <a:endParaRPr lang="ru-RU" sz="1200" dirty="0"/>
+          </a:p>
+        </p:txBody>
+      </p:sp>
+      <p:cxnSp>
+        <p:nvCxnSpPr>
+          <p:cNvPr id="217" name="Прямая со стрелкой 216"/>
+          <p:cNvCxnSpPr>
+            <a:stCxn id="214" idx="6"/>
+            <a:endCxn id="215" idx="2"/>
+          </p:cNvCxnSpPr>
+          <p:nvPr/>
+        </p:nvCxnSpPr>
+        <p:spPr>
+          <a:xfrm flipV="1">
+            <a:off x="8098997" y="3055790"/>
+            <a:ext cx="893582" cy="55353"/>
+          </a:xfrm>
+          <a:prstGeom prst="straightConnector1">
+            <a:avLst/>
+          </a:prstGeom>
+          <a:ln>
+            <a:solidFill>
+              <a:schemeClr val="tx1"/>
+            </a:solidFill>
+            <a:headEnd type="triangle"/>
+            <a:tailEnd type="triangle"/>
+          </a:ln>
+        </p:spPr>
+        <p:style>
+          <a:lnRef idx="1">
+            <a:schemeClr val="accent1"/>
+          </a:lnRef>
+          <a:fillRef idx="0">
+            <a:schemeClr val="accent1"/>
+          </a:fillRef>
+          <a:effectRef idx="0">
+            <a:schemeClr val="accent1"/>
+          </a:effectRef>
+          <a:fontRef idx="minor">
+            <a:schemeClr val="tx1"/>
+          </a:fontRef>
+        </p:style>
+      </p:cxnSp>
+      <p:cxnSp>
+        <p:nvCxnSpPr>
+          <p:cNvPr id="218" name="Прямая со стрелкой 217"/>
+          <p:cNvCxnSpPr>
+            <a:stCxn id="214" idx="2"/>
+            <a:endCxn id="213" idx="6"/>
+          </p:cNvCxnSpPr>
+          <p:nvPr/>
+        </p:nvCxnSpPr>
+        <p:spPr>
+          <a:xfrm flipH="1" flipV="1">
+            <a:off x="6428296" y="3098586"/>
+            <a:ext cx="954362" cy="12557"/>
+          </a:xfrm>
+          <a:prstGeom prst="straightConnector1">
+            <a:avLst/>
+          </a:prstGeom>
+          <a:ln>
+            <a:solidFill>
+              <a:schemeClr val="tx1"/>
+            </a:solidFill>
+            <a:headEnd type="triangle"/>
+            <a:tailEnd type="triangle"/>
+          </a:ln>
+        </p:spPr>
+        <p:style>
+          <a:lnRef idx="1">
+            <a:schemeClr val="accent1"/>
+          </a:lnRef>
+          <a:fillRef idx="0">
+            <a:schemeClr val="accent1"/>
+          </a:fillRef>
+          <a:effectRef idx="0">
+            <a:schemeClr val="accent1"/>
+          </a:effectRef>
+          <a:fontRef idx="minor">
+            <a:schemeClr val="tx1"/>
+          </a:fontRef>
+        </p:style>
+      </p:cxnSp>
+      <p:cxnSp>
+        <p:nvCxnSpPr>
+          <p:cNvPr id="220" name="Straight Arrow Connector 47"/>
+          <p:cNvCxnSpPr/>
+          <p:nvPr/>
+        </p:nvCxnSpPr>
+        <p:spPr>
+          <a:xfrm flipH="1" flipV="1">
+            <a:off x="6070127" y="3439128"/>
+            <a:ext cx="66479" cy="691790"/>
+          </a:xfrm>
+          <a:prstGeom prst="straightConnector1">
+            <a:avLst/>
+          </a:prstGeom>
+          <a:ln w="38100">
+            <a:tailEnd type="triangle"/>
+          </a:ln>
+        </p:spPr>
+        <p:style>
+          <a:lnRef idx="1">
+            <a:schemeClr val="accent1"/>
+          </a:lnRef>
+          <a:fillRef idx="0">
+            <a:schemeClr val="accent1"/>
+          </a:fillRef>
+          <a:effectRef idx="0">
+            <a:schemeClr val="accent1"/>
+          </a:effectRef>
+          <a:fontRef idx="minor">
+            <a:schemeClr val="tx1"/>
+          </a:fontRef>
+        </p:style>
+      </p:cxnSp>
+      <p:cxnSp>
+        <p:nvCxnSpPr>
+          <p:cNvPr id="221" name="Straight Arrow Connector 31"/>
+          <p:cNvCxnSpPr>
+            <a:stCxn id="259" idx="3"/>
+            <a:endCxn id="210" idx="7"/>
+          </p:cNvCxnSpPr>
+          <p:nvPr/>
+        </p:nvCxnSpPr>
+        <p:spPr>
+          <a:xfrm flipH="1">
+            <a:off x="6389870" y="3904040"/>
+            <a:ext cx="297626" cy="302738"/>
+          </a:xfrm>
+          <a:prstGeom prst="straightConnector1">
+            <a:avLst/>
+          </a:prstGeom>
+          <a:ln w="38100">
+            <a:solidFill>
+              <a:schemeClr val="accent1"/>
+            </a:solidFill>
+            <a:prstDash val="dash"/>
+            <a:tailEnd type="triangle"/>
+          </a:ln>
+        </p:spPr>
+        <p:style>
+          <a:lnRef idx="1">
+            <a:schemeClr val="accent1"/>
+          </a:lnRef>
+          <a:fillRef idx="0">
+            <a:schemeClr val="accent1"/>
+          </a:fillRef>
+          <a:effectRef idx="0">
+            <a:schemeClr val="accent1"/>
+          </a:effectRef>
+          <a:fontRef idx="minor">
+            <a:schemeClr val="tx1"/>
+          </a:fontRef>
+        </p:style>
+      </p:cxnSp>
+      <p:cxnSp>
+        <p:nvCxnSpPr>
+          <p:cNvPr id="222" name="Straight Arrow Connector 31"/>
+          <p:cNvCxnSpPr>
+            <a:stCxn id="261" idx="3"/>
+            <a:endCxn id="211" idx="7"/>
+          </p:cNvCxnSpPr>
+          <p:nvPr/>
+        </p:nvCxnSpPr>
+        <p:spPr>
+          <a:xfrm flipH="1">
+            <a:off x="7789142" y="3962762"/>
+            <a:ext cx="528258" cy="314396"/>
+          </a:xfrm>
+          <a:prstGeom prst="straightConnector1">
+            <a:avLst/>
+          </a:prstGeom>
+          <a:ln w="38100">
+            <a:solidFill>
+              <a:schemeClr val="accent1"/>
+            </a:solidFill>
+            <a:prstDash val="dash"/>
+            <a:tailEnd type="triangle"/>
+          </a:ln>
+        </p:spPr>
+        <p:style>
+          <a:lnRef idx="1">
+            <a:schemeClr val="accent1"/>
+          </a:lnRef>
+          <a:fillRef idx="0">
+            <a:schemeClr val="accent1"/>
+          </a:fillRef>
+          <a:effectRef idx="0">
+            <a:schemeClr val="accent1"/>
+          </a:effectRef>
+          <a:fontRef idx="minor">
+            <a:schemeClr val="tx1"/>
+          </a:fontRef>
+        </p:style>
+      </p:cxnSp>
+      <p:cxnSp>
+        <p:nvCxnSpPr>
+          <p:cNvPr id="256" name="Straight Arrow Connector 31"/>
+          <p:cNvCxnSpPr>
+            <a:stCxn id="260" idx="3"/>
+            <a:endCxn id="212" idx="7"/>
+          </p:cNvCxnSpPr>
+          <p:nvPr/>
+        </p:nvCxnSpPr>
+        <p:spPr>
+          <a:xfrm flipH="1">
+            <a:off x="9634588" y="3468305"/>
+            <a:ext cx="460724" cy="703576"/>
+          </a:xfrm>
+          <a:prstGeom prst="straightConnector1">
+            <a:avLst/>
+          </a:prstGeom>
+          <a:ln w="38100">
+            <a:solidFill>
+              <a:schemeClr val="accent1"/>
+            </a:solidFill>
+            <a:prstDash val="dash"/>
+            <a:tailEnd type="triangle"/>
+          </a:ln>
+        </p:spPr>
+        <p:style>
+          <a:lnRef idx="1">
+            <a:schemeClr val="accent1"/>
+          </a:lnRef>
+          <a:fillRef idx="0">
+            <a:schemeClr val="accent1"/>
+          </a:fillRef>
+          <a:effectRef idx="0">
+            <a:schemeClr val="accent1"/>
+          </a:effectRef>
+          <a:fontRef idx="minor">
+            <a:schemeClr val="tx1"/>
+          </a:fontRef>
+        </p:style>
+      </p:cxnSp>
+      <p:cxnSp>
+        <p:nvCxnSpPr>
+          <p:cNvPr id="257" name="Straight Arrow Connector 47"/>
+          <p:cNvCxnSpPr>
+            <a:stCxn id="211" idx="0"/>
+            <a:endCxn id="214" idx="4"/>
+          </p:cNvCxnSpPr>
+          <p:nvPr/>
+        </p:nvCxnSpPr>
+        <p:spPr>
+          <a:xfrm flipV="1">
+            <a:off x="7535878" y="3433213"/>
+            <a:ext cx="204950" cy="749613"/>
+          </a:xfrm>
+          <a:prstGeom prst="straightConnector1">
+            <a:avLst/>
+          </a:prstGeom>
+          <a:ln w="38100">
+            <a:tailEnd type="triangle"/>
+          </a:ln>
+        </p:spPr>
+        <p:style>
+          <a:lnRef idx="1">
+            <a:schemeClr val="accent1"/>
+          </a:lnRef>
+          <a:fillRef idx="0">
+            <a:schemeClr val="accent1"/>
+          </a:fillRef>
+          <a:effectRef idx="0">
+            <a:schemeClr val="accent1"/>
+          </a:effectRef>
+          <a:fontRef idx="minor">
+            <a:schemeClr val="tx1"/>
+          </a:fontRef>
+        </p:style>
+      </p:cxnSp>
+      <p:cxnSp>
+        <p:nvCxnSpPr>
+          <p:cNvPr id="258" name="Straight Arrow Connector 47"/>
+          <p:cNvCxnSpPr>
+            <a:stCxn id="212" idx="0"/>
+            <a:endCxn id="215" idx="4"/>
+          </p:cNvCxnSpPr>
+          <p:nvPr/>
+        </p:nvCxnSpPr>
+        <p:spPr>
+          <a:xfrm flipH="1" flipV="1">
+            <a:off x="9350749" y="3377860"/>
+            <a:ext cx="30575" cy="699689"/>
+          </a:xfrm>
+          <a:prstGeom prst="straightConnector1">
+            <a:avLst/>
+          </a:prstGeom>
+          <a:ln w="38100">
+            <a:tailEnd type="triangle"/>
+          </a:ln>
+        </p:spPr>
+        <p:style>
+          <a:lnRef idx="1">
+            <a:schemeClr val="accent1"/>
+          </a:lnRef>
+          <a:fillRef idx="0">
+            <a:schemeClr val="accent1"/>
+          </a:fillRef>
+          <a:effectRef idx="0">
+            <a:schemeClr val="accent1"/>
+          </a:effectRef>
+          <a:fontRef idx="minor">
+            <a:schemeClr val="tx1"/>
+          </a:fontRef>
+        </p:style>
+      </p:cxnSp>
+      <p:sp>
+        <p:nvSpPr>
+          <p:cNvPr id="259" name="Oval 32"/>
+          <p:cNvSpPr/>
+          <p:nvPr/>
+        </p:nvSpPr>
+        <p:spPr>
+          <a:xfrm>
+            <a:off x="6582591" y="3354231"/>
+            <a:ext cx="716339" cy="644141"/>
+          </a:xfrm>
+          <a:prstGeom prst="ellipse">
+            <a:avLst/>
+          </a:prstGeom>
+        </p:spPr>
+        <p:style>
+          <a:lnRef idx="2">
+            <a:schemeClr val="accent1">
+              <a:shade val="50000"/>
+            </a:schemeClr>
+          </a:lnRef>
+          <a:fillRef idx="1">
+            <a:schemeClr val="accent1"/>
+          </a:fillRef>
+          <a:effectRef idx="0">
+            <a:schemeClr val="accent1"/>
+          </a:effectRef>
+          <a:fontRef idx="minor">
+            <a:schemeClr val="lt1"/>
+          </a:fontRef>
+        </p:style>
+        <p:txBody>
+          <a:bodyPr rtlCol="0" anchor="ctr"/>
+          <a:lstStyle/>
+          <a:p>
+            <a:pPr algn="ctr"/>
+            <a:r>
+              <a:rPr lang="en-US" sz="600" dirty="0" smtClean="0"/>
+              <a:t>REWGATE</a:t>
+            </a:r>
+            <a:endParaRPr lang="ru-RU" sz="600" dirty="0"/>
+          </a:p>
+        </p:txBody>
+      </p:sp>
+      <p:sp>
+        <p:nvSpPr>
+          <p:cNvPr id="260" name="Oval 32"/>
+          <p:cNvSpPr/>
+          <p:nvPr/>
+        </p:nvSpPr>
+        <p:spPr>
+          <a:xfrm>
+            <a:off x="9991542" y="2918496"/>
+            <a:ext cx="708587" cy="644141"/>
+          </a:xfrm>
+          <a:prstGeom prst="ellipse">
+            <a:avLst/>
+          </a:prstGeom>
+        </p:spPr>
+        <p:style>
+          <a:lnRef idx="2">
+            <a:schemeClr val="accent1">
+              <a:shade val="50000"/>
+            </a:schemeClr>
+          </a:lnRef>
+          <a:fillRef idx="1">
+            <a:schemeClr val="accent1"/>
+          </a:fillRef>
+          <a:effectRef idx="0">
+            <a:schemeClr val="accent1"/>
+          </a:effectRef>
+          <a:fontRef idx="minor">
+            <a:schemeClr val="lt1"/>
+          </a:fontRef>
+        </p:style>
+        <p:txBody>
+          <a:bodyPr rtlCol="0" anchor="ctr"/>
+          <a:lstStyle/>
+          <a:p>
+            <a:pPr algn="ctr"/>
+            <a:r>
+              <a:rPr lang="en-US" sz="600" dirty="0" smtClean="0"/>
+              <a:t>REWGATE</a:t>
+            </a:r>
+            <a:endParaRPr lang="ru-RU" sz="600" dirty="0"/>
+          </a:p>
+        </p:txBody>
+      </p:sp>
+      <p:sp>
+        <p:nvSpPr>
+          <p:cNvPr id="261" name="Oval 32"/>
+          <p:cNvSpPr/>
+          <p:nvPr/>
+        </p:nvSpPr>
+        <p:spPr>
+          <a:xfrm>
+            <a:off x="8212495" y="3412953"/>
+            <a:ext cx="716339" cy="644141"/>
+          </a:xfrm>
+          <a:prstGeom prst="ellipse">
+            <a:avLst/>
+          </a:prstGeom>
+        </p:spPr>
+        <p:style>
+          <a:lnRef idx="2">
+            <a:schemeClr val="accent1">
+              <a:shade val="50000"/>
+            </a:schemeClr>
+          </a:lnRef>
+          <a:fillRef idx="1">
+            <a:schemeClr val="accent1"/>
+          </a:fillRef>
+          <a:effectRef idx="0">
+            <a:schemeClr val="accent1"/>
+          </a:effectRef>
+          <a:fontRef idx="minor">
+            <a:schemeClr val="lt1"/>
+          </a:fontRef>
+        </p:style>
+        <p:txBody>
+          <a:bodyPr rtlCol="0" anchor="ctr"/>
+          <a:lstStyle/>
+          <a:p>
+            <a:pPr algn="ctr"/>
+            <a:r>
+              <a:rPr lang="en-US" sz="600" dirty="0" smtClean="0"/>
+              <a:t>REWGATE</a:t>
+            </a:r>
+            <a:endParaRPr lang="ru-RU" sz="600" dirty="0"/>
+          </a:p>
+        </p:txBody>
+      </p:sp>
+      <p:cxnSp>
+        <p:nvCxnSpPr>
+          <p:cNvPr id="262" name="Прямая со стрелкой 261"/>
+          <p:cNvCxnSpPr>
+            <a:stCxn id="213" idx="5"/>
+            <a:endCxn id="259" idx="1"/>
+          </p:cNvCxnSpPr>
+          <p:nvPr/>
+        </p:nvCxnSpPr>
+        <p:spPr>
+          <a:xfrm>
+            <a:off x="6323391" y="3326324"/>
+            <a:ext cx="364105" cy="122239"/>
+          </a:xfrm>
+          <a:prstGeom prst="straightConnector1">
+            <a:avLst/>
+          </a:prstGeom>
+          <a:ln>
+            <a:solidFill>
+              <a:srgbClr val="00B050"/>
+            </a:solidFill>
+            <a:tailEnd type="triangle"/>
+          </a:ln>
+        </p:spPr>
+        <p:style>
+          <a:lnRef idx="1">
+            <a:schemeClr val="accent1"/>
+          </a:lnRef>
+          <a:fillRef idx="0">
+            <a:schemeClr val="accent1"/>
+          </a:fillRef>
+          <a:effectRef idx="0">
+            <a:schemeClr val="accent1"/>
+          </a:effectRef>
+          <a:fontRef idx="minor">
+            <a:schemeClr val="tx1"/>
+          </a:fontRef>
+        </p:style>
+      </p:cxnSp>
+      <p:cxnSp>
+        <p:nvCxnSpPr>
+          <p:cNvPr id="263" name="Прямая со стрелкой 262"/>
+          <p:cNvCxnSpPr>
+            <a:stCxn id="215" idx="6"/>
+            <a:endCxn id="260" idx="2"/>
+          </p:cNvCxnSpPr>
+          <p:nvPr/>
+        </p:nvCxnSpPr>
+        <p:spPr>
+          <a:xfrm>
+            <a:off x="9708918" y="3055790"/>
+            <a:ext cx="282624" cy="184777"/>
+          </a:xfrm>
+          <a:prstGeom prst="straightConnector1">
+            <a:avLst/>
+          </a:prstGeom>
+          <a:ln>
+            <a:solidFill>
+              <a:srgbClr val="00B050"/>
+            </a:solidFill>
+            <a:tailEnd type="triangle"/>
+          </a:ln>
+        </p:spPr>
+        <p:style>
+          <a:lnRef idx="1">
+            <a:schemeClr val="accent1"/>
+          </a:lnRef>
+          <a:fillRef idx="0">
+            <a:schemeClr val="accent1"/>
+          </a:fillRef>
+          <a:effectRef idx="0">
+            <a:schemeClr val="accent1"/>
+          </a:effectRef>
+          <a:fontRef idx="minor">
+            <a:schemeClr val="tx1"/>
+          </a:fontRef>
+        </p:style>
+      </p:cxnSp>
+      <p:cxnSp>
+        <p:nvCxnSpPr>
+          <p:cNvPr id="264" name="Прямая со стрелкой 263"/>
+          <p:cNvCxnSpPr>
+            <a:stCxn id="214" idx="5"/>
+            <a:endCxn id="261" idx="1"/>
+          </p:cNvCxnSpPr>
+          <p:nvPr/>
+        </p:nvCxnSpPr>
+        <p:spPr>
+          <a:xfrm>
+            <a:off x="7994092" y="3338881"/>
+            <a:ext cx="323308" cy="168404"/>
+          </a:xfrm>
+          <a:prstGeom prst="straightConnector1">
+            <a:avLst/>
+          </a:prstGeom>
+          <a:ln>
+            <a:solidFill>
+              <a:srgbClr val="00B050"/>
+            </a:solidFill>
+            <a:tailEnd type="triangle"/>
+          </a:ln>
+        </p:spPr>
+        <p:style>
+          <a:lnRef idx="1">
+            <a:schemeClr val="accent1"/>
+          </a:lnRef>
+          <a:fillRef idx="0">
+            <a:schemeClr val="accent1"/>
+          </a:fillRef>
+          <a:effectRef idx="0">
+            <a:schemeClr val="accent1"/>
+          </a:effectRef>
+          <a:fontRef idx="minor">
+            <a:schemeClr val="tx1"/>
+          </a:fontRef>
+        </p:style>
+      </p:cxnSp>
+      <p:sp>
+        <p:nvSpPr>
+          <p:cNvPr id="265" name="TextBox 264"/>
+          <p:cNvSpPr txBox="1"/>
+          <p:nvPr/>
+        </p:nvSpPr>
+        <p:spPr>
+          <a:xfrm>
+            <a:off x="9708918" y="3129860"/>
+            <a:ext cx="272444" cy="253916"/>
+          </a:xfrm>
+          <a:prstGeom prst="rect">
+            <a:avLst/>
+          </a:prstGeom>
+          <a:noFill/>
+        </p:spPr>
+        <p:txBody>
+          <a:bodyPr wrap="square" rtlCol="0">
+            <a:spAutoFit/>
+          </a:bodyPr>
+          <a:lstStyle/>
+          <a:p>
+            <a:r>
+              <a:rPr lang="en-US" sz="1050" dirty="0" smtClean="0"/>
+              <a:t>L</a:t>
+            </a:r>
+            <a:endParaRPr lang="en-US" sz="1050" dirty="0"/>
+          </a:p>
+        </p:txBody>
+      </p:sp>
+      <p:sp>
+        <p:nvSpPr>
+          <p:cNvPr id="266" name="TextBox 265"/>
+          <p:cNvSpPr txBox="1"/>
+          <p:nvPr/>
+        </p:nvSpPr>
+        <p:spPr>
+          <a:xfrm>
+            <a:off x="8570665" y="2857226"/>
+            <a:ext cx="272444" cy="253916"/>
+          </a:xfrm>
+          <a:prstGeom prst="rect">
+            <a:avLst/>
+          </a:prstGeom>
+          <a:noFill/>
+        </p:spPr>
+        <p:txBody>
+          <a:bodyPr wrap="square" rtlCol="0">
+            <a:spAutoFit/>
+          </a:bodyPr>
+          <a:lstStyle/>
+          <a:p>
+            <a:r>
+              <a:rPr lang="en-US" sz="1050" dirty="0" smtClean="0"/>
+              <a:t>L</a:t>
+            </a:r>
+            <a:endParaRPr lang="en-US" sz="1050" dirty="0"/>
+          </a:p>
+        </p:txBody>
+      </p:sp>
+      <p:sp>
+        <p:nvSpPr>
+          <p:cNvPr id="270" name="Oval 32"/>
+          <p:cNvSpPr/>
+          <p:nvPr/>
+        </p:nvSpPr>
+        <p:spPr>
+          <a:xfrm>
+            <a:off x="6672439" y="255282"/>
+            <a:ext cx="716339" cy="644141"/>
+          </a:xfrm>
+          <a:prstGeom prst="ellipse">
+            <a:avLst/>
+          </a:prstGeom>
+          <a:ln>
+            <a:solidFill>
+              <a:srgbClr val="FF0000"/>
+            </a:solidFill>
+          </a:ln>
+        </p:spPr>
+        <p:style>
+          <a:lnRef idx="2">
+            <a:schemeClr val="accent1">
+              <a:shade val="50000"/>
+            </a:schemeClr>
+          </a:lnRef>
+          <a:fillRef idx="1">
+            <a:schemeClr val="accent1"/>
+          </a:fillRef>
+          <a:effectRef idx="0">
+            <a:schemeClr val="accent1"/>
+          </a:effectRef>
+          <a:fontRef idx="minor">
+            <a:schemeClr val="lt1"/>
+          </a:fontRef>
+        </p:style>
+        <p:txBody>
+          <a:bodyPr rtlCol="0" anchor="ctr"/>
+          <a:lstStyle/>
+          <a:p>
+            <a:pPr algn="ctr"/>
+            <a:r>
+              <a:rPr lang="en-US" sz="1100" dirty="0" smtClean="0"/>
+              <a:t>REWBIAS</a:t>
+            </a:r>
+            <a:endParaRPr lang="ru-RU" sz="1100" dirty="0"/>
+          </a:p>
+        </p:txBody>
+      </p:sp>
+      <p:cxnSp>
+        <p:nvCxnSpPr>
+          <p:cNvPr id="271" name="Straight Arrow Connector 47"/>
+          <p:cNvCxnSpPr>
+            <a:stCxn id="112" idx="6"/>
+            <a:endCxn id="270" idx="2"/>
+          </p:cNvCxnSpPr>
+          <p:nvPr/>
+        </p:nvCxnSpPr>
+        <p:spPr>
+          <a:xfrm>
+            <a:off x="6193869" y="551947"/>
+            <a:ext cx="478570" cy="25406"/>
+          </a:xfrm>
+          <a:prstGeom prst="straightConnector1">
+            <a:avLst/>
+          </a:prstGeom>
+          <a:ln w="38100">
+            <a:tailEnd type="triangle"/>
+          </a:ln>
+        </p:spPr>
+        <p:style>
+          <a:lnRef idx="1">
+            <a:schemeClr val="accent1"/>
+          </a:lnRef>
+          <a:fillRef idx="0">
+            <a:schemeClr val="accent1"/>
+          </a:fillRef>
+          <a:effectRef idx="0">
+            <a:schemeClr val="accent1"/>
+          </a:effectRef>
+          <a:fontRef idx="minor">
+            <a:schemeClr val="tx1"/>
+          </a:fontRef>
+        </p:style>
+      </p:cxnSp>
+      <p:cxnSp>
+        <p:nvCxnSpPr>
+          <p:cNvPr id="274" name="Прямая со стрелкой 273"/>
+          <p:cNvCxnSpPr>
+            <a:stCxn id="270" idx="6"/>
+            <a:endCxn id="177" idx="2"/>
+          </p:cNvCxnSpPr>
+          <p:nvPr/>
+        </p:nvCxnSpPr>
+        <p:spPr>
+          <a:xfrm flipV="1">
+            <a:off x="7388778" y="478123"/>
+            <a:ext cx="3488785" cy="99230"/>
+          </a:xfrm>
+          <a:prstGeom prst="straightConnector1">
+            <a:avLst/>
+          </a:prstGeom>
+          <a:ln>
+            <a:solidFill>
+              <a:schemeClr val="tx1"/>
+            </a:solidFill>
+            <a:headEnd type="none"/>
+            <a:tailEnd type="triangle"/>
+          </a:ln>
+        </p:spPr>
+        <p:style>
+          <a:lnRef idx="1">
+            <a:schemeClr val="accent1"/>
+          </a:lnRef>
+          <a:fillRef idx="0">
+            <a:schemeClr val="accent1"/>
+          </a:fillRef>
+          <a:effectRef idx="0">
+            <a:schemeClr val="accent1"/>
+          </a:effectRef>
+          <a:fontRef idx="minor">
+            <a:schemeClr val="tx1"/>
+          </a:fontRef>
+        </p:style>
+      </p:cxnSp>
+      <p:cxnSp>
+        <p:nvCxnSpPr>
+          <p:cNvPr id="277" name="Straight Arrow Connector 47"/>
+          <p:cNvCxnSpPr>
+            <a:stCxn id="112" idx="5"/>
+            <a:endCxn id="261" idx="0"/>
+          </p:cNvCxnSpPr>
+          <p:nvPr/>
+        </p:nvCxnSpPr>
+        <p:spPr>
+          <a:xfrm>
+            <a:off x="6088964" y="779685"/>
+            <a:ext cx="2481701" cy="2633268"/>
+          </a:xfrm>
+          <a:prstGeom prst="straightConnector1">
+            <a:avLst/>
+          </a:prstGeom>
+          <a:ln w="38100">
+            <a:tailEnd type="triangle"/>
+          </a:ln>
+        </p:spPr>
+        <p:style>
+          <a:lnRef idx="1">
+            <a:schemeClr val="accent1"/>
+          </a:lnRef>
+          <a:fillRef idx="0">
+            <a:schemeClr val="accent1"/>
+          </a:fillRef>
+          <a:effectRef idx="0">
+            <a:schemeClr val="accent1"/>
+          </a:effectRef>
+          <a:fontRef idx="minor">
+            <a:schemeClr val="tx1"/>
+          </a:fontRef>
+        </p:style>
+      </p:cxnSp>
+      <p:cxnSp>
+        <p:nvCxnSpPr>
+          <p:cNvPr id="278" name="Straight Arrow Connector 47"/>
+          <p:cNvCxnSpPr>
+            <a:stCxn id="112" idx="5"/>
+            <a:endCxn id="259" idx="0"/>
+          </p:cNvCxnSpPr>
+          <p:nvPr/>
+        </p:nvCxnSpPr>
+        <p:spPr>
+          <a:xfrm>
+            <a:off x="6088964" y="779685"/>
+            <a:ext cx="851797" cy="2574546"/>
+          </a:xfrm>
+          <a:prstGeom prst="straightConnector1">
+            <a:avLst/>
+          </a:prstGeom>
+          <a:ln w="38100">
+            <a:tailEnd type="triangle"/>
+          </a:ln>
+        </p:spPr>
+        <p:style>
+          <a:lnRef idx="1">
+            <a:schemeClr val="accent1"/>
+          </a:lnRef>
+          <a:fillRef idx="0">
+            <a:schemeClr val="accent1"/>
+          </a:fillRef>
+          <a:effectRef idx="0">
+            <a:schemeClr val="accent1"/>
+          </a:effectRef>
+          <a:fontRef idx="minor">
+            <a:schemeClr val="tx1"/>
+          </a:fontRef>
+        </p:style>
+      </p:cxnSp>
+      <p:cxnSp>
+        <p:nvCxnSpPr>
+          <p:cNvPr id="279" name="Straight Arrow Connector 47"/>
+          <p:cNvCxnSpPr>
+            <a:stCxn id="112" idx="5"/>
+            <a:endCxn id="260" idx="0"/>
+          </p:cNvCxnSpPr>
+          <p:nvPr/>
+        </p:nvCxnSpPr>
+        <p:spPr>
+          <a:xfrm>
+            <a:off x="6088964" y="779685"/>
+            <a:ext cx="4256872" cy="2138811"/>
+          </a:xfrm>
+          <a:prstGeom prst="straightConnector1">
+            <a:avLst/>
+          </a:prstGeom>
+          <a:ln w="38100">
+            <a:tailEnd type="triangle"/>
+          </a:ln>
+        </p:spPr>
+        <p:style>
+          <a:lnRef idx="1">
+            <a:schemeClr val="accent1"/>
+          </a:lnRef>
+          <a:fillRef idx="0">
+            <a:schemeClr val="accent1"/>
+          </a:fillRef>
+          <a:effectRef idx="0">
+            <a:schemeClr val="accent1"/>
+          </a:effectRef>
+          <a:fontRef idx="minor">
+            <a:schemeClr val="tx1"/>
+          </a:fontRef>
+        </p:style>
+      </p:cxnSp>
+      <p:cxnSp>
+        <p:nvCxnSpPr>
+          <p:cNvPr id="286" name="Straight Arrow Connector 47"/>
+          <p:cNvCxnSpPr>
+            <a:stCxn id="270" idx="4"/>
+            <a:endCxn id="261" idx="0"/>
+          </p:cNvCxnSpPr>
+          <p:nvPr/>
+        </p:nvCxnSpPr>
+        <p:spPr>
+          <a:xfrm>
+            <a:off x="7030609" y="899423"/>
+            <a:ext cx="1540056" cy="2513530"/>
+          </a:xfrm>
+          <a:prstGeom prst="straightConnector1">
+            <a:avLst/>
+          </a:prstGeom>
+          <a:ln w="38100">
+            <a:tailEnd type="triangle"/>
+          </a:ln>
+        </p:spPr>
+        <p:style>
+          <a:lnRef idx="1">
+            <a:schemeClr val="accent1"/>
+          </a:lnRef>
+          <a:fillRef idx="0">
+            <a:schemeClr val="accent1"/>
+          </a:fillRef>
+          <a:effectRef idx="0">
+            <a:schemeClr val="accent1"/>
+          </a:effectRef>
+          <a:fontRef idx="minor">
+            <a:schemeClr val="tx1"/>
+          </a:fontRef>
+        </p:style>
+      </p:cxnSp>
+      <p:cxnSp>
+        <p:nvCxnSpPr>
+          <p:cNvPr id="287" name="Straight Arrow Connector 47"/>
+          <p:cNvCxnSpPr>
+            <a:stCxn id="270" idx="4"/>
+          </p:cNvCxnSpPr>
+          <p:nvPr/>
+        </p:nvCxnSpPr>
+        <p:spPr>
+          <a:xfrm flipH="1">
+            <a:off x="6940760" y="899423"/>
+            <a:ext cx="89849" cy="2568882"/>
+          </a:xfrm>
+          <a:prstGeom prst="straightConnector1">
+            <a:avLst/>
+          </a:prstGeom>
+          <a:ln w="38100">
+            <a:tailEnd type="triangle"/>
+          </a:ln>
+        </p:spPr>
+        <p:style>
+          <a:lnRef idx="1">
+            <a:schemeClr val="accent1"/>
+          </a:lnRef>
+          <a:fillRef idx="0">
+            <a:schemeClr val="accent1"/>
+          </a:fillRef>
+          <a:effectRef idx="0">
+            <a:schemeClr val="accent1"/>
+          </a:effectRef>
+          <a:fontRef idx="minor">
+            <a:schemeClr val="tx1"/>
+          </a:fontRef>
+        </p:style>
+      </p:cxnSp>
+      <p:cxnSp>
+        <p:nvCxnSpPr>
+          <p:cNvPr id="288" name="Straight Arrow Connector 47"/>
+          <p:cNvCxnSpPr>
+            <a:stCxn id="270" idx="4"/>
+            <a:endCxn id="260" idx="0"/>
+          </p:cNvCxnSpPr>
+          <p:nvPr/>
+        </p:nvCxnSpPr>
+        <p:spPr>
+          <a:xfrm>
+            <a:off x="7030609" y="899423"/>
+            <a:ext cx="3315227" cy="2019073"/>
+          </a:xfrm>
+          <a:prstGeom prst="straightConnector1">
+            <a:avLst/>
+          </a:prstGeom>
+          <a:ln w="38100">
+            <a:tailEnd type="triangle"/>
+          </a:ln>
+        </p:spPr>
+        <p:style>
+          <a:lnRef idx="1">
+            <a:schemeClr val="accent1"/>
+          </a:lnRef>
+          <a:fillRef idx="0">
+            <a:schemeClr val="accent1"/>
+          </a:fillRef>
+          <a:effectRef idx="0">
+            <a:schemeClr val="accent1"/>
+          </a:effectRef>
+          <a:fontRef idx="minor">
+            <a:schemeClr val="tx1"/>
+          </a:fontRef>
+        </p:style>
+      </p:cxnSp>
+      <p:cxnSp>
+        <p:nvCxnSpPr>
+          <p:cNvPr id="295" name="Прямая со стрелкой 294"/>
+          <p:cNvCxnSpPr>
+            <a:stCxn id="270" idx="3"/>
+            <a:endCxn id="210" idx="7"/>
+          </p:cNvCxnSpPr>
+          <p:nvPr/>
+        </p:nvCxnSpPr>
+        <p:spPr>
+          <a:xfrm flipH="1">
+            <a:off x="6389870" y="805091"/>
+            <a:ext cx="387474" cy="3401687"/>
+          </a:xfrm>
+          <a:prstGeom prst="straightConnector1">
+            <a:avLst/>
+          </a:prstGeom>
+          <a:ln w="15875">
+            <a:tailEnd type="arrow"/>
+          </a:ln>
+        </p:spPr>
+        <p:style>
+          <a:lnRef idx="1">
+            <a:schemeClr val="accent1"/>
+          </a:lnRef>
+          <a:fillRef idx="0">
+            <a:schemeClr val="accent1"/>
+          </a:fillRef>
+          <a:effectRef idx="0">
+            <a:schemeClr val="accent1"/>
+          </a:effectRef>
+          <a:fontRef idx="minor">
+            <a:schemeClr val="tx1"/>
+          </a:fontRef>
+        </p:style>
+      </p:cxnSp>
+      <p:cxnSp>
+        <p:nvCxnSpPr>
+          <p:cNvPr id="296" name="Прямая со стрелкой 295"/>
+          <p:cNvCxnSpPr>
+            <a:stCxn id="270" idx="5"/>
+            <a:endCxn id="211" idx="0"/>
+          </p:cNvCxnSpPr>
+          <p:nvPr/>
+        </p:nvCxnSpPr>
+        <p:spPr>
+          <a:xfrm>
+            <a:off x="7283873" y="805091"/>
+            <a:ext cx="252005" cy="3377735"/>
+          </a:xfrm>
+          <a:prstGeom prst="straightConnector1">
+            <a:avLst/>
+          </a:prstGeom>
+          <a:ln w="15875">
+            <a:tailEnd type="arrow"/>
+          </a:ln>
+        </p:spPr>
+        <p:style>
+          <a:lnRef idx="1">
+            <a:schemeClr val="accent1"/>
+          </a:lnRef>
+          <a:fillRef idx="0">
+            <a:schemeClr val="accent1"/>
+          </a:fillRef>
+          <a:effectRef idx="0">
+            <a:schemeClr val="accent1"/>
+          </a:effectRef>
+          <a:fontRef idx="minor">
+            <a:schemeClr val="tx1"/>
+          </a:fontRef>
+        </p:style>
+      </p:cxnSp>
+      <p:cxnSp>
+        <p:nvCxnSpPr>
+          <p:cNvPr id="297" name="Прямая со стрелкой 296"/>
+          <p:cNvCxnSpPr>
+            <a:stCxn id="270" idx="5"/>
+            <a:endCxn id="212" idx="0"/>
+          </p:cNvCxnSpPr>
+          <p:nvPr/>
+        </p:nvCxnSpPr>
+        <p:spPr>
+          <a:xfrm>
+            <a:off x="7283873" y="805091"/>
+            <a:ext cx="2097451" cy="3272458"/>
+          </a:xfrm>
+          <a:prstGeom prst="straightConnector1">
+            <a:avLst/>
+          </a:prstGeom>
+          <a:ln w="15875">
+            <a:tailEnd type="arrow"/>
+          </a:ln>
+        </p:spPr>
+        <p:style>
+          <a:lnRef idx="1">
+            <a:schemeClr val="accent1"/>
+          </a:lnRef>
+          <a:fillRef idx="0">
+            <a:schemeClr val="accent1"/>
+          </a:fillRef>
+          <a:effectRef idx="0">
+            <a:schemeClr val="accent1"/>
+          </a:effectRef>
+          <a:fontRef idx="minor">
+            <a:schemeClr val="tx1"/>
+          </a:fontRef>
+        </p:style>
+      </p:cxnSp>
+      <p:cxnSp>
+        <p:nvCxnSpPr>
+          <p:cNvPr id="313" name="Straight Arrow Connector 47"/>
+          <p:cNvCxnSpPr>
+            <a:stCxn id="213" idx="7"/>
+            <a:endCxn id="172" idx="2"/>
+          </p:cNvCxnSpPr>
+          <p:nvPr/>
+        </p:nvCxnSpPr>
+        <p:spPr>
+          <a:xfrm flipV="1">
+            <a:off x="6323391" y="1849090"/>
+            <a:ext cx="4359168" cy="1021757"/>
+          </a:xfrm>
+          <a:prstGeom prst="straightConnector1">
+            <a:avLst/>
+          </a:prstGeom>
+          <a:ln w="38100">
+            <a:tailEnd type="triangle"/>
+          </a:ln>
+        </p:spPr>
+        <p:style>
+          <a:lnRef idx="1">
+            <a:schemeClr val="accent1"/>
+          </a:lnRef>
+          <a:fillRef idx="0">
+            <a:schemeClr val="accent1"/>
+          </a:fillRef>
+          <a:effectRef idx="0">
+            <a:schemeClr val="accent1"/>
+          </a:effectRef>
+          <a:fontRef idx="minor">
+            <a:schemeClr val="tx1"/>
+          </a:fontRef>
+        </p:style>
+      </p:cxnSp>
+      <p:cxnSp>
+        <p:nvCxnSpPr>
+          <p:cNvPr id="314" name="Straight Arrow Connector 47"/>
+          <p:cNvCxnSpPr>
+            <a:stCxn id="214" idx="7"/>
+            <a:endCxn id="172" idx="2"/>
+          </p:cNvCxnSpPr>
+          <p:nvPr/>
+        </p:nvCxnSpPr>
+        <p:spPr>
+          <a:xfrm flipV="1">
+            <a:off x="7994092" y="1849090"/>
+            <a:ext cx="2688467" cy="1034314"/>
+          </a:xfrm>
+          <a:prstGeom prst="straightConnector1">
+            <a:avLst/>
+          </a:prstGeom>
+          <a:ln w="38100">
+            <a:tailEnd type="triangle"/>
+          </a:ln>
+        </p:spPr>
+        <p:style>
+          <a:lnRef idx="1">
+            <a:schemeClr val="accent1"/>
+          </a:lnRef>
+          <a:fillRef idx="0">
+            <a:schemeClr val="accent1"/>
+          </a:fillRef>
+          <a:effectRef idx="0">
+            <a:schemeClr val="accent1"/>
+          </a:effectRef>
+          <a:fontRef idx="minor">
+            <a:schemeClr val="tx1"/>
+          </a:fontRef>
+        </p:style>
+      </p:cxnSp>
+      <p:cxnSp>
+        <p:nvCxnSpPr>
+          <p:cNvPr id="315" name="Straight Arrow Connector 47"/>
+          <p:cNvCxnSpPr>
+            <a:stCxn id="215" idx="7"/>
+            <a:endCxn id="172" idx="2"/>
+          </p:cNvCxnSpPr>
+          <p:nvPr/>
+        </p:nvCxnSpPr>
+        <p:spPr>
+          <a:xfrm flipV="1">
+            <a:off x="9604013" y="1849090"/>
+            <a:ext cx="1078546" cy="978961"/>
+          </a:xfrm>
+          <a:prstGeom prst="straightConnector1">
+            <a:avLst/>
+          </a:prstGeom>
+          <a:ln w="38100">
+            <a:tailEnd type="triangle"/>
+          </a:ln>
+        </p:spPr>
+        <p:style>
+          <a:lnRef idx="1">
+            <a:schemeClr val="accent1"/>
+          </a:lnRef>
+          <a:fillRef idx="0">
+            <a:schemeClr val="accent1"/>
+          </a:fillRef>
+          <a:effectRef idx="0">
+            <a:schemeClr val="accent1"/>
+          </a:effectRef>
+          <a:fontRef idx="minor">
+            <a:schemeClr val="tx1"/>
+          </a:fontRef>
+        </p:style>
+      </p:cxnSp>
+      <p:cxnSp>
+        <p:nvCxnSpPr>
+          <p:cNvPr id="322" name="Прямая со стрелкой 321"/>
+          <p:cNvCxnSpPr>
+            <a:stCxn id="215" idx="0"/>
+          </p:cNvCxnSpPr>
+          <p:nvPr/>
+        </p:nvCxnSpPr>
+        <p:spPr>
+          <a:xfrm flipH="1" flipV="1">
+            <a:off x="7409875" y="670878"/>
+            <a:ext cx="1940874" cy="2062841"/>
+          </a:xfrm>
+          <a:prstGeom prst="straightConnector1">
+            <a:avLst/>
+          </a:prstGeom>
+          <a:ln>
+            <a:solidFill>
+              <a:schemeClr val="tx1"/>
+            </a:solidFill>
+            <a:headEnd type="none"/>
+            <a:tailEnd type="triangle"/>
+          </a:ln>
+        </p:spPr>
+        <p:style>
+          <a:lnRef idx="1">
+            <a:schemeClr val="accent1"/>
+          </a:lnRef>
+          <a:fillRef idx="0">
+            <a:schemeClr val="accent1"/>
+          </a:fillRef>
+          <a:effectRef idx="0">
+            <a:schemeClr val="accent1"/>
+          </a:effectRef>
+          <a:fontRef idx="minor">
+            <a:schemeClr val="tx1"/>
+          </a:fontRef>
+        </p:style>
+      </p:cxnSp>
+      <p:cxnSp>
+        <p:nvCxnSpPr>
+          <p:cNvPr id="323" name="Прямая со стрелкой 322"/>
+          <p:cNvCxnSpPr>
+            <a:stCxn id="213" idx="0"/>
+            <a:endCxn id="270" idx="2"/>
+          </p:cNvCxnSpPr>
+          <p:nvPr/>
+        </p:nvCxnSpPr>
+        <p:spPr>
+          <a:xfrm flipV="1">
+            <a:off x="6070127" y="577353"/>
+            <a:ext cx="602312" cy="2199162"/>
+          </a:xfrm>
+          <a:prstGeom prst="straightConnector1">
+            <a:avLst/>
+          </a:prstGeom>
+          <a:ln>
+            <a:solidFill>
+              <a:schemeClr val="tx1"/>
+            </a:solidFill>
+            <a:headEnd type="none"/>
+            <a:tailEnd type="triangle"/>
+          </a:ln>
+        </p:spPr>
+        <p:style>
+          <a:lnRef idx="1">
+            <a:schemeClr val="accent1"/>
+          </a:lnRef>
+          <a:fillRef idx="0">
+            <a:schemeClr val="accent1"/>
+          </a:fillRef>
+          <a:effectRef idx="0">
+            <a:schemeClr val="accent1"/>
+          </a:effectRef>
+          <a:fontRef idx="minor">
+            <a:schemeClr val="tx1"/>
+          </a:fontRef>
+        </p:style>
+      </p:cxnSp>
+      <p:cxnSp>
+        <p:nvCxnSpPr>
+          <p:cNvPr id="324" name="Прямая со стрелкой 323"/>
+          <p:cNvCxnSpPr>
+            <a:stCxn id="214" idx="0"/>
+          </p:cNvCxnSpPr>
+          <p:nvPr/>
+        </p:nvCxnSpPr>
+        <p:spPr>
+          <a:xfrm flipH="1" flipV="1">
+            <a:off x="7409875" y="705861"/>
+            <a:ext cx="330953" cy="2083211"/>
+          </a:xfrm>
+          <a:prstGeom prst="straightConnector1">
+            <a:avLst/>
+          </a:prstGeom>
+          <a:ln>
+            <a:solidFill>
+              <a:schemeClr val="tx1"/>
+            </a:solidFill>
+            <a:headEnd type="none"/>
+            <a:tailEnd type="triangle"/>
+          </a:ln>
+        </p:spPr>
+        <p:style>
+          <a:lnRef idx="1">
+            <a:schemeClr val="accent1"/>
+          </a:lnRef>
+          <a:fillRef idx="0">
+            <a:schemeClr val="accent1"/>
+          </a:fillRef>
+          <a:effectRef idx="0">
+            <a:schemeClr val="accent1"/>
+          </a:effectRef>
+          <a:fontRef idx="minor">
+            <a:schemeClr val="tx1"/>
+          </a:fontRef>
+        </p:style>
+      </p:cxnSp>
+    </p:spTree>
+    <p:extLst>
+      <p:ext uri="{BB962C8B-B14F-4D97-AF65-F5344CB8AC3E}">
+        <p14:creationId xmlns:p14="http://schemas.microsoft.com/office/powerpoint/2010/main" val="3332039629"/>
+      </p:ext>
+    </p:extLst>
+  </p:cSld>
+  <p:clrMapOvr>
+    <a:masterClrMapping/>
+  </p:clrMapOvr>
+  <p:timing>
+    <p:tnLst>
+      <p:par>
+        <p:cTn id="1" dur="indefinite" restart="never" nodeType="tmRoot"/>
+      </p:par>
+    </p:tnLst>
+  </p:timing>
+</p:sld>
+</file>
+
+<file path=ppt/slides/slide5.xml><?xml version="1.0" encoding="utf-8"?>
+<p:sld xmlns:a="http://schemas.openxmlformats.org/drawingml/2006/main" xmlns:r="http://schemas.openxmlformats.org/officeDocument/2006/relationships" xmlns:p="http://schemas.openxmlformats.org/presentationml/2006/main">
+  <p:cSld>
+    <p:spTree>
+      <p:nvGrpSpPr>
+        <p:cNvPr id="1" name=""/>
+        <p:cNvGrpSpPr/>
+        <p:nvPr/>
+      </p:nvGrpSpPr>
+      <p:grpSpPr>
+        <a:xfrm>
+          <a:off x="0" y="0"/>
+          <a:ext cx="0" cy="0"/>
+          <a:chOff x="0" y="0"/>
+          <a:chExt cx="0" cy="0"/>
+        </a:xfrm>
+      </p:grpSpPr>
+      <p:sp>
+        <p:nvSpPr>
           <p:cNvPr id="2" name="Oval 32"/>
           <p:cNvSpPr/>
           <p:nvPr/>
@@ -14478,6 +18950,13 @@
   <p:clrMapOvr>
     <a:masterClrMapping/>
   </p:clrMapOvr>
+  <p:timing>
+    <p:tnLst>
+      <p:par>
+        <p:cTn id="1" dur="indefinite" restart="never" nodeType="tmRoot"/>
+      </p:par>
+    </p:tnLst>
+  </p:timing>
 </p:sld>
 </file>
 
@@ -14736,7 +19215,7 @@
   <a:extraClrSchemeLst/>
   <a:extLst>
     <a:ext uri="{05A4C25C-085E-4340-85A3-A5531E510DB2}">
-      <thm15:themeFamily xmlns:thm15="http://schemas.microsoft.com/office/thememl/2012/main" xmlns="" name="Office Theme" id="{62F939B6-93AF-4DB8-9C6B-D6C7DFDC589F}" vid="{4A3C46E8-61CC-4603-A589-7422A47A8E4A}"/>
+      <thm15:themeFamily xmlns="" xmlns:thm15="http://schemas.microsoft.com/office/thememl/2012/main" name="Office Theme" id="{62F939B6-93AF-4DB8-9C6B-D6C7DFDC589F}" vid="{4A3C46E8-61CC-4603-A589-7422A47A8E4A}"/>
     </a:ext>
   </a:extLst>
 </a:theme>

--- a/dy.pptx
+++ b/dy.pptx
@@ -110,7 +110,7 @@
   </p:defaultTextStyle>
   <p:extLst>
     <p:ext uri="{EFAFB233-063F-42B5-8137-9DF3F51BA10A}">
-      <p15:sldGuideLst xmlns="" xmlns:p15="http://schemas.microsoft.com/office/powerpoint/2012/main"/>
+      <p15:sldGuideLst xmlns:p15="http://schemas.microsoft.com/office/powerpoint/2012/main" xmlns=""/>
     </p:ext>
   </p:extLst>
 </p:presentation>
@@ -247,7 +247,7 @@
           <a:p>
             <a:fld id="{3A4BDD1D-B22B-4ED6-A560-FD2CA5D857D7}" type="datetimeFigureOut">
               <a:rPr lang="ru-RU" smtClean="0"/>
-              <a:t>19.02.2024</a:t>
+              <a:t>27.02.2024</a:t>
             </a:fld>
             <a:endParaRPr lang="ru-RU"/>
           </a:p>
@@ -417,7 +417,7 @@
           <a:p>
             <a:fld id="{3A4BDD1D-B22B-4ED6-A560-FD2CA5D857D7}" type="datetimeFigureOut">
               <a:rPr lang="ru-RU" smtClean="0"/>
-              <a:t>19.02.2024</a:t>
+              <a:t>27.02.2024</a:t>
             </a:fld>
             <a:endParaRPr lang="ru-RU"/>
           </a:p>
@@ -597,7 +597,7 @@
           <a:p>
             <a:fld id="{3A4BDD1D-B22B-4ED6-A560-FD2CA5D857D7}" type="datetimeFigureOut">
               <a:rPr lang="ru-RU" smtClean="0"/>
-              <a:t>19.02.2024</a:t>
+              <a:t>27.02.2024</a:t>
             </a:fld>
             <a:endParaRPr lang="ru-RU"/>
           </a:p>
@@ -767,7 +767,7 @@
           <a:p>
             <a:fld id="{3A4BDD1D-B22B-4ED6-A560-FD2CA5D857D7}" type="datetimeFigureOut">
               <a:rPr lang="ru-RU" smtClean="0"/>
-              <a:t>19.02.2024</a:t>
+              <a:t>27.02.2024</a:t>
             </a:fld>
             <a:endParaRPr lang="ru-RU"/>
           </a:p>
@@ -1013,7 +1013,7 @@
           <a:p>
             <a:fld id="{3A4BDD1D-B22B-4ED6-A560-FD2CA5D857D7}" type="datetimeFigureOut">
               <a:rPr lang="ru-RU" smtClean="0"/>
-              <a:t>19.02.2024</a:t>
+              <a:t>27.02.2024</a:t>
             </a:fld>
             <a:endParaRPr lang="ru-RU"/>
           </a:p>
@@ -1245,7 +1245,7 @@
           <a:p>
             <a:fld id="{3A4BDD1D-B22B-4ED6-A560-FD2CA5D857D7}" type="datetimeFigureOut">
               <a:rPr lang="ru-RU" smtClean="0"/>
-              <a:t>19.02.2024</a:t>
+              <a:t>27.02.2024</a:t>
             </a:fld>
             <a:endParaRPr lang="ru-RU"/>
           </a:p>
@@ -1612,7 +1612,7 @@
           <a:p>
             <a:fld id="{3A4BDD1D-B22B-4ED6-A560-FD2CA5D857D7}" type="datetimeFigureOut">
               <a:rPr lang="ru-RU" smtClean="0"/>
-              <a:t>19.02.2024</a:t>
+              <a:t>27.02.2024</a:t>
             </a:fld>
             <a:endParaRPr lang="ru-RU"/>
           </a:p>
@@ -1730,7 +1730,7 @@
           <a:p>
             <a:fld id="{3A4BDD1D-B22B-4ED6-A560-FD2CA5D857D7}" type="datetimeFigureOut">
               <a:rPr lang="ru-RU" smtClean="0"/>
-              <a:t>19.02.2024</a:t>
+              <a:t>27.02.2024</a:t>
             </a:fld>
             <a:endParaRPr lang="ru-RU"/>
           </a:p>
@@ -1825,7 +1825,7 @@
           <a:p>
             <a:fld id="{3A4BDD1D-B22B-4ED6-A560-FD2CA5D857D7}" type="datetimeFigureOut">
               <a:rPr lang="ru-RU" smtClean="0"/>
-              <a:t>19.02.2024</a:t>
+              <a:t>27.02.2024</a:t>
             </a:fld>
             <a:endParaRPr lang="ru-RU"/>
           </a:p>
@@ -2102,7 +2102,7 @@
           <a:p>
             <a:fld id="{3A4BDD1D-B22B-4ED6-A560-FD2CA5D857D7}" type="datetimeFigureOut">
               <a:rPr lang="ru-RU" smtClean="0"/>
-              <a:t>19.02.2024</a:t>
+              <a:t>27.02.2024</a:t>
             </a:fld>
             <a:endParaRPr lang="ru-RU"/>
           </a:p>
@@ -2355,7 +2355,7 @@
           <a:p>
             <a:fld id="{3A4BDD1D-B22B-4ED6-A560-FD2CA5D857D7}" type="datetimeFigureOut">
               <a:rPr lang="ru-RU" smtClean="0"/>
-              <a:t>19.02.2024</a:t>
+              <a:t>27.02.2024</a:t>
             </a:fld>
             <a:endParaRPr lang="ru-RU"/>
           </a:p>
@@ -2568,7 +2568,7 @@
           <a:p>
             <a:fld id="{3A4BDD1D-B22B-4ED6-A560-FD2CA5D857D7}" type="datetimeFigureOut">
               <a:rPr lang="ru-RU" smtClean="0"/>
-              <a:t>19.02.2024</a:t>
+              <a:t>27.02.2024</a:t>
             </a:fld>
             <a:endParaRPr lang="ru-RU"/>
           </a:p>
@@ -14869,43 +14869,13 @@
       </p:sp>
       <p:sp>
         <p:nvSpPr>
-          <p:cNvPr id="5" name="TextBox 4"/>
-          <p:cNvSpPr txBox="1"/>
-          <p:nvPr/>
-        </p:nvSpPr>
-        <p:spPr>
-          <a:xfrm>
-            <a:off x="251722" y="1343939"/>
-            <a:ext cx="1193520" cy="369332"/>
-          </a:xfrm>
-          <a:prstGeom prst="rect">
-            <a:avLst/>
-          </a:prstGeom>
-          <a:noFill/>
-        </p:spPr>
-        <p:txBody>
-          <a:bodyPr wrap="square" rtlCol="0">
-            <a:spAutoFit/>
-          </a:bodyPr>
-          <a:lstStyle/>
-          <a:p>
-            <a:r>
-              <a:rPr lang="en-US" dirty="0" smtClean="0"/>
-              <a:t>REWGATE</a:t>
-            </a:r>
-            <a:endParaRPr lang="en-US" dirty="0"/>
-          </a:p>
-        </p:txBody>
-      </p:sp>
-      <p:sp>
-        <p:nvSpPr>
           <p:cNvPr id="6" name="TextBox 5"/>
           <p:cNvSpPr txBox="1"/>
           <p:nvPr/>
         </p:nvSpPr>
         <p:spPr>
           <a:xfrm>
-            <a:off x="7515407" y="156052"/>
+            <a:off x="4279258" y="156052"/>
             <a:ext cx="1782921" cy="369332"/>
           </a:xfrm>
           <a:prstGeom prst="rect">
@@ -19215,7 +19185,7 @@
   <a:extraClrSchemeLst/>
   <a:extLst>
     <a:ext uri="{05A4C25C-085E-4340-85A3-A5531E510DB2}">
-      <thm15:themeFamily xmlns="" xmlns:thm15="http://schemas.microsoft.com/office/thememl/2012/main" name="Office Theme" id="{62F939B6-93AF-4DB8-9C6B-D6C7DFDC589F}" vid="{4A3C46E8-61CC-4603-A589-7422A47A8E4A}"/>
+      <thm15:themeFamily xmlns:thm15="http://schemas.microsoft.com/office/thememl/2012/main" xmlns="" name="Office Theme" id="{62F939B6-93AF-4DB8-9C6B-D6C7DFDC589F}" vid="{4A3C46E8-61CC-4603-A589-7422A47A8E4A}"/>
     </a:ext>
   </a:extLst>
 </a:theme>

--- a/dy.pptx
+++ b/dy.pptx
@@ -110,7 +110,18 @@
   </p:defaultTextStyle>
   <p:extLst>
     <p:ext uri="{EFAFB233-063F-42B5-8137-9DF3F51BA10A}">
-      <p15:sldGuideLst xmlns="" xmlns:p15="http://schemas.microsoft.com/office/powerpoint/2012/main"/>
+      <p15:sldGuideLst xmlns:p15="http://schemas.microsoft.com/office/powerpoint/2012/main">
+        <p15:guide id="1" orient="horz" pos="2160">
+          <p15:clr>
+            <a:srgbClr val="A4A3A4"/>
+          </p15:clr>
+        </p15:guide>
+        <p15:guide id="2" pos="3840">
+          <p15:clr>
+            <a:srgbClr val="A4A3A4"/>
+          </p15:clr>
+        </p15:guide>
+      </p15:sldGuideLst>
     </p:ext>
   </p:extLst>
 </p:presentation>
@@ -158,10 +169,9 @@
           </a:lstStyle>
           <a:p>
             <a:r>
-              <a:rPr lang="ru-RU" smtClean="0"/>
+              <a:rPr lang="ru-RU"/>
               <a:t>Образец заголовка</a:t>
             </a:r>
-            <a:endParaRPr lang="ru-RU"/>
           </a:p>
         </p:txBody>
       </p:sp>
@@ -223,10 +233,9 @@
           </a:lstStyle>
           <a:p>
             <a:r>
-              <a:rPr lang="ru-RU" smtClean="0"/>
+              <a:rPr lang="ru-RU"/>
               <a:t>Образец подзаголовка</a:t>
             </a:r>
-            <a:endParaRPr lang="ru-RU"/>
           </a:p>
         </p:txBody>
       </p:sp>
@@ -247,7 +256,7 @@
           <a:p>
             <a:fld id="{3A4BDD1D-B22B-4ED6-A560-FD2CA5D857D7}" type="datetimeFigureOut">
               <a:rPr lang="ru-RU" smtClean="0"/>
-              <a:t>19.02.2024</a:t>
+              <a:t>23.02.2024</a:t>
             </a:fld>
             <a:endParaRPr lang="ru-RU"/>
           </a:p>
@@ -341,10 +350,9 @@
           <a:lstStyle/>
           <a:p>
             <a:r>
-              <a:rPr lang="ru-RU" smtClean="0"/>
+              <a:rPr lang="ru-RU"/>
               <a:t>Образец заголовка</a:t>
             </a:r>
-            <a:endParaRPr lang="ru-RU"/>
           </a:p>
         </p:txBody>
       </p:sp>
@@ -365,38 +373,37 @@
           <a:p>
             <a:pPr lvl="0"/>
             <a:r>
-              <a:rPr lang="ru-RU" smtClean="0"/>
+              <a:rPr lang="ru-RU"/>
               <a:t>Образец текста</a:t>
             </a:r>
           </a:p>
           <a:p>
             <a:pPr lvl="1"/>
             <a:r>
-              <a:rPr lang="ru-RU" smtClean="0"/>
+              <a:rPr lang="ru-RU"/>
               <a:t>Второй уровень</a:t>
             </a:r>
           </a:p>
           <a:p>
             <a:pPr lvl="2"/>
             <a:r>
-              <a:rPr lang="ru-RU" smtClean="0"/>
+              <a:rPr lang="ru-RU"/>
               <a:t>Третий уровень</a:t>
             </a:r>
           </a:p>
           <a:p>
             <a:pPr lvl="3"/>
             <a:r>
-              <a:rPr lang="ru-RU" smtClean="0"/>
+              <a:rPr lang="ru-RU"/>
               <a:t>Четвертый уровень</a:t>
             </a:r>
           </a:p>
           <a:p>
             <a:pPr lvl="4"/>
             <a:r>
-              <a:rPr lang="ru-RU" smtClean="0"/>
+              <a:rPr lang="ru-RU"/>
               <a:t>Пятый уровень</a:t>
             </a:r>
-            <a:endParaRPr lang="ru-RU"/>
           </a:p>
         </p:txBody>
       </p:sp>
@@ -417,7 +424,7 @@
           <a:p>
             <a:fld id="{3A4BDD1D-B22B-4ED6-A560-FD2CA5D857D7}" type="datetimeFigureOut">
               <a:rPr lang="ru-RU" smtClean="0"/>
-              <a:t>19.02.2024</a:t>
+              <a:t>23.02.2024</a:t>
             </a:fld>
             <a:endParaRPr lang="ru-RU"/>
           </a:p>
@@ -516,10 +523,9 @@
           <a:lstStyle/>
           <a:p>
             <a:r>
-              <a:rPr lang="ru-RU" smtClean="0"/>
+              <a:rPr lang="ru-RU"/>
               <a:t>Образец заголовка</a:t>
             </a:r>
-            <a:endParaRPr lang="ru-RU"/>
           </a:p>
         </p:txBody>
       </p:sp>
@@ -545,38 +551,37 @@
           <a:p>
             <a:pPr lvl="0"/>
             <a:r>
-              <a:rPr lang="ru-RU" smtClean="0"/>
+              <a:rPr lang="ru-RU"/>
               <a:t>Образец текста</a:t>
             </a:r>
           </a:p>
           <a:p>
             <a:pPr lvl="1"/>
             <a:r>
-              <a:rPr lang="ru-RU" smtClean="0"/>
+              <a:rPr lang="ru-RU"/>
               <a:t>Второй уровень</a:t>
             </a:r>
           </a:p>
           <a:p>
             <a:pPr lvl="2"/>
             <a:r>
-              <a:rPr lang="ru-RU" smtClean="0"/>
+              <a:rPr lang="ru-RU"/>
               <a:t>Третий уровень</a:t>
             </a:r>
           </a:p>
           <a:p>
             <a:pPr lvl="3"/>
             <a:r>
-              <a:rPr lang="ru-RU" smtClean="0"/>
+              <a:rPr lang="ru-RU"/>
               <a:t>Четвертый уровень</a:t>
             </a:r>
           </a:p>
           <a:p>
             <a:pPr lvl="4"/>
             <a:r>
-              <a:rPr lang="ru-RU" smtClean="0"/>
+              <a:rPr lang="ru-RU"/>
               <a:t>Пятый уровень</a:t>
             </a:r>
-            <a:endParaRPr lang="ru-RU"/>
           </a:p>
         </p:txBody>
       </p:sp>
@@ -597,7 +602,7 @@
           <a:p>
             <a:fld id="{3A4BDD1D-B22B-4ED6-A560-FD2CA5D857D7}" type="datetimeFigureOut">
               <a:rPr lang="ru-RU" smtClean="0"/>
-              <a:t>19.02.2024</a:t>
+              <a:t>23.02.2024</a:t>
             </a:fld>
             <a:endParaRPr lang="ru-RU"/>
           </a:p>
@@ -691,10 +696,9 @@
           <a:lstStyle/>
           <a:p>
             <a:r>
-              <a:rPr lang="ru-RU" smtClean="0"/>
+              <a:rPr lang="ru-RU"/>
               <a:t>Образец заголовка</a:t>
             </a:r>
-            <a:endParaRPr lang="ru-RU"/>
           </a:p>
         </p:txBody>
       </p:sp>
@@ -715,38 +719,37 @@
           <a:p>
             <a:pPr lvl="0"/>
             <a:r>
-              <a:rPr lang="ru-RU" smtClean="0"/>
+              <a:rPr lang="ru-RU"/>
               <a:t>Образец текста</a:t>
             </a:r>
           </a:p>
           <a:p>
             <a:pPr lvl="1"/>
             <a:r>
-              <a:rPr lang="ru-RU" smtClean="0"/>
+              <a:rPr lang="ru-RU"/>
               <a:t>Второй уровень</a:t>
             </a:r>
           </a:p>
           <a:p>
             <a:pPr lvl="2"/>
             <a:r>
-              <a:rPr lang="ru-RU" smtClean="0"/>
+              <a:rPr lang="ru-RU"/>
               <a:t>Третий уровень</a:t>
             </a:r>
           </a:p>
           <a:p>
             <a:pPr lvl="3"/>
             <a:r>
-              <a:rPr lang="ru-RU" smtClean="0"/>
+              <a:rPr lang="ru-RU"/>
               <a:t>Четвертый уровень</a:t>
             </a:r>
           </a:p>
           <a:p>
             <a:pPr lvl="4"/>
             <a:r>
-              <a:rPr lang="ru-RU" smtClean="0"/>
+              <a:rPr lang="ru-RU"/>
               <a:t>Пятый уровень</a:t>
             </a:r>
-            <a:endParaRPr lang="ru-RU"/>
           </a:p>
         </p:txBody>
       </p:sp>
@@ -767,7 +770,7 @@
           <a:p>
             <a:fld id="{3A4BDD1D-B22B-4ED6-A560-FD2CA5D857D7}" type="datetimeFigureOut">
               <a:rPr lang="ru-RU" smtClean="0"/>
-              <a:t>19.02.2024</a:t>
+              <a:t>23.02.2024</a:t>
             </a:fld>
             <a:endParaRPr lang="ru-RU"/>
           </a:p>
@@ -870,10 +873,9 @@
           </a:lstStyle>
           <a:p>
             <a:r>
-              <a:rPr lang="ru-RU" smtClean="0"/>
+              <a:rPr lang="ru-RU"/>
               <a:t>Образец заголовка</a:t>
             </a:r>
-            <a:endParaRPr lang="ru-RU"/>
           </a:p>
         </p:txBody>
       </p:sp>
@@ -990,7 +992,7 @@
           <a:p>
             <a:pPr lvl="0"/>
             <a:r>
-              <a:rPr lang="ru-RU" smtClean="0"/>
+              <a:rPr lang="ru-RU"/>
               <a:t>Образец текста</a:t>
             </a:r>
           </a:p>
@@ -1013,7 +1015,7 @@
           <a:p>
             <a:fld id="{3A4BDD1D-B22B-4ED6-A560-FD2CA5D857D7}" type="datetimeFigureOut">
               <a:rPr lang="ru-RU" smtClean="0"/>
-              <a:t>19.02.2024</a:t>
+              <a:t>23.02.2024</a:t>
             </a:fld>
             <a:endParaRPr lang="ru-RU"/>
           </a:p>
@@ -1107,10 +1109,9 @@
           <a:lstStyle/>
           <a:p>
             <a:r>
-              <a:rPr lang="ru-RU" smtClean="0"/>
+              <a:rPr lang="ru-RU"/>
               <a:t>Образец заголовка</a:t>
             </a:r>
-            <a:endParaRPr lang="ru-RU"/>
           </a:p>
         </p:txBody>
       </p:sp>
@@ -1136,38 +1137,37 @@
           <a:p>
             <a:pPr lvl="0"/>
             <a:r>
-              <a:rPr lang="ru-RU" smtClean="0"/>
+              <a:rPr lang="ru-RU"/>
               <a:t>Образец текста</a:t>
             </a:r>
           </a:p>
           <a:p>
             <a:pPr lvl="1"/>
             <a:r>
-              <a:rPr lang="ru-RU" smtClean="0"/>
+              <a:rPr lang="ru-RU"/>
               <a:t>Второй уровень</a:t>
             </a:r>
           </a:p>
           <a:p>
             <a:pPr lvl="2"/>
             <a:r>
-              <a:rPr lang="ru-RU" smtClean="0"/>
+              <a:rPr lang="ru-RU"/>
               <a:t>Третий уровень</a:t>
             </a:r>
           </a:p>
           <a:p>
             <a:pPr lvl="3"/>
             <a:r>
-              <a:rPr lang="ru-RU" smtClean="0"/>
+              <a:rPr lang="ru-RU"/>
               <a:t>Четвертый уровень</a:t>
             </a:r>
           </a:p>
           <a:p>
             <a:pPr lvl="4"/>
             <a:r>
-              <a:rPr lang="ru-RU" smtClean="0"/>
+              <a:rPr lang="ru-RU"/>
               <a:t>Пятый уровень</a:t>
             </a:r>
-            <a:endParaRPr lang="ru-RU"/>
           </a:p>
         </p:txBody>
       </p:sp>
@@ -1193,38 +1193,37 @@
           <a:p>
             <a:pPr lvl="0"/>
             <a:r>
-              <a:rPr lang="ru-RU" smtClean="0"/>
+              <a:rPr lang="ru-RU"/>
               <a:t>Образец текста</a:t>
             </a:r>
           </a:p>
           <a:p>
             <a:pPr lvl="1"/>
             <a:r>
-              <a:rPr lang="ru-RU" smtClean="0"/>
+              <a:rPr lang="ru-RU"/>
               <a:t>Второй уровень</a:t>
             </a:r>
           </a:p>
           <a:p>
             <a:pPr lvl="2"/>
             <a:r>
-              <a:rPr lang="ru-RU" smtClean="0"/>
+              <a:rPr lang="ru-RU"/>
               <a:t>Третий уровень</a:t>
             </a:r>
           </a:p>
           <a:p>
             <a:pPr lvl="3"/>
             <a:r>
-              <a:rPr lang="ru-RU" smtClean="0"/>
+              <a:rPr lang="ru-RU"/>
               <a:t>Четвертый уровень</a:t>
             </a:r>
           </a:p>
           <a:p>
             <a:pPr lvl="4"/>
             <a:r>
-              <a:rPr lang="ru-RU" smtClean="0"/>
+              <a:rPr lang="ru-RU"/>
               <a:t>Пятый уровень</a:t>
             </a:r>
-            <a:endParaRPr lang="ru-RU"/>
           </a:p>
         </p:txBody>
       </p:sp>
@@ -1245,7 +1244,7 @@
           <a:p>
             <a:fld id="{3A4BDD1D-B22B-4ED6-A560-FD2CA5D857D7}" type="datetimeFigureOut">
               <a:rPr lang="ru-RU" smtClean="0"/>
-              <a:t>19.02.2024</a:t>
+              <a:t>23.02.2024</a:t>
             </a:fld>
             <a:endParaRPr lang="ru-RU"/>
           </a:p>
@@ -1344,10 +1343,9 @@
           <a:lstStyle/>
           <a:p>
             <a:r>
-              <a:rPr lang="ru-RU" smtClean="0"/>
+              <a:rPr lang="ru-RU"/>
               <a:t>Образец заголовка</a:t>
             </a:r>
-            <a:endParaRPr lang="ru-RU"/>
           </a:p>
         </p:txBody>
       </p:sp>
@@ -1410,7 +1408,7 @@
           <a:p>
             <a:pPr lvl="0"/>
             <a:r>
-              <a:rPr lang="ru-RU" smtClean="0"/>
+              <a:rPr lang="ru-RU"/>
               <a:t>Образец текста</a:t>
             </a:r>
           </a:p>
@@ -1438,38 +1436,37 @@
           <a:p>
             <a:pPr lvl="0"/>
             <a:r>
-              <a:rPr lang="ru-RU" smtClean="0"/>
+              <a:rPr lang="ru-RU"/>
               <a:t>Образец текста</a:t>
             </a:r>
           </a:p>
           <a:p>
             <a:pPr lvl="1"/>
             <a:r>
-              <a:rPr lang="ru-RU" smtClean="0"/>
+              <a:rPr lang="ru-RU"/>
               <a:t>Второй уровень</a:t>
             </a:r>
           </a:p>
           <a:p>
             <a:pPr lvl="2"/>
             <a:r>
-              <a:rPr lang="ru-RU" smtClean="0"/>
+              <a:rPr lang="ru-RU"/>
               <a:t>Третий уровень</a:t>
             </a:r>
           </a:p>
           <a:p>
             <a:pPr lvl="3"/>
             <a:r>
-              <a:rPr lang="ru-RU" smtClean="0"/>
+              <a:rPr lang="ru-RU"/>
               <a:t>Четвертый уровень</a:t>
             </a:r>
           </a:p>
           <a:p>
             <a:pPr lvl="4"/>
             <a:r>
-              <a:rPr lang="ru-RU" smtClean="0"/>
+              <a:rPr lang="ru-RU"/>
               <a:t>Пятый уровень</a:t>
             </a:r>
-            <a:endParaRPr lang="ru-RU"/>
           </a:p>
         </p:txBody>
       </p:sp>
@@ -1532,7 +1529,7 @@
           <a:p>
             <a:pPr lvl="0"/>
             <a:r>
-              <a:rPr lang="ru-RU" smtClean="0"/>
+              <a:rPr lang="ru-RU"/>
               <a:t>Образец текста</a:t>
             </a:r>
           </a:p>
@@ -1560,38 +1557,37 @@
           <a:p>
             <a:pPr lvl="0"/>
             <a:r>
-              <a:rPr lang="ru-RU" smtClean="0"/>
+              <a:rPr lang="ru-RU"/>
               <a:t>Образец текста</a:t>
             </a:r>
           </a:p>
           <a:p>
             <a:pPr lvl="1"/>
             <a:r>
-              <a:rPr lang="ru-RU" smtClean="0"/>
+              <a:rPr lang="ru-RU"/>
               <a:t>Второй уровень</a:t>
             </a:r>
           </a:p>
           <a:p>
             <a:pPr lvl="2"/>
             <a:r>
-              <a:rPr lang="ru-RU" smtClean="0"/>
+              <a:rPr lang="ru-RU"/>
               <a:t>Третий уровень</a:t>
             </a:r>
           </a:p>
           <a:p>
             <a:pPr lvl="3"/>
             <a:r>
-              <a:rPr lang="ru-RU" smtClean="0"/>
+              <a:rPr lang="ru-RU"/>
               <a:t>Четвертый уровень</a:t>
             </a:r>
           </a:p>
           <a:p>
             <a:pPr lvl="4"/>
             <a:r>
-              <a:rPr lang="ru-RU" smtClean="0"/>
+              <a:rPr lang="ru-RU"/>
               <a:t>Пятый уровень</a:t>
             </a:r>
-            <a:endParaRPr lang="ru-RU"/>
           </a:p>
         </p:txBody>
       </p:sp>
@@ -1612,7 +1608,7 @@
           <a:p>
             <a:fld id="{3A4BDD1D-B22B-4ED6-A560-FD2CA5D857D7}" type="datetimeFigureOut">
               <a:rPr lang="ru-RU" smtClean="0"/>
-              <a:t>19.02.2024</a:t>
+              <a:t>23.02.2024</a:t>
             </a:fld>
             <a:endParaRPr lang="ru-RU"/>
           </a:p>
@@ -1706,10 +1702,9 @@
           <a:lstStyle/>
           <a:p>
             <a:r>
-              <a:rPr lang="ru-RU" smtClean="0"/>
+              <a:rPr lang="ru-RU"/>
               <a:t>Образец заголовка</a:t>
             </a:r>
-            <a:endParaRPr lang="ru-RU"/>
           </a:p>
         </p:txBody>
       </p:sp>
@@ -1730,7 +1725,7 @@
           <a:p>
             <a:fld id="{3A4BDD1D-B22B-4ED6-A560-FD2CA5D857D7}" type="datetimeFigureOut">
               <a:rPr lang="ru-RU" smtClean="0"/>
-              <a:t>19.02.2024</a:t>
+              <a:t>23.02.2024</a:t>
             </a:fld>
             <a:endParaRPr lang="ru-RU"/>
           </a:p>
@@ -1825,7 +1820,7 @@
           <a:p>
             <a:fld id="{3A4BDD1D-B22B-4ED6-A560-FD2CA5D857D7}" type="datetimeFigureOut">
               <a:rPr lang="ru-RU" smtClean="0"/>
-              <a:t>19.02.2024</a:t>
+              <a:t>23.02.2024</a:t>
             </a:fld>
             <a:endParaRPr lang="ru-RU"/>
           </a:p>
@@ -1928,10 +1923,9 @@
           </a:lstStyle>
           <a:p>
             <a:r>
-              <a:rPr lang="ru-RU" smtClean="0"/>
+              <a:rPr lang="ru-RU"/>
               <a:t>Образец заголовка</a:t>
             </a:r>
-            <a:endParaRPr lang="ru-RU"/>
           </a:p>
         </p:txBody>
       </p:sp>
@@ -1985,38 +1979,37 @@
           <a:p>
             <a:pPr lvl="0"/>
             <a:r>
-              <a:rPr lang="ru-RU" smtClean="0"/>
+              <a:rPr lang="ru-RU"/>
               <a:t>Образец текста</a:t>
             </a:r>
           </a:p>
           <a:p>
             <a:pPr lvl="1"/>
             <a:r>
-              <a:rPr lang="ru-RU" smtClean="0"/>
+              <a:rPr lang="ru-RU"/>
               <a:t>Второй уровень</a:t>
             </a:r>
           </a:p>
           <a:p>
             <a:pPr lvl="2"/>
             <a:r>
-              <a:rPr lang="ru-RU" smtClean="0"/>
+              <a:rPr lang="ru-RU"/>
               <a:t>Третий уровень</a:t>
             </a:r>
           </a:p>
           <a:p>
             <a:pPr lvl="3"/>
             <a:r>
-              <a:rPr lang="ru-RU" smtClean="0"/>
+              <a:rPr lang="ru-RU"/>
               <a:t>Четвертый уровень</a:t>
             </a:r>
           </a:p>
           <a:p>
             <a:pPr lvl="4"/>
             <a:r>
-              <a:rPr lang="ru-RU" smtClean="0"/>
+              <a:rPr lang="ru-RU"/>
               <a:t>Пятый уровень</a:t>
             </a:r>
-            <a:endParaRPr lang="ru-RU"/>
           </a:p>
         </p:txBody>
       </p:sp>
@@ -2079,7 +2072,7 @@
           <a:p>
             <a:pPr lvl="0"/>
             <a:r>
-              <a:rPr lang="ru-RU" smtClean="0"/>
+              <a:rPr lang="ru-RU"/>
               <a:t>Образец текста</a:t>
             </a:r>
           </a:p>
@@ -2102,7 +2095,7 @@
           <a:p>
             <a:fld id="{3A4BDD1D-B22B-4ED6-A560-FD2CA5D857D7}" type="datetimeFigureOut">
               <a:rPr lang="ru-RU" smtClean="0"/>
-              <a:t>19.02.2024</a:t>
+              <a:t>23.02.2024</a:t>
             </a:fld>
             <a:endParaRPr lang="ru-RU"/>
           </a:p>
@@ -2205,10 +2198,9 @@
           </a:lstStyle>
           <a:p>
             <a:r>
-              <a:rPr lang="ru-RU" smtClean="0"/>
+              <a:rPr lang="ru-RU"/>
               <a:t>Образец заголовка</a:t>
             </a:r>
-            <a:endParaRPr lang="ru-RU"/>
           </a:p>
         </p:txBody>
       </p:sp>
@@ -2332,7 +2324,7 @@
           <a:p>
             <a:pPr lvl="0"/>
             <a:r>
-              <a:rPr lang="ru-RU" smtClean="0"/>
+              <a:rPr lang="ru-RU"/>
               <a:t>Образец текста</a:t>
             </a:r>
           </a:p>
@@ -2355,7 +2347,7 @@
           <a:p>
             <a:fld id="{3A4BDD1D-B22B-4ED6-A560-FD2CA5D857D7}" type="datetimeFigureOut">
               <a:rPr lang="ru-RU" smtClean="0"/>
-              <a:t>19.02.2024</a:t>
+              <a:t>23.02.2024</a:t>
             </a:fld>
             <a:endParaRPr lang="ru-RU"/>
           </a:p>
@@ -2464,10 +2456,9 @@
           <a:lstStyle/>
           <a:p>
             <a:r>
-              <a:rPr lang="ru-RU" smtClean="0"/>
+              <a:rPr lang="ru-RU"/>
               <a:t>Образец заголовка</a:t>
             </a:r>
-            <a:endParaRPr lang="ru-RU"/>
           </a:p>
         </p:txBody>
       </p:sp>
@@ -2498,38 +2489,37 @@
           <a:p>
             <a:pPr lvl="0"/>
             <a:r>
-              <a:rPr lang="ru-RU" smtClean="0"/>
+              <a:rPr lang="ru-RU"/>
               <a:t>Образец текста</a:t>
             </a:r>
           </a:p>
           <a:p>
             <a:pPr lvl="1"/>
             <a:r>
-              <a:rPr lang="ru-RU" smtClean="0"/>
+              <a:rPr lang="ru-RU"/>
               <a:t>Второй уровень</a:t>
             </a:r>
           </a:p>
           <a:p>
             <a:pPr lvl="2"/>
             <a:r>
-              <a:rPr lang="ru-RU" smtClean="0"/>
+              <a:rPr lang="ru-RU"/>
               <a:t>Третий уровень</a:t>
             </a:r>
           </a:p>
           <a:p>
             <a:pPr lvl="3"/>
             <a:r>
-              <a:rPr lang="ru-RU" smtClean="0"/>
+              <a:rPr lang="ru-RU"/>
               <a:t>Четвертый уровень</a:t>
             </a:r>
           </a:p>
           <a:p>
             <a:pPr lvl="4"/>
             <a:r>
-              <a:rPr lang="ru-RU" smtClean="0"/>
+              <a:rPr lang="ru-RU"/>
               <a:t>Пятый уровень</a:t>
             </a:r>
-            <a:endParaRPr lang="ru-RU"/>
           </a:p>
         </p:txBody>
       </p:sp>
@@ -2568,7 +2558,7 @@
           <a:p>
             <a:fld id="{3A4BDD1D-B22B-4ED6-A560-FD2CA5D857D7}" type="datetimeFigureOut">
               <a:rPr lang="ru-RU" smtClean="0"/>
-              <a:t>19.02.2024</a:t>
+              <a:t>23.02.2024</a:t>
             </a:fld>
             <a:endParaRPr lang="ru-RU"/>
           </a:p>
@@ -3117,13 +3107,8 @@
           <a:p>
             <a:r>
               <a:rPr lang="ru-RU" sz="1200" dirty="0"/>
-              <a:t>к</a:t>
+              <a:t>качество текущего состояния</a:t>
             </a:r>
-            <a:r>
-              <a:rPr lang="ru-RU" sz="1200" dirty="0" smtClean="0"/>
-              <a:t>ачество текущего состояния</a:t>
-            </a:r>
-            <a:endParaRPr lang="ru-RU" sz="1200" dirty="0"/>
           </a:p>
         </p:txBody>
       </p:sp>
@@ -4664,7 +4649,7 @@
           <a:p>
             <a:pPr algn="ctr"/>
             <a:r>
-              <a:rPr lang="en-US" sz="900" dirty="0" smtClean="0"/>
+              <a:rPr lang="en-US" sz="900" dirty="0"/>
               <a:t>SPOFF</a:t>
             </a:r>
             <a:endParaRPr lang="ru-RU" sz="900" dirty="0"/>
@@ -4747,7 +4732,7 @@
           <a:p>
             <a:pPr algn="ctr"/>
             <a:r>
-              <a:rPr lang="en-US" sz="2400" dirty="0" smtClean="0"/>
+              <a:rPr lang="en-US" sz="2400" dirty="0"/>
               <a:t>LACT</a:t>
             </a:r>
             <a:endParaRPr lang="ru-RU" sz="2400" dirty="0"/>
@@ -4813,7 +4798,7 @@
           <a:lstStyle/>
           <a:p>
             <a:r>
-              <a:rPr lang="en-US" dirty="0" smtClean="0"/>
+              <a:rPr lang="en-US" dirty="0"/>
               <a:t>action (rec3)</a:t>
             </a:r>
             <a:endParaRPr lang="ru-RU" dirty="0"/>
@@ -4963,7 +4948,7 @@
           <a:lstStyle/>
           <a:p>
             <a:r>
-              <a:rPr lang="en-US" sz="1200" dirty="0" smtClean="0"/>
+              <a:rPr lang="en-US" sz="1200" dirty="0"/>
               <a:t>Sec punishment</a:t>
             </a:r>
             <a:endParaRPr lang="ru-RU" sz="1200" dirty="0"/>
@@ -5113,7 +5098,7 @@
           <a:lstStyle/>
           <a:p>
             <a:r>
-              <a:rPr lang="en-US" sz="1200" dirty="0" smtClean="0"/>
+              <a:rPr lang="en-US" sz="1200" dirty="0"/>
               <a:t>Sec reward</a:t>
             </a:r>
             <a:endParaRPr lang="ru-RU" sz="1200" dirty="0"/>
@@ -5424,7 +5409,7 @@
           <a:lstStyle/>
           <a:p>
             <a:r>
-              <a:rPr lang="en-US" sz="1200" dirty="0" smtClean="0"/>
+              <a:rPr lang="en-US" sz="1200" dirty="0"/>
               <a:t>Sec reward</a:t>
             </a:r>
             <a:endParaRPr lang="ru-RU" sz="1200" dirty="0"/>
@@ -5844,7 +5829,7 @@
           <a:lstStyle/>
           <a:p>
             <a:r>
-              <a:rPr lang="en-US" dirty="0" smtClean="0"/>
+              <a:rPr lang="en-US" dirty="0"/>
               <a:t>gates</a:t>
             </a:r>
             <a:endParaRPr lang="ru-RU" dirty="0"/>
@@ -6406,7 +6391,7 @@
           <a:p>
             <a:pPr algn="ctr"/>
             <a:r>
-              <a:rPr lang="en-US" dirty="0" smtClean="0"/>
+              <a:rPr lang="en-US" dirty="0"/>
               <a:t>Poisson</a:t>
             </a:r>
             <a:endParaRPr lang="ru-RU" dirty="0"/>
@@ -6486,7 +6471,7 @@
           <a:p>
             <a:pPr algn="ctr"/>
             <a:r>
-              <a:rPr lang="en-US" dirty="0" smtClean="0"/>
+              <a:rPr lang="en-US" dirty="0"/>
               <a:t>Poisson</a:t>
             </a:r>
             <a:endParaRPr lang="ru-RU" dirty="0"/>
@@ -6566,7 +6551,7 @@
           <a:p>
             <a:pPr algn="ctr"/>
             <a:r>
-              <a:rPr lang="en-US" sz="2400" dirty="0" smtClean="0"/>
+              <a:rPr lang="en-US" sz="2400" dirty="0"/>
               <a:t>LACT</a:t>
             </a:r>
             <a:endParaRPr lang="ru-RU" sz="2400" dirty="0"/>
@@ -6610,7 +6595,7 @@
           <a:p>
             <a:pPr algn="ctr"/>
             <a:r>
-              <a:rPr lang="en-US" sz="1050" dirty="0" smtClean="0"/>
+              <a:rPr lang="en-US" sz="1050" dirty="0"/>
               <a:t>SPON</a:t>
             </a:r>
             <a:endParaRPr lang="ru-RU" sz="1050" dirty="0"/>
@@ -6690,7 +6675,7 @@
           <a:p>
             <a:pPr algn="ctr"/>
             <a:r>
-              <a:rPr lang="en-US" sz="2400" dirty="0" smtClean="0"/>
+              <a:rPr lang="en-US" sz="2400" dirty="0"/>
               <a:t>LACT</a:t>
             </a:r>
             <a:endParaRPr lang="ru-RU" sz="2400" dirty="0"/>
@@ -6734,7 +6719,7 @@
           <a:p>
             <a:pPr algn="ctr"/>
             <a:r>
-              <a:rPr lang="en-US" sz="1050" dirty="0" smtClean="0"/>
+              <a:rPr lang="en-US" sz="1050" dirty="0"/>
               <a:t>SPON</a:t>
             </a:r>
             <a:endParaRPr lang="ru-RU" sz="1050" dirty="0"/>
@@ -7025,10 +7010,9 @@
           <a:lstStyle/>
           <a:p>
             <a:r>
-              <a:rPr lang="en-US" dirty="0" smtClean="0"/>
+              <a:rPr lang="en-US" dirty="0"/>
               <a:t>rec0 not used </a:t>
             </a:r>
-            <a:endParaRPr lang="en-US" dirty="0"/>
           </a:p>
         </p:txBody>
       </p:sp>
@@ -7055,10 +7039,9 @@
           <a:lstStyle/>
           <a:p>
             <a:r>
-              <a:rPr lang="en-US" dirty="0" smtClean="0"/>
+              <a:rPr lang="en-US" dirty="0"/>
               <a:t>rec1</a:t>
             </a:r>
-            <a:endParaRPr lang="en-US" dirty="0"/>
           </a:p>
         </p:txBody>
       </p:sp>
@@ -7099,10 +7082,9 @@
           <a:p>
             <a:pPr algn="ctr"/>
             <a:r>
-              <a:rPr lang="en-US" dirty="0" smtClean="0"/>
+              <a:rPr lang="en-US" dirty="0"/>
               <a:t>INPUT (rec2)</a:t>
             </a:r>
-            <a:endParaRPr lang="en-US" dirty="0"/>
           </a:p>
         </p:txBody>
       </p:sp>
@@ -7253,10 +7235,9 @@
           <a:lstStyle/>
           <a:p>
             <a:r>
-              <a:rPr lang="en-US" dirty="0" smtClean="0"/>
+              <a:rPr lang="en-US" dirty="0"/>
               <a:t>rec4</a:t>
             </a:r>
-            <a:endParaRPr lang="en-US" dirty="0"/>
           </a:p>
         </p:txBody>
       </p:sp>
@@ -7341,10 +7322,9 @@
           <a:lstStyle/>
           <a:p>
             <a:r>
-              <a:rPr lang="en-US" sz="600" dirty="0" smtClean="0"/>
+              <a:rPr lang="en-US" sz="600" dirty="0"/>
               <a:t>ACTIONGATESSECPUN</a:t>
             </a:r>
-            <a:endParaRPr lang="en-US" sz="600" dirty="0"/>
           </a:p>
         </p:txBody>
       </p:sp>
@@ -7400,10 +7380,9 @@
           <a:lstStyle/>
           <a:p>
             <a:r>
-              <a:rPr lang="en-US" dirty="0" smtClean="0"/>
+              <a:rPr lang="en-US" dirty="0"/>
               <a:t>ACTREP</a:t>
             </a:r>
-            <a:endParaRPr lang="en-US" dirty="0"/>
           </a:p>
         </p:txBody>
       </p:sp>
@@ -7417,13 +7396,6 @@
   <p:clrMapOvr>
     <a:masterClrMapping/>
   </p:clrMapOvr>
-  <p:timing>
-    <p:tnLst>
-      <p:par>
-        <p:cTn id="1" dur="indefinite" restart="never" nodeType="tmRoot"/>
-      </p:par>
-    </p:tnLst>
-  </p:timing>
 </p:sld>
 </file>
 
@@ -7467,15 +7439,15 @@
           <a:lstStyle/>
           <a:p>
             <a:r>
-              <a:rPr lang="en-US" sz="2800" dirty="0" smtClean="0"/>
+              <a:rPr lang="en-US" sz="2800" dirty="0"/>
               <a:t>WTA without anti-</a:t>
             </a:r>
             <a:r>
-              <a:rPr lang="en-US" sz="2800" dirty="0" err="1" smtClean="0"/>
+              <a:rPr lang="en-US" sz="2800" dirty="0" err="1"/>
               <a:t>Hebbian</a:t>
             </a:r>
             <a:r>
-              <a:rPr lang="en-US" sz="2800" dirty="0" smtClean="0"/>
+              <a:rPr lang="en-US" sz="2800" dirty="0"/>
               <a:t> plasticity</a:t>
             </a:r>
             <a:endParaRPr lang="ru-RU" sz="2800" dirty="0"/>
@@ -7491,50 +7463,6 @@
         <p:spPr>
           <a:xfrm>
             <a:off x="1736436" y="4193309"/>
-            <a:ext cx="1173019" cy="1099127"/>
-          </a:xfrm>
-          <a:prstGeom prst="ellipse">
-            <a:avLst/>
-          </a:prstGeom>
-        </p:spPr>
-        <p:style>
-          <a:lnRef idx="2">
-            <a:schemeClr val="accent1">
-              <a:shade val="50000"/>
-            </a:schemeClr>
-          </a:lnRef>
-          <a:fillRef idx="1">
-            <a:schemeClr val="accent1"/>
-          </a:fillRef>
-          <a:effectRef idx="0">
-            <a:schemeClr val="accent1"/>
-          </a:effectRef>
-          <a:fontRef idx="minor">
-            <a:schemeClr val="lt1"/>
-          </a:fontRef>
-        </p:style>
-        <p:txBody>
-          <a:bodyPr rtlCol="0" anchor="ctr"/>
-          <a:lstStyle/>
-          <a:p>
-            <a:pPr algn="ctr"/>
-            <a:r>
-              <a:rPr lang="en-US" sz="2000" dirty="0" smtClean="0"/>
-              <a:t>LWTA</a:t>
-            </a:r>
-            <a:endParaRPr lang="ru-RU" sz="2000" dirty="0"/>
-          </a:p>
-        </p:txBody>
-      </p:sp>
-      <p:sp>
-        <p:nvSpPr>
-          <p:cNvPr id="4" name="Овал 3"/>
-          <p:cNvSpPr/>
-          <p:nvPr/>
-        </p:nvSpPr>
-        <p:spPr>
-          <a:xfrm>
-            <a:off x="5029199" y="4271819"/>
             <a:ext cx="1173019" cy="1099127"/>
           </a:xfrm>
           <a:prstGeom prst="ellipse">
@@ -7572,13 +7500,13 @@
       </p:sp>
       <p:sp>
         <p:nvSpPr>
-          <p:cNvPr id="5" name="Овал 4"/>
+          <p:cNvPr id="4" name="Овал 3"/>
           <p:cNvSpPr/>
           <p:nvPr/>
         </p:nvSpPr>
         <p:spPr>
           <a:xfrm>
-            <a:off x="8446654" y="4271818"/>
+            <a:off x="5029199" y="4271819"/>
             <a:ext cx="1173019" cy="1099127"/>
           </a:xfrm>
           <a:prstGeom prst="ellipse">
@@ -7607,7 +7535,51 @@
           <a:p>
             <a:pPr algn="ctr"/>
             <a:r>
-              <a:rPr lang="en-US" sz="2000" dirty="0" smtClean="0"/>
+              <a:rPr lang="en-US" sz="2000" dirty="0"/>
+              <a:t>LWTA</a:t>
+            </a:r>
+            <a:endParaRPr lang="ru-RU" sz="2000" dirty="0"/>
+          </a:p>
+        </p:txBody>
+      </p:sp>
+      <p:sp>
+        <p:nvSpPr>
+          <p:cNvPr id="5" name="Овал 4"/>
+          <p:cNvSpPr/>
+          <p:nvPr/>
+        </p:nvSpPr>
+        <p:spPr>
+          <a:xfrm>
+            <a:off x="8446654" y="4271818"/>
+            <a:ext cx="1173019" cy="1099127"/>
+          </a:xfrm>
+          <a:prstGeom prst="ellipse">
+            <a:avLst/>
+          </a:prstGeom>
+        </p:spPr>
+        <p:style>
+          <a:lnRef idx="2">
+            <a:schemeClr val="accent1">
+              <a:shade val="50000"/>
+            </a:schemeClr>
+          </a:lnRef>
+          <a:fillRef idx="1">
+            <a:schemeClr val="accent1"/>
+          </a:fillRef>
+          <a:effectRef idx="0">
+            <a:schemeClr val="accent1"/>
+          </a:effectRef>
+          <a:fontRef idx="minor">
+            <a:schemeClr val="lt1"/>
+          </a:fontRef>
+        </p:style>
+        <p:txBody>
+          <a:bodyPr rtlCol="0" anchor="ctr"/>
+          <a:lstStyle/>
+          <a:p>
+            <a:pPr algn="ctr"/>
+            <a:r>
+              <a:rPr lang="en-US" sz="2000" dirty="0"/>
               <a:t>LWTA</a:t>
             </a:r>
             <a:endParaRPr lang="ru-RU" sz="2000" dirty="0"/>
@@ -8864,7 +8836,7 @@
           <a:lstStyle/>
           <a:p>
             <a:r>
-              <a:rPr lang="en-US" dirty="0" smtClean="0"/>
+              <a:rPr lang="en-US" dirty="0"/>
               <a:t>It is assumed that the internal punishment will come first and therefore the external evaluation will not take effect. Therefore, internal punishment does not depend on dopamine plasticity time.</a:t>
             </a:r>
             <a:endParaRPr lang="ru-RU" dirty="0"/>
@@ -8933,10 +8905,9 @@
           <a:lstStyle/>
           <a:p>
             <a:r>
-              <a:rPr lang="en-US" dirty="0" smtClean="0"/>
+              <a:rPr lang="en-US" dirty="0"/>
               <a:t>ACTOUT</a:t>
             </a:r>
-            <a:endParaRPr lang="en-US" dirty="0"/>
           </a:p>
         </p:txBody>
       </p:sp>
@@ -8963,10 +8934,9 @@
           <a:lstStyle/>
           <a:p>
             <a:r>
-              <a:rPr lang="en-US" dirty="0" smtClean="0"/>
+              <a:rPr lang="en-US" dirty="0"/>
               <a:t>ANTIHEBB</a:t>
             </a:r>
-            <a:endParaRPr lang="en-US" dirty="0"/>
           </a:p>
         </p:txBody>
       </p:sp>
@@ -8980,13 +8950,6 @@
   <p:clrMapOvr>
     <a:masterClrMapping/>
   </p:clrMapOvr>
-  <p:timing>
-    <p:tnLst>
-      <p:par>
-        <p:cTn id="1" dur="indefinite" restart="never" nodeType="tmRoot"/>
-      </p:par>
-    </p:tnLst>
-  </p:timing>
 </p:sld>
 </file>
 
@@ -9044,7 +9007,7 @@
           <a:p>
             <a:pPr algn="ctr"/>
             <a:r>
-              <a:rPr lang="en-US" dirty="0" smtClean="0"/>
+              <a:rPr lang="en-US" dirty="0"/>
               <a:t>input</a:t>
             </a:r>
             <a:endParaRPr lang="ru-RU" dirty="0"/>
@@ -9310,7 +9273,7 @@
           <a:lstStyle/>
           <a:p>
             <a:r>
-              <a:rPr lang="en-US" sz="1600" dirty="0" smtClean="0"/>
+              <a:rPr lang="en-US" sz="1600" dirty="0"/>
               <a:t>Possibly fully connected, with small (or negative) random initial resources and random delays.</a:t>
             </a:r>
             <a:endParaRPr lang="ru-RU" sz="1600" dirty="0"/>
@@ -9442,7 +9405,7 @@
           <a:p>
             <a:pPr algn="ctr"/>
             <a:r>
-              <a:rPr lang="en-US" sz="1200" dirty="0" smtClean="0"/>
+              <a:rPr lang="en-US" sz="1200" dirty="0"/>
               <a:t>WTA</a:t>
             </a:r>
             <a:endParaRPr lang="ru-RU" sz="1200" dirty="0"/>
@@ -9486,7 +9449,7 @@
           <a:p>
             <a:pPr algn="ctr"/>
             <a:r>
-              <a:rPr lang="en-US" sz="1200" dirty="0" smtClean="0"/>
+              <a:rPr lang="en-US" sz="1200" dirty="0"/>
               <a:t>WTA</a:t>
             </a:r>
             <a:endParaRPr lang="ru-RU" sz="1200" dirty="0"/>
@@ -9530,7 +9493,7 @@
           <a:p>
             <a:pPr algn="ctr"/>
             <a:r>
-              <a:rPr lang="en-US" sz="1200" dirty="0" smtClean="0"/>
+              <a:rPr lang="en-US" sz="1200" dirty="0"/>
               <a:t>WTA</a:t>
             </a:r>
             <a:endParaRPr lang="ru-RU" sz="1200" dirty="0"/>
@@ -9745,7 +9708,7 @@
           <a:lstStyle/>
           <a:p>
             <a:r>
-              <a:rPr lang="en-US" dirty="0" smtClean="0"/>
+              <a:rPr lang="en-US" dirty="0"/>
               <a:t>REWARD</a:t>
             </a:r>
             <a:endParaRPr lang="ru-RU" dirty="0"/>
@@ -9789,7 +9752,7 @@
           <a:p>
             <a:pPr algn="ctr"/>
             <a:r>
-              <a:rPr lang="en-US" sz="1100" dirty="0" smtClean="0"/>
+              <a:rPr lang="en-US" sz="1100" dirty="0"/>
               <a:t>GATE</a:t>
             </a:r>
             <a:endParaRPr lang="ru-RU" sz="1100" dirty="0"/>
@@ -9873,7 +9836,7 @@
           <a:p>
             <a:pPr algn="ctr"/>
             <a:r>
-              <a:rPr lang="en-US" sz="1100" dirty="0" smtClean="0"/>
+              <a:rPr lang="en-US" sz="1100" dirty="0"/>
               <a:t>GATE</a:t>
             </a:r>
             <a:endParaRPr lang="ru-RU" sz="1100" dirty="0"/>
@@ -9957,7 +9920,7 @@
           <a:p>
             <a:pPr algn="ctr"/>
             <a:r>
-              <a:rPr lang="en-US" sz="1100" dirty="0" smtClean="0"/>
+              <a:rPr lang="en-US" sz="1100" dirty="0"/>
               <a:t>GATE</a:t>
             </a:r>
             <a:endParaRPr lang="ru-RU" sz="1100" dirty="0"/>
@@ -10389,7 +10352,7 @@
           <a:p>
             <a:pPr algn="ctr"/>
             <a:r>
-              <a:rPr lang="en-US" sz="2000" dirty="0" smtClean="0"/>
+              <a:rPr lang="en-US" sz="2000" dirty="0"/>
               <a:t>OR</a:t>
             </a:r>
             <a:endParaRPr lang="ru-RU" sz="2000" dirty="0"/>
@@ -10539,7 +10502,7 @@
           <a:p>
             <a:pPr algn="ctr"/>
             <a:r>
-              <a:rPr lang="en-US" sz="700" dirty="0" smtClean="0"/>
+              <a:rPr lang="en-US" sz="700" dirty="0"/>
               <a:t>SECREW</a:t>
             </a:r>
             <a:endParaRPr lang="ru-RU" sz="700" dirty="0"/>
@@ -10793,7 +10756,7 @@
           <a:p>
             <a:pPr algn="ctr"/>
             <a:r>
-              <a:rPr lang="en-US" sz="1200" dirty="0" smtClean="0"/>
+              <a:rPr lang="en-US" sz="1200" dirty="0"/>
               <a:t>WTA</a:t>
             </a:r>
             <a:endParaRPr lang="ru-RU" sz="1200" dirty="0"/>
@@ -10837,7 +10800,7 @@
           <a:p>
             <a:pPr algn="ctr"/>
             <a:r>
-              <a:rPr lang="en-US" sz="1200" dirty="0" smtClean="0"/>
+              <a:rPr lang="en-US" sz="1200" dirty="0"/>
               <a:t>WTA</a:t>
             </a:r>
             <a:endParaRPr lang="ru-RU" sz="1200" dirty="0"/>
@@ -10881,7 +10844,7 @@
           <a:p>
             <a:pPr algn="ctr"/>
             <a:r>
-              <a:rPr lang="en-US" sz="1200" dirty="0" smtClean="0"/>
+              <a:rPr lang="en-US" sz="1200" dirty="0"/>
               <a:t>WTA</a:t>
             </a:r>
             <a:endParaRPr lang="ru-RU" sz="1200" dirty="0"/>
@@ -11110,7 +11073,7 @@
           <a:p>
             <a:pPr algn="ctr"/>
             <a:r>
-              <a:rPr lang="en-US" sz="1100" dirty="0" smtClean="0"/>
+              <a:rPr lang="en-US" sz="1100" dirty="0"/>
               <a:t>GATE</a:t>
             </a:r>
             <a:endParaRPr lang="ru-RU" sz="1100" dirty="0"/>
@@ -11194,7 +11157,7 @@
           <a:p>
             <a:pPr algn="ctr"/>
             <a:r>
-              <a:rPr lang="en-US" sz="1100" dirty="0" smtClean="0"/>
+              <a:rPr lang="en-US" sz="1100" dirty="0"/>
               <a:t>GATE</a:t>
             </a:r>
             <a:endParaRPr lang="ru-RU" sz="1100" dirty="0"/>
@@ -11278,7 +11241,7 @@
           <a:p>
             <a:pPr algn="ctr"/>
             <a:r>
-              <a:rPr lang="en-US" sz="1100" dirty="0" smtClean="0"/>
+              <a:rPr lang="en-US" sz="1100" dirty="0"/>
               <a:t>GATE</a:t>
             </a:r>
             <a:endParaRPr lang="ru-RU" sz="1100" dirty="0"/>
@@ -11710,7 +11673,7 @@
           <a:p>
             <a:pPr algn="ctr"/>
             <a:r>
-              <a:rPr lang="en-US" sz="2000" dirty="0" smtClean="0"/>
+              <a:rPr lang="en-US" sz="2000" dirty="0"/>
               <a:t>OR</a:t>
             </a:r>
             <a:endParaRPr lang="ru-RU" sz="2000" dirty="0"/>
@@ -11860,7 +11823,7 @@
           <a:p>
             <a:pPr algn="ctr"/>
             <a:r>
-              <a:rPr lang="en-US" sz="700" dirty="0" smtClean="0"/>
+              <a:rPr lang="en-US" sz="700" dirty="0"/>
               <a:t>SECREW</a:t>
             </a:r>
             <a:endParaRPr lang="ru-RU" sz="700" dirty="0"/>
@@ -11968,7 +11931,7 @@
           <a:lstStyle/>
           <a:p>
             <a:r>
-              <a:rPr lang="en-US" sz="6000" b="1" dirty="0" smtClean="0"/>
+              <a:rPr lang="en-US" sz="6000" b="1" dirty="0"/>
               <a:t>…</a:t>
             </a:r>
             <a:endParaRPr lang="ru-RU" sz="6000" b="1" dirty="0"/>
@@ -12530,7 +12493,7 @@
           <a:lstStyle/>
           <a:p>
             <a:r>
-              <a:rPr lang="en-US" dirty="0" smtClean="0"/>
+              <a:rPr lang="en-US" dirty="0"/>
               <a:t>Multilevel event prediction</a:t>
             </a:r>
             <a:endParaRPr lang="ru-RU" dirty="0"/>
@@ -12560,27 +12523,27 @@
           <a:lstStyle/>
           <a:p>
             <a:r>
-              <a:rPr lang="en-US" sz="1050" dirty="0" smtClean="0"/>
+              <a:rPr lang="en-US" sz="1050" dirty="0"/>
               <a:t>Output – SECREW or V.</a:t>
             </a:r>
           </a:p>
           <a:p>
             <a:r>
-              <a:rPr lang="en-US" sz="1050" dirty="0" smtClean="0"/>
+              <a:rPr lang="en-US" sz="1050" dirty="0"/>
               <a:t>SECREW indicates reaching new level and is used in multi-level event prediction.</a:t>
             </a:r>
           </a:p>
           <a:p>
             <a:r>
-              <a:rPr lang="en-US" sz="1050" dirty="0" smtClean="0"/>
+              <a:rPr lang="en-US" sz="1050" dirty="0"/>
               <a:t>V indicates being in the highest state (only highest active V should be taken into account). It is used as input for </a:t>
             </a:r>
             <a:r>
-              <a:rPr lang="en-US" sz="1050" dirty="0" err="1" smtClean="0"/>
+              <a:rPr lang="en-US" sz="1050" dirty="0" err="1"/>
               <a:t>dynpos</a:t>
             </a:r>
             <a:r>
-              <a:rPr lang="en-US" sz="1050" dirty="0" smtClean="0"/>
+              <a:rPr lang="en-US" sz="1050" dirty="0"/>
               <a:t>.</a:t>
             </a:r>
             <a:endParaRPr lang="ru-RU" sz="1050" dirty="0"/>
@@ -12610,10 +12573,9 @@
           <a:lstStyle/>
           <a:p>
             <a:r>
-              <a:rPr lang="en-US" dirty="0" smtClean="0"/>
+              <a:rPr lang="en-US" dirty="0"/>
               <a:t>REWGATE</a:t>
             </a:r>
-            <a:endParaRPr lang="en-US" dirty="0"/>
           </a:p>
         </p:txBody>
       </p:sp>
@@ -12640,10 +12602,9 @@
           <a:lstStyle/>
           <a:p>
             <a:r>
-              <a:rPr lang="en-US" dirty="0" smtClean="0"/>
+              <a:rPr lang="en-US" dirty="0"/>
               <a:t>SECREWINT</a:t>
             </a:r>
-            <a:endParaRPr lang="en-US" dirty="0"/>
           </a:p>
         </p:txBody>
       </p:sp>
@@ -12657,13 +12618,6 @@
   <p:clrMapOvr>
     <a:masterClrMapping/>
   </p:clrMapOvr>
-  <p:timing>
-    <p:tnLst>
-      <p:par>
-        <p:cTn id="1" dur="indefinite" restart="never" nodeType="tmRoot"/>
-      </p:par>
-    </p:tnLst>
-  </p:timing>
 </p:sld>
 </file>
 
@@ -12721,7 +12675,7 @@
           <a:p>
             <a:pPr algn="ctr"/>
             <a:r>
-              <a:rPr lang="en-US" dirty="0" smtClean="0"/>
+              <a:rPr lang="en-US" dirty="0"/>
               <a:t>input</a:t>
             </a:r>
             <a:endParaRPr lang="ru-RU" dirty="0"/>
@@ -12987,7 +12941,7 @@
           <a:lstStyle/>
           <a:p>
             <a:r>
-              <a:rPr lang="en-US" sz="1600" dirty="0" smtClean="0"/>
+              <a:rPr lang="en-US" sz="1600" dirty="0"/>
               <a:t>Possibly fully connected, with small (or negative) random initial resources and random delays.</a:t>
             </a:r>
             <a:endParaRPr lang="ru-RU" sz="1600" dirty="0"/>
@@ -13119,7 +13073,7 @@
           <a:p>
             <a:pPr algn="ctr"/>
             <a:r>
-              <a:rPr lang="en-US" sz="1200" dirty="0" smtClean="0"/>
+              <a:rPr lang="en-US" sz="1200" dirty="0"/>
               <a:t>WTA</a:t>
             </a:r>
             <a:endParaRPr lang="ru-RU" sz="1200" dirty="0"/>
@@ -13163,7 +13117,7 @@
           <a:p>
             <a:pPr algn="ctr"/>
             <a:r>
-              <a:rPr lang="en-US" sz="1200" dirty="0" smtClean="0"/>
+              <a:rPr lang="en-US" sz="1200" dirty="0"/>
               <a:t>WTA</a:t>
             </a:r>
             <a:endParaRPr lang="ru-RU" sz="1200" dirty="0"/>
@@ -13207,7 +13161,7 @@
           <a:p>
             <a:pPr algn="ctr"/>
             <a:r>
-              <a:rPr lang="en-US" sz="1200" dirty="0" smtClean="0"/>
+              <a:rPr lang="en-US" sz="1200" dirty="0"/>
               <a:t>WTA</a:t>
             </a:r>
             <a:endParaRPr lang="ru-RU" sz="1200" dirty="0"/>
@@ -13422,7 +13376,7 @@
           <a:lstStyle/>
           <a:p>
             <a:r>
-              <a:rPr lang="en-US" dirty="0" smtClean="0"/>
+              <a:rPr lang="en-US" dirty="0"/>
               <a:t>REWARD</a:t>
             </a:r>
             <a:endParaRPr lang="ru-RU" dirty="0"/>
@@ -13443,7 +13397,7 @@
           <a:prstGeom prst="ellipse">
             <a:avLst/>
           </a:prstGeom>
-          <a:ln>
+          <a:ln w="63500">
             <a:solidFill>
               <a:srgbClr val="FF0000"/>
             </a:solidFill>
@@ -13471,7 +13425,7 @@
           <a:p>
             <a:pPr algn="ctr"/>
             <a:r>
-              <a:rPr lang="en-US" sz="1100" dirty="0" smtClean="0"/>
+              <a:rPr lang="en-US" sz="1100" dirty="0"/>
               <a:t>REWBIAS</a:t>
             </a:r>
             <a:endParaRPr lang="ru-RU" sz="1100" dirty="0"/>
@@ -13863,7 +13817,7 @@
           <a:p>
             <a:pPr algn="ctr"/>
             <a:r>
-              <a:rPr lang="en-US" sz="2000" dirty="0" smtClean="0"/>
+              <a:rPr lang="en-US" sz="2000" dirty="0"/>
               <a:t>OR</a:t>
             </a:r>
             <a:endParaRPr lang="ru-RU" sz="2000" dirty="0"/>
@@ -14014,7 +13968,7 @@
           <a:p>
             <a:pPr algn="ctr"/>
             <a:r>
-              <a:rPr lang="en-US" sz="700" dirty="0" smtClean="0"/>
+              <a:rPr lang="en-US" sz="700" dirty="0"/>
               <a:t>SECREW</a:t>
             </a:r>
             <a:endParaRPr lang="ru-RU" sz="700" dirty="0"/>
@@ -14136,7 +14090,7 @@
           <a:p>
             <a:pPr algn="ctr"/>
             <a:r>
-              <a:rPr lang="en-US" sz="2000" dirty="0" smtClean="0"/>
+              <a:rPr lang="en-US" sz="2000" dirty="0"/>
               <a:t>OR</a:t>
             </a:r>
             <a:endParaRPr lang="ru-RU" sz="2000" dirty="0"/>
@@ -14180,7 +14134,7 @@
           <a:p>
             <a:pPr algn="ctr"/>
             <a:r>
-              <a:rPr lang="en-US" sz="700" dirty="0" smtClean="0"/>
+              <a:rPr lang="en-US" sz="700" dirty="0"/>
               <a:t>SECREW</a:t>
             </a:r>
             <a:endParaRPr lang="ru-RU" sz="700" dirty="0"/>
@@ -14288,7 +14242,7 @@
           <a:lstStyle/>
           <a:p>
             <a:r>
-              <a:rPr lang="en-US" sz="6000" b="1" dirty="0" smtClean="0"/>
+              <a:rPr lang="en-US" sz="6000" b="1" dirty="0"/>
               <a:t>…</a:t>
             </a:r>
             <a:endParaRPr lang="ru-RU" sz="6000" b="1" dirty="0"/>
@@ -14810,7 +14764,7 @@
           <a:lstStyle/>
           <a:p>
             <a:r>
-              <a:rPr lang="en-US" dirty="0" smtClean="0"/>
+              <a:rPr lang="en-US" dirty="0"/>
               <a:t>Multilevel event prediction</a:t>
             </a:r>
             <a:endParaRPr lang="ru-RU" dirty="0"/>
@@ -14840,27 +14794,27 @@
           <a:lstStyle/>
           <a:p>
             <a:r>
-              <a:rPr lang="en-US" sz="1050" dirty="0" smtClean="0"/>
+              <a:rPr lang="en-US" sz="1050" dirty="0"/>
               <a:t>Output – SECREW or V.</a:t>
             </a:r>
           </a:p>
           <a:p>
             <a:r>
-              <a:rPr lang="en-US" sz="1050" dirty="0" smtClean="0"/>
+              <a:rPr lang="en-US" sz="1050" dirty="0"/>
               <a:t>SECREW indicates reaching new level and is used in multi-level event prediction.</a:t>
             </a:r>
           </a:p>
           <a:p>
             <a:r>
-              <a:rPr lang="en-US" sz="1050" dirty="0" smtClean="0"/>
+              <a:rPr lang="en-US" sz="1050" dirty="0"/>
               <a:t>V indicates being in the highest state (only highest active V should be taken into account). It is used as input for </a:t>
             </a:r>
             <a:r>
-              <a:rPr lang="en-US" sz="1050" dirty="0" err="1" smtClean="0"/>
+              <a:rPr lang="en-US" sz="1050" dirty="0" err="1"/>
               <a:t>dynpos</a:t>
             </a:r>
             <a:r>
-              <a:rPr lang="en-US" sz="1050" dirty="0" smtClean="0"/>
+              <a:rPr lang="en-US" sz="1050" dirty="0"/>
               <a:t>.</a:t>
             </a:r>
             <a:endParaRPr lang="ru-RU" sz="1050" dirty="0"/>
@@ -14890,10 +14844,9 @@
           <a:lstStyle/>
           <a:p>
             <a:r>
-              <a:rPr lang="en-US" dirty="0" smtClean="0"/>
+              <a:rPr lang="en-US" dirty="0"/>
               <a:t>REWGATE</a:t>
             </a:r>
-            <a:endParaRPr lang="en-US" dirty="0"/>
           </a:p>
         </p:txBody>
       </p:sp>
@@ -14920,10 +14873,9 @@
           <a:lstStyle/>
           <a:p>
             <a:r>
-              <a:rPr lang="en-US" dirty="0" smtClean="0"/>
+              <a:rPr lang="en-US" dirty="0"/>
               <a:t>SECREWINT</a:t>
             </a:r>
-            <a:endParaRPr lang="en-US" dirty="0"/>
           </a:p>
         </p:txBody>
       </p:sp>
@@ -14964,7 +14916,7 @@
           <a:p>
             <a:pPr algn="ctr"/>
             <a:r>
-              <a:rPr lang="en-US" sz="600" dirty="0" smtClean="0"/>
+              <a:rPr lang="en-US" sz="600" dirty="0"/>
               <a:t>REWGATE</a:t>
             </a:r>
             <a:endParaRPr lang="ru-RU" sz="600" dirty="0"/>
@@ -15008,7 +14960,7 @@
           <a:p>
             <a:pPr algn="ctr"/>
             <a:r>
-              <a:rPr lang="en-US" sz="600" dirty="0" smtClean="0"/>
+              <a:rPr lang="en-US" sz="600" dirty="0"/>
               <a:t>REWGATE</a:t>
             </a:r>
             <a:endParaRPr lang="ru-RU" sz="600" dirty="0"/>
@@ -15052,7 +15004,7 @@
           <a:p>
             <a:pPr algn="ctr"/>
             <a:r>
-              <a:rPr lang="en-US" sz="600" dirty="0" smtClean="0"/>
+              <a:rPr lang="en-US" sz="600" dirty="0"/>
               <a:t>REWGATE</a:t>
             </a:r>
             <a:endParaRPr lang="ru-RU" sz="600" dirty="0"/>
@@ -15082,14 +15034,13 @@
           <a:lstStyle/>
           <a:p>
             <a:r>
-              <a:rPr lang="en-US" sz="1050" dirty="0" err="1" smtClean="0"/>
+              <a:rPr lang="en-US" sz="1050" dirty="0" err="1"/>
               <a:t>Chartime</a:t>
             </a:r>
             <a:r>
-              <a:rPr lang="en-US" sz="1050" dirty="0" smtClean="0"/>
+              <a:rPr lang="en-US" sz="1050" dirty="0"/>
               <a:t> ~ 0.5 prognosis period (L)</a:t>
             </a:r>
-            <a:endParaRPr lang="en-US" sz="1050" dirty="0"/>
           </a:p>
         </p:txBody>
       </p:sp>
@@ -15233,10 +15184,9 @@
           <a:lstStyle/>
           <a:p>
             <a:r>
-              <a:rPr lang="en-US" sz="1050" dirty="0" smtClean="0"/>
+              <a:rPr lang="en-US" sz="1050" dirty="0"/>
               <a:t>L</a:t>
             </a:r>
-            <a:endParaRPr lang="en-US" sz="1050" dirty="0"/>
           </a:p>
         </p:txBody>
       </p:sp>
@@ -15263,10 +15213,9 @@
           <a:lstStyle/>
           <a:p>
             <a:r>
-              <a:rPr lang="en-US" sz="1050" dirty="0" smtClean="0"/>
+              <a:rPr lang="en-US" sz="1050" dirty="0"/>
               <a:t>L</a:t>
             </a:r>
-            <a:endParaRPr lang="en-US" sz="1050" dirty="0"/>
           </a:p>
         </p:txBody>
       </p:sp>
@@ -15437,10 +15386,9 @@
           <a:lstStyle/>
           <a:p>
             <a:r>
-              <a:rPr lang="en-US" sz="1050" dirty="0" smtClean="0"/>
+              <a:rPr lang="en-US" sz="1050" dirty="0"/>
               <a:t>L</a:t>
             </a:r>
-            <a:endParaRPr lang="en-US" sz="1050" dirty="0"/>
           </a:p>
         </p:txBody>
       </p:sp>
@@ -15721,7 +15669,7 @@
           <a:p>
             <a:pPr algn="ctr"/>
             <a:r>
-              <a:rPr lang="en-US" sz="1200" dirty="0" smtClean="0"/>
+              <a:rPr lang="en-US" sz="1200" dirty="0"/>
               <a:t>WTA</a:t>
             </a:r>
             <a:endParaRPr lang="ru-RU" sz="1200" dirty="0"/>
@@ -15765,7 +15713,7 @@
           <a:p>
             <a:pPr algn="ctr"/>
             <a:r>
-              <a:rPr lang="en-US" sz="1200" dirty="0" smtClean="0"/>
+              <a:rPr lang="en-US" sz="1200" dirty="0"/>
               <a:t>WTA</a:t>
             </a:r>
             <a:endParaRPr lang="ru-RU" sz="1200" dirty="0"/>
@@ -15809,7 +15757,7 @@
           <a:p>
             <a:pPr algn="ctr"/>
             <a:r>
-              <a:rPr lang="en-US" sz="1200" dirty="0" smtClean="0"/>
+              <a:rPr lang="en-US" sz="1200" dirty="0"/>
               <a:t>WTA</a:t>
             </a:r>
             <a:endParaRPr lang="ru-RU" sz="1200" dirty="0"/>
@@ -16158,7 +16106,7 @@
           <a:p>
             <a:pPr algn="ctr"/>
             <a:r>
-              <a:rPr lang="en-US" sz="600" dirty="0" smtClean="0"/>
+              <a:rPr lang="en-US" sz="600" dirty="0"/>
               <a:t>REWGATE</a:t>
             </a:r>
             <a:endParaRPr lang="ru-RU" sz="600" dirty="0"/>
@@ -16202,7 +16150,7 @@
           <a:p>
             <a:pPr algn="ctr"/>
             <a:r>
-              <a:rPr lang="en-US" sz="600" dirty="0" smtClean="0"/>
+              <a:rPr lang="en-US" sz="600" dirty="0"/>
               <a:t>REWGATE</a:t>
             </a:r>
             <a:endParaRPr lang="ru-RU" sz="600" dirty="0"/>
@@ -16246,7 +16194,7 @@
           <a:p>
             <a:pPr algn="ctr"/>
             <a:r>
-              <a:rPr lang="en-US" sz="600" dirty="0" smtClean="0"/>
+              <a:rPr lang="en-US" sz="600" dirty="0"/>
               <a:t>REWGATE</a:t>
             </a:r>
             <a:endParaRPr lang="ru-RU" sz="600" dirty="0"/>
@@ -16393,10 +16341,9 @@
           <a:lstStyle/>
           <a:p>
             <a:r>
-              <a:rPr lang="en-US" sz="1050" dirty="0" smtClean="0"/>
+              <a:rPr lang="en-US" sz="1050" dirty="0"/>
               <a:t>L</a:t>
             </a:r>
-            <a:endParaRPr lang="en-US" sz="1050" dirty="0"/>
           </a:p>
         </p:txBody>
       </p:sp>
@@ -16423,10 +16370,9 @@
           <a:lstStyle/>
           <a:p>
             <a:r>
-              <a:rPr lang="en-US" sz="1050" dirty="0" smtClean="0"/>
+              <a:rPr lang="en-US" sz="1050" dirty="0"/>
               <a:t>L</a:t>
             </a:r>
-            <a:endParaRPr lang="en-US" sz="1050" dirty="0"/>
           </a:p>
         </p:txBody>
       </p:sp>
@@ -16444,7 +16390,7 @@
           <a:prstGeom prst="ellipse">
             <a:avLst/>
           </a:prstGeom>
-          <a:ln>
+          <a:ln w="63500">
             <a:solidFill>
               <a:srgbClr val="FF0000"/>
             </a:solidFill>
@@ -16472,7 +16418,7 @@
           <a:p>
             <a:pPr algn="ctr"/>
             <a:r>
-              <a:rPr lang="en-US" sz="1100" dirty="0" smtClean="0"/>
+              <a:rPr lang="en-US" sz="1100" dirty="0"/>
               <a:t>REWBIAS</a:t>
             </a:r>
             <a:endParaRPr lang="ru-RU" sz="1100" dirty="0"/>
@@ -17114,13 +17060,6 @@
   <p:clrMapOvr>
     <a:masterClrMapping/>
   </p:clrMapOvr>
-  <p:timing>
-    <p:tnLst>
-      <p:par>
-        <p:cTn id="1" dur="indefinite" restart="never" nodeType="tmRoot"/>
-      </p:par>
-    </p:tnLst>
-  </p:timing>
 </p:sld>
 </file>
 
@@ -17685,7 +17624,7 @@
           <a:p>
             <a:pPr algn="ctr"/>
             <a:r>
-              <a:rPr lang="en-US" sz="1100" dirty="0" smtClean="0"/>
+              <a:rPr lang="en-US" sz="1100" dirty="0"/>
               <a:t>MEM</a:t>
             </a:r>
             <a:endParaRPr lang="ru-RU" sz="1100" dirty="0"/>
@@ -17729,7 +17668,7 @@
           <a:p>
             <a:pPr algn="ctr"/>
             <a:r>
-              <a:rPr lang="en-US" sz="1200" dirty="0" smtClean="0"/>
+              <a:rPr lang="en-US" sz="1200" dirty="0"/>
               <a:t>RIND</a:t>
             </a:r>
             <a:endParaRPr lang="ru-RU" sz="1200" dirty="0"/>
@@ -17812,7 +17751,7 @@
           <a:p>
             <a:pPr algn="ctr"/>
             <a:r>
-              <a:rPr lang="en-US" sz="1200" dirty="0" smtClean="0"/>
+              <a:rPr lang="en-US" sz="1200" dirty="0"/>
               <a:t>PIND</a:t>
             </a:r>
             <a:endParaRPr lang="ru-RU" sz="1200" dirty="0"/>
@@ -18783,7 +18722,7 @@
           <a:lstStyle/>
           <a:p>
             <a:r>
-              <a:rPr lang="en-US" dirty="0" smtClean="0"/>
+              <a:rPr lang="en-US" dirty="0"/>
               <a:t>REWARDS</a:t>
             </a:r>
             <a:endParaRPr lang="ru-RU" dirty="0"/>
@@ -18813,7 +18752,7 @@
           <a:lstStyle/>
           <a:p>
             <a:r>
-              <a:rPr lang="en-US" dirty="0" smtClean="0"/>
+              <a:rPr lang="en-US" dirty="0"/>
               <a:t>PUNISHMENTS</a:t>
             </a:r>
             <a:endParaRPr lang="ru-RU" dirty="0"/>
@@ -18843,7 +18782,7 @@
           <a:lstStyle/>
           <a:p>
             <a:r>
-              <a:rPr lang="en-US" dirty="0" smtClean="0"/>
+              <a:rPr lang="en-US" dirty="0"/>
               <a:t>Inputs indicating being in a state (only the highest level node activity is taken into account. </a:t>
             </a:r>
             <a:endParaRPr lang="ru-RU" dirty="0"/>
@@ -18873,7 +18812,7 @@
           <a:lstStyle/>
           <a:p>
             <a:r>
-              <a:rPr lang="en-US" dirty="0" smtClean="0"/>
+              <a:rPr lang="en-US" dirty="0"/>
               <a:t>MEM also can serve as output as normalized indicator of current state.</a:t>
             </a:r>
             <a:endParaRPr lang="ru-RU" dirty="0"/>
@@ -18903,10 +18842,9 @@
           <a:lstStyle/>
           <a:p>
             <a:r>
-              <a:rPr lang="en-US" dirty="0" smtClean="0"/>
+              <a:rPr lang="en-US" dirty="0"/>
               <a:t>SECREW</a:t>
             </a:r>
-            <a:endParaRPr lang="en-US" dirty="0"/>
           </a:p>
         </p:txBody>
       </p:sp>
@@ -18933,10 +18871,9 @@
           <a:lstStyle/>
           <a:p>
             <a:r>
-              <a:rPr lang="en-US" dirty="0" smtClean="0"/>
+              <a:rPr lang="en-US" dirty="0"/>
               <a:t>SECPUN</a:t>
             </a:r>
-            <a:endParaRPr lang="en-US" dirty="0"/>
           </a:p>
         </p:txBody>
       </p:sp>
@@ -18950,13 +18887,6 @@
   <p:clrMapOvr>
     <a:masterClrMapping/>
   </p:clrMapOvr>
-  <p:timing>
-    <p:tnLst>
-      <p:par>
-        <p:cTn id="1" dur="indefinite" restart="never" nodeType="tmRoot"/>
-      </p:par>
-    </p:tnLst>
-  </p:timing>
 </p:sld>
 </file>
 
@@ -19215,7 +19145,7 @@
   <a:extraClrSchemeLst/>
   <a:extLst>
     <a:ext uri="{05A4C25C-085E-4340-85A3-A5531E510DB2}">
-      <thm15:themeFamily xmlns="" xmlns:thm15="http://schemas.microsoft.com/office/thememl/2012/main" name="Office Theme" id="{62F939B6-93AF-4DB8-9C6B-D6C7DFDC589F}" vid="{4A3C46E8-61CC-4603-A589-7422A47A8E4A}"/>
+      <thm15:themeFamily xmlns:thm15="http://schemas.microsoft.com/office/thememl/2012/main" name="Office Theme" id="{62F939B6-93AF-4DB8-9C6B-D6C7DFDC589F}" vid="{4A3C46E8-61CC-4603-A589-7422A47A8E4A}"/>
     </a:ext>
   </a:extLst>
 </a:theme>
